--- a/Part_1_Resources_for_computational_modellers/2_Structured_data_from_literature/4_ICG.pptx
+++ b/Part_1_Resources_for_computational_modellers/2_Structured_data_from_literature/4_ICG.pptx
@@ -121,7 +121,7 @@
                 </a:uFill>
                 <a:latin typeface="Times New Roman"/>
               </a:rPr>
-              <a:t> </a:t>
+              <a:t>&lt;header&gt;</a:t>
             </a:r>
             <a:endParaRPr b="0" lang="en-GB" sz="1400" spc="-1" strike="noStrike">
               <a:solidFill>
@@ -172,7 +172,7 @@
                 </a:uFill>
                 <a:latin typeface="Times New Roman"/>
               </a:rPr>
-              <a:t> </a:t>
+              <a:t>&lt;date/time&gt;</a:t>
             </a:r>
             <a:endParaRPr b="0" lang="en-GB" sz="1400" spc="-1" strike="noStrike">
               <a:solidFill>
@@ -222,7 +222,7 @@
                 </a:uFill>
                 <a:latin typeface="Times New Roman"/>
               </a:rPr>
-              <a:t> </a:t>
+              <a:t>&lt;footer&gt;</a:t>
             </a:r>
             <a:endParaRPr b="0" lang="en-GB" sz="1400" spc="-1" strike="noStrike">
               <a:solidFill>
@@ -261,7 +261,7 @@
           <a:bodyPr lIns="0" rIns="0" tIns="0" bIns="0" anchor="b"/>
           <a:p>
             <a:pPr algn="r"/>
-            <a:fld id="{00C21843-6838-492D-B233-B1DDE3B1FE5C}" type="slidenum">
+            <a:fld id="{DB6A301C-AE15-49A1-BEA0-EAA80756C62B}" type="slidenum">
               <a:rPr b="0" lang="en-GB" sz="1400" spc="-1" strike="noStrike">
                 <a:solidFill>
                   <a:srgbClr val="000000"/>
@@ -273,7 +273,7 @@
                 </a:uFill>
                 <a:latin typeface="Times New Roman"/>
               </a:rPr>
-              <a:t>1</a:t>
+              <a:t>&lt;number&gt;</a:t>
             </a:fld>
             <a:endParaRPr b="0" lang="en-GB" sz="1400" spc="-1" strike="noStrike">
               <a:solidFill>
@@ -321,7 +321,7 @@
         <p:spPr>
           <a:xfrm>
             <a:off x="4278240" y="10156680"/>
-            <a:ext cx="3278880" cy="532800"/>
+            <a:ext cx="3278520" cy="532440"/>
           </a:xfrm>
           <a:prstGeom prst="rect">
             <a:avLst/>
@@ -345,7 +345,7 @@
                 <a:spcPct val="100000"/>
               </a:lnSpc>
             </a:pPr>
-            <a:fld id="{6CE45259-900A-4169-B739-ABF2035035C1}" type="slidenum">
+            <a:fld id="{DBA15B7F-21C8-40DA-A42C-EE5979E1EA94}" type="slidenum">
               <a:rPr b="0" lang="en-GB" sz="1400" spc="-1" strike="noStrike">
                 <a:solidFill>
                   <a:srgbClr val="000000"/>
@@ -358,7 +358,7 @@
                 <a:latin typeface="Times New Roman"/>
                 <a:ea typeface="DejaVu Sans"/>
               </a:rPr>
-              <a:t>1</a:t>
+              <a:t>&lt;number&gt;</a:t>
             </a:fld>
             <a:endParaRPr b="0" lang="en-GB" sz="1800" spc="-1" strike="noStrike">
               <a:solidFill>
@@ -387,7 +387,7 @@
         <p:spPr>
           <a:xfrm>
             <a:off x="755640" y="5078520"/>
-            <a:ext cx="6047640" cy="4811040"/>
+            <a:ext cx="6047280" cy="4810680"/>
           </a:xfrm>
           <a:prstGeom prst="rect">
             <a:avLst/>
@@ -441,7 +441,7 @@
         <p:spPr>
           <a:xfrm>
             <a:off x="4278240" y="10156680"/>
-            <a:ext cx="3278520" cy="532440"/>
+            <a:ext cx="3278160" cy="532080"/>
           </a:xfrm>
           <a:prstGeom prst="rect">
             <a:avLst/>
@@ -465,7 +465,7 @@
                 <a:spcPct val="100000"/>
               </a:lnSpc>
             </a:pPr>
-            <a:fld id="{DE05B20D-94B2-4E7C-925E-E5DDEF92EBFA}" type="slidenum">
+            <a:fld id="{4A43D039-B329-4282-86F1-097C9A3FDA9D}" type="slidenum">
               <a:rPr b="0" lang="en-GB" sz="1400" spc="-1" strike="noStrike">
                 <a:solidFill>
                   <a:srgbClr val="000000"/>
@@ -478,7 +478,7 @@
                 <a:latin typeface="Times New Roman"/>
                 <a:ea typeface="DejaVu Sans"/>
               </a:rPr>
-              <a:t>1</a:t>
+              <a:t>&lt;number&gt;</a:t>
             </a:fld>
             <a:endParaRPr b="0" lang="en-GB" sz="1800" spc="-1" strike="noStrike">
               <a:solidFill>
@@ -507,7 +507,7 @@
         <p:spPr>
           <a:xfrm>
             <a:off x="755640" y="5078520"/>
-            <a:ext cx="6047280" cy="4810680"/>
+            <a:ext cx="6046920" cy="4810320"/>
           </a:xfrm>
           <a:prstGeom prst="rect">
             <a:avLst/>
@@ -561,7 +561,7 @@
         <p:spPr>
           <a:xfrm>
             <a:off x="4278240" y="10156680"/>
-            <a:ext cx="3278520" cy="532440"/>
+            <a:ext cx="3278160" cy="532080"/>
           </a:xfrm>
           <a:prstGeom prst="rect">
             <a:avLst/>
@@ -585,7 +585,7 @@
                 <a:spcPct val="100000"/>
               </a:lnSpc>
             </a:pPr>
-            <a:fld id="{A82AC214-3859-4B93-A602-904B482AE397}" type="slidenum">
+            <a:fld id="{0E06851D-8A95-4140-96F0-0CB6FEC00BFA}" type="slidenum">
               <a:rPr b="0" lang="en-GB" sz="1400" spc="-1" strike="noStrike">
                 <a:solidFill>
                   <a:srgbClr val="000000"/>
@@ -598,7 +598,7 @@
                 <a:latin typeface="Times New Roman"/>
                 <a:ea typeface="DejaVu Sans"/>
               </a:rPr>
-              <a:t>1</a:t>
+              <a:t>&lt;number&gt;</a:t>
             </a:fld>
             <a:endParaRPr b="0" lang="en-GB" sz="1800" spc="-1" strike="noStrike">
               <a:solidFill>
@@ -627,7 +627,7 @@
         <p:spPr>
           <a:xfrm>
             <a:off x="755640" y="5078520"/>
-            <a:ext cx="6047280" cy="4810680"/>
+            <a:ext cx="6046920" cy="4810320"/>
           </a:xfrm>
           <a:prstGeom prst="rect">
             <a:avLst/>
@@ -707,7 +707,7 @@
         <p:spPr>
           <a:xfrm>
             <a:off x="504000" y="301320"/>
-            <a:ext cx="9071640" cy="1261440"/>
+            <a:ext cx="9071280" cy="1261080"/>
           </a:xfrm>
           <a:prstGeom prst="rect">
             <a:avLst/>
@@ -716,7 +716,8 @@
         <p:txBody>
           <a:bodyPr lIns="0" rIns="0" tIns="0" bIns="0" anchor="ctr"/>
           <a:p>
-            <a:endParaRPr b="0" lang="en-US" sz="1800" spc="-1" strike="noStrike">
+            <a:pPr algn="ctr"/>
+            <a:endParaRPr b="0" lang="en-GB" sz="4400" spc="-1" strike="noStrike">
               <a:solidFill>
                 <a:srgbClr val="000000"/>
               </a:solidFill>
@@ -743,7 +744,7 @@
         <p:spPr>
           <a:xfrm>
             <a:off x="504000" y="1768680"/>
-            <a:ext cx="4426560" cy="2090880"/>
+            <a:ext cx="2159640" cy="2090520"/>
           </a:xfrm>
           <a:prstGeom prst="rect">
             <a:avLst/>
@@ -752,7 +753,7 @@
         <p:txBody>
           <a:bodyPr lIns="0" rIns="0" tIns="0" bIns="0"/>
           <a:p>
-            <a:endParaRPr b="0" lang="en-US" sz="2800" spc="-1" strike="noStrike">
+            <a:endParaRPr b="0" lang="en-GB" sz="3200" spc="-1" strike="noStrike">
               <a:solidFill>
                 <a:srgbClr val="000000"/>
               </a:solidFill>
@@ -778,8 +779,8 @@
         </p:nvSpPr>
         <p:spPr>
           <a:xfrm>
-            <a:off x="504000" y="4058640"/>
-            <a:ext cx="4426560" cy="2090880"/>
+            <a:off x="504000" y="4058280"/>
+            <a:ext cx="2159640" cy="2090520"/>
           </a:xfrm>
           <a:prstGeom prst="rect">
             <a:avLst/>
@@ -788,7 +789,7 @@
         <p:txBody>
           <a:bodyPr lIns="0" rIns="0" tIns="0" bIns="0"/>
           <a:p>
-            <a:endParaRPr b="0" lang="en-US" sz="2800" spc="-1" strike="noStrike">
+            <a:endParaRPr b="0" lang="en-GB" sz="3200" spc="-1" strike="noStrike">
               <a:solidFill>
                 <a:srgbClr val="000000"/>
               </a:solidFill>
@@ -837,7 +838,7 @@
         <p:spPr>
           <a:xfrm>
             <a:off x="504000" y="301320"/>
-            <a:ext cx="9071640" cy="1261440"/>
+            <a:ext cx="9071280" cy="1261080"/>
           </a:xfrm>
           <a:prstGeom prst="rect">
             <a:avLst/>
@@ -846,7 +847,8 @@
         <p:txBody>
           <a:bodyPr lIns="0" rIns="0" tIns="0" bIns="0" anchor="ctr"/>
           <a:p>
-            <a:endParaRPr b="0" lang="en-US" sz="1800" spc="-1" strike="noStrike">
+            <a:pPr algn="ctr"/>
+            <a:endParaRPr b="0" lang="en-GB" sz="4400" spc="-1" strike="noStrike">
               <a:solidFill>
                 <a:srgbClr val="000000"/>
               </a:solidFill>
@@ -873,7 +875,7 @@
         <p:spPr>
           <a:xfrm>
             <a:off x="504000" y="1768680"/>
-            <a:ext cx="2160000" cy="2090880"/>
+            <a:ext cx="1053720" cy="2090520"/>
           </a:xfrm>
           <a:prstGeom prst="rect">
             <a:avLst/>
@@ -882,7 +884,7 @@
         <p:txBody>
           <a:bodyPr lIns="0" rIns="0" tIns="0" bIns="0"/>
           <a:p>
-            <a:endParaRPr b="0" lang="en-US" sz="2800" spc="-1" strike="noStrike">
+            <a:endParaRPr b="0" lang="en-GB" sz="3200" spc="-1" strike="noStrike">
               <a:solidFill>
                 <a:srgbClr val="000000"/>
               </a:solidFill>
@@ -908,8 +910,8 @@
         </p:nvSpPr>
         <p:spPr>
           <a:xfrm>
-            <a:off x="2772360" y="1768680"/>
-            <a:ext cx="2160000" cy="2090880"/>
+            <a:off x="1610640" y="1768680"/>
+            <a:ext cx="1053720" cy="2090520"/>
           </a:xfrm>
           <a:prstGeom prst="rect">
             <a:avLst/>
@@ -918,7 +920,7 @@
         <p:txBody>
           <a:bodyPr lIns="0" rIns="0" tIns="0" bIns="0"/>
           <a:p>
-            <a:endParaRPr b="0" lang="en-US" sz="2800" spc="-1" strike="noStrike">
+            <a:endParaRPr b="0" lang="en-GB" sz="3200" spc="-1" strike="noStrike">
               <a:solidFill>
                 <a:srgbClr val="000000"/>
               </a:solidFill>
@@ -944,8 +946,8 @@
         </p:nvSpPr>
         <p:spPr>
           <a:xfrm>
-            <a:off x="2772360" y="4058640"/>
-            <a:ext cx="2160000" cy="2090880"/>
+            <a:off x="1610640" y="4058280"/>
+            <a:ext cx="1053720" cy="2090520"/>
           </a:xfrm>
           <a:prstGeom prst="rect">
             <a:avLst/>
@@ -954,7 +956,7 @@
         <p:txBody>
           <a:bodyPr lIns="0" rIns="0" tIns="0" bIns="0"/>
           <a:p>
-            <a:endParaRPr b="0" lang="en-US" sz="2800" spc="-1" strike="noStrike">
+            <a:endParaRPr b="0" lang="en-GB" sz="3200" spc="-1" strike="noStrike">
               <a:solidFill>
                 <a:srgbClr val="000000"/>
               </a:solidFill>
@@ -980,8 +982,8 @@
         </p:nvSpPr>
         <p:spPr>
           <a:xfrm>
-            <a:off x="504000" y="4058640"/>
-            <a:ext cx="2160000" cy="2090880"/>
+            <a:off x="504000" y="4058280"/>
+            <a:ext cx="1053720" cy="2090520"/>
           </a:xfrm>
           <a:prstGeom prst="rect">
             <a:avLst/>
@@ -990,7 +992,7 @@
         <p:txBody>
           <a:bodyPr lIns="0" rIns="0" tIns="0" bIns="0"/>
           <a:p>
-            <a:endParaRPr b="0" lang="en-US" sz="2800" spc="-1" strike="noStrike">
+            <a:endParaRPr b="0" lang="en-GB" sz="3200" spc="-1" strike="noStrike">
               <a:solidFill>
                 <a:srgbClr val="000000"/>
               </a:solidFill>
@@ -1039,7 +1041,7 @@
         <p:spPr>
           <a:xfrm>
             <a:off x="504000" y="301320"/>
-            <a:ext cx="9071640" cy="1261440"/>
+            <a:ext cx="9071280" cy="1261080"/>
           </a:xfrm>
           <a:prstGeom prst="rect">
             <a:avLst/>
@@ -1048,7 +1050,8 @@
         <p:txBody>
           <a:bodyPr lIns="0" rIns="0" tIns="0" bIns="0" anchor="ctr"/>
           <a:p>
-            <a:endParaRPr b="0" lang="en-US" sz="1800" spc="-1" strike="noStrike">
+            <a:pPr algn="ctr"/>
+            <a:endParaRPr b="0" lang="en-GB" sz="4400" spc="-1" strike="noStrike">
               <a:solidFill>
                 <a:srgbClr val="000000"/>
               </a:solidFill>
@@ -1075,7 +1078,7 @@
         <p:spPr>
           <a:xfrm>
             <a:off x="504000" y="1768680"/>
-            <a:ext cx="4426560" cy="4383720"/>
+            <a:ext cx="2159640" cy="4383360"/>
           </a:xfrm>
           <a:prstGeom prst="rect">
             <a:avLst/>
@@ -1084,7 +1087,7 @@
         <p:txBody>
           <a:bodyPr lIns="0" rIns="0" tIns="0" bIns="0"/>
           <a:p>
-            <a:endParaRPr b="0" lang="en-US" sz="2800" spc="-1" strike="noStrike">
+            <a:endParaRPr b="0" lang="en-GB" sz="3200" spc="-1" strike="noStrike">
               <a:solidFill>
                 <a:srgbClr val="000000"/>
               </a:solidFill>
@@ -1111,7 +1114,7 @@
         <p:spPr>
           <a:xfrm>
             <a:off x="504000" y="1768680"/>
-            <a:ext cx="4426560" cy="4383720"/>
+            <a:ext cx="2159640" cy="4383360"/>
           </a:xfrm>
           <a:prstGeom prst="rect">
             <a:avLst/>
@@ -1120,7 +1123,7 @@
         <p:txBody>
           <a:bodyPr lIns="0" rIns="0" tIns="0" bIns="0"/>
           <a:p>
-            <a:endParaRPr b="0" lang="en-US" sz="2800" spc="-1" strike="noStrike">
+            <a:endParaRPr b="0" lang="en-GB" sz="3200" spc="-1" strike="noStrike">
               <a:solidFill>
                 <a:srgbClr val="000000"/>
               </a:solidFill>
@@ -1146,8 +1149,8 @@
         </p:blipFill>
         <p:spPr>
           <a:xfrm>
-            <a:off x="504000" y="2194560"/>
-            <a:ext cx="4426560" cy="3531600"/>
+            <a:off x="503640" y="3098880"/>
+            <a:ext cx="2159640" cy="1722960"/>
           </a:xfrm>
           <a:prstGeom prst="rect">
             <a:avLst/>
@@ -1169,8 +1172,8 @@
         </p:blipFill>
         <p:spPr>
           <a:xfrm>
-            <a:off x="504000" y="2194560"/>
-            <a:ext cx="4426560" cy="3531600"/>
+            <a:off x="503640" y="3098880"/>
+            <a:ext cx="2159640" cy="1722960"/>
           </a:xfrm>
           <a:prstGeom prst="rect">
             <a:avLst/>
@@ -1237,7 +1240,7 @@
         <p:spPr>
           <a:xfrm>
             <a:off x="504000" y="301320"/>
-            <a:ext cx="9071640" cy="1261440"/>
+            <a:ext cx="9071280" cy="1261080"/>
           </a:xfrm>
           <a:prstGeom prst="rect">
             <a:avLst/>
@@ -1246,7 +1249,8 @@
         <p:txBody>
           <a:bodyPr lIns="0" rIns="0" tIns="0" bIns="0" anchor="ctr"/>
           <a:p>
-            <a:endParaRPr b="0" lang="en-US" sz="1800" spc="-1" strike="noStrike">
+            <a:pPr algn="ctr"/>
+            <a:endParaRPr b="0" lang="en-GB" sz="4400" spc="-1" strike="noStrike">
               <a:solidFill>
                 <a:srgbClr val="000000"/>
               </a:solidFill>
@@ -1273,7 +1277,7 @@
         <p:spPr>
           <a:xfrm>
             <a:off x="504000" y="1768680"/>
-            <a:ext cx="4426560" cy="4383720"/>
+            <a:ext cx="2159640" cy="4383360"/>
           </a:xfrm>
           <a:prstGeom prst="rect">
             <a:avLst/>
@@ -1332,7 +1336,7 @@
         <p:spPr>
           <a:xfrm>
             <a:off x="504000" y="301320"/>
-            <a:ext cx="9071640" cy="1261440"/>
+            <a:ext cx="9071280" cy="1261080"/>
           </a:xfrm>
           <a:prstGeom prst="rect">
             <a:avLst/>
@@ -1341,7 +1345,8 @@
         <p:txBody>
           <a:bodyPr lIns="0" rIns="0" tIns="0" bIns="0" anchor="ctr"/>
           <a:p>
-            <a:endParaRPr b="0" lang="en-US" sz="1800" spc="-1" strike="noStrike">
+            <a:pPr algn="ctr"/>
+            <a:endParaRPr b="0" lang="en-GB" sz="4400" spc="-1" strike="noStrike">
               <a:solidFill>
                 <a:srgbClr val="000000"/>
               </a:solidFill>
@@ -1368,7 +1373,7 @@
         <p:spPr>
           <a:xfrm>
             <a:off x="504000" y="1768680"/>
-            <a:ext cx="4426560" cy="4383720"/>
+            <a:ext cx="2159640" cy="4383360"/>
           </a:xfrm>
           <a:prstGeom prst="rect">
             <a:avLst/>
@@ -1377,7 +1382,7 @@
         <p:txBody>
           <a:bodyPr lIns="0" rIns="0" tIns="0" bIns="0"/>
           <a:p>
-            <a:endParaRPr b="0" lang="en-US" sz="2800" spc="-1" strike="noStrike">
+            <a:endParaRPr b="0" lang="en-GB" sz="3200" spc="-1" strike="noStrike">
               <a:solidFill>
                 <a:srgbClr val="000000"/>
               </a:solidFill>
@@ -1426,7 +1431,7 @@
         <p:spPr>
           <a:xfrm>
             <a:off x="504000" y="301320"/>
-            <a:ext cx="9071640" cy="1261440"/>
+            <a:ext cx="9071280" cy="1261080"/>
           </a:xfrm>
           <a:prstGeom prst="rect">
             <a:avLst/>
@@ -1435,7 +1440,8 @@
         <p:txBody>
           <a:bodyPr lIns="0" rIns="0" tIns="0" bIns="0" anchor="ctr"/>
           <a:p>
-            <a:endParaRPr b="0" lang="en-US" sz="1800" spc="-1" strike="noStrike">
+            <a:pPr algn="ctr"/>
+            <a:endParaRPr b="0" lang="en-GB" sz="4400" spc="-1" strike="noStrike">
               <a:solidFill>
                 <a:srgbClr val="000000"/>
               </a:solidFill>
@@ -1462,7 +1468,7 @@
         <p:spPr>
           <a:xfrm>
             <a:off x="504000" y="1768680"/>
-            <a:ext cx="2160000" cy="4383720"/>
+            <a:ext cx="1053720" cy="4383360"/>
           </a:xfrm>
           <a:prstGeom prst="rect">
             <a:avLst/>
@@ -1471,7 +1477,7 @@
         <p:txBody>
           <a:bodyPr lIns="0" rIns="0" tIns="0" bIns="0"/>
           <a:p>
-            <a:endParaRPr b="0" lang="en-US" sz="2800" spc="-1" strike="noStrike">
+            <a:endParaRPr b="0" lang="en-GB" sz="3200" spc="-1" strike="noStrike">
               <a:solidFill>
                 <a:srgbClr val="000000"/>
               </a:solidFill>
@@ -1497,8 +1503,8 @@
         </p:nvSpPr>
         <p:spPr>
           <a:xfrm>
-            <a:off x="2772360" y="1768680"/>
-            <a:ext cx="2160000" cy="4383720"/>
+            <a:off x="1610640" y="1768680"/>
+            <a:ext cx="1053720" cy="4383360"/>
           </a:xfrm>
           <a:prstGeom prst="rect">
             <a:avLst/>
@@ -1507,7 +1513,7 @@
         <p:txBody>
           <a:bodyPr lIns="0" rIns="0" tIns="0" bIns="0"/>
           <a:p>
-            <a:endParaRPr b="0" lang="en-US" sz="2800" spc="-1" strike="noStrike">
+            <a:endParaRPr b="0" lang="en-GB" sz="3200" spc="-1" strike="noStrike">
               <a:solidFill>
                 <a:srgbClr val="000000"/>
               </a:solidFill>
@@ -1556,7 +1562,7 @@
         <p:spPr>
           <a:xfrm>
             <a:off x="504000" y="301320"/>
-            <a:ext cx="9071640" cy="1261440"/>
+            <a:ext cx="9071280" cy="1261080"/>
           </a:xfrm>
           <a:prstGeom prst="rect">
             <a:avLst/>
@@ -1565,7 +1571,8 @@
         <p:txBody>
           <a:bodyPr lIns="0" rIns="0" tIns="0" bIns="0" anchor="ctr"/>
           <a:p>
-            <a:endParaRPr b="0" lang="en-US" sz="1800" spc="-1" strike="noStrike">
+            <a:pPr algn="ctr"/>
+            <a:endParaRPr b="0" lang="en-GB" sz="4400" spc="-1" strike="noStrike">
               <a:solidFill>
                 <a:srgbClr val="000000"/>
               </a:solidFill>
@@ -1614,7 +1621,7 @@
         <p:spPr>
           <a:xfrm>
             <a:off x="504000" y="301320"/>
-            <a:ext cx="9071640" cy="5848560"/>
+            <a:ext cx="9071280" cy="5846760"/>
           </a:xfrm>
           <a:prstGeom prst="rect">
             <a:avLst/>
@@ -1673,7 +1680,7 @@
         <p:spPr>
           <a:xfrm>
             <a:off x="504000" y="301320"/>
-            <a:ext cx="9071640" cy="1261440"/>
+            <a:ext cx="9071280" cy="1261080"/>
           </a:xfrm>
           <a:prstGeom prst="rect">
             <a:avLst/>
@@ -1682,7 +1689,8 @@
         <p:txBody>
           <a:bodyPr lIns="0" rIns="0" tIns="0" bIns="0" anchor="ctr"/>
           <a:p>
-            <a:endParaRPr b="0" lang="en-US" sz="1800" spc="-1" strike="noStrike">
+            <a:pPr algn="ctr"/>
+            <a:endParaRPr b="0" lang="en-GB" sz="4400" spc="-1" strike="noStrike">
               <a:solidFill>
                 <a:srgbClr val="000000"/>
               </a:solidFill>
@@ -1709,7 +1717,7 @@
         <p:spPr>
           <a:xfrm>
             <a:off x="504000" y="1768680"/>
-            <a:ext cx="2160000" cy="2090880"/>
+            <a:ext cx="1053720" cy="2090520"/>
           </a:xfrm>
           <a:prstGeom prst="rect">
             <a:avLst/>
@@ -1718,7 +1726,7 @@
         <p:txBody>
           <a:bodyPr lIns="0" rIns="0" tIns="0" bIns="0"/>
           <a:p>
-            <a:endParaRPr b="0" lang="en-US" sz="2800" spc="-1" strike="noStrike">
+            <a:endParaRPr b="0" lang="en-GB" sz="3200" spc="-1" strike="noStrike">
               <a:solidFill>
                 <a:srgbClr val="000000"/>
               </a:solidFill>
@@ -1744,8 +1752,8 @@
         </p:nvSpPr>
         <p:spPr>
           <a:xfrm>
-            <a:off x="504000" y="4058640"/>
-            <a:ext cx="2160000" cy="2090880"/>
+            <a:off x="504000" y="4058280"/>
+            <a:ext cx="1053720" cy="2090520"/>
           </a:xfrm>
           <a:prstGeom prst="rect">
             <a:avLst/>
@@ -1754,7 +1762,7 @@
         <p:txBody>
           <a:bodyPr lIns="0" rIns="0" tIns="0" bIns="0"/>
           <a:p>
-            <a:endParaRPr b="0" lang="en-US" sz="2800" spc="-1" strike="noStrike">
+            <a:endParaRPr b="0" lang="en-GB" sz="3200" spc="-1" strike="noStrike">
               <a:solidFill>
                 <a:srgbClr val="000000"/>
               </a:solidFill>
@@ -1780,8 +1788,8 @@
         </p:nvSpPr>
         <p:spPr>
           <a:xfrm>
-            <a:off x="2772360" y="1768680"/>
-            <a:ext cx="2160000" cy="4383720"/>
+            <a:off x="1610640" y="1768680"/>
+            <a:ext cx="1053720" cy="4383360"/>
           </a:xfrm>
           <a:prstGeom prst="rect">
             <a:avLst/>
@@ -1790,7 +1798,7 @@
         <p:txBody>
           <a:bodyPr lIns="0" rIns="0" tIns="0" bIns="0"/>
           <a:p>
-            <a:endParaRPr b="0" lang="en-US" sz="2800" spc="-1" strike="noStrike">
+            <a:endParaRPr b="0" lang="en-GB" sz="3200" spc="-1" strike="noStrike">
               <a:solidFill>
                 <a:srgbClr val="000000"/>
               </a:solidFill>
@@ -1839,7 +1847,7 @@
         <p:spPr>
           <a:xfrm>
             <a:off x="504000" y="301320"/>
-            <a:ext cx="9071640" cy="1261440"/>
+            <a:ext cx="9071280" cy="1261080"/>
           </a:xfrm>
           <a:prstGeom prst="rect">
             <a:avLst/>
@@ -1848,7 +1856,8 @@
         <p:txBody>
           <a:bodyPr lIns="0" rIns="0" tIns="0" bIns="0" anchor="ctr"/>
           <a:p>
-            <a:endParaRPr b="0" lang="en-US" sz="1800" spc="-1" strike="noStrike">
+            <a:pPr algn="ctr"/>
+            <a:endParaRPr b="0" lang="en-GB" sz="4400" spc="-1" strike="noStrike">
               <a:solidFill>
                 <a:srgbClr val="000000"/>
               </a:solidFill>
@@ -1875,7 +1884,7 @@
         <p:spPr>
           <a:xfrm>
             <a:off x="504000" y="1768680"/>
-            <a:ext cx="4426560" cy="4383720"/>
+            <a:ext cx="2159640" cy="4383360"/>
           </a:xfrm>
           <a:prstGeom prst="rect">
             <a:avLst/>
@@ -1934,7 +1943,7 @@
         <p:spPr>
           <a:xfrm>
             <a:off x="504000" y="301320"/>
-            <a:ext cx="9071640" cy="1261440"/>
+            <a:ext cx="9071280" cy="1261080"/>
           </a:xfrm>
           <a:prstGeom prst="rect">
             <a:avLst/>
@@ -1943,7 +1952,8 @@
         <p:txBody>
           <a:bodyPr lIns="0" rIns="0" tIns="0" bIns="0" anchor="ctr"/>
           <a:p>
-            <a:endParaRPr b="0" lang="en-US" sz="1800" spc="-1" strike="noStrike">
+            <a:pPr algn="ctr"/>
+            <a:endParaRPr b="0" lang="en-GB" sz="4400" spc="-1" strike="noStrike">
               <a:solidFill>
                 <a:srgbClr val="000000"/>
               </a:solidFill>
@@ -1970,7 +1980,7 @@
         <p:spPr>
           <a:xfrm>
             <a:off x="504000" y="1768680"/>
-            <a:ext cx="2160000" cy="4383720"/>
+            <a:ext cx="1053720" cy="4383360"/>
           </a:xfrm>
           <a:prstGeom prst="rect">
             <a:avLst/>
@@ -1979,7 +1989,7 @@
         <p:txBody>
           <a:bodyPr lIns="0" rIns="0" tIns="0" bIns="0"/>
           <a:p>
-            <a:endParaRPr b="0" lang="en-US" sz="2800" spc="-1" strike="noStrike">
+            <a:endParaRPr b="0" lang="en-GB" sz="3200" spc="-1" strike="noStrike">
               <a:solidFill>
                 <a:srgbClr val="000000"/>
               </a:solidFill>
@@ -2005,8 +2015,8 @@
         </p:nvSpPr>
         <p:spPr>
           <a:xfrm>
-            <a:off x="2772360" y="1768680"/>
-            <a:ext cx="2160000" cy="2090880"/>
+            <a:off x="1610640" y="1768680"/>
+            <a:ext cx="1053720" cy="2090520"/>
           </a:xfrm>
           <a:prstGeom prst="rect">
             <a:avLst/>
@@ -2015,7 +2025,7 @@
         <p:txBody>
           <a:bodyPr lIns="0" rIns="0" tIns="0" bIns="0"/>
           <a:p>
-            <a:endParaRPr b="0" lang="en-US" sz="2800" spc="-1" strike="noStrike">
+            <a:endParaRPr b="0" lang="en-GB" sz="3200" spc="-1" strike="noStrike">
               <a:solidFill>
                 <a:srgbClr val="000000"/>
               </a:solidFill>
@@ -2041,8 +2051,8 @@
         </p:nvSpPr>
         <p:spPr>
           <a:xfrm>
-            <a:off x="2772360" y="4058640"/>
-            <a:ext cx="2160000" cy="2090880"/>
+            <a:off x="1610640" y="4058280"/>
+            <a:ext cx="1053720" cy="2090520"/>
           </a:xfrm>
           <a:prstGeom prst="rect">
             <a:avLst/>
@@ -2051,7 +2061,7 @@
         <p:txBody>
           <a:bodyPr lIns="0" rIns="0" tIns="0" bIns="0"/>
           <a:p>
-            <a:endParaRPr b="0" lang="en-US" sz="2800" spc="-1" strike="noStrike">
+            <a:endParaRPr b="0" lang="en-GB" sz="3200" spc="-1" strike="noStrike">
               <a:solidFill>
                 <a:srgbClr val="000000"/>
               </a:solidFill>
@@ -2100,7 +2110,7 @@
         <p:spPr>
           <a:xfrm>
             <a:off x="504000" y="301320"/>
-            <a:ext cx="9071640" cy="1261440"/>
+            <a:ext cx="9071280" cy="1261080"/>
           </a:xfrm>
           <a:prstGeom prst="rect">
             <a:avLst/>
@@ -2109,7 +2119,8 @@
         <p:txBody>
           <a:bodyPr lIns="0" rIns="0" tIns="0" bIns="0" anchor="ctr"/>
           <a:p>
-            <a:endParaRPr b="0" lang="en-US" sz="1800" spc="-1" strike="noStrike">
+            <a:pPr algn="ctr"/>
+            <a:endParaRPr b="0" lang="en-GB" sz="4400" spc="-1" strike="noStrike">
               <a:solidFill>
                 <a:srgbClr val="000000"/>
               </a:solidFill>
@@ -2136,7 +2147,7 @@
         <p:spPr>
           <a:xfrm>
             <a:off x="504000" y="1768680"/>
-            <a:ext cx="2160000" cy="2090880"/>
+            <a:ext cx="1053720" cy="2090520"/>
           </a:xfrm>
           <a:prstGeom prst="rect">
             <a:avLst/>
@@ -2145,7 +2156,7 @@
         <p:txBody>
           <a:bodyPr lIns="0" rIns="0" tIns="0" bIns="0"/>
           <a:p>
-            <a:endParaRPr b="0" lang="en-US" sz="2800" spc="-1" strike="noStrike">
+            <a:endParaRPr b="0" lang="en-GB" sz="3200" spc="-1" strike="noStrike">
               <a:solidFill>
                 <a:srgbClr val="000000"/>
               </a:solidFill>
@@ -2171,8 +2182,8 @@
         </p:nvSpPr>
         <p:spPr>
           <a:xfrm>
-            <a:off x="2772360" y="1768680"/>
-            <a:ext cx="2160000" cy="2090880"/>
+            <a:off x="1610640" y="1768680"/>
+            <a:ext cx="1053720" cy="2090520"/>
           </a:xfrm>
           <a:prstGeom prst="rect">
             <a:avLst/>
@@ -2181,7 +2192,7 @@
         <p:txBody>
           <a:bodyPr lIns="0" rIns="0" tIns="0" bIns="0"/>
           <a:p>
-            <a:endParaRPr b="0" lang="en-US" sz="2800" spc="-1" strike="noStrike">
+            <a:endParaRPr b="0" lang="en-GB" sz="3200" spc="-1" strike="noStrike">
               <a:solidFill>
                 <a:srgbClr val="000000"/>
               </a:solidFill>
@@ -2207,8 +2218,8 @@
         </p:nvSpPr>
         <p:spPr>
           <a:xfrm>
-            <a:off x="504000" y="4058640"/>
-            <a:ext cx="4426560" cy="2090880"/>
+            <a:off x="504000" y="4058280"/>
+            <a:ext cx="2159640" cy="2090520"/>
           </a:xfrm>
           <a:prstGeom prst="rect">
             <a:avLst/>
@@ -2217,7 +2228,7 @@
         <p:txBody>
           <a:bodyPr lIns="0" rIns="0" tIns="0" bIns="0"/>
           <a:p>
-            <a:endParaRPr b="0" lang="en-US" sz="2800" spc="-1" strike="noStrike">
+            <a:endParaRPr b="0" lang="en-GB" sz="3200" spc="-1" strike="noStrike">
               <a:solidFill>
                 <a:srgbClr val="000000"/>
               </a:solidFill>
@@ -2266,7 +2277,7 @@
         <p:spPr>
           <a:xfrm>
             <a:off x="504000" y="301320"/>
-            <a:ext cx="9071640" cy="1261440"/>
+            <a:ext cx="9071280" cy="1261080"/>
           </a:xfrm>
           <a:prstGeom prst="rect">
             <a:avLst/>
@@ -2275,7 +2286,8 @@
         <p:txBody>
           <a:bodyPr lIns="0" rIns="0" tIns="0" bIns="0" anchor="ctr"/>
           <a:p>
-            <a:endParaRPr b="0" lang="en-US" sz="1800" spc="-1" strike="noStrike">
+            <a:pPr algn="ctr"/>
+            <a:endParaRPr b="0" lang="en-GB" sz="4400" spc="-1" strike="noStrike">
               <a:solidFill>
                 <a:srgbClr val="000000"/>
               </a:solidFill>
@@ -2302,7 +2314,7 @@
         <p:spPr>
           <a:xfrm>
             <a:off x="504000" y="1768680"/>
-            <a:ext cx="4426560" cy="2090880"/>
+            <a:ext cx="2159640" cy="2090520"/>
           </a:xfrm>
           <a:prstGeom prst="rect">
             <a:avLst/>
@@ -2311,7 +2323,7 @@
         <p:txBody>
           <a:bodyPr lIns="0" rIns="0" tIns="0" bIns="0"/>
           <a:p>
-            <a:endParaRPr b="0" lang="en-US" sz="2800" spc="-1" strike="noStrike">
+            <a:endParaRPr b="0" lang="en-GB" sz="3200" spc="-1" strike="noStrike">
               <a:solidFill>
                 <a:srgbClr val="000000"/>
               </a:solidFill>
@@ -2337,8 +2349,8 @@
         </p:nvSpPr>
         <p:spPr>
           <a:xfrm>
-            <a:off x="504000" y="4058640"/>
-            <a:ext cx="4426560" cy="2090880"/>
+            <a:off x="504000" y="4058280"/>
+            <a:ext cx="2159640" cy="2090520"/>
           </a:xfrm>
           <a:prstGeom prst="rect">
             <a:avLst/>
@@ -2347,7 +2359,7 @@
         <p:txBody>
           <a:bodyPr lIns="0" rIns="0" tIns="0" bIns="0"/>
           <a:p>
-            <a:endParaRPr b="0" lang="en-US" sz="2800" spc="-1" strike="noStrike">
+            <a:endParaRPr b="0" lang="en-GB" sz="3200" spc="-1" strike="noStrike">
               <a:solidFill>
                 <a:srgbClr val="000000"/>
               </a:solidFill>
@@ -2396,7 +2408,7 @@
         <p:spPr>
           <a:xfrm>
             <a:off x="504000" y="301320"/>
-            <a:ext cx="9071640" cy="1261440"/>
+            <a:ext cx="9071280" cy="1261080"/>
           </a:xfrm>
           <a:prstGeom prst="rect">
             <a:avLst/>
@@ -2405,7 +2417,8 @@
         <p:txBody>
           <a:bodyPr lIns="0" rIns="0" tIns="0" bIns="0" anchor="ctr"/>
           <a:p>
-            <a:endParaRPr b="0" lang="en-US" sz="1800" spc="-1" strike="noStrike">
+            <a:pPr algn="ctr"/>
+            <a:endParaRPr b="0" lang="en-GB" sz="4400" spc="-1" strike="noStrike">
               <a:solidFill>
                 <a:srgbClr val="000000"/>
               </a:solidFill>
@@ -2432,7 +2445,7 @@
         <p:spPr>
           <a:xfrm>
             <a:off x="504000" y="1768680"/>
-            <a:ext cx="2160000" cy="2090880"/>
+            <a:ext cx="1053720" cy="2090520"/>
           </a:xfrm>
           <a:prstGeom prst="rect">
             <a:avLst/>
@@ -2441,7 +2454,7 @@
         <p:txBody>
           <a:bodyPr lIns="0" rIns="0" tIns="0" bIns="0"/>
           <a:p>
-            <a:endParaRPr b="0" lang="en-US" sz="2800" spc="-1" strike="noStrike">
+            <a:endParaRPr b="0" lang="en-GB" sz="3200" spc="-1" strike="noStrike">
               <a:solidFill>
                 <a:srgbClr val="000000"/>
               </a:solidFill>
@@ -2467,8 +2480,8 @@
         </p:nvSpPr>
         <p:spPr>
           <a:xfrm>
-            <a:off x="2772360" y="1768680"/>
-            <a:ext cx="2160000" cy="2090880"/>
+            <a:off x="1610640" y="1768680"/>
+            <a:ext cx="1053720" cy="2090520"/>
           </a:xfrm>
           <a:prstGeom prst="rect">
             <a:avLst/>
@@ -2477,7 +2490,7 @@
         <p:txBody>
           <a:bodyPr lIns="0" rIns="0" tIns="0" bIns="0"/>
           <a:p>
-            <a:endParaRPr b="0" lang="en-US" sz="2800" spc="-1" strike="noStrike">
+            <a:endParaRPr b="0" lang="en-GB" sz="3200" spc="-1" strike="noStrike">
               <a:solidFill>
                 <a:srgbClr val="000000"/>
               </a:solidFill>
@@ -2503,8 +2516,8 @@
         </p:nvSpPr>
         <p:spPr>
           <a:xfrm>
-            <a:off x="2772360" y="4058640"/>
-            <a:ext cx="2160000" cy="2090880"/>
+            <a:off x="1610640" y="4058280"/>
+            <a:ext cx="1053720" cy="2090520"/>
           </a:xfrm>
           <a:prstGeom prst="rect">
             <a:avLst/>
@@ -2513,7 +2526,7 @@
         <p:txBody>
           <a:bodyPr lIns="0" rIns="0" tIns="0" bIns="0"/>
           <a:p>
-            <a:endParaRPr b="0" lang="en-US" sz="2800" spc="-1" strike="noStrike">
+            <a:endParaRPr b="0" lang="en-GB" sz="3200" spc="-1" strike="noStrike">
               <a:solidFill>
                 <a:srgbClr val="000000"/>
               </a:solidFill>
@@ -2539,8 +2552,8 @@
         </p:nvSpPr>
         <p:spPr>
           <a:xfrm>
-            <a:off x="504000" y="4058640"/>
-            <a:ext cx="2160000" cy="2090880"/>
+            <a:off x="504000" y="4058280"/>
+            <a:ext cx="1053720" cy="2090520"/>
           </a:xfrm>
           <a:prstGeom prst="rect">
             <a:avLst/>
@@ -2549,7 +2562,7 @@
         <p:txBody>
           <a:bodyPr lIns="0" rIns="0" tIns="0" bIns="0"/>
           <a:p>
-            <a:endParaRPr b="0" lang="en-US" sz="2800" spc="-1" strike="noStrike">
+            <a:endParaRPr b="0" lang="en-GB" sz="3200" spc="-1" strike="noStrike">
               <a:solidFill>
                 <a:srgbClr val="000000"/>
               </a:solidFill>
@@ -2598,7 +2611,7 @@
         <p:spPr>
           <a:xfrm>
             <a:off x="504000" y="301320"/>
-            <a:ext cx="9071640" cy="1261440"/>
+            <a:ext cx="9071280" cy="1261080"/>
           </a:xfrm>
           <a:prstGeom prst="rect">
             <a:avLst/>
@@ -2607,7 +2620,8 @@
         <p:txBody>
           <a:bodyPr lIns="0" rIns="0" tIns="0" bIns="0" anchor="ctr"/>
           <a:p>
-            <a:endParaRPr b="0" lang="en-US" sz="1800" spc="-1" strike="noStrike">
+            <a:pPr algn="ctr"/>
+            <a:endParaRPr b="0" lang="en-GB" sz="4400" spc="-1" strike="noStrike">
               <a:solidFill>
                 <a:srgbClr val="000000"/>
               </a:solidFill>
@@ -2634,7 +2648,7 @@
         <p:spPr>
           <a:xfrm>
             <a:off x="504000" y="1768680"/>
-            <a:ext cx="4426560" cy="4383720"/>
+            <a:ext cx="2159640" cy="4383360"/>
           </a:xfrm>
           <a:prstGeom prst="rect">
             <a:avLst/>
@@ -2643,7 +2657,7 @@
         <p:txBody>
           <a:bodyPr lIns="0" rIns="0" tIns="0" bIns="0"/>
           <a:p>
-            <a:endParaRPr b="0" lang="en-US" sz="2800" spc="-1" strike="noStrike">
+            <a:endParaRPr b="0" lang="en-GB" sz="3200" spc="-1" strike="noStrike">
               <a:solidFill>
                 <a:srgbClr val="000000"/>
               </a:solidFill>
@@ -2670,7 +2684,7 @@
         <p:spPr>
           <a:xfrm>
             <a:off x="504000" y="1768680"/>
-            <a:ext cx="4426560" cy="4383720"/>
+            <a:ext cx="2159640" cy="4383360"/>
           </a:xfrm>
           <a:prstGeom prst="rect">
             <a:avLst/>
@@ -2679,7 +2693,7 @@
         <p:txBody>
           <a:bodyPr lIns="0" rIns="0" tIns="0" bIns="0"/>
           <a:p>
-            <a:endParaRPr b="0" lang="en-US" sz="2800" spc="-1" strike="noStrike">
+            <a:endParaRPr b="0" lang="en-GB" sz="3200" spc="-1" strike="noStrike">
               <a:solidFill>
                 <a:srgbClr val="000000"/>
               </a:solidFill>
@@ -2705,8 +2719,8 @@
         </p:blipFill>
         <p:spPr>
           <a:xfrm>
-            <a:off x="504000" y="2194560"/>
-            <a:ext cx="4426560" cy="3531600"/>
+            <a:off x="503640" y="3098880"/>
+            <a:ext cx="2159640" cy="1722960"/>
           </a:xfrm>
           <a:prstGeom prst="rect">
             <a:avLst/>
@@ -2728,8 +2742,8 @@
         </p:blipFill>
         <p:spPr>
           <a:xfrm>
-            <a:off x="504000" y="2194560"/>
-            <a:ext cx="4426560" cy="3531600"/>
+            <a:off x="503640" y="3098880"/>
+            <a:ext cx="2159640" cy="1722960"/>
           </a:xfrm>
           <a:prstGeom prst="rect">
             <a:avLst/>
@@ -2796,7 +2810,7 @@
         <p:spPr>
           <a:xfrm>
             <a:off x="504000" y="301320"/>
-            <a:ext cx="9071640" cy="1261440"/>
+            <a:ext cx="9071280" cy="1261080"/>
           </a:xfrm>
           <a:prstGeom prst="rect">
             <a:avLst/>
@@ -2805,7 +2819,8 @@
         <p:txBody>
           <a:bodyPr lIns="0" rIns="0" tIns="0" bIns="0" anchor="ctr"/>
           <a:p>
-            <a:endParaRPr b="0" lang="en-US" sz="1800" spc="-1" strike="noStrike">
+            <a:pPr algn="ctr"/>
+            <a:endParaRPr b="0" lang="en-GB" sz="4400" spc="-1" strike="noStrike">
               <a:solidFill>
                 <a:srgbClr val="000000"/>
               </a:solidFill>
@@ -2832,7 +2847,7 @@
         <p:spPr>
           <a:xfrm>
             <a:off x="504000" y="1768680"/>
-            <a:ext cx="4426560" cy="4383720"/>
+            <a:ext cx="2159640" cy="4383360"/>
           </a:xfrm>
           <a:prstGeom prst="rect">
             <a:avLst/>
@@ -2891,7 +2906,7 @@
         <p:spPr>
           <a:xfrm>
             <a:off x="504000" y="301320"/>
-            <a:ext cx="9071640" cy="1261440"/>
+            <a:ext cx="9071280" cy="1261080"/>
           </a:xfrm>
           <a:prstGeom prst="rect">
             <a:avLst/>
@@ -2900,7 +2915,8 @@
         <p:txBody>
           <a:bodyPr lIns="0" rIns="0" tIns="0" bIns="0" anchor="ctr"/>
           <a:p>
-            <a:endParaRPr b="0" lang="en-US" sz="1800" spc="-1" strike="noStrike">
+            <a:pPr algn="ctr"/>
+            <a:endParaRPr b="0" lang="en-GB" sz="4400" spc="-1" strike="noStrike">
               <a:solidFill>
                 <a:srgbClr val="000000"/>
               </a:solidFill>
@@ -2927,7 +2943,7 @@
         <p:spPr>
           <a:xfrm>
             <a:off x="504000" y="1768680"/>
-            <a:ext cx="4426560" cy="4383720"/>
+            <a:ext cx="2159640" cy="4383360"/>
           </a:xfrm>
           <a:prstGeom prst="rect">
             <a:avLst/>
@@ -2936,7 +2952,7 @@
         <p:txBody>
           <a:bodyPr lIns="0" rIns="0" tIns="0" bIns="0"/>
           <a:p>
-            <a:endParaRPr b="0" lang="en-US" sz="2800" spc="-1" strike="noStrike">
+            <a:endParaRPr b="0" lang="en-GB" sz="3200" spc="-1" strike="noStrike">
               <a:solidFill>
                 <a:srgbClr val="000000"/>
               </a:solidFill>
@@ -2985,7 +3001,7 @@
         <p:spPr>
           <a:xfrm>
             <a:off x="504000" y="301320"/>
-            <a:ext cx="9071640" cy="1261440"/>
+            <a:ext cx="9071280" cy="1261080"/>
           </a:xfrm>
           <a:prstGeom prst="rect">
             <a:avLst/>
@@ -2994,7 +3010,8 @@
         <p:txBody>
           <a:bodyPr lIns="0" rIns="0" tIns="0" bIns="0" anchor="ctr"/>
           <a:p>
-            <a:endParaRPr b="0" lang="en-US" sz="1800" spc="-1" strike="noStrike">
+            <a:pPr algn="ctr"/>
+            <a:endParaRPr b="0" lang="en-GB" sz="4400" spc="-1" strike="noStrike">
               <a:solidFill>
                 <a:srgbClr val="000000"/>
               </a:solidFill>
@@ -3021,7 +3038,7 @@
         <p:spPr>
           <a:xfrm>
             <a:off x="504000" y="1768680"/>
-            <a:ext cx="2160000" cy="4383720"/>
+            <a:ext cx="1053720" cy="4383360"/>
           </a:xfrm>
           <a:prstGeom prst="rect">
             <a:avLst/>
@@ -3030,7 +3047,7 @@
         <p:txBody>
           <a:bodyPr lIns="0" rIns="0" tIns="0" bIns="0"/>
           <a:p>
-            <a:endParaRPr b="0" lang="en-US" sz="2800" spc="-1" strike="noStrike">
+            <a:endParaRPr b="0" lang="en-GB" sz="3200" spc="-1" strike="noStrike">
               <a:solidFill>
                 <a:srgbClr val="000000"/>
               </a:solidFill>
@@ -3056,8 +3073,8 @@
         </p:nvSpPr>
         <p:spPr>
           <a:xfrm>
-            <a:off x="2772360" y="1768680"/>
-            <a:ext cx="2160000" cy="4383720"/>
+            <a:off x="1610640" y="1768680"/>
+            <a:ext cx="1053720" cy="4383360"/>
           </a:xfrm>
           <a:prstGeom prst="rect">
             <a:avLst/>
@@ -3066,7 +3083,7 @@
         <p:txBody>
           <a:bodyPr lIns="0" rIns="0" tIns="0" bIns="0"/>
           <a:p>
-            <a:endParaRPr b="0" lang="en-US" sz="2800" spc="-1" strike="noStrike">
+            <a:endParaRPr b="0" lang="en-GB" sz="3200" spc="-1" strike="noStrike">
               <a:solidFill>
                 <a:srgbClr val="000000"/>
               </a:solidFill>
@@ -3115,7 +3132,7 @@
         <p:spPr>
           <a:xfrm>
             <a:off x="504000" y="301320"/>
-            <a:ext cx="9071640" cy="1261440"/>
+            <a:ext cx="9071280" cy="1261080"/>
           </a:xfrm>
           <a:prstGeom prst="rect">
             <a:avLst/>
@@ -3124,7 +3141,8 @@
         <p:txBody>
           <a:bodyPr lIns="0" rIns="0" tIns="0" bIns="0" anchor="ctr"/>
           <a:p>
-            <a:endParaRPr b="0" lang="en-US" sz="1800" spc="-1" strike="noStrike">
+            <a:pPr algn="ctr"/>
+            <a:endParaRPr b="0" lang="en-GB" sz="4400" spc="-1" strike="noStrike">
               <a:solidFill>
                 <a:srgbClr val="000000"/>
               </a:solidFill>
@@ -3173,7 +3191,7 @@
         <p:spPr>
           <a:xfrm>
             <a:off x="504000" y="301320"/>
-            <a:ext cx="9071640" cy="1261440"/>
+            <a:ext cx="9071280" cy="1261080"/>
           </a:xfrm>
           <a:prstGeom prst="rect">
             <a:avLst/>
@@ -3182,7 +3200,8 @@
         <p:txBody>
           <a:bodyPr lIns="0" rIns="0" tIns="0" bIns="0" anchor="ctr"/>
           <a:p>
-            <a:endParaRPr b="0" lang="en-US" sz="1800" spc="-1" strike="noStrike">
+            <a:pPr algn="ctr"/>
+            <a:endParaRPr b="0" lang="en-GB" sz="4400" spc="-1" strike="noStrike">
               <a:solidFill>
                 <a:srgbClr val="000000"/>
               </a:solidFill>
@@ -3209,7 +3228,7 @@
         <p:spPr>
           <a:xfrm>
             <a:off x="504000" y="1768680"/>
-            <a:ext cx="4426560" cy="4383720"/>
+            <a:ext cx="2159640" cy="4383360"/>
           </a:xfrm>
           <a:prstGeom prst="rect">
             <a:avLst/>
@@ -3218,7 +3237,7 @@
         <p:txBody>
           <a:bodyPr lIns="0" rIns="0" tIns="0" bIns="0"/>
           <a:p>
-            <a:endParaRPr b="0" lang="en-US" sz="2800" spc="-1" strike="noStrike">
+            <a:endParaRPr b="0" lang="en-GB" sz="3200" spc="-1" strike="noStrike">
               <a:solidFill>
                 <a:srgbClr val="000000"/>
               </a:solidFill>
@@ -3267,7 +3286,7 @@
         <p:spPr>
           <a:xfrm>
             <a:off x="504000" y="301320"/>
-            <a:ext cx="9071640" cy="5848560"/>
+            <a:ext cx="9071280" cy="5846760"/>
           </a:xfrm>
           <a:prstGeom prst="rect">
             <a:avLst/>
@@ -3326,7 +3345,7 @@
         <p:spPr>
           <a:xfrm>
             <a:off x="504000" y="301320"/>
-            <a:ext cx="9071640" cy="1261440"/>
+            <a:ext cx="9071280" cy="1261080"/>
           </a:xfrm>
           <a:prstGeom prst="rect">
             <a:avLst/>
@@ -3335,7 +3354,8 @@
         <p:txBody>
           <a:bodyPr lIns="0" rIns="0" tIns="0" bIns="0" anchor="ctr"/>
           <a:p>
-            <a:endParaRPr b="0" lang="en-US" sz="1800" spc="-1" strike="noStrike">
+            <a:pPr algn="ctr"/>
+            <a:endParaRPr b="0" lang="en-GB" sz="4400" spc="-1" strike="noStrike">
               <a:solidFill>
                 <a:srgbClr val="000000"/>
               </a:solidFill>
@@ -3362,7 +3382,7 @@
         <p:spPr>
           <a:xfrm>
             <a:off x="504000" y="1768680"/>
-            <a:ext cx="2160000" cy="2090880"/>
+            <a:ext cx="1053720" cy="2090520"/>
           </a:xfrm>
           <a:prstGeom prst="rect">
             <a:avLst/>
@@ -3371,7 +3391,7 @@
         <p:txBody>
           <a:bodyPr lIns="0" rIns="0" tIns="0" bIns="0"/>
           <a:p>
-            <a:endParaRPr b="0" lang="en-US" sz="2800" spc="-1" strike="noStrike">
+            <a:endParaRPr b="0" lang="en-GB" sz="3200" spc="-1" strike="noStrike">
               <a:solidFill>
                 <a:srgbClr val="000000"/>
               </a:solidFill>
@@ -3397,8 +3417,8 @@
         </p:nvSpPr>
         <p:spPr>
           <a:xfrm>
-            <a:off x="504000" y="4058640"/>
-            <a:ext cx="2160000" cy="2090880"/>
+            <a:off x="504000" y="4058280"/>
+            <a:ext cx="1053720" cy="2090520"/>
           </a:xfrm>
           <a:prstGeom prst="rect">
             <a:avLst/>
@@ -3407,7 +3427,7 @@
         <p:txBody>
           <a:bodyPr lIns="0" rIns="0" tIns="0" bIns="0"/>
           <a:p>
-            <a:endParaRPr b="0" lang="en-US" sz="2800" spc="-1" strike="noStrike">
+            <a:endParaRPr b="0" lang="en-GB" sz="3200" spc="-1" strike="noStrike">
               <a:solidFill>
                 <a:srgbClr val="000000"/>
               </a:solidFill>
@@ -3433,8 +3453,8 @@
         </p:nvSpPr>
         <p:spPr>
           <a:xfrm>
-            <a:off x="2772360" y="1768680"/>
-            <a:ext cx="2160000" cy="4383720"/>
+            <a:off x="1610640" y="1768680"/>
+            <a:ext cx="1053720" cy="4383360"/>
           </a:xfrm>
           <a:prstGeom prst="rect">
             <a:avLst/>
@@ -3443,7 +3463,7 @@
         <p:txBody>
           <a:bodyPr lIns="0" rIns="0" tIns="0" bIns="0"/>
           <a:p>
-            <a:endParaRPr b="0" lang="en-US" sz="2800" spc="-1" strike="noStrike">
+            <a:endParaRPr b="0" lang="en-GB" sz="3200" spc="-1" strike="noStrike">
               <a:solidFill>
                 <a:srgbClr val="000000"/>
               </a:solidFill>
@@ -3492,7 +3512,7 @@
         <p:spPr>
           <a:xfrm>
             <a:off x="504000" y="301320"/>
-            <a:ext cx="9071640" cy="1261440"/>
+            <a:ext cx="9071280" cy="1261080"/>
           </a:xfrm>
           <a:prstGeom prst="rect">
             <a:avLst/>
@@ -3501,7 +3521,8 @@
         <p:txBody>
           <a:bodyPr lIns="0" rIns="0" tIns="0" bIns="0" anchor="ctr"/>
           <a:p>
-            <a:endParaRPr b="0" lang="en-US" sz="1800" spc="-1" strike="noStrike">
+            <a:pPr algn="ctr"/>
+            <a:endParaRPr b="0" lang="en-GB" sz="4400" spc="-1" strike="noStrike">
               <a:solidFill>
                 <a:srgbClr val="000000"/>
               </a:solidFill>
@@ -3528,7 +3549,7 @@
         <p:spPr>
           <a:xfrm>
             <a:off x="504000" y="1768680"/>
-            <a:ext cx="2160000" cy="4383720"/>
+            <a:ext cx="1053720" cy="4383360"/>
           </a:xfrm>
           <a:prstGeom prst="rect">
             <a:avLst/>
@@ -3537,7 +3558,7 @@
         <p:txBody>
           <a:bodyPr lIns="0" rIns="0" tIns="0" bIns="0"/>
           <a:p>
-            <a:endParaRPr b="0" lang="en-US" sz="2800" spc="-1" strike="noStrike">
+            <a:endParaRPr b="0" lang="en-GB" sz="3200" spc="-1" strike="noStrike">
               <a:solidFill>
                 <a:srgbClr val="000000"/>
               </a:solidFill>
@@ -3563,8 +3584,8 @@
         </p:nvSpPr>
         <p:spPr>
           <a:xfrm>
-            <a:off x="2772360" y="1768680"/>
-            <a:ext cx="2160000" cy="2090880"/>
+            <a:off x="1610640" y="1768680"/>
+            <a:ext cx="1053720" cy="2090520"/>
           </a:xfrm>
           <a:prstGeom prst="rect">
             <a:avLst/>
@@ -3573,7 +3594,7 @@
         <p:txBody>
           <a:bodyPr lIns="0" rIns="0" tIns="0" bIns="0"/>
           <a:p>
-            <a:endParaRPr b="0" lang="en-US" sz="2800" spc="-1" strike="noStrike">
+            <a:endParaRPr b="0" lang="en-GB" sz="3200" spc="-1" strike="noStrike">
               <a:solidFill>
                 <a:srgbClr val="000000"/>
               </a:solidFill>
@@ -3599,8 +3620,8 @@
         </p:nvSpPr>
         <p:spPr>
           <a:xfrm>
-            <a:off x="2772360" y="4058640"/>
-            <a:ext cx="2160000" cy="2090880"/>
+            <a:off x="1610640" y="4058280"/>
+            <a:ext cx="1053720" cy="2090520"/>
           </a:xfrm>
           <a:prstGeom prst="rect">
             <a:avLst/>
@@ -3609,7 +3630,7 @@
         <p:txBody>
           <a:bodyPr lIns="0" rIns="0" tIns="0" bIns="0"/>
           <a:p>
-            <a:endParaRPr b="0" lang="en-US" sz="2800" spc="-1" strike="noStrike">
+            <a:endParaRPr b="0" lang="en-GB" sz="3200" spc="-1" strike="noStrike">
               <a:solidFill>
                 <a:srgbClr val="000000"/>
               </a:solidFill>
@@ -3658,7 +3679,7 @@
         <p:spPr>
           <a:xfrm>
             <a:off x="504000" y="301320"/>
-            <a:ext cx="9071640" cy="1261440"/>
+            <a:ext cx="9071280" cy="1261080"/>
           </a:xfrm>
           <a:prstGeom prst="rect">
             <a:avLst/>
@@ -3667,7 +3688,8 @@
         <p:txBody>
           <a:bodyPr lIns="0" rIns="0" tIns="0" bIns="0" anchor="ctr"/>
           <a:p>
-            <a:endParaRPr b="0" lang="en-US" sz="1800" spc="-1" strike="noStrike">
+            <a:pPr algn="ctr"/>
+            <a:endParaRPr b="0" lang="en-GB" sz="4400" spc="-1" strike="noStrike">
               <a:solidFill>
                 <a:srgbClr val="000000"/>
               </a:solidFill>
@@ -3694,7 +3716,7 @@
         <p:spPr>
           <a:xfrm>
             <a:off x="504000" y="1768680"/>
-            <a:ext cx="2160000" cy="2090880"/>
+            <a:ext cx="1053720" cy="2090520"/>
           </a:xfrm>
           <a:prstGeom prst="rect">
             <a:avLst/>
@@ -3703,7 +3725,7 @@
         <p:txBody>
           <a:bodyPr lIns="0" rIns="0" tIns="0" bIns="0"/>
           <a:p>
-            <a:endParaRPr b="0" lang="en-US" sz="2800" spc="-1" strike="noStrike">
+            <a:endParaRPr b="0" lang="en-GB" sz="3200" spc="-1" strike="noStrike">
               <a:solidFill>
                 <a:srgbClr val="000000"/>
               </a:solidFill>
@@ -3729,8 +3751,8 @@
         </p:nvSpPr>
         <p:spPr>
           <a:xfrm>
-            <a:off x="2772360" y="1768680"/>
-            <a:ext cx="2160000" cy="2090880"/>
+            <a:off x="1610640" y="1768680"/>
+            <a:ext cx="1053720" cy="2090520"/>
           </a:xfrm>
           <a:prstGeom prst="rect">
             <a:avLst/>
@@ -3739,7 +3761,7 @@
         <p:txBody>
           <a:bodyPr lIns="0" rIns="0" tIns="0" bIns="0"/>
           <a:p>
-            <a:endParaRPr b="0" lang="en-US" sz="2800" spc="-1" strike="noStrike">
+            <a:endParaRPr b="0" lang="en-GB" sz="3200" spc="-1" strike="noStrike">
               <a:solidFill>
                 <a:srgbClr val="000000"/>
               </a:solidFill>
@@ -3765,8 +3787,8 @@
         </p:nvSpPr>
         <p:spPr>
           <a:xfrm>
-            <a:off x="504000" y="4058640"/>
-            <a:ext cx="4426560" cy="2090880"/>
+            <a:off x="504000" y="4058280"/>
+            <a:ext cx="2159640" cy="2090520"/>
           </a:xfrm>
           <a:prstGeom prst="rect">
             <a:avLst/>
@@ -3775,7 +3797,7 @@
         <p:txBody>
           <a:bodyPr lIns="0" rIns="0" tIns="0" bIns="0"/>
           <a:p>
-            <a:endParaRPr b="0" lang="en-US" sz="2800" spc="-1" strike="noStrike">
+            <a:endParaRPr b="0" lang="en-GB" sz="3200" spc="-1" strike="noStrike">
               <a:solidFill>
                 <a:srgbClr val="000000"/>
               </a:solidFill>
@@ -3824,7 +3846,7 @@
         <p:spPr>
           <a:xfrm>
             <a:off x="504000" y="301320"/>
-            <a:ext cx="9071640" cy="1261440"/>
+            <a:ext cx="9071280" cy="1261080"/>
           </a:xfrm>
           <a:prstGeom prst="rect">
             <a:avLst/>
@@ -3833,7 +3855,8 @@
         <p:txBody>
           <a:bodyPr lIns="0" rIns="0" tIns="0" bIns="0" anchor="ctr"/>
           <a:p>
-            <a:endParaRPr b="0" lang="en-US" sz="1800" spc="-1" strike="noStrike">
+            <a:pPr algn="ctr"/>
+            <a:endParaRPr b="0" lang="en-GB" sz="4400" spc="-1" strike="noStrike">
               <a:solidFill>
                 <a:srgbClr val="000000"/>
               </a:solidFill>
@@ -3860,7 +3883,7 @@
         <p:spPr>
           <a:xfrm>
             <a:off x="504000" y="1768680"/>
-            <a:ext cx="4426560" cy="2090880"/>
+            <a:ext cx="2159640" cy="2090520"/>
           </a:xfrm>
           <a:prstGeom prst="rect">
             <a:avLst/>
@@ -3869,7 +3892,7 @@
         <p:txBody>
           <a:bodyPr lIns="0" rIns="0" tIns="0" bIns="0"/>
           <a:p>
-            <a:endParaRPr b="0" lang="en-US" sz="2800" spc="-1" strike="noStrike">
+            <a:endParaRPr b="0" lang="en-GB" sz="3200" spc="-1" strike="noStrike">
               <a:solidFill>
                 <a:srgbClr val="000000"/>
               </a:solidFill>
@@ -3895,8 +3918,8 @@
         </p:nvSpPr>
         <p:spPr>
           <a:xfrm>
-            <a:off x="504000" y="4058640"/>
-            <a:ext cx="4426560" cy="2090880"/>
+            <a:off x="504000" y="4058280"/>
+            <a:ext cx="2159640" cy="2090520"/>
           </a:xfrm>
           <a:prstGeom prst="rect">
             <a:avLst/>
@@ -3905,7 +3928,7 @@
         <p:txBody>
           <a:bodyPr lIns="0" rIns="0" tIns="0" bIns="0"/>
           <a:p>
-            <a:endParaRPr b="0" lang="en-US" sz="2800" spc="-1" strike="noStrike">
+            <a:endParaRPr b="0" lang="en-GB" sz="3200" spc="-1" strike="noStrike">
               <a:solidFill>
                 <a:srgbClr val="000000"/>
               </a:solidFill>
@@ -3954,7 +3977,7 @@
         <p:spPr>
           <a:xfrm>
             <a:off x="504000" y="301320"/>
-            <a:ext cx="9071640" cy="1261440"/>
+            <a:ext cx="9071280" cy="1261080"/>
           </a:xfrm>
           <a:prstGeom prst="rect">
             <a:avLst/>
@@ -3963,7 +3986,8 @@
         <p:txBody>
           <a:bodyPr lIns="0" rIns="0" tIns="0" bIns="0" anchor="ctr"/>
           <a:p>
-            <a:endParaRPr b="0" lang="en-US" sz="1800" spc="-1" strike="noStrike">
+            <a:pPr algn="ctr"/>
+            <a:endParaRPr b="0" lang="en-GB" sz="4400" spc="-1" strike="noStrike">
               <a:solidFill>
                 <a:srgbClr val="000000"/>
               </a:solidFill>
@@ -3990,7 +4014,7 @@
         <p:spPr>
           <a:xfrm>
             <a:off x="504000" y="1768680"/>
-            <a:ext cx="2160000" cy="2090880"/>
+            <a:ext cx="1053720" cy="2090520"/>
           </a:xfrm>
           <a:prstGeom prst="rect">
             <a:avLst/>
@@ -3999,7 +4023,7 @@
         <p:txBody>
           <a:bodyPr lIns="0" rIns="0" tIns="0" bIns="0"/>
           <a:p>
-            <a:endParaRPr b="0" lang="en-US" sz="2800" spc="-1" strike="noStrike">
+            <a:endParaRPr b="0" lang="en-GB" sz="3200" spc="-1" strike="noStrike">
               <a:solidFill>
                 <a:srgbClr val="000000"/>
               </a:solidFill>
@@ -4025,8 +4049,8 @@
         </p:nvSpPr>
         <p:spPr>
           <a:xfrm>
-            <a:off x="2772360" y="1768680"/>
-            <a:ext cx="2160000" cy="2090880"/>
+            <a:off x="1610640" y="1768680"/>
+            <a:ext cx="1053720" cy="2090520"/>
           </a:xfrm>
           <a:prstGeom prst="rect">
             <a:avLst/>
@@ -4035,7 +4059,7 @@
         <p:txBody>
           <a:bodyPr lIns="0" rIns="0" tIns="0" bIns="0"/>
           <a:p>
-            <a:endParaRPr b="0" lang="en-US" sz="2800" spc="-1" strike="noStrike">
+            <a:endParaRPr b="0" lang="en-GB" sz="3200" spc="-1" strike="noStrike">
               <a:solidFill>
                 <a:srgbClr val="000000"/>
               </a:solidFill>
@@ -4061,8 +4085,8 @@
         </p:nvSpPr>
         <p:spPr>
           <a:xfrm>
-            <a:off x="2772360" y="4058640"/>
-            <a:ext cx="2160000" cy="2090880"/>
+            <a:off x="1610640" y="4058280"/>
+            <a:ext cx="1053720" cy="2090520"/>
           </a:xfrm>
           <a:prstGeom prst="rect">
             <a:avLst/>
@@ -4071,7 +4095,7 @@
         <p:txBody>
           <a:bodyPr lIns="0" rIns="0" tIns="0" bIns="0"/>
           <a:p>
-            <a:endParaRPr b="0" lang="en-US" sz="2800" spc="-1" strike="noStrike">
+            <a:endParaRPr b="0" lang="en-GB" sz="3200" spc="-1" strike="noStrike">
               <a:solidFill>
                 <a:srgbClr val="000000"/>
               </a:solidFill>
@@ -4097,8 +4121,8 @@
         </p:nvSpPr>
         <p:spPr>
           <a:xfrm>
-            <a:off x="504000" y="4058640"/>
-            <a:ext cx="2160000" cy="2090880"/>
+            <a:off x="504000" y="4058280"/>
+            <a:ext cx="1053720" cy="2090520"/>
           </a:xfrm>
           <a:prstGeom prst="rect">
             <a:avLst/>
@@ -4107,7 +4131,7 @@
         <p:txBody>
           <a:bodyPr lIns="0" rIns="0" tIns="0" bIns="0"/>
           <a:p>
-            <a:endParaRPr b="0" lang="en-US" sz="2800" spc="-1" strike="noStrike">
+            <a:endParaRPr b="0" lang="en-GB" sz="3200" spc="-1" strike="noStrike">
               <a:solidFill>
                 <a:srgbClr val="000000"/>
               </a:solidFill>
@@ -4156,7 +4180,7 @@
         <p:spPr>
           <a:xfrm>
             <a:off x="504000" y="301320"/>
-            <a:ext cx="9071640" cy="1261440"/>
+            <a:ext cx="9071280" cy="1261080"/>
           </a:xfrm>
           <a:prstGeom prst="rect">
             <a:avLst/>
@@ -4165,7 +4189,8 @@
         <p:txBody>
           <a:bodyPr lIns="0" rIns="0" tIns="0" bIns="0" anchor="ctr"/>
           <a:p>
-            <a:endParaRPr b="0" lang="en-US" sz="1800" spc="-1" strike="noStrike">
+            <a:pPr algn="ctr"/>
+            <a:endParaRPr b="0" lang="en-GB" sz="4400" spc="-1" strike="noStrike">
               <a:solidFill>
                 <a:srgbClr val="000000"/>
               </a:solidFill>
@@ -4192,7 +4217,7 @@
         <p:spPr>
           <a:xfrm>
             <a:off x="504000" y="1768680"/>
-            <a:ext cx="4426560" cy="4383720"/>
+            <a:ext cx="2159640" cy="4383360"/>
           </a:xfrm>
           <a:prstGeom prst="rect">
             <a:avLst/>
@@ -4201,7 +4226,7 @@
         <p:txBody>
           <a:bodyPr lIns="0" rIns="0" tIns="0" bIns="0"/>
           <a:p>
-            <a:endParaRPr b="0" lang="en-US" sz="2800" spc="-1" strike="noStrike">
+            <a:endParaRPr b="0" lang="en-GB" sz="3200" spc="-1" strike="noStrike">
               <a:solidFill>
                 <a:srgbClr val="000000"/>
               </a:solidFill>
@@ -4228,7 +4253,7 @@
         <p:spPr>
           <a:xfrm>
             <a:off x="504000" y="1768680"/>
-            <a:ext cx="4426560" cy="4383720"/>
+            <a:ext cx="2159640" cy="4383360"/>
           </a:xfrm>
           <a:prstGeom prst="rect">
             <a:avLst/>
@@ -4237,7 +4262,7 @@
         <p:txBody>
           <a:bodyPr lIns="0" rIns="0" tIns="0" bIns="0"/>
           <a:p>
-            <a:endParaRPr b="0" lang="en-US" sz="2800" spc="-1" strike="noStrike">
+            <a:endParaRPr b="0" lang="en-GB" sz="3200" spc="-1" strike="noStrike">
               <a:solidFill>
                 <a:srgbClr val="000000"/>
               </a:solidFill>
@@ -4263,8 +4288,8 @@
         </p:blipFill>
         <p:spPr>
           <a:xfrm>
-            <a:off x="504000" y="2194560"/>
-            <a:ext cx="4426560" cy="3531600"/>
+            <a:off x="503640" y="3098880"/>
+            <a:ext cx="2159640" cy="1722960"/>
           </a:xfrm>
           <a:prstGeom prst="rect">
             <a:avLst/>
@@ -4286,8 +4311,8 @@
         </p:blipFill>
         <p:spPr>
           <a:xfrm>
-            <a:off x="504000" y="2194560"/>
-            <a:ext cx="4426560" cy="3531600"/>
+            <a:off x="503640" y="3098880"/>
+            <a:ext cx="2159640" cy="1722960"/>
           </a:xfrm>
           <a:prstGeom prst="rect">
             <a:avLst/>
@@ -4332,7 +4357,7 @@
         <p:spPr>
           <a:xfrm>
             <a:off x="504000" y="301320"/>
-            <a:ext cx="9071640" cy="1261440"/>
+            <a:ext cx="9071280" cy="1261080"/>
           </a:xfrm>
           <a:prstGeom prst="rect">
             <a:avLst/>
@@ -4341,7 +4366,8 @@
         <p:txBody>
           <a:bodyPr lIns="0" rIns="0" tIns="0" bIns="0" anchor="ctr"/>
           <a:p>
-            <a:endParaRPr b="0" lang="en-US" sz="1800" spc="-1" strike="noStrike">
+            <a:pPr algn="ctr"/>
+            <a:endParaRPr b="0" lang="en-GB" sz="4400" spc="-1" strike="noStrike">
               <a:solidFill>
                 <a:srgbClr val="000000"/>
               </a:solidFill>
@@ -4368,7 +4394,7 @@
         <p:spPr>
           <a:xfrm>
             <a:off x="504000" y="1768680"/>
-            <a:ext cx="2160000" cy="4383720"/>
+            <a:ext cx="1053720" cy="4383360"/>
           </a:xfrm>
           <a:prstGeom prst="rect">
             <a:avLst/>
@@ -4377,7 +4403,7 @@
         <p:txBody>
           <a:bodyPr lIns="0" rIns="0" tIns="0" bIns="0"/>
           <a:p>
-            <a:endParaRPr b="0" lang="en-US" sz="2800" spc="-1" strike="noStrike">
+            <a:endParaRPr b="0" lang="en-GB" sz="3200" spc="-1" strike="noStrike">
               <a:solidFill>
                 <a:srgbClr val="000000"/>
               </a:solidFill>
@@ -4403,8 +4429,8 @@
         </p:nvSpPr>
         <p:spPr>
           <a:xfrm>
-            <a:off x="2772360" y="1768680"/>
-            <a:ext cx="2160000" cy="4383720"/>
+            <a:off x="1610640" y="1768680"/>
+            <a:ext cx="1053720" cy="4383360"/>
           </a:xfrm>
           <a:prstGeom prst="rect">
             <a:avLst/>
@@ -4413,7 +4439,7 @@
         <p:txBody>
           <a:bodyPr lIns="0" rIns="0" tIns="0" bIns="0"/>
           <a:p>
-            <a:endParaRPr b="0" lang="en-US" sz="2800" spc="-1" strike="noStrike">
+            <a:endParaRPr b="0" lang="en-GB" sz="3200" spc="-1" strike="noStrike">
               <a:solidFill>
                 <a:srgbClr val="000000"/>
               </a:solidFill>
@@ -4462,7 +4488,7 @@
         <p:spPr>
           <a:xfrm>
             <a:off x="504000" y="301320"/>
-            <a:ext cx="9071640" cy="1261440"/>
+            <a:ext cx="9071280" cy="1261080"/>
           </a:xfrm>
           <a:prstGeom prst="rect">
             <a:avLst/>
@@ -4471,7 +4497,8 @@
         <p:txBody>
           <a:bodyPr lIns="0" rIns="0" tIns="0" bIns="0" anchor="ctr"/>
           <a:p>
-            <a:endParaRPr b="0" lang="en-US" sz="1800" spc="-1" strike="noStrike">
+            <a:pPr algn="ctr"/>
+            <a:endParaRPr b="0" lang="en-GB" sz="4400" spc="-1" strike="noStrike">
               <a:solidFill>
                 <a:srgbClr val="000000"/>
               </a:solidFill>
@@ -4520,7 +4547,7 @@
         <p:spPr>
           <a:xfrm>
             <a:off x="504000" y="301320"/>
-            <a:ext cx="9071640" cy="5848560"/>
+            <a:ext cx="9071280" cy="5846760"/>
           </a:xfrm>
           <a:prstGeom prst="rect">
             <a:avLst/>
@@ -4579,7 +4606,7 @@
         <p:spPr>
           <a:xfrm>
             <a:off x="504000" y="301320"/>
-            <a:ext cx="9071640" cy="1261440"/>
+            <a:ext cx="9071280" cy="1261080"/>
           </a:xfrm>
           <a:prstGeom prst="rect">
             <a:avLst/>
@@ -4588,7 +4615,8 @@
         <p:txBody>
           <a:bodyPr lIns="0" rIns="0" tIns="0" bIns="0" anchor="ctr"/>
           <a:p>
-            <a:endParaRPr b="0" lang="en-US" sz="1800" spc="-1" strike="noStrike">
+            <a:pPr algn="ctr"/>
+            <a:endParaRPr b="0" lang="en-GB" sz="4400" spc="-1" strike="noStrike">
               <a:solidFill>
                 <a:srgbClr val="000000"/>
               </a:solidFill>
@@ -4615,7 +4643,7 @@
         <p:spPr>
           <a:xfrm>
             <a:off x="504000" y="1768680"/>
-            <a:ext cx="2160000" cy="2090880"/>
+            <a:ext cx="1053720" cy="2090520"/>
           </a:xfrm>
           <a:prstGeom prst="rect">
             <a:avLst/>
@@ -4624,7 +4652,7 @@
         <p:txBody>
           <a:bodyPr lIns="0" rIns="0" tIns="0" bIns="0"/>
           <a:p>
-            <a:endParaRPr b="0" lang="en-US" sz="2800" spc="-1" strike="noStrike">
+            <a:endParaRPr b="0" lang="en-GB" sz="3200" spc="-1" strike="noStrike">
               <a:solidFill>
                 <a:srgbClr val="000000"/>
               </a:solidFill>
@@ -4650,8 +4678,8 @@
         </p:nvSpPr>
         <p:spPr>
           <a:xfrm>
-            <a:off x="504000" y="4058640"/>
-            <a:ext cx="2160000" cy="2090880"/>
+            <a:off x="504000" y="4058280"/>
+            <a:ext cx="1053720" cy="2090520"/>
           </a:xfrm>
           <a:prstGeom prst="rect">
             <a:avLst/>
@@ -4660,7 +4688,7 @@
         <p:txBody>
           <a:bodyPr lIns="0" rIns="0" tIns="0" bIns="0"/>
           <a:p>
-            <a:endParaRPr b="0" lang="en-US" sz="2800" spc="-1" strike="noStrike">
+            <a:endParaRPr b="0" lang="en-GB" sz="3200" spc="-1" strike="noStrike">
               <a:solidFill>
                 <a:srgbClr val="000000"/>
               </a:solidFill>
@@ -4686,8 +4714,8 @@
         </p:nvSpPr>
         <p:spPr>
           <a:xfrm>
-            <a:off x="2772360" y="1768680"/>
-            <a:ext cx="2160000" cy="4383720"/>
+            <a:off x="1610640" y="1768680"/>
+            <a:ext cx="1053720" cy="4383360"/>
           </a:xfrm>
           <a:prstGeom prst="rect">
             <a:avLst/>
@@ -4696,7 +4724,7 @@
         <p:txBody>
           <a:bodyPr lIns="0" rIns="0" tIns="0" bIns="0"/>
           <a:p>
-            <a:endParaRPr b="0" lang="en-US" sz="2800" spc="-1" strike="noStrike">
+            <a:endParaRPr b="0" lang="en-GB" sz="3200" spc="-1" strike="noStrike">
               <a:solidFill>
                 <a:srgbClr val="000000"/>
               </a:solidFill>
@@ -4745,7 +4773,7 @@
         <p:spPr>
           <a:xfrm>
             <a:off x="504000" y="301320"/>
-            <a:ext cx="9071640" cy="1261440"/>
+            <a:ext cx="9071280" cy="1261080"/>
           </a:xfrm>
           <a:prstGeom prst="rect">
             <a:avLst/>
@@ -4754,7 +4782,8 @@
         <p:txBody>
           <a:bodyPr lIns="0" rIns="0" tIns="0" bIns="0" anchor="ctr"/>
           <a:p>
-            <a:endParaRPr b="0" lang="en-US" sz="1800" spc="-1" strike="noStrike">
+            <a:pPr algn="ctr"/>
+            <a:endParaRPr b="0" lang="en-GB" sz="4400" spc="-1" strike="noStrike">
               <a:solidFill>
                 <a:srgbClr val="000000"/>
               </a:solidFill>
@@ -4781,7 +4810,7 @@
         <p:spPr>
           <a:xfrm>
             <a:off x="504000" y="1768680"/>
-            <a:ext cx="2160000" cy="4383720"/>
+            <a:ext cx="1053720" cy="4383360"/>
           </a:xfrm>
           <a:prstGeom prst="rect">
             <a:avLst/>
@@ -4790,7 +4819,7 @@
         <p:txBody>
           <a:bodyPr lIns="0" rIns="0" tIns="0" bIns="0"/>
           <a:p>
-            <a:endParaRPr b="0" lang="en-US" sz="2800" spc="-1" strike="noStrike">
+            <a:endParaRPr b="0" lang="en-GB" sz="3200" spc="-1" strike="noStrike">
               <a:solidFill>
                 <a:srgbClr val="000000"/>
               </a:solidFill>
@@ -4816,8 +4845,8 @@
         </p:nvSpPr>
         <p:spPr>
           <a:xfrm>
-            <a:off x="2772360" y="1768680"/>
-            <a:ext cx="2160000" cy="2090880"/>
+            <a:off x="1610640" y="1768680"/>
+            <a:ext cx="1053720" cy="2090520"/>
           </a:xfrm>
           <a:prstGeom prst="rect">
             <a:avLst/>
@@ -4826,7 +4855,7 @@
         <p:txBody>
           <a:bodyPr lIns="0" rIns="0" tIns="0" bIns="0"/>
           <a:p>
-            <a:endParaRPr b="0" lang="en-US" sz="2800" spc="-1" strike="noStrike">
+            <a:endParaRPr b="0" lang="en-GB" sz="3200" spc="-1" strike="noStrike">
               <a:solidFill>
                 <a:srgbClr val="000000"/>
               </a:solidFill>
@@ -4852,8 +4881,8 @@
         </p:nvSpPr>
         <p:spPr>
           <a:xfrm>
-            <a:off x="2772360" y="4058640"/>
-            <a:ext cx="2160000" cy="2090880"/>
+            <a:off x="1610640" y="4058280"/>
+            <a:ext cx="1053720" cy="2090520"/>
           </a:xfrm>
           <a:prstGeom prst="rect">
             <a:avLst/>
@@ -4862,7 +4891,7 @@
         <p:txBody>
           <a:bodyPr lIns="0" rIns="0" tIns="0" bIns="0"/>
           <a:p>
-            <a:endParaRPr b="0" lang="en-US" sz="2800" spc="-1" strike="noStrike">
+            <a:endParaRPr b="0" lang="en-GB" sz="3200" spc="-1" strike="noStrike">
               <a:solidFill>
                 <a:srgbClr val="000000"/>
               </a:solidFill>
@@ -4911,7 +4940,7 @@
         <p:spPr>
           <a:xfrm>
             <a:off x="504000" y="301320"/>
-            <a:ext cx="9071640" cy="1261440"/>
+            <a:ext cx="9071280" cy="1261080"/>
           </a:xfrm>
           <a:prstGeom prst="rect">
             <a:avLst/>
@@ -4920,7 +4949,8 @@
         <p:txBody>
           <a:bodyPr lIns="0" rIns="0" tIns="0" bIns="0" anchor="ctr"/>
           <a:p>
-            <a:endParaRPr b="0" lang="en-US" sz="1800" spc="-1" strike="noStrike">
+            <a:pPr algn="ctr"/>
+            <a:endParaRPr b="0" lang="en-GB" sz="4400" spc="-1" strike="noStrike">
               <a:solidFill>
                 <a:srgbClr val="000000"/>
               </a:solidFill>
@@ -4947,7 +4977,7 @@
         <p:spPr>
           <a:xfrm>
             <a:off x="504000" y="1768680"/>
-            <a:ext cx="2160000" cy="2090880"/>
+            <a:ext cx="1053720" cy="2090520"/>
           </a:xfrm>
           <a:prstGeom prst="rect">
             <a:avLst/>
@@ -4956,7 +4986,7 @@
         <p:txBody>
           <a:bodyPr lIns="0" rIns="0" tIns="0" bIns="0"/>
           <a:p>
-            <a:endParaRPr b="0" lang="en-US" sz="2800" spc="-1" strike="noStrike">
+            <a:endParaRPr b="0" lang="en-GB" sz="3200" spc="-1" strike="noStrike">
               <a:solidFill>
                 <a:srgbClr val="000000"/>
               </a:solidFill>
@@ -4982,8 +5012,8 @@
         </p:nvSpPr>
         <p:spPr>
           <a:xfrm>
-            <a:off x="2772360" y="1768680"/>
-            <a:ext cx="2160000" cy="2090880"/>
+            <a:off x="1610640" y="1768680"/>
+            <a:ext cx="1053720" cy="2090520"/>
           </a:xfrm>
           <a:prstGeom prst="rect">
             <a:avLst/>
@@ -4992,7 +5022,7 @@
         <p:txBody>
           <a:bodyPr lIns="0" rIns="0" tIns="0" bIns="0"/>
           <a:p>
-            <a:endParaRPr b="0" lang="en-US" sz="2800" spc="-1" strike="noStrike">
+            <a:endParaRPr b="0" lang="en-GB" sz="3200" spc="-1" strike="noStrike">
               <a:solidFill>
                 <a:srgbClr val="000000"/>
               </a:solidFill>
@@ -5018,8 +5048,8 @@
         </p:nvSpPr>
         <p:spPr>
           <a:xfrm>
-            <a:off x="504000" y="4058640"/>
-            <a:ext cx="4426560" cy="2090880"/>
+            <a:off x="504000" y="4058280"/>
+            <a:ext cx="2159640" cy="2090520"/>
           </a:xfrm>
           <a:prstGeom prst="rect">
             <a:avLst/>
@@ -5028,7 +5058,7 @@
         <p:txBody>
           <a:bodyPr lIns="0" rIns="0" tIns="0" bIns="0"/>
           <a:p>
-            <a:endParaRPr b="0" lang="en-US" sz="2800" spc="-1" strike="noStrike">
+            <a:endParaRPr b="0" lang="en-GB" sz="3200" spc="-1" strike="noStrike">
               <a:solidFill>
                 <a:srgbClr val="000000"/>
               </a:solidFill>
@@ -5093,8 +5123,9 @@
         <p:txBody>
           <a:bodyPr lIns="0" rIns="0" tIns="0" bIns="0" anchor="ctr"/>
           <a:p>
+            <a:pPr algn="ctr"/>
             <a:r>
-              <a:rPr b="0" lang="en-US" sz="1800" spc="-1" strike="noStrike">
+              <a:rPr b="0" lang="en-GB" sz="4400" spc="-1" strike="noStrike">
                 <a:solidFill>
                   <a:srgbClr val="000000"/>
                 </a:solidFill>
@@ -5107,7 +5138,7 @@
               </a:rPr>
               <a:t>Click to edit the title text format</a:t>
             </a:r>
-            <a:endParaRPr b="0" lang="en-US" sz="1800" spc="-1" strike="noStrike">
+            <a:endParaRPr b="0" lang="en-GB" sz="4400" spc="-1" strike="noStrike">
               <a:solidFill>
                 <a:srgbClr val="000000"/>
               </a:solidFill>
@@ -5144,6 +5175,9 @@
           <a:bodyPr lIns="0" rIns="0" tIns="0" bIns="0"/>
           <a:p>
             <a:pPr marL="432000" indent="-324000">
+              <a:spcBef>
+                <a:spcPts val="1417"/>
+              </a:spcBef>
               <a:buClr>
                 <a:srgbClr val="000000"/>
               </a:buClr>
@@ -5152,7 +5186,7 @@
               <a:buChar char=""/>
             </a:pPr>
             <a:r>
-              <a:rPr b="0" lang="en-US" sz="2800" spc="-1" strike="noStrike">
+              <a:rPr b="0" lang="en-GB" sz="3200" spc="-1" strike="noStrike">
                 <a:solidFill>
                   <a:srgbClr val="000000"/>
                 </a:solidFill>
@@ -5165,7 +5199,7 @@
               </a:rPr>
               <a:t>Click to edit the outline text format</a:t>
             </a:r>
-            <a:endParaRPr b="0" lang="en-US" sz="2800" spc="-1" strike="noStrike">
+            <a:endParaRPr b="0" lang="en-GB" sz="3200" spc="-1" strike="noStrike">
               <a:solidFill>
                 <a:srgbClr val="000000"/>
               </a:solidFill>
@@ -5179,6 +5213,9 @@
           </a:p>
           <a:p>
             <a:pPr lvl="1" marL="864000" indent="-324000">
+              <a:spcBef>
+                <a:spcPts val="1134"/>
+              </a:spcBef>
               <a:buClr>
                 <a:srgbClr val="000000"/>
               </a:buClr>
@@ -5187,7 +5224,7 @@
               <a:buChar char=""/>
             </a:pPr>
             <a:r>
-              <a:rPr b="0" lang="en-US" sz="2000" spc="-1" strike="noStrike">
+              <a:rPr b="0" lang="en-GB" sz="2800" spc="-1" strike="noStrike">
                 <a:solidFill>
                   <a:srgbClr val="000000"/>
                 </a:solidFill>
@@ -5200,7 +5237,7 @@
               </a:rPr>
               <a:t>Second Outline Level</a:t>
             </a:r>
-            <a:endParaRPr b="0" lang="en-US" sz="2000" spc="-1" strike="noStrike">
+            <a:endParaRPr b="0" lang="en-GB" sz="2800" spc="-1" strike="noStrike">
               <a:solidFill>
                 <a:srgbClr val="000000"/>
               </a:solidFill>
@@ -5214,6 +5251,9 @@
           </a:p>
           <a:p>
             <a:pPr lvl="2" marL="1296000" indent="-288000">
+              <a:spcBef>
+                <a:spcPts val="850"/>
+              </a:spcBef>
               <a:buClr>
                 <a:srgbClr val="000000"/>
               </a:buClr>
@@ -5222,7 +5262,7 @@
               <a:buChar char=""/>
             </a:pPr>
             <a:r>
-              <a:rPr b="0" lang="en-US" sz="1800" spc="-1" strike="noStrike">
+              <a:rPr b="0" lang="en-GB" sz="2400" spc="-1" strike="noStrike">
                 <a:solidFill>
                   <a:srgbClr val="000000"/>
                 </a:solidFill>
@@ -5235,7 +5275,7 @@
               </a:rPr>
               <a:t>Third Outline Level</a:t>
             </a:r>
-            <a:endParaRPr b="0" lang="en-US" sz="1800" spc="-1" strike="noStrike">
+            <a:endParaRPr b="0" lang="en-GB" sz="2400" spc="-1" strike="noStrike">
               <a:solidFill>
                 <a:srgbClr val="000000"/>
               </a:solidFill>
@@ -5249,6 +5289,9 @@
           </a:p>
           <a:p>
             <a:pPr lvl="3" marL="1728000" indent="-216000">
+              <a:spcBef>
+                <a:spcPts val="567"/>
+              </a:spcBef>
               <a:buClr>
                 <a:srgbClr val="000000"/>
               </a:buClr>
@@ -5257,7 +5300,7 @@
               <a:buChar char=""/>
             </a:pPr>
             <a:r>
-              <a:rPr b="0" lang="en-US" sz="1800" spc="-1" strike="noStrike">
+              <a:rPr b="0" lang="en-GB" sz="2000" spc="-1" strike="noStrike">
                 <a:solidFill>
                   <a:srgbClr val="000000"/>
                 </a:solidFill>
@@ -5270,7 +5313,7 @@
               </a:rPr>
               <a:t>Fourth Outline Level</a:t>
             </a:r>
-            <a:endParaRPr b="0" lang="en-US" sz="1800" spc="-1" strike="noStrike">
+            <a:endParaRPr b="0" lang="en-GB" sz="2000" spc="-1" strike="noStrike">
               <a:solidFill>
                 <a:srgbClr val="000000"/>
               </a:solidFill>
@@ -5284,6 +5327,9 @@
           </a:p>
           <a:p>
             <a:pPr lvl="4" marL="2160000" indent="-216000">
+              <a:spcBef>
+                <a:spcPts val="283"/>
+              </a:spcBef>
               <a:buClr>
                 <a:srgbClr val="000000"/>
               </a:buClr>
@@ -5292,7 +5338,7 @@
               <a:buChar char=""/>
             </a:pPr>
             <a:r>
-              <a:rPr b="0" lang="en-US" sz="2000" spc="-1" strike="noStrike">
+              <a:rPr b="0" lang="en-GB" sz="2000" spc="-1" strike="noStrike">
                 <a:solidFill>
                   <a:srgbClr val="000000"/>
                 </a:solidFill>
@@ -5305,7 +5351,7 @@
               </a:rPr>
               <a:t>Fifth Outline Level</a:t>
             </a:r>
-            <a:endParaRPr b="0" lang="en-US" sz="2000" spc="-1" strike="noStrike">
+            <a:endParaRPr b="0" lang="en-GB" sz="2000" spc="-1" strike="noStrike">
               <a:solidFill>
                 <a:srgbClr val="000000"/>
               </a:solidFill>
@@ -5319,6 +5365,9 @@
           </a:p>
           <a:p>
             <a:pPr lvl="5" marL="2592000" indent="-216000">
+              <a:spcBef>
+                <a:spcPts val="283"/>
+              </a:spcBef>
               <a:buClr>
                 <a:srgbClr val="000000"/>
               </a:buClr>
@@ -5327,7 +5376,7 @@
               <a:buChar char=""/>
             </a:pPr>
             <a:r>
-              <a:rPr b="0" lang="en-US" sz="2000" spc="-1" strike="noStrike">
+              <a:rPr b="0" lang="en-GB" sz="2000" spc="-1" strike="noStrike">
                 <a:solidFill>
                   <a:srgbClr val="000000"/>
                 </a:solidFill>
@@ -5340,7 +5389,7 @@
               </a:rPr>
               <a:t>Sixth Outline Level</a:t>
             </a:r>
-            <a:endParaRPr b="0" lang="en-US" sz="2000" spc="-1" strike="noStrike">
+            <a:endParaRPr b="0" lang="en-GB" sz="2000" spc="-1" strike="noStrike">
               <a:solidFill>
                 <a:srgbClr val="000000"/>
               </a:solidFill>
@@ -5354,6 +5403,9 @@
           </a:p>
           <a:p>
             <a:pPr lvl="6" marL="3024000" indent="-216000">
+              <a:spcBef>
+                <a:spcPts val="283"/>
+              </a:spcBef>
               <a:buClr>
                 <a:srgbClr val="000000"/>
               </a:buClr>
@@ -5362,7 +5414,7 @@
               <a:buChar char=""/>
             </a:pPr>
             <a:r>
-              <a:rPr b="0" lang="en-US" sz="2000" spc="-1" strike="noStrike">
+              <a:rPr b="0" lang="en-GB" sz="2000" spc="-1" strike="noStrike">
                 <a:solidFill>
                   <a:srgbClr val="000000"/>
                 </a:solidFill>
@@ -5375,7 +5427,7 @@
               </a:rPr>
               <a:t>Seventh Outline Level</a:t>
             </a:r>
-            <a:endParaRPr b="0" lang="en-US" sz="2000" spc="-1" strike="noStrike">
+            <a:endParaRPr b="0" lang="en-GB" sz="2000" spc="-1" strike="noStrike">
               <a:solidFill>
                 <a:srgbClr val="000000"/>
               </a:solidFill>
@@ -5455,8 +5507,9 @@
         <p:txBody>
           <a:bodyPr lIns="0" rIns="0" tIns="0" bIns="0" anchor="ctr"/>
           <a:p>
+            <a:pPr algn="ctr"/>
             <a:r>
-              <a:rPr b="0" lang="en-US" sz="1800" spc="-1" strike="noStrike">
+              <a:rPr b="0" lang="en-GB" sz="4400" spc="-1" strike="noStrike">
                 <a:solidFill>
                   <a:srgbClr val="000000"/>
                 </a:solidFill>
@@ -5469,7 +5522,7 @@
               </a:rPr>
               <a:t>Click to edit the title text format</a:t>
             </a:r>
-            <a:endParaRPr b="0" lang="en-US" sz="1800" spc="-1" strike="noStrike">
+            <a:endParaRPr b="0" lang="en-GB" sz="4400" spc="-1" strike="noStrike">
               <a:solidFill>
                 <a:srgbClr val="000000"/>
               </a:solidFill>
@@ -5506,6 +5559,9 @@
           <a:bodyPr lIns="0" rIns="0" tIns="0" bIns="0"/>
           <a:p>
             <a:pPr marL="432000" indent="-324000">
+              <a:spcBef>
+                <a:spcPts val="1417"/>
+              </a:spcBef>
               <a:buClr>
                 <a:srgbClr val="000000"/>
               </a:buClr>
@@ -5514,7 +5570,7 @@
               <a:buChar char=""/>
             </a:pPr>
             <a:r>
-              <a:rPr b="0" lang="en-US" sz="2800" spc="-1" strike="noStrike">
+              <a:rPr b="0" lang="en-GB" sz="3200" spc="-1" strike="noStrike">
                 <a:solidFill>
                   <a:srgbClr val="000000"/>
                 </a:solidFill>
@@ -5527,7 +5583,7 @@
               </a:rPr>
               <a:t>Click to edit the outline text format</a:t>
             </a:r>
-            <a:endParaRPr b="0" lang="en-US" sz="2800" spc="-1" strike="noStrike">
+            <a:endParaRPr b="0" lang="en-GB" sz="3200" spc="-1" strike="noStrike">
               <a:solidFill>
                 <a:srgbClr val="000000"/>
               </a:solidFill>
@@ -5541,6 +5597,9 @@
           </a:p>
           <a:p>
             <a:pPr lvl="1" marL="864000" indent="-324000">
+              <a:spcBef>
+                <a:spcPts val="1134"/>
+              </a:spcBef>
               <a:buClr>
                 <a:srgbClr val="000000"/>
               </a:buClr>
@@ -5549,7 +5608,7 @@
               <a:buChar char=""/>
             </a:pPr>
             <a:r>
-              <a:rPr b="0" lang="en-US" sz="2000" spc="-1" strike="noStrike">
+              <a:rPr b="0" lang="en-GB" sz="2800" spc="-1" strike="noStrike">
                 <a:solidFill>
                   <a:srgbClr val="000000"/>
                 </a:solidFill>
@@ -5562,7 +5621,7 @@
               </a:rPr>
               <a:t>Second Outline Level</a:t>
             </a:r>
-            <a:endParaRPr b="0" lang="en-US" sz="2000" spc="-1" strike="noStrike">
+            <a:endParaRPr b="0" lang="en-GB" sz="2800" spc="-1" strike="noStrike">
               <a:solidFill>
                 <a:srgbClr val="000000"/>
               </a:solidFill>
@@ -5576,6 +5635,9 @@
           </a:p>
           <a:p>
             <a:pPr lvl="2" marL="1296000" indent="-288000">
+              <a:spcBef>
+                <a:spcPts val="850"/>
+              </a:spcBef>
               <a:buClr>
                 <a:srgbClr val="000000"/>
               </a:buClr>
@@ -5584,7 +5646,7 @@
               <a:buChar char=""/>
             </a:pPr>
             <a:r>
-              <a:rPr b="0" lang="en-US" sz="1800" spc="-1" strike="noStrike">
+              <a:rPr b="0" lang="en-GB" sz="2400" spc="-1" strike="noStrike">
                 <a:solidFill>
                   <a:srgbClr val="000000"/>
                 </a:solidFill>
@@ -5597,7 +5659,7 @@
               </a:rPr>
               <a:t>Third Outline Level</a:t>
             </a:r>
-            <a:endParaRPr b="0" lang="en-US" sz="1800" spc="-1" strike="noStrike">
+            <a:endParaRPr b="0" lang="en-GB" sz="2400" spc="-1" strike="noStrike">
               <a:solidFill>
                 <a:srgbClr val="000000"/>
               </a:solidFill>
@@ -5611,6 +5673,9 @@
           </a:p>
           <a:p>
             <a:pPr lvl="3" marL="1728000" indent="-216000">
+              <a:spcBef>
+                <a:spcPts val="567"/>
+              </a:spcBef>
               <a:buClr>
                 <a:srgbClr val="000000"/>
               </a:buClr>
@@ -5619,7 +5684,7 @@
               <a:buChar char=""/>
             </a:pPr>
             <a:r>
-              <a:rPr b="0" lang="en-US" sz="1800" spc="-1" strike="noStrike">
+              <a:rPr b="0" lang="en-GB" sz="2000" spc="-1" strike="noStrike">
                 <a:solidFill>
                   <a:srgbClr val="000000"/>
                 </a:solidFill>
@@ -5632,7 +5697,7 @@
               </a:rPr>
               <a:t>Fourth Outline Level</a:t>
             </a:r>
-            <a:endParaRPr b="0" lang="en-US" sz="1800" spc="-1" strike="noStrike">
+            <a:endParaRPr b="0" lang="en-GB" sz="2000" spc="-1" strike="noStrike">
               <a:solidFill>
                 <a:srgbClr val="000000"/>
               </a:solidFill>
@@ -5646,6 +5711,9 @@
           </a:p>
           <a:p>
             <a:pPr lvl="4" marL="2160000" indent="-216000">
+              <a:spcBef>
+                <a:spcPts val="283"/>
+              </a:spcBef>
               <a:buClr>
                 <a:srgbClr val="000000"/>
               </a:buClr>
@@ -5654,7 +5722,7 @@
               <a:buChar char=""/>
             </a:pPr>
             <a:r>
-              <a:rPr b="0" lang="en-US" sz="2000" spc="-1" strike="noStrike">
+              <a:rPr b="0" lang="en-GB" sz="2000" spc="-1" strike="noStrike">
                 <a:solidFill>
                   <a:srgbClr val="000000"/>
                 </a:solidFill>
@@ -5667,7 +5735,7 @@
               </a:rPr>
               <a:t>Fifth Outline Level</a:t>
             </a:r>
-            <a:endParaRPr b="0" lang="en-US" sz="2000" spc="-1" strike="noStrike">
+            <a:endParaRPr b="0" lang="en-GB" sz="2000" spc="-1" strike="noStrike">
               <a:solidFill>
                 <a:srgbClr val="000000"/>
               </a:solidFill>
@@ -5681,6 +5749,9 @@
           </a:p>
           <a:p>
             <a:pPr lvl="5" marL="2592000" indent="-216000">
+              <a:spcBef>
+                <a:spcPts val="283"/>
+              </a:spcBef>
               <a:buClr>
                 <a:srgbClr val="000000"/>
               </a:buClr>
@@ -5689,7 +5760,7 @@
               <a:buChar char=""/>
             </a:pPr>
             <a:r>
-              <a:rPr b="0" lang="en-US" sz="2000" spc="-1" strike="noStrike">
+              <a:rPr b="0" lang="en-GB" sz="2000" spc="-1" strike="noStrike">
                 <a:solidFill>
                   <a:srgbClr val="000000"/>
                 </a:solidFill>
@@ -5702,7 +5773,7 @@
               </a:rPr>
               <a:t>Sixth Outline Level</a:t>
             </a:r>
-            <a:endParaRPr b="0" lang="en-US" sz="2000" spc="-1" strike="noStrike">
+            <a:endParaRPr b="0" lang="en-GB" sz="2000" spc="-1" strike="noStrike">
               <a:solidFill>
                 <a:srgbClr val="000000"/>
               </a:solidFill>
@@ -5716,6 +5787,9 @@
           </a:p>
           <a:p>
             <a:pPr lvl="6" marL="3024000" indent="-216000">
+              <a:spcBef>
+                <a:spcPts val="283"/>
+              </a:spcBef>
               <a:buClr>
                 <a:srgbClr val="000000"/>
               </a:buClr>
@@ -5724,7 +5798,7 @@
               <a:buChar char=""/>
             </a:pPr>
             <a:r>
-              <a:rPr b="0" lang="en-US" sz="2000" spc="-1" strike="noStrike">
+              <a:rPr b="0" lang="en-GB" sz="2000" spc="-1" strike="noStrike">
                 <a:solidFill>
                   <a:srgbClr val="000000"/>
                 </a:solidFill>
@@ -5737,7 +5811,7 @@
               </a:rPr>
               <a:t>Seventh Outline Level</a:t>
             </a:r>
-            <a:endParaRPr b="0" lang="en-US" sz="2000" spc="-1" strike="noStrike">
+            <a:endParaRPr b="0" lang="en-GB" sz="2000" spc="-1" strike="noStrike">
               <a:solidFill>
                 <a:srgbClr val="000000"/>
               </a:solidFill>
@@ -5808,7 +5882,7 @@
         <p:spPr>
           <a:xfrm>
             <a:off x="504000" y="301320"/>
-            <a:ext cx="9071640" cy="1261440"/>
+            <a:ext cx="9071280" cy="1261080"/>
           </a:xfrm>
           <a:prstGeom prst="rect">
             <a:avLst/>
@@ -5817,7 +5891,21 @@
         <p:txBody>
           <a:bodyPr lIns="0" rIns="0" tIns="0" bIns="0" anchor="ctr"/>
           <a:p>
-            <a:endParaRPr b="0" lang="en-US" sz="1800" spc="-1" strike="noStrike">
+            <a:r>
+              <a:rPr b="0" lang="en-GB" sz="1800" spc="-1" strike="noStrike">
+                <a:solidFill>
+                  <a:srgbClr val="000000"/>
+                </a:solidFill>
+                <a:uFill>
+                  <a:solidFill>
+                    <a:srgbClr val="ffffff"/>
+                  </a:solidFill>
+                </a:uFill>
+                <a:latin typeface="Arial"/>
+              </a:rPr>
+              <a:t>Click to edit the title text format</a:t>
+            </a:r>
+            <a:endParaRPr b="0" lang="en-GB" sz="1800" spc="-1" strike="noStrike">
               <a:solidFill>
                 <a:srgbClr val="000000"/>
               </a:solidFill>
@@ -5844,7 +5932,7 @@
         <p:spPr>
           <a:xfrm>
             <a:off x="504000" y="1768680"/>
-            <a:ext cx="4426560" cy="4383720"/>
+            <a:ext cx="2159640" cy="4383360"/>
           </a:xfrm>
           <a:prstGeom prst="rect">
             <a:avLst/>
@@ -5854,6 +5942,9 @@
           <a:bodyPr lIns="0" rIns="0" tIns="0" bIns="0"/>
           <a:p>
             <a:pPr marL="432000" indent="-324000">
+              <a:spcBef>
+                <a:spcPts val="1417"/>
+              </a:spcBef>
               <a:buClr>
                 <a:srgbClr val="000000"/>
               </a:buClr>
@@ -5862,7 +5953,7 @@
               <a:buChar char=""/>
             </a:pPr>
             <a:r>
-              <a:rPr b="0" lang="en-US" sz="2800" spc="-1" strike="noStrike">
+              <a:rPr b="0" lang="en-GB" sz="1800" spc="-1" strike="noStrike">
                 <a:solidFill>
                   <a:srgbClr val="000000"/>
                 </a:solidFill>
@@ -5875,7 +5966,7 @@
               </a:rPr>
               <a:t>Click to edit the outline text format</a:t>
             </a:r>
-            <a:endParaRPr b="0" lang="en-US" sz="2800" spc="-1" strike="noStrike">
+            <a:endParaRPr b="0" lang="en-GB" sz="1800" spc="-1" strike="noStrike">
               <a:solidFill>
                 <a:srgbClr val="000000"/>
               </a:solidFill>
@@ -5889,6 +5980,9 @@
           </a:p>
           <a:p>
             <a:pPr lvl="1" marL="864000" indent="-324000">
+              <a:spcBef>
+                <a:spcPts val="1134"/>
+              </a:spcBef>
               <a:buClr>
                 <a:srgbClr val="000000"/>
               </a:buClr>
@@ -5897,7 +5991,7 @@
               <a:buChar char=""/>
             </a:pPr>
             <a:r>
-              <a:rPr b="0" lang="en-US" sz="2800" spc="-1" strike="noStrike">
+              <a:rPr b="0" lang="en-GB" sz="1800" spc="-1" strike="noStrike">
                 <a:solidFill>
                   <a:srgbClr val="000000"/>
                 </a:solidFill>
@@ -5910,7 +6004,7 @@
               </a:rPr>
               <a:t>Second Outline Level</a:t>
             </a:r>
-            <a:endParaRPr b="0" lang="en-US" sz="2800" spc="-1" strike="noStrike">
+            <a:endParaRPr b="0" lang="en-GB" sz="1800" spc="-1" strike="noStrike">
               <a:solidFill>
                 <a:srgbClr val="000000"/>
               </a:solidFill>
@@ -5924,6 +6018,9 @@
           </a:p>
           <a:p>
             <a:pPr lvl="2" marL="1296000" indent="-288000">
+              <a:spcBef>
+                <a:spcPts val="850"/>
+              </a:spcBef>
               <a:buClr>
                 <a:srgbClr val="000000"/>
               </a:buClr>
@@ -5932,7 +6029,7 @@
               <a:buChar char=""/>
             </a:pPr>
             <a:r>
-              <a:rPr b="0" lang="en-US" sz="2800" spc="-1" strike="noStrike">
+              <a:rPr b="0" lang="en-GB" sz="1800" spc="-1" strike="noStrike">
                 <a:solidFill>
                   <a:srgbClr val="000000"/>
                 </a:solidFill>
@@ -5945,7 +6042,7 @@
               </a:rPr>
               <a:t>Third Outline Level</a:t>
             </a:r>
-            <a:endParaRPr b="0" lang="en-US" sz="2800" spc="-1" strike="noStrike">
+            <a:endParaRPr b="0" lang="en-GB" sz="1800" spc="-1" strike="noStrike">
               <a:solidFill>
                 <a:srgbClr val="000000"/>
               </a:solidFill>
@@ -5959,6 +6056,9 @@
           </a:p>
           <a:p>
             <a:pPr lvl="3" marL="1728000" indent="-216000">
+              <a:spcBef>
+                <a:spcPts val="567"/>
+              </a:spcBef>
               <a:buClr>
                 <a:srgbClr val="000000"/>
               </a:buClr>
@@ -5967,7 +6067,7 @@
               <a:buChar char=""/>
             </a:pPr>
             <a:r>
-              <a:rPr b="0" lang="en-US" sz="2800" spc="-1" strike="noStrike">
+              <a:rPr b="0" lang="en-GB" sz="1800" spc="-1" strike="noStrike">
                 <a:solidFill>
                   <a:srgbClr val="000000"/>
                 </a:solidFill>
@@ -5980,7 +6080,7 @@
               </a:rPr>
               <a:t>Fourth Outline Level</a:t>
             </a:r>
-            <a:endParaRPr b="0" lang="en-US" sz="2800" spc="-1" strike="noStrike">
+            <a:endParaRPr b="0" lang="en-GB" sz="1800" spc="-1" strike="noStrike">
               <a:solidFill>
                 <a:srgbClr val="000000"/>
               </a:solidFill>
@@ -5994,6 +6094,9 @@
           </a:p>
           <a:p>
             <a:pPr lvl="4" marL="2160000" indent="-216000">
+              <a:spcBef>
+                <a:spcPts val="283"/>
+              </a:spcBef>
               <a:buClr>
                 <a:srgbClr val="000000"/>
               </a:buClr>
@@ -6002,7 +6105,7 @@
               <a:buChar char=""/>
             </a:pPr>
             <a:r>
-              <a:rPr b="0" lang="en-US" sz="2800" spc="-1" strike="noStrike">
+              <a:rPr b="0" lang="en-GB" sz="1800" spc="-1" strike="noStrike">
                 <a:solidFill>
                   <a:srgbClr val="000000"/>
                 </a:solidFill>
@@ -6015,7 +6118,7 @@
               </a:rPr>
               <a:t>Fifth Outline Level</a:t>
             </a:r>
-            <a:endParaRPr b="0" lang="en-US" sz="2800" spc="-1" strike="noStrike">
+            <a:endParaRPr b="0" lang="en-GB" sz="1800" spc="-1" strike="noStrike">
               <a:solidFill>
                 <a:srgbClr val="000000"/>
               </a:solidFill>
@@ -6029,6 +6132,9 @@
           </a:p>
           <a:p>
             <a:pPr lvl="5" marL="2592000" indent="-216000">
+              <a:spcBef>
+                <a:spcPts val="283"/>
+              </a:spcBef>
               <a:buClr>
                 <a:srgbClr val="000000"/>
               </a:buClr>
@@ -6037,7 +6143,7 @@
               <a:buChar char=""/>
             </a:pPr>
             <a:r>
-              <a:rPr b="0" lang="en-US" sz="2800" spc="-1" strike="noStrike">
+              <a:rPr b="0" lang="en-GB" sz="1800" spc="-1" strike="noStrike">
                 <a:solidFill>
                   <a:srgbClr val="000000"/>
                 </a:solidFill>
@@ -6050,7 +6156,7 @@
               </a:rPr>
               <a:t>Sixth Outline Level</a:t>
             </a:r>
-            <a:endParaRPr b="0" lang="en-US" sz="2800" spc="-1" strike="noStrike">
+            <a:endParaRPr b="0" lang="en-GB" sz="1800" spc="-1" strike="noStrike">
               <a:solidFill>
                 <a:srgbClr val="000000"/>
               </a:solidFill>
@@ -6064,6 +6170,9 @@
           </a:p>
           <a:p>
             <a:pPr lvl="6" marL="3024000" indent="-216000">
+              <a:spcBef>
+                <a:spcPts val="283"/>
+              </a:spcBef>
               <a:buClr>
                 <a:srgbClr val="000000"/>
               </a:buClr>
@@ -6072,7 +6181,7 @@
               <a:buChar char=""/>
             </a:pPr>
             <a:r>
-              <a:rPr b="0" lang="en-US" sz="2800" spc="-1" strike="noStrike">
+              <a:rPr b="0" lang="en-GB" sz="1800" spc="-1" strike="noStrike">
                 <a:solidFill>
                   <a:srgbClr val="000000"/>
                 </a:solidFill>
@@ -6085,7 +6194,7 @@
               </a:rPr>
               <a:t>Seventh Outline Level</a:t>
             </a:r>
-            <a:endParaRPr b="0" lang="en-US" sz="2800" spc="-1" strike="noStrike">
+            <a:endParaRPr b="0" lang="en-GB" sz="1800" spc="-1" strike="noStrike">
               <a:solidFill>
                 <a:srgbClr val="000000"/>
               </a:solidFill>
@@ -6111,8 +6220,8 @@
         </p:nvSpPr>
         <p:spPr>
           <a:xfrm>
-            <a:off x="5152680" y="1768680"/>
-            <a:ext cx="4426560" cy="4383720"/>
+            <a:off x="2772360" y="1768680"/>
+            <a:ext cx="2159640" cy="4383360"/>
           </a:xfrm>
           <a:prstGeom prst="rect">
             <a:avLst/>
@@ -6122,6 +6231,9 @@
           <a:bodyPr lIns="0" rIns="0" tIns="0" bIns="0"/>
           <a:p>
             <a:pPr marL="432000" indent="-324000">
+              <a:spcBef>
+                <a:spcPts val="1417"/>
+              </a:spcBef>
               <a:buClr>
                 <a:srgbClr val="000000"/>
               </a:buClr>
@@ -6130,7 +6242,7 @@
               <a:buChar char=""/>
             </a:pPr>
             <a:r>
-              <a:rPr b="0" lang="en-US" sz="2800" spc="-1" strike="noStrike">
+              <a:rPr b="0" lang="en-GB" sz="1800" spc="-1" strike="noStrike">
                 <a:solidFill>
                   <a:srgbClr val="000000"/>
                 </a:solidFill>
@@ -6143,7 +6255,7 @@
               </a:rPr>
               <a:t>Click to edit the outline text format</a:t>
             </a:r>
-            <a:endParaRPr b="0" lang="en-US" sz="2800" spc="-1" strike="noStrike">
+            <a:endParaRPr b="0" lang="en-GB" sz="1800" spc="-1" strike="noStrike">
               <a:solidFill>
                 <a:srgbClr val="000000"/>
               </a:solidFill>
@@ -6157,6 +6269,9 @@
           </a:p>
           <a:p>
             <a:pPr lvl="1" marL="864000" indent="-324000">
+              <a:spcBef>
+                <a:spcPts val="1134"/>
+              </a:spcBef>
               <a:buClr>
                 <a:srgbClr val="000000"/>
               </a:buClr>
@@ -6165,7 +6280,7 @@
               <a:buChar char=""/>
             </a:pPr>
             <a:r>
-              <a:rPr b="0" lang="en-US" sz="2800" spc="-1" strike="noStrike">
+              <a:rPr b="0" lang="en-GB" sz="1800" spc="-1" strike="noStrike">
                 <a:solidFill>
                   <a:srgbClr val="000000"/>
                 </a:solidFill>
@@ -6178,7 +6293,7 @@
               </a:rPr>
               <a:t>Second Outline Level</a:t>
             </a:r>
-            <a:endParaRPr b="0" lang="en-US" sz="2800" spc="-1" strike="noStrike">
+            <a:endParaRPr b="0" lang="en-GB" sz="1800" spc="-1" strike="noStrike">
               <a:solidFill>
                 <a:srgbClr val="000000"/>
               </a:solidFill>
@@ -6192,6 +6307,9 @@
           </a:p>
           <a:p>
             <a:pPr lvl="2" marL="1296000" indent="-288000">
+              <a:spcBef>
+                <a:spcPts val="850"/>
+              </a:spcBef>
               <a:buClr>
                 <a:srgbClr val="000000"/>
               </a:buClr>
@@ -6200,7 +6318,7 @@
               <a:buChar char=""/>
             </a:pPr>
             <a:r>
-              <a:rPr b="0" lang="en-US" sz="2800" spc="-1" strike="noStrike">
+              <a:rPr b="0" lang="en-GB" sz="1800" spc="-1" strike="noStrike">
                 <a:solidFill>
                   <a:srgbClr val="000000"/>
                 </a:solidFill>
@@ -6213,7 +6331,7 @@
               </a:rPr>
               <a:t>Third Outline Level</a:t>
             </a:r>
-            <a:endParaRPr b="0" lang="en-US" sz="2800" spc="-1" strike="noStrike">
+            <a:endParaRPr b="0" lang="en-GB" sz="1800" spc="-1" strike="noStrike">
               <a:solidFill>
                 <a:srgbClr val="000000"/>
               </a:solidFill>
@@ -6227,6 +6345,9 @@
           </a:p>
           <a:p>
             <a:pPr lvl="3" marL="1728000" indent="-216000">
+              <a:spcBef>
+                <a:spcPts val="567"/>
+              </a:spcBef>
               <a:buClr>
                 <a:srgbClr val="000000"/>
               </a:buClr>
@@ -6235,7 +6356,7 @@
               <a:buChar char=""/>
             </a:pPr>
             <a:r>
-              <a:rPr b="0" lang="en-US" sz="2800" spc="-1" strike="noStrike">
+              <a:rPr b="0" lang="en-GB" sz="1800" spc="-1" strike="noStrike">
                 <a:solidFill>
                   <a:srgbClr val="000000"/>
                 </a:solidFill>
@@ -6248,7 +6369,7 @@
               </a:rPr>
               <a:t>Fourth Outline Level</a:t>
             </a:r>
-            <a:endParaRPr b="0" lang="en-US" sz="2800" spc="-1" strike="noStrike">
+            <a:endParaRPr b="0" lang="en-GB" sz="1800" spc="-1" strike="noStrike">
               <a:solidFill>
                 <a:srgbClr val="000000"/>
               </a:solidFill>
@@ -6262,6 +6383,9 @@
           </a:p>
           <a:p>
             <a:pPr lvl="4" marL="2160000" indent="-216000">
+              <a:spcBef>
+                <a:spcPts val="283"/>
+              </a:spcBef>
               <a:buClr>
                 <a:srgbClr val="000000"/>
               </a:buClr>
@@ -6270,7 +6394,7 @@
               <a:buChar char=""/>
             </a:pPr>
             <a:r>
-              <a:rPr b="0" lang="en-US" sz="2800" spc="-1" strike="noStrike">
+              <a:rPr b="0" lang="en-GB" sz="1800" spc="-1" strike="noStrike">
                 <a:solidFill>
                   <a:srgbClr val="000000"/>
                 </a:solidFill>
@@ -6283,7 +6407,7 @@
               </a:rPr>
               <a:t>Fifth Outline Level</a:t>
             </a:r>
-            <a:endParaRPr b="0" lang="en-US" sz="2800" spc="-1" strike="noStrike">
+            <a:endParaRPr b="0" lang="en-GB" sz="1800" spc="-1" strike="noStrike">
               <a:solidFill>
                 <a:srgbClr val="000000"/>
               </a:solidFill>
@@ -6297,6 +6421,9 @@
           </a:p>
           <a:p>
             <a:pPr lvl="5" marL="2592000" indent="-216000">
+              <a:spcBef>
+                <a:spcPts val="283"/>
+              </a:spcBef>
               <a:buClr>
                 <a:srgbClr val="000000"/>
               </a:buClr>
@@ -6305,7 +6432,7 @@
               <a:buChar char=""/>
             </a:pPr>
             <a:r>
-              <a:rPr b="0" lang="en-US" sz="2800" spc="-1" strike="noStrike">
+              <a:rPr b="0" lang="en-GB" sz="1800" spc="-1" strike="noStrike">
                 <a:solidFill>
                   <a:srgbClr val="000000"/>
                 </a:solidFill>
@@ -6318,7 +6445,7 @@
               </a:rPr>
               <a:t>Sixth Outline Level</a:t>
             </a:r>
-            <a:endParaRPr b="0" lang="en-US" sz="2800" spc="-1" strike="noStrike">
+            <a:endParaRPr b="0" lang="en-GB" sz="1800" spc="-1" strike="noStrike">
               <a:solidFill>
                 <a:srgbClr val="000000"/>
               </a:solidFill>
@@ -6332,6 +6459,9 @@
           </a:p>
           <a:p>
             <a:pPr lvl="6" marL="3024000" indent="-216000">
+              <a:spcBef>
+                <a:spcPts val="283"/>
+              </a:spcBef>
               <a:buClr>
                 <a:srgbClr val="000000"/>
               </a:buClr>
@@ -6340,7 +6470,7 @@
               <a:buChar char=""/>
             </a:pPr>
             <a:r>
-              <a:rPr b="0" lang="en-US" sz="2800" spc="-1" strike="noStrike">
+              <a:rPr b="0" lang="en-GB" sz="1800" spc="-1" strike="noStrike">
                 <a:solidFill>
                   <a:srgbClr val="000000"/>
                 </a:solidFill>
@@ -6353,7 +6483,7 @@
               </a:rPr>
               <a:t>Seventh Outline Level</a:t>
             </a:r>
-            <a:endParaRPr b="0" lang="en-US" sz="2800" spc="-1" strike="noStrike">
+            <a:endParaRPr b="0" lang="en-GB" sz="1800" spc="-1" strike="noStrike">
               <a:solidFill>
                 <a:srgbClr val="000000"/>
               </a:solidFill>
@@ -6413,7 +6543,7 @@
         <p:spPr>
           <a:xfrm>
             <a:off x="503280" y="1474920"/>
-            <a:ext cx="9070200" cy="1261440"/>
+            <a:ext cx="9069840" cy="1261080"/>
           </a:xfrm>
           <a:prstGeom prst="rect">
             <a:avLst/>
@@ -6475,7 +6605,7 @@
         <p:spPr>
           <a:xfrm>
             <a:off x="503280" y="3059280"/>
-            <a:ext cx="9070200" cy="648720"/>
+            <a:ext cx="9069840" cy="648360"/>
           </a:xfrm>
           <a:prstGeom prst="rect">
             <a:avLst/>
@@ -6538,7 +6668,7 @@
         <p:spPr>
           <a:xfrm>
             <a:off x="216000" y="7020000"/>
-            <a:ext cx="2878920" cy="396000"/>
+            <a:ext cx="2878560" cy="395640"/>
           </a:xfrm>
           <a:prstGeom prst="rect">
             <a:avLst/>
@@ -6600,7 +6730,7 @@
         <p:spPr>
           <a:xfrm>
             <a:off x="1295280" y="4932360"/>
-            <a:ext cx="7487640" cy="1250280"/>
+            <a:ext cx="7487280" cy="1249920"/>
           </a:xfrm>
           <a:prstGeom prst="rect">
             <a:avLst/>
@@ -6637,7 +6767,7 @@
                 <a:latin typeface="Arial"/>
                 <a:ea typeface="Noto Sans CJK SC Regular"/>
               </a:rPr>
-              <a:t>The ICG database provides a comprehensive and quantitative assay of ion channel models currently available in the neuroscientific modeling community, all browsable in interactive visualizations.</a:t>
+              <a:t>The ICG database provides a comprehensive and quantitative assay of ion channel models currently available in the neuroscientific modeling community, all browsable in interactive visualizations.  </a:t>
             </a:r>
             <a:endParaRPr b="0" lang="en-GB" sz="1800" spc="-1" strike="noStrike">
               <a:solidFill>
@@ -6690,7 +6820,7 @@
         <p:spPr>
           <a:xfrm>
             <a:off x="6408720" y="7020000"/>
-            <a:ext cx="3455280" cy="396000"/>
+            <a:ext cx="3454920" cy="395640"/>
           </a:xfrm>
           <a:prstGeom prst="rect">
             <a:avLst/>
@@ -6801,7 +6931,7 @@
         <p:spPr>
           <a:xfrm>
             <a:off x="57960" y="6050160"/>
-            <a:ext cx="9863640" cy="853560"/>
+            <a:ext cx="9863280" cy="853200"/>
           </a:xfrm>
           <a:prstGeom prst="rect">
             <a:avLst/>
@@ -6870,7 +7000,7 @@
         <p:spPr>
           <a:xfrm>
             <a:off x="-100080" y="504000"/>
-            <a:ext cx="10180080" cy="6026400"/>
+            <a:ext cx="10179720" cy="6026040"/>
           </a:xfrm>
           <a:prstGeom prst="rect">
             <a:avLst/>
@@ -6942,7 +7072,7 @@
         <p:spPr>
           <a:xfrm>
             <a:off x="41760" y="1248480"/>
-            <a:ext cx="6364440" cy="6109920"/>
+            <a:ext cx="6364080" cy="6109560"/>
           </a:xfrm>
           <a:prstGeom prst="rect">
             <a:avLst/>
@@ -6965,7 +7095,7 @@
         <p:spPr>
           <a:xfrm>
             <a:off x="6283440" y="1306440"/>
-            <a:ext cx="3747960" cy="4318920"/>
+            <a:ext cx="3747600" cy="4318560"/>
           </a:xfrm>
           <a:prstGeom prst="rect">
             <a:avLst/>
@@ -6984,7 +7114,7 @@
         <p:spPr>
           <a:xfrm>
             <a:off x="246600" y="873720"/>
-            <a:ext cx="5380920" cy="364680"/>
+            <a:ext cx="5380560" cy="364320"/>
           </a:xfrm>
           <a:prstGeom prst="rect">
             <a:avLst/>
@@ -7046,7 +7176,7 @@
         <p:spPr>
           <a:xfrm>
             <a:off x="175320" y="178920"/>
-            <a:ext cx="2945520" cy="516960"/>
+            <a:ext cx="2945160" cy="516600"/>
           </a:xfrm>
           <a:prstGeom prst="rect">
             <a:avLst/>
@@ -7108,7 +7238,7 @@
         <p:spPr>
           <a:xfrm>
             <a:off x="6306480" y="595080"/>
-            <a:ext cx="3704400" cy="639000"/>
+            <a:ext cx="3704040" cy="638640"/>
           </a:xfrm>
           <a:prstGeom prst="rect">
             <a:avLst/>
@@ -7203,7 +7333,7 @@
         <p:spPr>
           <a:xfrm>
             <a:off x="6614280" y="6135480"/>
-            <a:ext cx="3085920" cy="913320"/>
+            <a:ext cx="3085560" cy="912960"/>
           </a:xfrm>
           <a:prstGeom prst="rect">
             <a:avLst/>
@@ -7432,7 +7562,7 @@
         <p:spPr>
           <a:xfrm>
             <a:off x="649080" y="5886720"/>
-            <a:ext cx="4897080" cy="1305000"/>
+            <a:ext cx="4896720" cy="1304640"/>
           </a:xfrm>
           <a:prstGeom prst="rect">
             <a:avLst/>
@@ -7451,7 +7581,7 @@
         <p:spPr>
           <a:xfrm>
             <a:off x="277560" y="4978440"/>
-            <a:ext cx="4016160" cy="639000"/>
+            <a:ext cx="4015800" cy="638640"/>
           </a:xfrm>
           <a:prstGeom prst="rect">
             <a:avLst/>
@@ -7470,7 +7600,7 @@
         <p:txBody>
           <a:bodyPr wrap="none" lIns="90000" rIns="90000" tIns="45000" bIns="45000"/>
           <a:p>
-            <a:pPr marL="285840" indent="-285480">
+            <a:pPr marL="285840" indent="-285120">
               <a:lnSpc>
                 <a:spcPct val="100000"/>
               </a:lnSpc>
@@ -7566,7 +7696,7 @@
         <p:spPr>
           <a:xfrm>
             <a:off x="258840" y="203040"/>
-            <a:ext cx="4228920" cy="516960"/>
+            <a:ext cx="4228560" cy="516600"/>
           </a:xfrm>
           <a:prstGeom prst="rect">
             <a:avLst/>
@@ -7628,7 +7758,7 @@
         <p:spPr>
           <a:xfrm>
             <a:off x="5835960" y="1500840"/>
-            <a:ext cx="3915720" cy="639000"/>
+            <a:ext cx="3915360" cy="638640"/>
           </a:xfrm>
           <a:prstGeom prst="rect">
             <a:avLst/>
@@ -7647,7 +7777,7 @@
         <p:txBody>
           <a:bodyPr wrap="none" lIns="90000" rIns="90000" tIns="45000" bIns="45000"/>
           <a:p>
-            <a:pPr marL="285840" indent="-285480">
+            <a:pPr marL="285840" indent="-285120">
               <a:lnSpc>
                 <a:spcPct val="100000"/>
               </a:lnSpc>
@@ -7743,7 +7873,7 @@
         <p:spPr>
           <a:xfrm>
             <a:off x="5856840" y="464760"/>
-            <a:ext cx="3873240" cy="913320"/>
+            <a:ext cx="3872880" cy="912960"/>
           </a:xfrm>
           <a:prstGeom prst="rect">
             <a:avLst/>
@@ -7762,7 +7892,7 @@
         <p:txBody>
           <a:bodyPr lIns="90000" rIns="90000" tIns="45000" bIns="45000"/>
           <a:p>
-            <a:pPr marL="285840" indent="-285480">
+            <a:pPr marL="285840" indent="-285120">
               <a:lnSpc>
                 <a:spcPct val="100000"/>
               </a:lnSpc>
@@ -7810,7 +7940,7 @@
         <p:spPr>
           <a:xfrm>
             <a:off x="5911560" y="2322360"/>
-            <a:ext cx="3763800" cy="913320"/>
+            <a:ext cx="3763440" cy="912960"/>
           </a:xfrm>
           <a:prstGeom prst="rect">
             <a:avLst/>
@@ -7829,7 +7959,7 @@
         <p:txBody>
           <a:bodyPr wrap="none" lIns="90000" rIns="90000" tIns="45000" bIns="45000"/>
           <a:p>
-            <a:pPr marL="285840" indent="-285480">
+            <a:pPr marL="285840" indent="-285120">
               <a:lnSpc>
                 <a:spcPct val="100000"/>
               </a:lnSpc>
@@ -7977,7 +8107,7 @@
         <p:spPr>
           <a:xfrm>
             <a:off x="6031080" y="6070320"/>
-            <a:ext cx="3816720" cy="1441080"/>
+            <a:ext cx="3816360" cy="1440720"/>
           </a:xfrm>
           <a:prstGeom prst="rect">
             <a:avLst/>
@@ -8000,7 +8130,7 @@
         <p:spPr>
           <a:xfrm>
             <a:off x="558360" y="1965600"/>
-            <a:ext cx="4158360" cy="2673000"/>
+            <a:ext cx="4158000" cy="2672640"/>
           </a:xfrm>
           <a:prstGeom prst="rect">
             <a:avLst/>
@@ -8019,7 +8149,7 @@
         <p:spPr>
           <a:xfrm>
             <a:off x="5853600" y="5562720"/>
-            <a:ext cx="3319920" cy="639000"/>
+            <a:ext cx="3319560" cy="638640"/>
           </a:xfrm>
           <a:prstGeom prst="rect">
             <a:avLst/>
@@ -8038,7 +8168,7 @@
         <p:txBody>
           <a:bodyPr wrap="none" lIns="90000" rIns="90000" tIns="45000" bIns="45000"/>
           <a:p>
-            <a:pPr marL="285840" indent="-285480">
+            <a:pPr marL="285840" indent="-285120">
               <a:lnSpc>
                 <a:spcPct val="100000"/>
               </a:lnSpc>
@@ -8134,7 +8264,7 @@
         <p:spPr>
           <a:xfrm>
             <a:off x="346320" y="1261080"/>
-            <a:ext cx="4776840" cy="639000"/>
+            <a:ext cx="4776480" cy="638640"/>
           </a:xfrm>
           <a:prstGeom prst="rect">
             <a:avLst/>
@@ -8153,7 +8283,7 @@
         <p:txBody>
           <a:bodyPr wrap="none" lIns="90000" rIns="90000" tIns="45000" bIns="45000"/>
           <a:p>
-            <a:pPr marL="285840" indent="-285480">
+            <a:pPr marL="285840" indent="-285120">
               <a:lnSpc>
                 <a:spcPct val="100000"/>
               </a:lnSpc>
@@ -8253,7 +8383,7 @@
         <p:spPr>
           <a:xfrm>
             <a:off x="5892480" y="3218760"/>
-            <a:ext cx="4228920" cy="2069640"/>
+            <a:ext cx="4228560" cy="2069280"/>
           </a:xfrm>
           <a:prstGeom prst="rect">
             <a:avLst/>

--- a/Part_1_Resources_for_computational_modellers/2_Structured_data_from_literature/4_ICG.pptx
+++ b/Part_1_Resources_for_computational_modellers/2_Structured_data_from_literature/4_ICG.pptx
@@ -1,27 +1,455 @@
 
 <file path=ppt/presentation.xml><?xml version="1.0" encoding="utf-8"?>
-<p:presentation xmlns:a="http://schemas.openxmlformats.org/drawingml/2006/main" xmlns:p="http://schemas.openxmlformats.org/presentationml/2006/main" xmlns:r="http://schemas.openxmlformats.org/officeDocument/2006/relationships" xmlns:p14="http://schemas.microsoft.com/office/powerpoint/2010/main" xmlns:p15="http://schemas.microsoft.com/office/powerpoint/2012/main" xmlns:mc="http://schemas.openxmlformats.org/markup-compatibility/2006">
+<p:presentation xmlns:a="http://schemas.openxmlformats.org/drawingml/2006/main" xmlns:r="http://schemas.openxmlformats.org/officeDocument/2006/relationships" xmlns:p="http://schemas.openxmlformats.org/presentationml/2006/main" saveSubsetFonts="1">
   <p:sldMasterIdLst>
-    <p:sldMasterId id="2147483648" r:id="rId2"/>
-    <p:sldMasterId id="2147483661" r:id="rId3"/>
-    <p:sldMasterId id="2147483674" r:id="rId4"/>
+    <p:sldMasterId id="2147483648" r:id="rId1"/>
+    <p:sldMasterId id="2147483661" r:id="rId2"/>
+    <p:sldMasterId id="2147483674" r:id="rId3"/>
   </p:sldMasterIdLst>
   <p:notesMasterIdLst>
-    <p:notesMasterId r:id="rId5"/>
+    <p:notesMasterId r:id="rId8"/>
   </p:notesMasterIdLst>
   <p:sldIdLst>
-    <p:sldId id="256" r:id="rId6"/>
-    <p:sldId id="257" r:id="rId7"/>
-    <p:sldId id="258" r:id="rId8"/>
-    <p:sldId id="259" r:id="rId9"/>
+    <p:sldId id="256" r:id="rId4"/>
+    <p:sldId id="257" r:id="rId5"/>
+    <p:sldId id="258" r:id="rId6"/>
+    <p:sldId id="259" r:id="rId7"/>
   </p:sldIdLst>
   <p:sldSz cx="10080625" cy="7559675"/>
-  <p:notesSz cx="7559675" cy="10691812"/>
+  <p:notesSz cx="7559675" cy="10691813"/>
+  <p:defaultTextStyle>
+    <a:defPPr>
+      <a:defRPr lang="en-US"/>
+    </a:defPPr>
+    <a:lvl1pPr marL="0" algn="l" defTabSz="914400" rtl="0" eaLnBrk="1" latinLnBrk="0" hangingPunct="1">
+      <a:defRPr sz="1800" kern="1200">
+        <a:solidFill>
+          <a:schemeClr val="tx1"/>
+        </a:solidFill>
+        <a:latin typeface="+mn-lt"/>
+        <a:ea typeface="+mn-ea"/>
+        <a:cs typeface="+mn-cs"/>
+      </a:defRPr>
+    </a:lvl1pPr>
+    <a:lvl2pPr marL="457200" algn="l" defTabSz="914400" rtl="0" eaLnBrk="1" latinLnBrk="0" hangingPunct="1">
+      <a:defRPr sz="1800" kern="1200">
+        <a:solidFill>
+          <a:schemeClr val="tx1"/>
+        </a:solidFill>
+        <a:latin typeface="+mn-lt"/>
+        <a:ea typeface="+mn-ea"/>
+        <a:cs typeface="+mn-cs"/>
+      </a:defRPr>
+    </a:lvl2pPr>
+    <a:lvl3pPr marL="914400" algn="l" defTabSz="914400" rtl="0" eaLnBrk="1" latinLnBrk="0" hangingPunct="1">
+      <a:defRPr sz="1800" kern="1200">
+        <a:solidFill>
+          <a:schemeClr val="tx1"/>
+        </a:solidFill>
+        <a:latin typeface="+mn-lt"/>
+        <a:ea typeface="+mn-ea"/>
+        <a:cs typeface="+mn-cs"/>
+      </a:defRPr>
+    </a:lvl3pPr>
+    <a:lvl4pPr marL="1371600" algn="l" defTabSz="914400" rtl="0" eaLnBrk="1" latinLnBrk="0" hangingPunct="1">
+      <a:defRPr sz="1800" kern="1200">
+        <a:solidFill>
+          <a:schemeClr val="tx1"/>
+        </a:solidFill>
+        <a:latin typeface="+mn-lt"/>
+        <a:ea typeface="+mn-ea"/>
+        <a:cs typeface="+mn-cs"/>
+      </a:defRPr>
+    </a:lvl4pPr>
+    <a:lvl5pPr marL="1828800" algn="l" defTabSz="914400" rtl="0" eaLnBrk="1" latinLnBrk="0" hangingPunct="1">
+      <a:defRPr sz="1800" kern="1200">
+        <a:solidFill>
+          <a:schemeClr val="tx1"/>
+        </a:solidFill>
+        <a:latin typeface="+mn-lt"/>
+        <a:ea typeface="+mn-ea"/>
+        <a:cs typeface="+mn-cs"/>
+      </a:defRPr>
+    </a:lvl5pPr>
+    <a:lvl6pPr marL="2286000" algn="l" defTabSz="914400" rtl="0" eaLnBrk="1" latinLnBrk="0" hangingPunct="1">
+      <a:defRPr sz="1800" kern="1200">
+        <a:solidFill>
+          <a:schemeClr val="tx1"/>
+        </a:solidFill>
+        <a:latin typeface="+mn-lt"/>
+        <a:ea typeface="+mn-ea"/>
+        <a:cs typeface="+mn-cs"/>
+      </a:defRPr>
+    </a:lvl6pPr>
+    <a:lvl7pPr marL="2743200" algn="l" defTabSz="914400" rtl="0" eaLnBrk="1" latinLnBrk="0" hangingPunct="1">
+      <a:defRPr sz="1800" kern="1200">
+        <a:solidFill>
+          <a:schemeClr val="tx1"/>
+        </a:solidFill>
+        <a:latin typeface="+mn-lt"/>
+        <a:ea typeface="+mn-ea"/>
+        <a:cs typeface="+mn-cs"/>
+      </a:defRPr>
+    </a:lvl7pPr>
+    <a:lvl8pPr marL="3200400" algn="l" defTabSz="914400" rtl="0" eaLnBrk="1" latinLnBrk="0" hangingPunct="1">
+      <a:defRPr sz="1800" kern="1200">
+        <a:solidFill>
+          <a:schemeClr val="tx1"/>
+        </a:solidFill>
+        <a:latin typeface="+mn-lt"/>
+        <a:ea typeface="+mn-ea"/>
+        <a:cs typeface="+mn-cs"/>
+      </a:defRPr>
+    </a:lvl8pPr>
+    <a:lvl9pPr marL="3657600" algn="l" defTabSz="914400" rtl="0" eaLnBrk="1" latinLnBrk="0" hangingPunct="1">
+      <a:defRPr sz="1800" kern="1200">
+        <a:solidFill>
+          <a:schemeClr val="tx1"/>
+        </a:solidFill>
+        <a:latin typeface="+mn-lt"/>
+        <a:ea typeface="+mn-ea"/>
+        <a:cs typeface="+mn-cs"/>
+      </a:defRPr>
+    </a:lvl9pPr>
+  </p:defaultTextStyle>
 </p:presentation>
 </file>
 
 <file path=ppt/notesMasters/notesMaster1.xml><?xml version="1.0" encoding="utf-8"?>
-<p:notesMaster xmlns:a="http://schemas.openxmlformats.org/drawingml/2006/main" xmlns:p="http://schemas.openxmlformats.org/presentationml/2006/main" xmlns:r="http://schemas.openxmlformats.org/officeDocument/2006/relationships" xmlns:p14="http://schemas.microsoft.com/office/powerpoint/2010/main" xmlns:p15="http://schemas.microsoft.com/office/powerpoint/2012/main" xmlns:mc="http://schemas.openxmlformats.org/markup-compatibility/2006">
+<p:notesMaster xmlns:a="http://schemas.openxmlformats.org/drawingml/2006/main" xmlns:r="http://schemas.openxmlformats.org/officeDocument/2006/relationships" xmlns:p="http://schemas.openxmlformats.org/presentationml/2006/main">
+  <p:cSld>
+    <p:bg>
+      <p:bgRef idx="1001">
+        <a:schemeClr val="bg1"/>
+      </p:bgRef>
+    </p:bg>
+    <p:spTree>
+      <p:nvGrpSpPr>
+        <p:cNvPr id="1" name=""/>
+        <p:cNvGrpSpPr/>
+        <p:nvPr/>
+      </p:nvGrpSpPr>
+      <p:grpSpPr>
+        <a:xfrm>
+          <a:off x="0" y="0"/>
+          <a:ext cx="0" cy="0"/>
+          <a:chOff x="0" y="0"/>
+          <a:chExt cx="0" cy="0"/>
+        </a:xfrm>
+      </p:grpSpPr>
+      <p:sp>
+        <p:nvSpPr>
+          <p:cNvPr id="109" name="PlaceHolder 1"/>
+          <p:cNvSpPr>
+            <a:spLocks noGrp="1"/>
+          </p:cNvSpPr>
+          <p:nvPr>
+            <p:ph type="body"/>
+          </p:nvPr>
+        </p:nvSpPr>
+        <p:spPr>
+          <a:xfrm>
+            <a:off x="756000" y="5078520"/>
+            <a:ext cx="6047640" cy="4811040"/>
+          </a:xfrm>
+          <a:prstGeom prst="rect">
+            <a:avLst/>
+          </a:prstGeom>
+        </p:spPr>
+        <p:txBody>
+          <a:bodyPr lIns="0" tIns="0" rIns="0" bIns="0"/>
+          <a:lstStyle/>
+          <a:p>
+            <a:r>
+              <a:rPr lang="en-GB" sz="2000" b="0" strike="noStrike" spc="-1">
+                <a:solidFill>
+                  <a:srgbClr val="000000"/>
+                </a:solidFill>
+                <a:uFill>
+                  <a:solidFill>
+                    <a:srgbClr val="FFFFFF"/>
+                  </a:solidFill>
+                </a:uFill>
+                <a:latin typeface="Arial"/>
+              </a:rPr>
+              <a:t>Click to edit the notes format</a:t>
+            </a:r>
+          </a:p>
+        </p:txBody>
+      </p:sp>
+      <p:sp>
+        <p:nvSpPr>
+          <p:cNvPr id="110" name="PlaceHolder 2"/>
+          <p:cNvSpPr>
+            <a:spLocks noGrp="1"/>
+          </p:cNvSpPr>
+          <p:nvPr>
+            <p:ph type="hdr"/>
+          </p:nvPr>
+        </p:nvSpPr>
+        <p:spPr>
+          <a:xfrm>
+            <a:off x="0" y="0"/>
+            <a:ext cx="3280680" cy="534240"/>
+          </a:xfrm>
+          <a:prstGeom prst="rect">
+            <a:avLst/>
+          </a:prstGeom>
+        </p:spPr>
+        <p:txBody>
+          <a:bodyPr lIns="0" tIns="0" rIns="0" bIns="0"/>
+          <a:lstStyle/>
+          <a:p>
+            <a:r>
+              <a:rPr lang="en-GB" sz="1400" b="0" strike="noStrike" spc="-1">
+                <a:solidFill>
+                  <a:srgbClr val="000000"/>
+                </a:solidFill>
+                <a:uFill>
+                  <a:solidFill>
+                    <a:srgbClr val="FFFFFF"/>
+                  </a:solidFill>
+                </a:uFill>
+                <a:latin typeface="Times New Roman"/>
+              </a:rPr>
+              <a:t>&lt;header&gt;</a:t>
+            </a:r>
+          </a:p>
+        </p:txBody>
+      </p:sp>
+      <p:sp>
+        <p:nvSpPr>
+          <p:cNvPr id="111" name="PlaceHolder 3"/>
+          <p:cNvSpPr>
+            <a:spLocks noGrp="1"/>
+          </p:cNvSpPr>
+          <p:nvPr>
+            <p:ph type="dt"/>
+          </p:nvPr>
+        </p:nvSpPr>
+        <p:spPr>
+          <a:xfrm>
+            <a:off x="4278960" y="0"/>
+            <a:ext cx="3280680" cy="534240"/>
+          </a:xfrm>
+          <a:prstGeom prst="rect">
+            <a:avLst/>
+          </a:prstGeom>
+        </p:spPr>
+        <p:txBody>
+          <a:bodyPr lIns="0" tIns="0" rIns="0" bIns="0"/>
+          <a:lstStyle/>
+          <a:p>
+            <a:pPr algn="r"/>
+            <a:r>
+              <a:rPr lang="en-GB" sz="1400" b="0" strike="noStrike" spc="-1">
+                <a:solidFill>
+                  <a:srgbClr val="000000"/>
+                </a:solidFill>
+                <a:uFill>
+                  <a:solidFill>
+                    <a:srgbClr val="FFFFFF"/>
+                  </a:solidFill>
+                </a:uFill>
+                <a:latin typeface="Times New Roman"/>
+              </a:rPr>
+              <a:t>&lt;date/time&gt;</a:t>
+            </a:r>
+          </a:p>
+        </p:txBody>
+      </p:sp>
+      <p:sp>
+        <p:nvSpPr>
+          <p:cNvPr id="112" name="PlaceHolder 4"/>
+          <p:cNvSpPr>
+            <a:spLocks noGrp="1"/>
+          </p:cNvSpPr>
+          <p:nvPr>
+            <p:ph type="ftr"/>
+          </p:nvPr>
+        </p:nvSpPr>
+        <p:spPr>
+          <a:xfrm>
+            <a:off x="0" y="10157400"/>
+            <a:ext cx="3280680" cy="534240"/>
+          </a:xfrm>
+          <a:prstGeom prst="rect">
+            <a:avLst/>
+          </a:prstGeom>
+        </p:spPr>
+        <p:txBody>
+          <a:bodyPr lIns="0" tIns="0" rIns="0" bIns="0" anchor="b"/>
+          <a:lstStyle/>
+          <a:p>
+            <a:r>
+              <a:rPr lang="en-GB" sz="1400" b="0" strike="noStrike" spc="-1">
+                <a:solidFill>
+                  <a:srgbClr val="000000"/>
+                </a:solidFill>
+                <a:uFill>
+                  <a:solidFill>
+                    <a:srgbClr val="FFFFFF"/>
+                  </a:solidFill>
+                </a:uFill>
+                <a:latin typeface="Times New Roman"/>
+              </a:rPr>
+              <a:t>&lt;footer&gt;</a:t>
+            </a:r>
+          </a:p>
+        </p:txBody>
+      </p:sp>
+      <p:sp>
+        <p:nvSpPr>
+          <p:cNvPr id="113" name="PlaceHolder 5"/>
+          <p:cNvSpPr>
+            <a:spLocks noGrp="1"/>
+          </p:cNvSpPr>
+          <p:nvPr>
+            <p:ph type="sldNum"/>
+          </p:nvPr>
+        </p:nvSpPr>
+        <p:spPr>
+          <a:xfrm>
+            <a:off x="4278960" y="10157400"/>
+            <a:ext cx="3280680" cy="534240"/>
+          </a:xfrm>
+          <a:prstGeom prst="rect">
+            <a:avLst/>
+          </a:prstGeom>
+        </p:spPr>
+        <p:txBody>
+          <a:bodyPr lIns="0" tIns="0" rIns="0" bIns="0" anchor="b"/>
+          <a:lstStyle/>
+          <a:p>
+            <a:pPr algn="r"/>
+            <a:fld id="{DB6A301C-AE15-49A1-BEA0-EAA80756C62B}" type="slidenum">
+              <a:rPr lang="en-GB" sz="1400" b="0" strike="noStrike" spc="-1">
+                <a:solidFill>
+                  <a:srgbClr val="000000"/>
+                </a:solidFill>
+                <a:uFill>
+                  <a:solidFill>
+                    <a:srgbClr val="FFFFFF"/>
+                  </a:solidFill>
+                </a:uFill>
+                <a:latin typeface="Times New Roman"/>
+              </a:rPr>
+              <a:t>‹#›</a:t>
+            </a:fld>
+            <a:endParaRPr lang="en-GB" sz="1400" b="0" strike="noStrike" spc="-1">
+              <a:solidFill>
+                <a:srgbClr val="000000"/>
+              </a:solidFill>
+              <a:uFill>
+                <a:solidFill>
+                  <a:srgbClr val="FFFFFF"/>
+                </a:solidFill>
+              </a:uFill>
+              <a:latin typeface="Times New Roman"/>
+            </a:endParaRPr>
+          </a:p>
+        </p:txBody>
+      </p:sp>
+    </p:spTree>
+  </p:cSld>
+  <p:clrMap bg1="lt1" tx1="dk1" bg2="lt2" tx2="dk2" accent1="accent1" accent2="accent2" accent3="accent3" accent4="accent4" accent5="accent5" accent6="accent6" hlink="hlink" folHlink="folHlink"/>
+  <p:notesStyle>
+    <a:lvl1pPr marL="0" algn="l" defTabSz="914400" rtl="0" eaLnBrk="1" latinLnBrk="0" hangingPunct="1">
+      <a:defRPr sz="1200" kern="1200">
+        <a:solidFill>
+          <a:schemeClr val="tx1"/>
+        </a:solidFill>
+        <a:latin typeface="+mn-lt"/>
+        <a:ea typeface="+mn-ea"/>
+        <a:cs typeface="+mn-cs"/>
+      </a:defRPr>
+    </a:lvl1pPr>
+    <a:lvl2pPr marL="457200" algn="l" defTabSz="914400" rtl="0" eaLnBrk="1" latinLnBrk="0" hangingPunct="1">
+      <a:defRPr sz="1200" kern="1200">
+        <a:solidFill>
+          <a:schemeClr val="tx1"/>
+        </a:solidFill>
+        <a:latin typeface="+mn-lt"/>
+        <a:ea typeface="+mn-ea"/>
+        <a:cs typeface="+mn-cs"/>
+      </a:defRPr>
+    </a:lvl2pPr>
+    <a:lvl3pPr marL="914400" algn="l" defTabSz="914400" rtl="0" eaLnBrk="1" latinLnBrk="0" hangingPunct="1">
+      <a:defRPr sz="1200" kern="1200">
+        <a:solidFill>
+          <a:schemeClr val="tx1"/>
+        </a:solidFill>
+        <a:latin typeface="+mn-lt"/>
+        <a:ea typeface="+mn-ea"/>
+        <a:cs typeface="+mn-cs"/>
+      </a:defRPr>
+    </a:lvl3pPr>
+    <a:lvl4pPr marL="1371600" algn="l" defTabSz="914400" rtl="0" eaLnBrk="1" latinLnBrk="0" hangingPunct="1">
+      <a:defRPr sz="1200" kern="1200">
+        <a:solidFill>
+          <a:schemeClr val="tx1"/>
+        </a:solidFill>
+        <a:latin typeface="+mn-lt"/>
+        <a:ea typeface="+mn-ea"/>
+        <a:cs typeface="+mn-cs"/>
+      </a:defRPr>
+    </a:lvl4pPr>
+    <a:lvl5pPr marL="1828800" algn="l" defTabSz="914400" rtl="0" eaLnBrk="1" latinLnBrk="0" hangingPunct="1">
+      <a:defRPr sz="1200" kern="1200">
+        <a:solidFill>
+          <a:schemeClr val="tx1"/>
+        </a:solidFill>
+        <a:latin typeface="+mn-lt"/>
+        <a:ea typeface="+mn-ea"/>
+        <a:cs typeface="+mn-cs"/>
+      </a:defRPr>
+    </a:lvl5pPr>
+    <a:lvl6pPr marL="2286000" algn="l" defTabSz="914400" rtl="0" eaLnBrk="1" latinLnBrk="0" hangingPunct="1">
+      <a:defRPr sz="1200" kern="1200">
+        <a:solidFill>
+          <a:schemeClr val="tx1"/>
+        </a:solidFill>
+        <a:latin typeface="+mn-lt"/>
+        <a:ea typeface="+mn-ea"/>
+        <a:cs typeface="+mn-cs"/>
+      </a:defRPr>
+    </a:lvl6pPr>
+    <a:lvl7pPr marL="2743200" algn="l" defTabSz="914400" rtl="0" eaLnBrk="1" latinLnBrk="0" hangingPunct="1">
+      <a:defRPr sz="1200" kern="1200">
+        <a:solidFill>
+          <a:schemeClr val="tx1"/>
+        </a:solidFill>
+        <a:latin typeface="+mn-lt"/>
+        <a:ea typeface="+mn-ea"/>
+        <a:cs typeface="+mn-cs"/>
+      </a:defRPr>
+    </a:lvl7pPr>
+    <a:lvl8pPr marL="3200400" algn="l" defTabSz="914400" rtl="0" eaLnBrk="1" latinLnBrk="0" hangingPunct="1">
+      <a:defRPr sz="1200" kern="1200">
+        <a:solidFill>
+          <a:schemeClr val="tx1"/>
+        </a:solidFill>
+        <a:latin typeface="+mn-lt"/>
+        <a:ea typeface="+mn-ea"/>
+        <a:cs typeface="+mn-cs"/>
+      </a:defRPr>
+    </a:lvl8pPr>
+    <a:lvl9pPr marL="3657600" algn="l" defTabSz="914400" rtl="0" eaLnBrk="1" latinLnBrk="0" hangingPunct="1">
+      <a:defRPr sz="1200" kern="1200">
+        <a:solidFill>
+          <a:schemeClr val="tx1"/>
+        </a:solidFill>
+        <a:latin typeface="+mn-lt"/>
+        <a:ea typeface="+mn-ea"/>
+        <a:cs typeface="+mn-cs"/>
+      </a:defRPr>
+    </a:lvl9pPr>
+  </p:notesStyle>
+</p:notesMaster>
+</file>
+
+<file path=ppt/notesSlides/notesSlide1.xml><?xml version="1.0" encoding="utf-8"?>
+<p:notes xmlns:a="http://schemas.openxmlformats.org/drawingml/2006/main" xmlns:r="http://schemas.openxmlformats.org/officeDocument/2006/relationships" xmlns:p="http://schemas.openxmlformats.org/presentationml/2006/main">
   <p:cSld>
     <p:spTree>
       <p:nvGrpSpPr>
@@ -39,264 +467,120 @@
       </p:grpSpPr>
       <p:sp>
         <p:nvSpPr>
-          <p:cNvPr id="109" name="PlaceHolder 1"/>
-          <p:cNvSpPr>
-            <a:spLocks noGrp="1"/>
-          </p:cNvSpPr>
-          <p:nvPr>
-            <p:ph type="body"/>
-          </p:nvPr>
-        </p:nvSpPr>
-        <p:spPr>
-          <a:xfrm>
-            <a:off x="756000" y="5078520"/>
-            <a:ext cx="6047640" cy="4811040"/>
-          </a:xfrm>
-          <a:prstGeom prst="rect">
-            <a:avLst/>
-          </a:prstGeom>
-        </p:spPr>
-        <p:txBody>
-          <a:bodyPr lIns="0" rIns="0" tIns="0" bIns="0"/>
-          <a:p>
-            <a:r>
-              <a:rPr b="0" lang="en-GB" sz="2000" spc="-1" strike="noStrike">
+          <p:cNvPr id="139" name="CustomShape 1"/>
+          <p:cNvSpPr/>
+          <p:nvPr/>
+        </p:nvSpPr>
+        <p:spPr>
+          <a:xfrm>
+            <a:off x="4278240" y="10156680"/>
+            <a:ext cx="3278520" cy="532440"/>
+          </a:xfrm>
+          <a:prstGeom prst="rect">
+            <a:avLst/>
+          </a:prstGeom>
+          <a:noFill/>
+          <a:ln>
+            <a:noFill/>
+          </a:ln>
+        </p:spPr>
+        <p:style>
+          <a:lnRef idx="0">
+            <a:scrgbClr r="0" g="0" b="0"/>
+          </a:lnRef>
+          <a:fillRef idx="0">
+            <a:scrgbClr r="0" g="0" b="0"/>
+          </a:fillRef>
+          <a:effectRef idx="0">
+            <a:scrgbClr r="0" g="0" b="0"/>
+          </a:effectRef>
+          <a:fontRef idx="minor"/>
+        </p:style>
+        <p:txBody>
+          <a:bodyPr lIns="0" tIns="0" rIns="0" bIns="0" anchor="b"/>
+          <a:lstStyle/>
+          <a:p>
+            <a:pPr algn="r">
+              <a:lnSpc>
+                <a:spcPct val="100000"/>
+              </a:lnSpc>
+            </a:pPr>
+            <a:fld id="{DBA15B7F-21C8-40DA-A42C-EE5979E1EA94}" type="slidenum">
+              <a:rPr lang="en-GB" sz="1400" b="0" strike="noStrike" spc="-1">
                 <a:solidFill>
                   <a:srgbClr val="000000"/>
                 </a:solidFill>
                 <a:uFill>
                   <a:solidFill>
-                    <a:srgbClr val="ffffff"/>
-                  </a:solidFill>
-                </a:uFill>
-                <a:latin typeface="Arial"/>
-              </a:rPr>
-              <a:t>Click to edit the notes format</a:t>
-            </a:r>
-            <a:endParaRPr b="0" lang="en-GB" sz="2000" spc="-1" strike="noStrike">
-              <a:solidFill>
-                <a:srgbClr val="000000"/>
-              </a:solidFill>
-              <a:uFill>
-                <a:solidFill>
-                  <a:srgbClr val="ffffff"/>
-                </a:solidFill>
-              </a:uFill>
-              <a:latin typeface="Arial"/>
-            </a:endParaRPr>
-          </a:p>
-        </p:txBody>
-      </p:sp>
-      <p:sp>
-        <p:nvSpPr>
-          <p:cNvPr id="110" name="PlaceHolder 2"/>
-          <p:cNvSpPr>
-            <a:spLocks noGrp="1"/>
-          </p:cNvSpPr>
-          <p:nvPr>
-            <p:ph type="hdr"/>
-          </p:nvPr>
-        </p:nvSpPr>
-        <p:spPr>
-          <a:xfrm>
-            <a:off x="0" y="0"/>
-            <a:ext cx="3280680" cy="534240"/>
-          </a:xfrm>
-          <a:prstGeom prst="rect">
-            <a:avLst/>
-          </a:prstGeom>
-        </p:spPr>
-        <p:txBody>
-          <a:bodyPr lIns="0" rIns="0" tIns="0" bIns="0"/>
-          <a:p>
-            <a:r>
-              <a:rPr b="0" lang="en-GB" sz="1400" spc="-1" strike="noStrike">
-                <a:solidFill>
-                  <a:srgbClr val="000000"/>
-                </a:solidFill>
-                <a:uFill>
-                  <a:solidFill>
-                    <a:srgbClr val="ffffff"/>
+                    <a:srgbClr val="FFFFFF"/>
                   </a:solidFill>
                 </a:uFill>
                 <a:latin typeface="Times New Roman"/>
+                <a:ea typeface="DejaVu Sans"/>
               </a:rPr>
-              <a:t>&lt;header&gt;</a:t>
-            </a:r>
-            <a:endParaRPr b="0" lang="en-GB" sz="1400" spc="-1" strike="noStrike">
-              <a:solidFill>
-                <a:srgbClr val="000000"/>
-              </a:solidFill>
-              <a:uFill>
-                <a:solidFill>
-                  <a:srgbClr val="ffffff"/>
-                </a:solidFill>
-              </a:uFill>
-              <a:latin typeface="Times New Roman"/>
-            </a:endParaRPr>
-          </a:p>
-        </p:txBody>
-      </p:sp>
-      <p:sp>
-        <p:nvSpPr>
-          <p:cNvPr id="111" name="PlaceHolder 3"/>
-          <p:cNvSpPr>
-            <a:spLocks noGrp="1"/>
-          </p:cNvSpPr>
-          <p:nvPr>
-            <p:ph type="dt"/>
-          </p:nvPr>
-        </p:nvSpPr>
-        <p:spPr>
-          <a:xfrm>
-            <a:off x="4278960" y="0"/>
-            <a:ext cx="3280680" cy="534240"/>
-          </a:xfrm>
-          <a:prstGeom prst="rect">
-            <a:avLst/>
-          </a:prstGeom>
-        </p:spPr>
-        <p:txBody>
-          <a:bodyPr lIns="0" rIns="0" tIns="0" bIns="0"/>
-          <a:p>
-            <a:pPr algn="r"/>
-            <a:r>
-              <a:rPr b="0" lang="en-GB" sz="1400" spc="-1" strike="noStrike">
-                <a:solidFill>
-                  <a:srgbClr val="000000"/>
-                </a:solidFill>
-                <a:uFill>
-                  <a:solidFill>
-                    <a:srgbClr val="ffffff"/>
-                  </a:solidFill>
-                </a:uFill>
-                <a:latin typeface="Times New Roman"/>
-              </a:rPr>
-              <a:t>&lt;date/time&gt;</a:t>
-            </a:r>
-            <a:endParaRPr b="0" lang="en-GB" sz="1400" spc="-1" strike="noStrike">
-              <a:solidFill>
-                <a:srgbClr val="000000"/>
-              </a:solidFill>
-              <a:uFill>
-                <a:solidFill>
-                  <a:srgbClr val="ffffff"/>
-                </a:solidFill>
-              </a:uFill>
-              <a:latin typeface="Times New Roman"/>
-            </a:endParaRPr>
-          </a:p>
-        </p:txBody>
-      </p:sp>
-      <p:sp>
-        <p:nvSpPr>
-          <p:cNvPr id="112" name="PlaceHolder 4"/>
-          <p:cNvSpPr>
-            <a:spLocks noGrp="1"/>
-          </p:cNvSpPr>
-          <p:nvPr>
-            <p:ph type="ftr"/>
-          </p:nvPr>
-        </p:nvSpPr>
-        <p:spPr>
-          <a:xfrm>
-            <a:off x="0" y="10157400"/>
-            <a:ext cx="3280680" cy="534240"/>
-          </a:xfrm>
-          <a:prstGeom prst="rect">
-            <a:avLst/>
-          </a:prstGeom>
-        </p:spPr>
-        <p:txBody>
-          <a:bodyPr lIns="0" rIns="0" tIns="0" bIns="0" anchor="b"/>
-          <a:p>
-            <a:r>
-              <a:rPr b="0" lang="en-GB" sz="1400" spc="-1" strike="noStrike">
-                <a:solidFill>
-                  <a:srgbClr val="000000"/>
-                </a:solidFill>
-                <a:uFill>
-                  <a:solidFill>
-                    <a:srgbClr val="ffffff"/>
-                  </a:solidFill>
-                </a:uFill>
-                <a:latin typeface="Times New Roman"/>
-              </a:rPr>
-              <a:t>&lt;footer&gt;</a:t>
-            </a:r>
-            <a:endParaRPr b="0" lang="en-GB" sz="1400" spc="-1" strike="noStrike">
-              <a:solidFill>
-                <a:srgbClr val="000000"/>
-              </a:solidFill>
-              <a:uFill>
-                <a:solidFill>
-                  <a:srgbClr val="ffffff"/>
-                </a:solidFill>
-              </a:uFill>
-              <a:latin typeface="Times New Roman"/>
-            </a:endParaRPr>
-          </a:p>
-        </p:txBody>
-      </p:sp>
-      <p:sp>
-        <p:nvSpPr>
-          <p:cNvPr id="113" name="PlaceHolder 5"/>
-          <p:cNvSpPr>
-            <a:spLocks noGrp="1"/>
-          </p:cNvSpPr>
-          <p:nvPr>
-            <p:ph type="sldNum"/>
-          </p:nvPr>
-        </p:nvSpPr>
-        <p:spPr>
-          <a:xfrm>
-            <a:off x="4278960" y="10157400"/>
-            <a:ext cx="3280680" cy="534240"/>
-          </a:xfrm>
-          <a:prstGeom prst="rect">
-            <a:avLst/>
-          </a:prstGeom>
-        </p:spPr>
-        <p:txBody>
-          <a:bodyPr lIns="0" rIns="0" tIns="0" bIns="0" anchor="b"/>
-          <a:p>
-            <a:pPr algn="r"/>
-            <a:fld id="{DB6A301C-AE15-49A1-BEA0-EAA80756C62B}" type="slidenum">
-              <a:rPr b="0" lang="en-GB" sz="1400" spc="-1" strike="noStrike">
-                <a:solidFill>
-                  <a:srgbClr val="000000"/>
-                </a:solidFill>
-                <a:uFill>
-                  <a:solidFill>
-                    <a:srgbClr val="ffffff"/>
-                  </a:solidFill>
-                </a:uFill>
-                <a:latin typeface="Times New Roman"/>
-              </a:rPr>
-              <a:t>&lt;number&gt;</a:t>
+              <a:t>1</a:t>
             </a:fld>
-            <a:endParaRPr b="0" lang="en-GB" sz="1400" spc="-1" strike="noStrike">
-              <a:solidFill>
-                <a:srgbClr val="000000"/>
-              </a:solidFill>
-              <a:uFill>
-                <a:solidFill>
-                  <a:srgbClr val="ffffff"/>
-                </a:solidFill>
-              </a:uFill>
-              <a:latin typeface="Times New Roman"/>
+            <a:endParaRPr lang="en-GB" sz="1800" b="0" strike="noStrike" spc="-1">
+              <a:solidFill>
+                <a:srgbClr val="000000"/>
+              </a:solidFill>
+              <a:uFill>
+                <a:solidFill>
+                  <a:srgbClr val="FFFFFF"/>
+                </a:solidFill>
+              </a:uFill>
+              <a:latin typeface="Arial"/>
+            </a:endParaRPr>
+          </a:p>
+        </p:txBody>
+      </p:sp>
+      <p:sp>
+        <p:nvSpPr>
+          <p:cNvPr id="140" name="PlaceHolder 2"/>
+          <p:cNvSpPr>
+            <a:spLocks noGrp="1"/>
+          </p:cNvSpPr>
+          <p:nvPr>
+            <p:ph type="body"/>
+          </p:nvPr>
+        </p:nvSpPr>
+        <p:spPr>
+          <a:xfrm>
+            <a:off x="755640" y="5078520"/>
+            <a:ext cx="6047280" cy="4810680"/>
+          </a:xfrm>
+          <a:prstGeom prst="rect">
+            <a:avLst/>
+          </a:prstGeom>
+        </p:spPr>
+        <p:txBody>
+          <a:bodyPr lIns="0" tIns="0" rIns="0" bIns="0" anchor="ctr"/>
+          <a:lstStyle/>
+          <a:p>
+            <a:endParaRPr lang="en-GB" sz="2000" b="0" strike="noStrike" spc="-1">
+              <a:solidFill>
+                <a:srgbClr val="000000"/>
+              </a:solidFill>
+              <a:uFill>
+                <a:solidFill>
+                  <a:srgbClr val="FFFFFF"/>
+                </a:solidFill>
+              </a:uFill>
+              <a:latin typeface="Arial"/>
             </a:endParaRPr>
           </a:p>
         </p:txBody>
       </p:sp>
     </p:spTree>
   </p:cSld>
-  <p:clrMap bg1="lt1" bg2="lt2" tx1="dk1" tx2="dk2" accent1="accent1" accent2="accent2" accent3="accent3" accent4="accent4" accent5="accent5" accent6="accent6" hlink="hlink" folHlink="folHlink"/>
-</p:notesMaster>
+  <p:clrMapOvr>
+    <a:masterClrMapping/>
+  </p:clrMapOvr>
+</p:notes>
 </file>
 
-<file path=ppt/notesSlides/notesSlide1.xml><?xml version="1.0" encoding="utf-8"?>
-<p:notes xmlns:a="http://schemas.openxmlformats.org/drawingml/2006/main" xmlns:p="http://schemas.openxmlformats.org/presentationml/2006/main" xmlns:r="http://schemas.openxmlformats.org/officeDocument/2006/relationships" xmlns:p14="http://schemas.microsoft.com/office/powerpoint/2010/main" xmlns:p15="http://schemas.microsoft.com/office/powerpoint/2012/main" xmlns:mc="http://schemas.openxmlformats.org/markup-compatibility/2006">
+<file path=ppt/notesSlides/notesSlide2.xml><?xml version="1.0" encoding="utf-8"?>
+<p:notes xmlns:a="http://schemas.openxmlformats.org/drawingml/2006/main" xmlns:r="http://schemas.openxmlformats.org/officeDocument/2006/relationships" xmlns:p="http://schemas.openxmlformats.org/presentationml/2006/main">
   <p:cSld>
     <p:spTree>
       <p:nvGrpSpPr>
@@ -314,14 +598,14 @@
       </p:grpSpPr>
       <p:sp>
         <p:nvSpPr>
-          <p:cNvPr id="139" name="CustomShape 1"/>
+          <p:cNvPr id="141" name="CustomShape 1"/>
           <p:cNvSpPr/>
           <p:nvPr/>
         </p:nvSpPr>
         <p:spPr>
           <a:xfrm>
             <a:off x="4278240" y="10156680"/>
-            <a:ext cx="3278520" cy="532440"/>
+            <a:ext cx="3278160" cy="532080"/>
           </a:xfrm>
           <a:prstGeom prst="rect">
             <a:avLst/>
@@ -332,51 +616,58 @@
           </a:ln>
         </p:spPr>
         <p:style>
-          <a:lnRef idx="0"/>
-          <a:fillRef idx="0"/>
-          <a:effectRef idx="0"/>
+          <a:lnRef idx="0">
+            <a:scrgbClr r="0" g="0" b="0"/>
+          </a:lnRef>
+          <a:fillRef idx="0">
+            <a:scrgbClr r="0" g="0" b="0"/>
+          </a:fillRef>
+          <a:effectRef idx="0">
+            <a:scrgbClr r="0" g="0" b="0"/>
+          </a:effectRef>
           <a:fontRef idx="minor"/>
         </p:style>
         <p:txBody>
-          <a:bodyPr lIns="0" rIns="0" tIns="0" bIns="0" anchor="b"/>
-          <a:p>
-            <a:pPr algn="r">
+          <a:bodyPr lIns="0" tIns="0" rIns="0" bIns="0" anchor="b"/>
+          <a:lstStyle/>
+          <a:p>
+            <a:pPr>
               <a:lnSpc>
                 <a:spcPct val="100000"/>
               </a:lnSpc>
             </a:pPr>
-            <a:fld id="{DBA15B7F-21C8-40DA-A42C-EE5979E1EA94}" type="slidenum">
-              <a:rPr b="0" lang="en-GB" sz="1400" spc="-1" strike="noStrike">
+            <a:fld id="{4A43D039-B329-4282-86F1-097C9A3FDA9D}" type="slidenum">
+              <a:rPr lang="en-GB" sz="1400" b="0" strike="noStrike" spc="-1">
                 <a:solidFill>
                   <a:srgbClr val="000000"/>
                 </a:solidFill>
                 <a:uFill>
                   <a:solidFill>
-                    <a:srgbClr val="ffffff"/>
+                    <a:srgbClr val="FFFFFF"/>
                   </a:solidFill>
                 </a:uFill>
                 <a:latin typeface="Times New Roman"/>
                 <a:ea typeface="DejaVu Sans"/>
               </a:rPr>
-              <a:t>&lt;number&gt;</a:t>
+              <a:t>2</a:t>
             </a:fld>
-            <a:endParaRPr b="0" lang="en-GB" sz="1800" spc="-1" strike="noStrike">
-              <a:solidFill>
-                <a:srgbClr val="000000"/>
-              </a:solidFill>
-              <a:uFill>
-                <a:solidFill>
-                  <a:srgbClr val="ffffff"/>
-                </a:solidFill>
-              </a:uFill>
-              <a:latin typeface="Arial"/>
-            </a:endParaRPr>
-          </a:p>
-        </p:txBody>
-      </p:sp>
-      <p:sp>
-        <p:nvSpPr>
-          <p:cNvPr id="140" name="PlaceHolder 2"/>
+            <a:endParaRPr lang="en-GB" sz="1800" b="0" strike="noStrike" spc="-1">
+              <a:solidFill>
+                <a:srgbClr val="000000"/>
+              </a:solidFill>
+              <a:uFill>
+                <a:solidFill>
+                  <a:srgbClr val="FFFFFF"/>
+                </a:solidFill>
+              </a:uFill>
+              <a:latin typeface="Arial"/>
+            </a:endParaRPr>
+          </a:p>
+        </p:txBody>
+      </p:sp>
+      <p:sp>
+        <p:nvSpPr>
+          <p:cNvPr id="142" name="PlaceHolder 2"/>
           <p:cNvSpPr>
             <a:spLocks noGrp="1"/>
           </p:cNvSpPr>
@@ -387,22 +678,23 @@
         <p:spPr>
           <a:xfrm>
             <a:off x="755640" y="5078520"/>
-            <a:ext cx="6047280" cy="4810680"/>
-          </a:xfrm>
-          <a:prstGeom prst="rect">
-            <a:avLst/>
-          </a:prstGeom>
-        </p:spPr>
-        <p:txBody>
-          <a:bodyPr lIns="0" rIns="0" tIns="0" bIns="0" anchor="ctr"/>
-          <a:p>
-            <a:endParaRPr b="0" lang="en-GB" sz="2000" spc="-1" strike="noStrike">
-              <a:solidFill>
-                <a:srgbClr val="000000"/>
-              </a:solidFill>
-              <a:uFill>
-                <a:solidFill>
-                  <a:srgbClr val="ffffff"/>
+            <a:ext cx="6046920" cy="4810320"/>
+          </a:xfrm>
+          <a:prstGeom prst="rect">
+            <a:avLst/>
+          </a:prstGeom>
+        </p:spPr>
+        <p:txBody>
+          <a:bodyPr lIns="0" tIns="0" rIns="0" bIns="0" anchor="ctr"/>
+          <a:lstStyle/>
+          <a:p>
+            <a:endParaRPr lang="en-GB" sz="2000" b="0" strike="noStrike" spc="-1">
+              <a:solidFill>
+                <a:srgbClr val="000000"/>
+              </a:solidFill>
+              <a:uFill>
+                <a:solidFill>
+                  <a:srgbClr val="FFFFFF"/>
                 </a:solidFill>
               </a:uFill>
               <a:latin typeface="Arial"/>
@@ -412,11 +704,14 @@
       </p:sp>
     </p:spTree>
   </p:cSld>
+  <p:clrMapOvr>
+    <a:masterClrMapping/>
+  </p:clrMapOvr>
 </p:notes>
 </file>
 
-<file path=ppt/notesSlides/notesSlide2.xml><?xml version="1.0" encoding="utf-8"?>
-<p:notes xmlns:a="http://schemas.openxmlformats.org/drawingml/2006/main" xmlns:p="http://schemas.openxmlformats.org/presentationml/2006/main" xmlns:r="http://schemas.openxmlformats.org/officeDocument/2006/relationships" xmlns:p14="http://schemas.microsoft.com/office/powerpoint/2010/main" xmlns:p15="http://schemas.microsoft.com/office/powerpoint/2012/main" xmlns:mc="http://schemas.openxmlformats.org/markup-compatibility/2006">
+<file path=ppt/notesSlides/notesSlide3.xml><?xml version="1.0" encoding="utf-8"?>
+<p:notes xmlns:a="http://schemas.openxmlformats.org/drawingml/2006/main" xmlns:r="http://schemas.openxmlformats.org/officeDocument/2006/relationships" xmlns:p="http://schemas.openxmlformats.org/presentationml/2006/main">
   <p:cSld>
     <p:spTree>
       <p:nvGrpSpPr>
@@ -434,7 +729,7 @@
       </p:grpSpPr>
       <p:sp>
         <p:nvSpPr>
-          <p:cNvPr id="141" name="CustomShape 1"/>
+          <p:cNvPr id="143" name="CustomShape 1"/>
           <p:cNvSpPr/>
           <p:nvPr/>
         </p:nvSpPr>
@@ -452,133 +747,20 @@
           </a:ln>
         </p:spPr>
         <p:style>
-          <a:lnRef idx="0"/>
-          <a:fillRef idx="0"/>
-          <a:effectRef idx="0"/>
+          <a:lnRef idx="0">
+            <a:scrgbClr r="0" g="0" b="0"/>
+          </a:lnRef>
+          <a:fillRef idx="0">
+            <a:scrgbClr r="0" g="0" b="0"/>
+          </a:fillRef>
+          <a:effectRef idx="0">
+            <a:scrgbClr r="0" g="0" b="0"/>
+          </a:effectRef>
           <a:fontRef idx="minor"/>
         </p:style>
         <p:txBody>
-          <a:bodyPr lIns="0" rIns="0" tIns="0" bIns="0" anchor="b"/>
-          <a:p>
-            <a:pPr>
-              <a:lnSpc>
-                <a:spcPct val="100000"/>
-              </a:lnSpc>
-            </a:pPr>
-            <a:fld id="{4A43D039-B329-4282-86F1-097C9A3FDA9D}" type="slidenum">
-              <a:rPr b="0" lang="en-GB" sz="1400" spc="-1" strike="noStrike">
-                <a:solidFill>
-                  <a:srgbClr val="000000"/>
-                </a:solidFill>
-                <a:uFill>
-                  <a:solidFill>
-                    <a:srgbClr val="ffffff"/>
-                  </a:solidFill>
-                </a:uFill>
-                <a:latin typeface="Times New Roman"/>
-                <a:ea typeface="DejaVu Sans"/>
-              </a:rPr>
-              <a:t>&lt;number&gt;</a:t>
-            </a:fld>
-            <a:endParaRPr b="0" lang="en-GB" sz="1800" spc="-1" strike="noStrike">
-              <a:solidFill>
-                <a:srgbClr val="000000"/>
-              </a:solidFill>
-              <a:uFill>
-                <a:solidFill>
-                  <a:srgbClr val="ffffff"/>
-                </a:solidFill>
-              </a:uFill>
-              <a:latin typeface="Arial"/>
-            </a:endParaRPr>
-          </a:p>
-        </p:txBody>
-      </p:sp>
-      <p:sp>
-        <p:nvSpPr>
-          <p:cNvPr id="142" name="PlaceHolder 2"/>
-          <p:cNvSpPr>
-            <a:spLocks noGrp="1"/>
-          </p:cNvSpPr>
-          <p:nvPr>
-            <p:ph type="body"/>
-          </p:nvPr>
-        </p:nvSpPr>
-        <p:spPr>
-          <a:xfrm>
-            <a:off x="755640" y="5078520"/>
-            <a:ext cx="6046920" cy="4810320"/>
-          </a:xfrm>
-          <a:prstGeom prst="rect">
-            <a:avLst/>
-          </a:prstGeom>
-        </p:spPr>
-        <p:txBody>
-          <a:bodyPr lIns="0" rIns="0" tIns="0" bIns="0" anchor="ctr"/>
-          <a:p>
-            <a:endParaRPr b="0" lang="en-GB" sz="2000" spc="-1" strike="noStrike">
-              <a:solidFill>
-                <a:srgbClr val="000000"/>
-              </a:solidFill>
-              <a:uFill>
-                <a:solidFill>
-                  <a:srgbClr val="ffffff"/>
-                </a:solidFill>
-              </a:uFill>
-              <a:latin typeface="Arial"/>
-            </a:endParaRPr>
-          </a:p>
-        </p:txBody>
-      </p:sp>
-    </p:spTree>
-  </p:cSld>
-</p:notes>
-</file>
-
-<file path=ppt/notesSlides/notesSlide4.xml><?xml version="1.0" encoding="utf-8"?>
-<p:notes xmlns:a="http://schemas.openxmlformats.org/drawingml/2006/main" xmlns:p="http://schemas.openxmlformats.org/presentationml/2006/main" xmlns:r="http://schemas.openxmlformats.org/officeDocument/2006/relationships" xmlns:p14="http://schemas.microsoft.com/office/powerpoint/2010/main" xmlns:p15="http://schemas.microsoft.com/office/powerpoint/2012/main" xmlns:mc="http://schemas.openxmlformats.org/markup-compatibility/2006">
-  <p:cSld>
-    <p:spTree>
-      <p:nvGrpSpPr>
-        <p:cNvPr id="1" name=""/>
-        <p:cNvGrpSpPr/>
-        <p:nvPr/>
-      </p:nvGrpSpPr>
-      <p:grpSpPr>
-        <a:xfrm>
-          <a:off x="0" y="0"/>
-          <a:ext cx="0" cy="0"/>
-          <a:chOff x="0" y="0"/>
-          <a:chExt cx="0" cy="0"/>
-        </a:xfrm>
-      </p:grpSpPr>
-      <p:sp>
-        <p:nvSpPr>
-          <p:cNvPr id="143" name="CustomShape 1"/>
-          <p:cNvSpPr/>
-          <p:nvPr/>
-        </p:nvSpPr>
-        <p:spPr>
-          <a:xfrm>
-            <a:off x="4278240" y="10156680"/>
-            <a:ext cx="3278160" cy="532080"/>
-          </a:xfrm>
-          <a:prstGeom prst="rect">
-            <a:avLst/>
-          </a:prstGeom>
-          <a:noFill/>
-          <a:ln>
-            <a:noFill/>
-          </a:ln>
-        </p:spPr>
-        <p:style>
-          <a:lnRef idx="0"/>
-          <a:fillRef idx="0"/>
-          <a:effectRef idx="0"/>
-          <a:fontRef idx="minor"/>
-        </p:style>
-        <p:txBody>
-          <a:bodyPr lIns="0" rIns="0" tIns="0" bIns="0" anchor="b"/>
+          <a:bodyPr lIns="0" tIns="0" rIns="0" bIns="0" anchor="b"/>
+          <a:lstStyle/>
           <a:p>
             <a:pPr>
               <a:lnSpc>
@@ -586,27 +768,27 @@
               </a:lnSpc>
             </a:pPr>
             <a:fld id="{0E06851D-8A95-4140-96F0-0CB6FEC00BFA}" type="slidenum">
-              <a:rPr b="0" lang="en-GB" sz="1400" spc="-1" strike="noStrike">
+              <a:rPr lang="en-GB" sz="1400" b="0" strike="noStrike" spc="-1">
                 <a:solidFill>
                   <a:srgbClr val="000000"/>
                 </a:solidFill>
                 <a:uFill>
                   <a:solidFill>
-                    <a:srgbClr val="ffffff"/>
+                    <a:srgbClr val="FFFFFF"/>
                   </a:solidFill>
                 </a:uFill>
                 <a:latin typeface="Times New Roman"/>
                 <a:ea typeface="DejaVu Sans"/>
               </a:rPr>
-              <a:t>&lt;number&gt;</a:t>
+              <a:t>4</a:t>
             </a:fld>
-            <a:endParaRPr b="0" lang="en-GB" sz="1800" spc="-1" strike="noStrike">
-              <a:solidFill>
-                <a:srgbClr val="000000"/>
-              </a:solidFill>
-              <a:uFill>
-                <a:solidFill>
-                  <a:srgbClr val="ffffff"/>
+            <a:endParaRPr lang="en-GB" sz="1800" b="0" strike="noStrike" spc="-1">
+              <a:solidFill>
+                <a:srgbClr val="000000"/>
+              </a:solidFill>
+              <a:uFill>
+                <a:solidFill>
+                  <a:srgbClr val="FFFFFF"/>
                 </a:solidFill>
               </a:uFill>
               <a:latin typeface="Arial"/>
@@ -634,15 +816,16 @@
           </a:prstGeom>
         </p:spPr>
         <p:txBody>
-          <a:bodyPr lIns="0" rIns="0" tIns="0" bIns="0" anchor="ctr"/>
-          <a:p>
-            <a:endParaRPr b="0" lang="en-GB" sz="2000" spc="-1" strike="noStrike">
-              <a:solidFill>
-                <a:srgbClr val="000000"/>
-              </a:solidFill>
-              <a:uFill>
-                <a:solidFill>
-                  <a:srgbClr val="ffffff"/>
+          <a:bodyPr lIns="0" tIns="0" rIns="0" bIns="0" anchor="ctr"/>
+          <a:lstStyle/>
+          <a:p>
+            <a:endParaRPr lang="en-GB" sz="2000" b="0" strike="noStrike" spc="-1">
+              <a:solidFill>
+                <a:srgbClr val="000000"/>
+              </a:solidFill>
+              <a:uFill>
+                <a:solidFill>
+                  <a:srgbClr val="FFFFFF"/>
                 </a:solidFill>
               </a:uFill>
               <a:latin typeface="Arial"/>
@@ -652,11 +835,14 @@
       </p:sp>
     </p:spTree>
   </p:cSld>
+  <p:clrMapOvr>
+    <a:masterClrMapping/>
+  </p:clrMapOvr>
 </p:notes>
 </file>
 
 <file path=ppt/slideLayouts/slideLayout1.xml><?xml version="1.0" encoding="utf-8"?>
-<p:sldLayout xmlns:a="http://schemas.openxmlformats.org/drawingml/2006/main" xmlns:p="http://schemas.openxmlformats.org/presentationml/2006/main" xmlns:r="http://schemas.openxmlformats.org/officeDocument/2006/relationships" xmlns:p14="http://schemas.microsoft.com/office/powerpoint/2010/main" xmlns:p15="http://schemas.microsoft.com/office/powerpoint/2012/main" xmlns:mc="http://schemas.openxmlformats.org/markup-compatibility/2006" type="blank" preserve="1">
+<p:sldLayout xmlns:a="http://schemas.openxmlformats.org/drawingml/2006/main" xmlns:r="http://schemas.openxmlformats.org/officeDocument/2006/relationships" xmlns:p="http://schemas.openxmlformats.org/presentationml/2006/main" type="blank" preserve="1">
   <p:cSld name="Blank Slide">
     <p:spTree>
       <p:nvGrpSpPr>
@@ -674,11 +860,14 @@
       </p:grpSpPr>
     </p:spTree>
   </p:cSld>
+  <p:clrMapOvr>
+    <a:masterClrMapping/>
+  </p:clrMapOvr>
 </p:sldLayout>
 </file>
 
 <file path=ppt/slideLayouts/slideLayout10.xml><?xml version="1.0" encoding="utf-8"?>
-<p:sldLayout xmlns:a="http://schemas.openxmlformats.org/drawingml/2006/main" xmlns:p="http://schemas.openxmlformats.org/presentationml/2006/main" xmlns:r="http://schemas.openxmlformats.org/officeDocument/2006/relationships" xmlns:p14="http://schemas.microsoft.com/office/powerpoint/2010/main" xmlns:p15="http://schemas.microsoft.com/office/powerpoint/2012/main" xmlns:mc="http://schemas.openxmlformats.org/markup-compatibility/2006" type="objOverTx" preserve="1">
+<p:sldLayout xmlns:a="http://schemas.openxmlformats.org/drawingml/2006/main" xmlns:r="http://schemas.openxmlformats.org/officeDocument/2006/relationships" xmlns:p="http://schemas.openxmlformats.org/presentationml/2006/main" type="objOverTx" preserve="1">
   <p:cSld name="Title, Content over Content">
     <p:spTree>
       <p:nvGrpSpPr>
@@ -714,16 +903,17 @@
           </a:prstGeom>
         </p:spPr>
         <p:txBody>
-          <a:bodyPr lIns="0" rIns="0" tIns="0" bIns="0" anchor="ctr"/>
+          <a:bodyPr lIns="0" tIns="0" rIns="0" bIns="0" anchor="ctr"/>
+          <a:lstStyle/>
           <a:p>
             <a:pPr algn="ctr"/>
-            <a:endParaRPr b="0" lang="en-GB" sz="4400" spc="-1" strike="noStrike">
-              <a:solidFill>
-                <a:srgbClr val="000000"/>
-              </a:solidFill>
-              <a:uFill>
-                <a:solidFill>
-                  <a:srgbClr val="ffffff"/>
+            <a:endParaRPr lang="en-GB" sz="4400" b="0" strike="noStrike" spc="-1">
+              <a:solidFill>
+                <a:srgbClr val="000000"/>
+              </a:solidFill>
+              <a:uFill>
+                <a:solidFill>
+                  <a:srgbClr val="FFFFFF"/>
                 </a:solidFill>
               </a:uFill>
               <a:latin typeface="Arial"/>
@@ -751,15 +941,16 @@
           </a:prstGeom>
         </p:spPr>
         <p:txBody>
-          <a:bodyPr lIns="0" rIns="0" tIns="0" bIns="0"/>
-          <a:p>
-            <a:endParaRPr b="0" lang="en-GB" sz="3200" spc="-1" strike="noStrike">
-              <a:solidFill>
-                <a:srgbClr val="000000"/>
-              </a:solidFill>
-              <a:uFill>
-                <a:solidFill>
-                  <a:srgbClr val="ffffff"/>
+          <a:bodyPr lIns="0" tIns="0" rIns="0" bIns="0"/>
+          <a:lstStyle/>
+          <a:p>
+            <a:endParaRPr lang="en-GB" sz="3200" b="0" strike="noStrike" spc="-1">
+              <a:solidFill>
+                <a:srgbClr val="000000"/>
+              </a:solidFill>
+              <a:uFill>
+                <a:solidFill>
+                  <a:srgbClr val="FFFFFF"/>
                 </a:solidFill>
               </a:uFill>
               <a:latin typeface="Arial"/>
@@ -787,15 +978,16 @@
           </a:prstGeom>
         </p:spPr>
         <p:txBody>
-          <a:bodyPr lIns="0" rIns="0" tIns="0" bIns="0"/>
-          <a:p>
-            <a:endParaRPr b="0" lang="en-GB" sz="3200" spc="-1" strike="noStrike">
-              <a:solidFill>
-                <a:srgbClr val="000000"/>
-              </a:solidFill>
-              <a:uFill>
-                <a:solidFill>
-                  <a:srgbClr val="ffffff"/>
+          <a:bodyPr lIns="0" tIns="0" rIns="0" bIns="0"/>
+          <a:lstStyle/>
+          <a:p>
+            <a:endParaRPr lang="en-GB" sz="3200" b="0" strike="noStrike" spc="-1">
+              <a:solidFill>
+                <a:srgbClr val="000000"/>
+              </a:solidFill>
+              <a:uFill>
+                <a:solidFill>
+                  <a:srgbClr val="FFFFFF"/>
                 </a:solidFill>
               </a:uFill>
               <a:latin typeface="Arial"/>
@@ -805,11 +997,14 @@
       </p:sp>
     </p:spTree>
   </p:cSld>
+  <p:clrMapOvr>
+    <a:masterClrMapping/>
+  </p:clrMapOvr>
 </p:sldLayout>
 </file>
 
 <file path=ppt/slideLayouts/slideLayout11.xml><?xml version="1.0" encoding="utf-8"?>
-<p:sldLayout xmlns:a="http://schemas.openxmlformats.org/drawingml/2006/main" xmlns:p="http://schemas.openxmlformats.org/presentationml/2006/main" xmlns:r="http://schemas.openxmlformats.org/officeDocument/2006/relationships" xmlns:p14="http://schemas.microsoft.com/office/powerpoint/2010/main" xmlns:p15="http://schemas.microsoft.com/office/powerpoint/2012/main" xmlns:mc="http://schemas.openxmlformats.org/markup-compatibility/2006" type="fourObj" preserve="1">
+<p:sldLayout xmlns:a="http://schemas.openxmlformats.org/drawingml/2006/main" xmlns:r="http://schemas.openxmlformats.org/officeDocument/2006/relationships" xmlns:p="http://schemas.openxmlformats.org/presentationml/2006/main" type="fourObj" preserve="1">
   <p:cSld name="Title, 4 Content">
     <p:spTree>
       <p:nvGrpSpPr>
@@ -845,16 +1040,17 @@
           </a:prstGeom>
         </p:spPr>
         <p:txBody>
-          <a:bodyPr lIns="0" rIns="0" tIns="0" bIns="0" anchor="ctr"/>
+          <a:bodyPr lIns="0" tIns="0" rIns="0" bIns="0" anchor="ctr"/>
+          <a:lstStyle/>
           <a:p>
             <a:pPr algn="ctr"/>
-            <a:endParaRPr b="0" lang="en-GB" sz="4400" spc="-1" strike="noStrike">
-              <a:solidFill>
-                <a:srgbClr val="000000"/>
-              </a:solidFill>
-              <a:uFill>
-                <a:solidFill>
-                  <a:srgbClr val="ffffff"/>
+            <a:endParaRPr lang="en-GB" sz="4400" b="0" strike="noStrike" spc="-1">
+              <a:solidFill>
+                <a:srgbClr val="000000"/>
+              </a:solidFill>
+              <a:uFill>
+                <a:solidFill>
+                  <a:srgbClr val="FFFFFF"/>
                 </a:solidFill>
               </a:uFill>
               <a:latin typeface="Arial"/>
@@ -882,15 +1078,16 @@
           </a:prstGeom>
         </p:spPr>
         <p:txBody>
-          <a:bodyPr lIns="0" rIns="0" tIns="0" bIns="0"/>
-          <a:p>
-            <a:endParaRPr b="0" lang="en-GB" sz="3200" spc="-1" strike="noStrike">
-              <a:solidFill>
-                <a:srgbClr val="000000"/>
-              </a:solidFill>
-              <a:uFill>
-                <a:solidFill>
-                  <a:srgbClr val="ffffff"/>
+          <a:bodyPr lIns="0" tIns="0" rIns="0" bIns="0"/>
+          <a:lstStyle/>
+          <a:p>
+            <a:endParaRPr lang="en-GB" sz="3200" b="0" strike="noStrike" spc="-1">
+              <a:solidFill>
+                <a:srgbClr val="000000"/>
+              </a:solidFill>
+              <a:uFill>
+                <a:solidFill>
+                  <a:srgbClr val="FFFFFF"/>
                 </a:solidFill>
               </a:uFill>
               <a:latin typeface="Arial"/>
@@ -918,15 +1115,16 @@
           </a:prstGeom>
         </p:spPr>
         <p:txBody>
-          <a:bodyPr lIns="0" rIns="0" tIns="0" bIns="0"/>
-          <a:p>
-            <a:endParaRPr b="0" lang="en-GB" sz="3200" spc="-1" strike="noStrike">
-              <a:solidFill>
-                <a:srgbClr val="000000"/>
-              </a:solidFill>
-              <a:uFill>
-                <a:solidFill>
-                  <a:srgbClr val="ffffff"/>
+          <a:bodyPr lIns="0" tIns="0" rIns="0" bIns="0"/>
+          <a:lstStyle/>
+          <a:p>
+            <a:endParaRPr lang="en-GB" sz="3200" b="0" strike="noStrike" spc="-1">
+              <a:solidFill>
+                <a:srgbClr val="000000"/>
+              </a:solidFill>
+              <a:uFill>
+                <a:solidFill>
+                  <a:srgbClr val="FFFFFF"/>
                 </a:solidFill>
               </a:uFill>
               <a:latin typeface="Arial"/>
@@ -954,15 +1152,16 @@
           </a:prstGeom>
         </p:spPr>
         <p:txBody>
-          <a:bodyPr lIns="0" rIns="0" tIns="0" bIns="0"/>
-          <a:p>
-            <a:endParaRPr b="0" lang="en-GB" sz="3200" spc="-1" strike="noStrike">
-              <a:solidFill>
-                <a:srgbClr val="000000"/>
-              </a:solidFill>
-              <a:uFill>
-                <a:solidFill>
-                  <a:srgbClr val="ffffff"/>
+          <a:bodyPr lIns="0" tIns="0" rIns="0" bIns="0"/>
+          <a:lstStyle/>
+          <a:p>
+            <a:endParaRPr lang="en-GB" sz="3200" b="0" strike="noStrike" spc="-1">
+              <a:solidFill>
+                <a:srgbClr val="000000"/>
+              </a:solidFill>
+              <a:uFill>
+                <a:solidFill>
+                  <a:srgbClr val="FFFFFF"/>
                 </a:solidFill>
               </a:uFill>
               <a:latin typeface="Arial"/>
@@ -990,15 +1189,16 @@
           </a:prstGeom>
         </p:spPr>
         <p:txBody>
-          <a:bodyPr lIns="0" rIns="0" tIns="0" bIns="0"/>
-          <a:p>
-            <a:endParaRPr b="0" lang="en-GB" sz="3200" spc="-1" strike="noStrike">
-              <a:solidFill>
-                <a:srgbClr val="000000"/>
-              </a:solidFill>
-              <a:uFill>
-                <a:solidFill>
-                  <a:srgbClr val="ffffff"/>
+          <a:bodyPr lIns="0" tIns="0" rIns="0" bIns="0"/>
+          <a:lstStyle/>
+          <a:p>
+            <a:endParaRPr lang="en-GB" sz="3200" b="0" strike="noStrike" spc="-1">
+              <a:solidFill>
+                <a:srgbClr val="000000"/>
+              </a:solidFill>
+              <a:uFill>
+                <a:solidFill>
+                  <a:srgbClr val="FFFFFF"/>
                 </a:solidFill>
               </a:uFill>
               <a:latin typeface="Arial"/>
@@ -1008,11 +1208,14 @@
       </p:sp>
     </p:spTree>
   </p:cSld>
+  <p:clrMapOvr>
+    <a:masterClrMapping/>
+  </p:clrMapOvr>
 </p:sldLayout>
 </file>
 
 <file path=ppt/slideLayouts/slideLayout12.xml><?xml version="1.0" encoding="utf-8"?>
-<p:sldLayout xmlns:a="http://schemas.openxmlformats.org/drawingml/2006/main" xmlns:p="http://schemas.openxmlformats.org/presentationml/2006/main" xmlns:r="http://schemas.openxmlformats.org/officeDocument/2006/relationships" xmlns:p14="http://schemas.microsoft.com/office/powerpoint/2010/main" xmlns:p15="http://schemas.microsoft.com/office/powerpoint/2012/main" xmlns:mc="http://schemas.openxmlformats.org/markup-compatibility/2006" type="blank" preserve="1">
+<p:sldLayout xmlns:a="http://schemas.openxmlformats.org/drawingml/2006/main" xmlns:r="http://schemas.openxmlformats.org/officeDocument/2006/relationships" xmlns:p="http://schemas.openxmlformats.org/presentationml/2006/main" type="blank" preserve="1">
   <p:cSld name="Title, 6 Content">
     <p:spTree>
       <p:nvGrpSpPr>
@@ -1048,16 +1251,17 @@
           </a:prstGeom>
         </p:spPr>
         <p:txBody>
-          <a:bodyPr lIns="0" rIns="0" tIns="0" bIns="0" anchor="ctr"/>
+          <a:bodyPr lIns="0" tIns="0" rIns="0" bIns="0" anchor="ctr"/>
+          <a:lstStyle/>
           <a:p>
             <a:pPr algn="ctr"/>
-            <a:endParaRPr b="0" lang="en-GB" sz="4400" spc="-1" strike="noStrike">
-              <a:solidFill>
-                <a:srgbClr val="000000"/>
-              </a:solidFill>
-              <a:uFill>
-                <a:solidFill>
-                  <a:srgbClr val="ffffff"/>
+            <a:endParaRPr lang="en-GB" sz="4400" b="0" strike="noStrike" spc="-1">
+              <a:solidFill>
+                <a:srgbClr val="000000"/>
+              </a:solidFill>
+              <a:uFill>
+                <a:solidFill>
+                  <a:srgbClr val="FFFFFF"/>
                 </a:solidFill>
               </a:uFill>
               <a:latin typeface="Arial"/>
@@ -1085,15 +1289,16 @@
           </a:prstGeom>
         </p:spPr>
         <p:txBody>
-          <a:bodyPr lIns="0" rIns="0" tIns="0" bIns="0"/>
-          <a:p>
-            <a:endParaRPr b="0" lang="en-GB" sz="3200" spc="-1" strike="noStrike">
-              <a:solidFill>
-                <a:srgbClr val="000000"/>
-              </a:solidFill>
-              <a:uFill>
-                <a:solidFill>
-                  <a:srgbClr val="ffffff"/>
+          <a:bodyPr lIns="0" tIns="0" rIns="0" bIns="0"/>
+          <a:lstStyle/>
+          <a:p>
+            <a:endParaRPr lang="en-GB" sz="3200" b="0" strike="noStrike" spc="-1">
+              <a:solidFill>
+                <a:srgbClr val="000000"/>
+              </a:solidFill>
+              <a:uFill>
+                <a:solidFill>
+                  <a:srgbClr val="FFFFFF"/>
                 </a:solidFill>
               </a:uFill>
               <a:latin typeface="Arial"/>
@@ -1121,15 +1326,16 @@
           </a:prstGeom>
         </p:spPr>
         <p:txBody>
-          <a:bodyPr lIns="0" rIns="0" tIns="0" bIns="0"/>
-          <a:p>
-            <a:endParaRPr b="0" lang="en-GB" sz="3200" spc="-1" strike="noStrike">
-              <a:solidFill>
-                <a:srgbClr val="000000"/>
-              </a:solidFill>
-              <a:uFill>
-                <a:solidFill>
-                  <a:srgbClr val="ffffff"/>
+          <a:bodyPr lIns="0" tIns="0" rIns="0" bIns="0"/>
+          <a:lstStyle/>
+          <a:p>
+            <a:endParaRPr lang="en-GB" sz="3200" b="0" strike="noStrike" spc="-1">
+              <a:solidFill>
+                <a:srgbClr val="000000"/>
+              </a:solidFill>
+              <a:uFill>
+                <a:solidFill>
+                  <a:srgbClr val="FFFFFF"/>
                 </a:solidFill>
               </a:uFill>
               <a:latin typeface="Arial"/>
@@ -1139,7 +1345,7 @@
       </p:sp>
       <p:pic>
         <p:nvPicPr>
-          <p:cNvPr id="34" name="" descr=""/>
+          <p:cNvPr id="34" name="Picture 33"/>
           <p:cNvPicPr/>
           <p:nvPr/>
         </p:nvPicPr>
@@ -1162,12 +1368,12 @@
       </p:pic>
       <p:pic>
         <p:nvPicPr>
-          <p:cNvPr id="35" name="" descr=""/>
+          <p:cNvPr id="35" name="Picture 34"/>
           <p:cNvPicPr/>
           <p:nvPr/>
         </p:nvPicPr>
         <p:blipFill>
-          <a:blip r:embed="rId3"/>
+          <a:blip r:embed="rId2"/>
           <a:stretch/>
         </p:blipFill>
         <p:spPr>
@@ -1185,11 +1391,14 @@
       </p:pic>
     </p:spTree>
   </p:cSld>
+  <p:clrMapOvr>
+    <a:masterClrMapping/>
+  </p:clrMapOvr>
 </p:sldLayout>
 </file>
 
 <file path=ppt/slideLayouts/slideLayout13.xml><?xml version="1.0" encoding="utf-8"?>
-<p:sldLayout xmlns:a="http://schemas.openxmlformats.org/drawingml/2006/main" xmlns:p="http://schemas.openxmlformats.org/presentationml/2006/main" xmlns:r="http://schemas.openxmlformats.org/officeDocument/2006/relationships" xmlns:p14="http://schemas.microsoft.com/office/powerpoint/2010/main" xmlns:p15="http://schemas.microsoft.com/office/powerpoint/2012/main" xmlns:mc="http://schemas.openxmlformats.org/markup-compatibility/2006" type="blank" preserve="1">
+<p:sldLayout xmlns:a="http://schemas.openxmlformats.org/drawingml/2006/main" xmlns:r="http://schemas.openxmlformats.org/officeDocument/2006/relationships" xmlns:p="http://schemas.openxmlformats.org/presentationml/2006/main" type="blank" preserve="1">
   <p:cSld name="Blank Slide">
     <p:spTree>
       <p:nvGrpSpPr>
@@ -1207,11 +1416,14 @@
       </p:grpSpPr>
     </p:spTree>
   </p:cSld>
+  <p:clrMapOvr>
+    <a:masterClrMapping/>
+  </p:clrMapOvr>
 </p:sldLayout>
 </file>
 
 <file path=ppt/slideLayouts/slideLayout14.xml><?xml version="1.0" encoding="utf-8"?>
-<p:sldLayout xmlns:a="http://schemas.openxmlformats.org/drawingml/2006/main" xmlns:p="http://schemas.openxmlformats.org/presentationml/2006/main" xmlns:r="http://schemas.openxmlformats.org/officeDocument/2006/relationships" xmlns:p14="http://schemas.microsoft.com/office/powerpoint/2010/main" xmlns:p15="http://schemas.microsoft.com/office/powerpoint/2012/main" xmlns:mc="http://schemas.openxmlformats.org/markup-compatibility/2006" type="tx" preserve="1">
+<p:sldLayout xmlns:a="http://schemas.openxmlformats.org/drawingml/2006/main" xmlns:r="http://schemas.openxmlformats.org/officeDocument/2006/relationships" xmlns:p="http://schemas.openxmlformats.org/presentationml/2006/main" type="tx" preserve="1">
   <p:cSld name="Title Slide">
     <p:spTree>
       <p:nvGrpSpPr>
@@ -1247,16 +1459,17 @@
           </a:prstGeom>
         </p:spPr>
         <p:txBody>
-          <a:bodyPr lIns="0" rIns="0" tIns="0" bIns="0" anchor="ctr"/>
+          <a:bodyPr lIns="0" tIns="0" rIns="0" bIns="0" anchor="ctr"/>
+          <a:lstStyle/>
           <a:p>
             <a:pPr algn="ctr"/>
-            <a:endParaRPr b="0" lang="en-GB" sz="4400" spc="-1" strike="noStrike">
-              <a:solidFill>
-                <a:srgbClr val="000000"/>
-              </a:solidFill>
-              <a:uFill>
-                <a:solidFill>
-                  <a:srgbClr val="ffffff"/>
+            <a:endParaRPr lang="en-GB" sz="4400" b="0" strike="noStrike" spc="-1">
+              <a:solidFill>
+                <a:srgbClr val="000000"/>
+              </a:solidFill>
+              <a:uFill>
+                <a:solidFill>
+                  <a:srgbClr val="FFFFFF"/>
                 </a:solidFill>
               </a:uFill>
               <a:latin typeface="Arial"/>
@@ -1284,16 +1497,17 @@
           </a:prstGeom>
         </p:spPr>
         <p:txBody>
-          <a:bodyPr lIns="0" rIns="0" tIns="0" bIns="0" anchor="ctr"/>
+          <a:bodyPr lIns="0" tIns="0" rIns="0" bIns="0" anchor="ctr"/>
+          <a:lstStyle/>
           <a:p>
             <a:pPr algn="ctr"/>
-            <a:endParaRPr b="0" lang="en-GB" sz="3200" spc="-1" strike="noStrike">
-              <a:solidFill>
-                <a:srgbClr val="000000"/>
-              </a:solidFill>
-              <a:uFill>
-                <a:solidFill>
-                  <a:srgbClr val="ffffff"/>
+            <a:endParaRPr lang="en-GB" sz="3200" b="0" strike="noStrike" spc="-1">
+              <a:solidFill>
+                <a:srgbClr val="000000"/>
+              </a:solidFill>
+              <a:uFill>
+                <a:solidFill>
+                  <a:srgbClr val="FFFFFF"/>
                 </a:solidFill>
               </a:uFill>
               <a:latin typeface="Arial"/>
@@ -1303,11 +1517,14 @@
       </p:sp>
     </p:spTree>
   </p:cSld>
+  <p:clrMapOvr>
+    <a:masterClrMapping/>
+  </p:clrMapOvr>
 </p:sldLayout>
 </file>
 
 <file path=ppt/slideLayouts/slideLayout15.xml><?xml version="1.0" encoding="utf-8"?>
-<p:sldLayout xmlns:a="http://schemas.openxmlformats.org/drawingml/2006/main" xmlns:p="http://schemas.openxmlformats.org/presentationml/2006/main" xmlns:r="http://schemas.openxmlformats.org/officeDocument/2006/relationships" xmlns:p14="http://schemas.microsoft.com/office/powerpoint/2010/main" xmlns:p15="http://schemas.microsoft.com/office/powerpoint/2012/main" xmlns:mc="http://schemas.openxmlformats.org/markup-compatibility/2006" type="obj" preserve="1">
+<p:sldLayout xmlns:a="http://schemas.openxmlformats.org/drawingml/2006/main" xmlns:r="http://schemas.openxmlformats.org/officeDocument/2006/relationships" xmlns:p="http://schemas.openxmlformats.org/presentationml/2006/main" type="obj" preserve="1">
   <p:cSld name="Title, Content">
     <p:spTree>
       <p:nvGrpSpPr>
@@ -1343,16 +1560,17 @@
           </a:prstGeom>
         </p:spPr>
         <p:txBody>
-          <a:bodyPr lIns="0" rIns="0" tIns="0" bIns="0" anchor="ctr"/>
+          <a:bodyPr lIns="0" tIns="0" rIns="0" bIns="0" anchor="ctr"/>
+          <a:lstStyle/>
           <a:p>
             <a:pPr algn="ctr"/>
-            <a:endParaRPr b="0" lang="en-GB" sz="4400" spc="-1" strike="noStrike">
-              <a:solidFill>
-                <a:srgbClr val="000000"/>
-              </a:solidFill>
-              <a:uFill>
-                <a:solidFill>
-                  <a:srgbClr val="ffffff"/>
+            <a:endParaRPr lang="en-GB" sz="4400" b="0" strike="noStrike" spc="-1">
+              <a:solidFill>
+                <a:srgbClr val="000000"/>
+              </a:solidFill>
+              <a:uFill>
+                <a:solidFill>
+                  <a:srgbClr val="FFFFFF"/>
                 </a:solidFill>
               </a:uFill>
               <a:latin typeface="Arial"/>
@@ -1380,15 +1598,16 @@
           </a:prstGeom>
         </p:spPr>
         <p:txBody>
-          <a:bodyPr lIns="0" rIns="0" tIns="0" bIns="0"/>
-          <a:p>
-            <a:endParaRPr b="0" lang="en-GB" sz="3200" spc="-1" strike="noStrike">
-              <a:solidFill>
-                <a:srgbClr val="000000"/>
-              </a:solidFill>
-              <a:uFill>
-                <a:solidFill>
-                  <a:srgbClr val="ffffff"/>
+          <a:bodyPr lIns="0" tIns="0" rIns="0" bIns="0"/>
+          <a:lstStyle/>
+          <a:p>
+            <a:endParaRPr lang="en-GB" sz="3200" b="0" strike="noStrike" spc="-1">
+              <a:solidFill>
+                <a:srgbClr val="000000"/>
+              </a:solidFill>
+              <a:uFill>
+                <a:solidFill>
+                  <a:srgbClr val="FFFFFF"/>
                 </a:solidFill>
               </a:uFill>
               <a:latin typeface="Arial"/>
@@ -1398,11 +1617,14 @@
       </p:sp>
     </p:spTree>
   </p:cSld>
+  <p:clrMapOvr>
+    <a:masterClrMapping/>
+  </p:clrMapOvr>
 </p:sldLayout>
 </file>
 
 <file path=ppt/slideLayouts/slideLayout16.xml><?xml version="1.0" encoding="utf-8"?>
-<p:sldLayout xmlns:a="http://schemas.openxmlformats.org/drawingml/2006/main" xmlns:p="http://schemas.openxmlformats.org/presentationml/2006/main" xmlns:r="http://schemas.openxmlformats.org/officeDocument/2006/relationships" xmlns:p14="http://schemas.microsoft.com/office/powerpoint/2010/main" xmlns:p15="http://schemas.microsoft.com/office/powerpoint/2012/main" xmlns:mc="http://schemas.openxmlformats.org/markup-compatibility/2006" type="twoObj" preserve="1">
+<p:sldLayout xmlns:a="http://schemas.openxmlformats.org/drawingml/2006/main" xmlns:r="http://schemas.openxmlformats.org/officeDocument/2006/relationships" xmlns:p="http://schemas.openxmlformats.org/presentationml/2006/main" type="twoObj" preserve="1">
   <p:cSld name="Title, 2 Content">
     <p:spTree>
       <p:nvGrpSpPr>
@@ -1438,16 +1660,17 @@
           </a:prstGeom>
         </p:spPr>
         <p:txBody>
-          <a:bodyPr lIns="0" rIns="0" tIns="0" bIns="0" anchor="ctr"/>
+          <a:bodyPr lIns="0" tIns="0" rIns="0" bIns="0" anchor="ctr"/>
+          <a:lstStyle/>
           <a:p>
             <a:pPr algn="ctr"/>
-            <a:endParaRPr b="0" lang="en-GB" sz="4400" spc="-1" strike="noStrike">
-              <a:solidFill>
-                <a:srgbClr val="000000"/>
-              </a:solidFill>
-              <a:uFill>
-                <a:solidFill>
-                  <a:srgbClr val="ffffff"/>
+            <a:endParaRPr lang="en-GB" sz="4400" b="0" strike="noStrike" spc="-1">
+              <a:solidFill>
+                <a:srgbClr val="000000"/>
+              </a:solidFill>
+              <a:uFill>
+                <a:solidFill>
+                  <a:srgbClr val="FFFFFF"/>
                 </a:solidFill>
               </a:uFill>
               <a:latin typeface="Arial"/>
@@ -1475,15 +1698,16 @@
           </a:prstGeom>
         </p:spPr>
         <p:txBody>
-          <a:bodyPr lIns="0" rIns="0" tIns="0" bIns="0"/>
-          <a:p>
-            <a:endParaRPr b="0" lang="en-GB" sz="3200" spc="-1" strike="noStrike">
-              <a:solidFill>
-                <a:srgbClr val="000000"/>
-              </a:solidFill>
-              <a:uFill>
-                <a:solidFill>
-                  <a:srgbClr val="ffffff"/>
+          <a:bodyPr lIns="0" tIns="0" rIns="0" bIns="0"/>
+          <a:lstStyle/>
+          <a:p>
+            <a:endParaRPr lang="en-GB" sz="3200" b="0" strike="noStrike" spc="-1">
+              <a:solidFill>
+                <a:srgbClr val="000000"/>
+              </a:solidFill>
+              <a:uFill>
+                <a:solidFill>
+                  <a:srgbClr val="FFFFFF"/>
                 </a:solidFill>
               </a:uFill>
               <a:latin typeface="Arial"/>
@@ -1511,15 +1735,16 @@
           </a:prstGeom>
         </p:spPr>
         <p:txBody>
-          <a:bodyPr lIns="0" rIns="0" tIns="0" bIns="0"/>
-          <a:p>
-            <a:endParaRPr b="0" lang="en-GB" sz="3200" spc="-1" strike="noStrike">
-              <a:solidFill>
-                <a:srgbClr val="000000"/>
-              </a:solidFill>
-              <a:uFill>
-                <a:solidFill>
-                  <a:srgbClr val="ffffff"/>
+          <a:bodyPr lIns="0" tIns="0" rIns="0" bIns="0"/>
+          <a:lstStyle/>
+          <a:p>
+            <a:endParaRPr lang="en-GB" sz="3200" b="0" strike="noStrike" spc="-1">
+              <a:solidFill>
+                <a:srgbClr val="000000"/>
+              </a:solidFill>
+              <a:uFill>
+                <a:solidFill>
+                  <a:srgbClr val="FFFFFF"/>
                 </a:solidFill>
               </a:uFill>
               <a:latin typeface="Arial"/>
@@ -1529,11 +1754,14 @@
       </p:sp>
     </p:spTree>
   </p:cSld>
+  <p:clrMapOvr>
+    <a:masterClrMapping/>
+  </p:clrMapOvr>
 </p:sldLayout>
 </file>
 
 <file path=ppt/slideLayouts/slideLayout17.xml><?xml version="1.0" encoding="utf-8"?>
-<p:sldLayout xmlns:a="http://schemas.openxmlformats.org/drawingml/2006/main" xmlns:p="http://schemas.openxmlformats.org/presentationml/2006/main" xmlns:r="http://schemas.openxmlformats.org/officeDocument/2006/relationships" xmlns:p14="http://schemas.microsoft.com/office/powerpoint/2010/main" xmlns:p15="http://schemas.microsoft.com/office/powerpoint/2012/main" xmlns:mc="http://schemas.openxmlformats.org/markup-compatibility/2006" type="titleOnly" preserve="1">
+<p:sldLayout xmlns:a="http://schemas.openxmlformats.org/drawingml/2006/main" xmlns:r="http://schemas.openxmlformats.org/officeDocument/2006/relationships" xmlns:p="http://schemas.openxmlformats.org/presentationml/2006/main" type="titleOnly" preserve="1">
   <p:cSld name="Title Only">
     <p:spTree>
       <p:nvGrpSpPr>
@@ -1569,16 +1797,17 @@
           </a:prstGeom>
         </p:spPr>
         <p:txBody>
-          <a:bodyPr lIns="0" rIns="0" tIns="0" bIns="0" anchor="ctr"/>
+          <a:bodyPr lIns="0" tIns="0" rIns="0" bIns="0" anchor="ctr"/>
+          <a:lstStyle/>
           <a:p>
             <a:pPr algn="ctr"/>
-            <a:endParaRPr b="0" lang="en-GB" sz="4400" spc="-1" strike="noStrike">
-              <a:solidFill>
-                <a:srgbClr val="000000"/>
-              </a:solidFill>
-              <a:uFill>
-                <a:solidFill>
-                  <a:srgbClr val="ffffff"/>
+            <a:endParaRPr lang="en-GB" sz="4400" b="0" strike="noStrike" spc="-1">
+              <a:solidFill>
+                <a:srgbClr val="000000"/>
+              </a:solidFill>
+              <a:uFill>
+                <a:solidFill>
+                  <a:srgbClr val="FFFFFF"/>
                 </a:solidFill>
               </a:uFill>
               <a:latin typeface="Arial"/>
@@ -1588,11 +1817,14 @@
       </p:sp>
     </p:spTree>
   </p:cSld>
+  <p:clrMapOvr>
+    <a:masterClrMapping/>
+  </p:clrMapOvr>
 </p:sldLayout>
 </file>
 
 <file path=ppt/slideLayouts/slideLayout18.xml><?xml version="1.0" encoding="utf-8"?>
-<p:sldLayout xmlns:a="http://schemas.openxmlformats.org/drawingml/2006/main" xmlns:p="http://schemas.openxmlformats.org/presentationml/2006/main" xmlns:r="http://schemas.openxmlformats.org/officeDocument/2006/relationships" xmlns:p14="http://schemas.microsoft.com/office/powerpoint/2010/main" xmlns:p15="http://schemas.microsoft.com/office/powerpoint/2012/main" xmlns:mc="http://schemas.openxmlformats.org/markup-compatibility/2006" type="objOnly" preserve="1">
+<p:sldLayout xmlns:a="http://schemas.openxmlformats.org/drawingml/2006/main" xmlns:r="http://schemas.openxmlformats.org/officeDocument/2006/relationships" xmlns:p="http://schemas.openxmlformats.org/presentationml/2006/main" type="objOnly" preserve="1">
   <p:cSld name="Centered Text">
     <p:spTree>
       <p:nvGrpSpPr>
@@ -1628,16 +1860,17 @@
           </a:prstGeom>
         </p:spPr>
         <p:txBody>
-          <a:bodyPr lIns="0" rIns="0" tIns="0" bIns="0" anchor="ctr"/>
+          <a:bodyPr lIns="0" tIns="0" rIns="0" bIns="0" anchor="ctr"/>
+          <a:lstStyle/>
           <a:p>
             <a:pPr algn="ctr"/>
-            <a:endParaRPr b="0" lang="en-GB" sz="3200" spc="-1" strike="noStrike">
-              <a:solidFill>
-                <a:srgbClr val="000000"/>
-              </a:solidFill>
-              <a:uFill>
-                <a:solidFill>
-                  <a:srgbClr val="ffffff"/>
+            <a:endParaRPr lang="en-GB" sz="3200" b="0" strike="noStrike" spc="-1">
+              <a:solidFill>
+                <a:srgbClr val="000000"/>
+              </a:solidFill>
+              <a:uFill>
+                <a:solidFill>
+                  <a:srgbClr val="FFFFFF"/>
                 </a:solidFill>
               </a:uFill>
               <a:latin typeface="Arial"/>
@@ -1647,11 +1880,14 @@
       </p:sp>
     </p:spTree>
   </p:cSld>
+  <p:clrMapOvr>
+    <a:masterClrMapping/>
+  </p:clrMapOvr>
 </p:sldLayout>
 </file>
 
 <file path=ppt/slideLayouts/slideLayout19.xml><?xml version="1.0" encoding="utf-8"?>
-<p:sldLayout xmlns:a="http://schemas.openxmlformats.org/drawingml/2006/main" xmlns:p="http://schemas.openxmlformats.org/presentationml/2006/main" xmlns:r="http://schemas.openxmlformats.org/officeDocument/2006/relationships" xmlns:p14="http://schemas.microsoft.com/office/powerpoint/2010/main" xmlns:p15="http://schemas.microsoft.com/office/powerpoint/2012/main" xmlns:mc="http://schemas.openxmlformats.org/markup-compatibility/2006" type="twoObjAndObj" preserve="1">
+<p:sldLayout xmlns:a="http://schemas.openxmlformats.org/drawingml/2006/main" xmlns:r="http://schemas.openxmlformats.org/officeDocument/2006/relationships" xmlns:p="http://schemas.openxmlformats.org/presentationml/2006/main" type="twoObjAndObj" preserve="1">
   <p:cSld name="Title, 2 Content and Content">
     <p:spTree>
       <p:nvGrpSpPr>
@@ -1687,16 +1923,17 @@
           </a:prstGeom>
         </p:spPr>
         <p:txBody>
-          <a:bodyPr lIns="0" rIns="0" tIns="0" bIns="0" anchor="ctr"/>
+          <a:bodyPr lIns="0" tIns="0" rIns="0" bIns="0" anchor="ctr"/>
+          <a:lstStyle/>
           <a:p>
             <a:pPr algn="ctr"/>
-            <a:endParaRPr b="0" lang="en-GB" sz="4400" spc="-1" strike="noStrike">
-              <a:solidFill>
-                <a:srgbClr val="000000"/>
-              </a:solidFill>
-              <a:uFill>
-                <a:solidFill>
-                  <a:srgbClr val="ffffff"/>
+            <a:endParaRPr lang="en-GB" sz="4400" b="0" strike="noStrike" spc="-1">
+              <a:solidFill>
+                <a:srgbClr val="000000"/>
+              </a:solidFill>
+              <a:uFill>
+                <a:solidFill>
+                  <a:srgbClr val="FFFFFF"/>
                 </a:solidFill>
               </a:uFill>
               <a:latin typeface="Arial"/>
@@ -1724,15 +1961,16 @@
           </a:prstGeom>
         </p:spPr>
         <p:txBody>
-          <a:bodyPr lIns="0" rIns="0" tIns="0" bIns="0"/>
-          <a:p>
-            <a:endParaRPr b="0" lang="en-GB" sz="3200" spc="-1" strike="noStrike">
-              <a:solidFill>
-                <a:srgbClr val="000000"/>
-              </a:solidFill>
-              <a:uFill>
-                <a:solidFill>
-                  <a:srgbClr val="ffffff"/>
+          <a:bodyPr lIns="0" tIns="0" rIns="0" bIns="0"/>
+          <a:lstStyle/>
+          <a:p>
+            <a:endParaRPr lang="en-GB" sz="3200" b="0" strike="noStrike" spc="-1">
+              <a:solidFill>
+                <a:srgbClr val="000000"/>
+              </a:solidFill>
+              <a:uFill>
+                <a:solidFill>
+                  <a:srgbClr val="FFFFFF"/>
                 </a:solidFill>
               </a:uFill>
               <a:latin typeface="Arial"/>
@@ -1760,15 +1998,16 @@
           </a:prstGeom>
         </p:spPr>
         <p:txBody>
-          <a:bodyPr lIns="0" rIns="0" tIns="0" bIns="0"/>
-          <a:p>
-            <a:endParaRPr b="0" lang="en-GB" sz="3200" spc="-1" strike="noStrike">
-              <a:solidFill>
-                <a:srgbClr val="000000"/>
-              </a:solidFill>
-              <a:uFill>
-                <a:solidFill>
-                  <a:srgbClr val="ffffff"/>
+          <a:bodyPr lIns="0" tIns="0" rIns="0" bIns="0"/>
+          <a:lstStyle/>
+          <a:p>
+            <a:endParaRPr lang="en-GB" sz="3200" b="0" strike="noStrike" spc="-1">
+              <a:solidFill>
+                <a:srgbClr val="000000"/>
+              </a:solidFill>
+              <a:uFill>
+                <a:solidFill>
+                  <a:srgbClr val="FFFFFF"/>
                 </a:solidFill>
               </a:uFill>
               <a:latin typeface="Arial"/>
@@ -1796,15 +2035,16 @@
           </a:prstGeom>
         </p:spPr>
         <p:txBody>
-          <a:bodyPr lIns="0" rIns="0" tIns="0" bIns="0"/>
-          <a:p>
-            <a:endParaRPr b="0" lang="en-GB" sz="3200" spc="-1" strike="noStrike">
-              <a:solidFill>
-                <a:srgbClr val="000000"/>
-              </a:solidFill>
-              <a:uFill>
-                <a:solidFill>
-                  <a:srgbClr val="ffffff"/>
+          <a:bodyPr lIns="0" tIns="0" rIns="0" bIns="0"/>
+          <a:lstStyle/>
+          <a:p>
+            <a:endParaRPr lang="en-GB" sz="3200" b="0" strike="noStrike" spc="-1">
+              <a:solidFill>
+                <a:srgbClr val="000000"/>
+              </a:solidFill>
+              <a:uFill>
+                <a:solidFill>
+                  <a:srgbClr val="FFFFFF"/>
                 </a:solidFill>
               </a:uFill>
               <a:latin typeface="Arial"/>
@@ -1814,11 +2054,14 @@
       </p:sp>
     </p:spTree>
   </p:cSld>
+  <p:clrMapOvr>
+    <a:masterClrMapping/>
+  </p:clrMapOvr>
 </p:sldLayout>
 </file>
 
 <file path=ppt/slideLayouts/slideLayout2.xml><?xml version="1.0" encoding="utf-8"?>
-<p:sldLayout xmlns:a="http://schemas.openxmlformats.org/drawingml/2006/main" xmlns:p="http://schemas.openxmlformats.org/presentationml/2006/main" xmlns:r="http://schemas.openxmlformats.org/officeDocument/2006/relationships" xmlns:p14="http://schemas.microsoft.com/office/powerpoint/2010/main" xmlns:p15="http://schemas.microsoft.com/office/powerpoint/2012/main" xmlns:mc="http://schemas.openxmlformats.org/markup-compatibility/2006" type="tx" preserve="1">
+<p:sldLayout xmlns:a="http://schemas.openxmlformats.org/drawingml/2006/main" xmlns:r="http://schemas.openxmlformats.org/officeDocument/2006/relationships" xmlns:p="http://schemas.openxmlformats.org/presentationml/2006/main" type="tx" preserve="1">
   <p:cSld name="Title Slide">
     <p:spTree>
       <p:nvGrpSpPr>
@@ -1854,16 +2097,17 @@
           </a:prstGeom>
         </p:spPr>
         <p:txBody>
-          <a:bodyPr lIns="0" rIns="0" tIns="0" bIns="0" anchor="ctr"/>
+          <a:bodyPr lIns="0" tIns="0" rIns="0" bIns="0" anchor="ctr"/>
+          <a:lstStyle/>
           <a:p>
             <a:pPr algn="ctr"/>
-            <a:endParaRPr b="0" lang="en-GB" sz="4400" spc="-1" strike="noStrike">
-              <a:solidFill>
-                <a:srgbClr val="000000"/>
-              </a:solidFill>
-              <a:uFill>
-                <a:solidFill>
-                  <a:srgbClr val="ffffff"/>
+            <a:endParaRPr lang="en-GB" sz="4400" b="0" strike="noStrike" spc="-1">
+              <a:solidFill>
+                <a:srgbClr val="000000"/>
+              </a:solidFill>
+              <a:uFill>
+                <a:solidFill>
+                  <a:srgbClr val="FFFFFF"/>
                 </a:solidFill>
               </a:uFill>
               <a:latin typeface="Arial"/>
@@ -1891,16 +2135,17 @@
           </a:prstGeom>
         </p:spPr>
         <p:txBody>
-          <a:bodyPr lIns="0" rIns="0" tIns="0" bIns="0" anchor="ctr"/>
+          <a:bodyPr lIns="0" tIns="0" rIns="0" bIns="0" anchor="ctr"/>
+          <a:lstStyle/>
           <a:p>
             <a:pPr algn="ctr"/>
-            <a:endParaRPr b="0" lang="en-GB" sz="3200" spc="-1" strike="noStrike">
-              <a:solidFill>
-                <a:srgbClr val="000000"/>
-              </a:solidFill>
-              <a:uFill>
-                <a:solidFill>
-                  <a:srgbClr val="ffffff"/>
+            <a:endParaRPr lang="en-GB" sz="3200" b="0" strike="noStrike" spc="-1">
+              <a:solidFill>
+                <a:srgbClr val="000000"/>
+              </a:solidFill>
+              <a:uFill>
+                <a:solidFill>
+                  <a:srgbClr val="FFFFFF"/>
                 </a:solidFill>
               </a:uFill>
               <a:latin typeface="Arial"/>
@@ -1910,11 +2155,14 @@
       </p:sp>
     </p:spTree>
   </p:cSld>
+  <p:clrMapOvr>
+    <a:masterClrMapping/>
+  </p:clrMapOvr>
 </p:sldLayout>
 </file>
 
 <file path=ppt/slideLayouts/slideLayout20.xml><?xml version="1.0" encoding="utf-8"?>
-<p:sldLayout xmlns:a="http://schemas.openxmlformats.org/drawingml/2006/main" xmlns:p="http://schemas.openxmlformats.org/presentationml/2006/main" xmlns:r="http://schemas.openxmlformats.org/officeDocument/2006/relationships" xmlns:p14="http://schemas.microsoft.com/office/powerpoint/2010/main" xmlns:p15="http://schemas.microsoft.com/office/powerpoint/2012/main" xmlns:mc="http://schemas.openxmlformats.org/markup-compatibility/2006" type="objAndTwoObj" preserve="1">
+<p:sldLayout xmlns:a="http://schemas.openxmlformats.org/drawingml/2006/main" xmlns:r="http://schemas.openxmlformats.org/officeDocument/2006/relationships" xmlns:p="http://schemas.openxmlformats.org/presentationml/2006/main" type="objAndTwoObj" preserve="1">
   <p:cSld name="Title Content and 2 Content">
     <p:spTree>
       <p:nvGrpSpPr>
@@ -1950,16 +2198,17 @@
           </a:prstGeom>
         </p:spPr>
         <p:txBody>
-          <a:bodyPr lIns="0" rIns="0" tIns="0" bIns="0" anchor="ctr"/>
+          <a:bodyPr lIns="0" tIns="0" rIns="0" bIns="0" anchor="ctr"/>
+          <a:lstStyle/>
           <a:p>
             <a:pPr algn="ctr"/>
-            <a:endParaRPr b="0" lang="en-GB" sz="4400" spc="-1" strike="noStrike">
-              <a:solidFill>
-                <a:srgbClr val="000000"/>
-              </a:solidFill>
-              <a:uFill>
-                <a:solidFill>
-                  <a:srgbClr val="ffffff"/>
+            <a:endParaRPr lang="en-GB" sz="4400" b="0" strike="noStrike" spc="-1">
+              <a:solidFill>
+                <a:srgbClr val="000000"/>
+              </a:solidFill>
+              <a:uFill>
+                <a:solidFill>
+                  <a:srgbClr val="FFFFFF"/>
                 </a:solidFill>
               </a:uFill>
               <a:latin typeface="Arial"/>
@@ -1987,15 +2236,16 @@
           </a:prstGeom>
         </p:spPr>
         <p:txBody>
-          <a:bodyPr lIns="0" rIns="0" tIns="0" bIns="0"/>
-          <a:p>
-            <a:endParaRPr b="0" lang="en-GB" sz="3200" spc="-1" strike="noStrike">
-              <a:solidFill>
-                <a:srgbClr val="000000"/>
-              </a:solidFill>
-              <a:uFill>
-                <a:solidFill>
-                  <a:srgbClr val="ffffff"/>
+          <a:bodyPr lIns="0" tIns="0" rIns="0" bIns="0"/>
+          <a:lstStyle/>
+          <a:p>
+            <a:endParaRPr lang="en-GB" sz="3200" b="0" strike="noStrike" spc="-1">
+              <a:solidFill>
+                <a:srgbClr val="000000"/>
+              </a:solidFill>
+              <a:uFill>
+                <a:solidFill>
+                  <a:srgbClr val="FFFFFF"/>
                 </a:solidFill>
               </a:uFill>
               <a:latin typeface="Arial"/>
@@ -2023,15 +2273,16 @@
           </a:prstGeom>
         </p:spPr>
         <p:txBody>
-          <a:bodyPr lIns="0" rIns="0" tIns="0" bIns="0"/>
-          <a:p>
-            <a:endParaRPr b="0" lang="en-GB" sz="3200" spc="-1" strike="noStrike">
-              <a:solidFill>
-                <a:srgbClr val="000000"/>
-              </a:solidFill>
-              <a:uFill>
-                <a:solidFill>
-                  <a:srgbClr val="ffffff"/>
+          <a:bodyPr lIns="0" tIns="0" rIns="0" bIns="0"/>
+          <a:lstStyle/>
+          <a:p>
+            <a:endParaRPr lang="en-GB" sz="3200" b="0" strike="noStrike" spc="-1">
+              <a:solidFill>
+                <a:srgbClr val="000000"/>
+              </a:solidFill>
+              <a:uFill>
+                <a:solidFill>
+                  <a:srgbClr val="FFFFFF"/>
                 </a:solidFill>
               </a:uFill>
               <a:latin typeface="Arial"/>
@@ -2059,15 +2310,16 @@
           </a:prstGeom>
         </p:spPr>
         <p:txBody>
-          <a:bodyPr lIns="0" rIns="0" tIns="0" bIns="0"/>
-          <a:p>
-            <a:endParaRPr b="0" lang="en-GB" sz="3200" spc="-1" strike="noStrike">
-              <a:solidFill>
-                <a:srgbClr val="000000"/>
-              </a:solidFill>
-              <a:uFill>
-                <a:solidFill>
-                  <a:srgbClr val="ffffff"/>
+          <a:bodyPr lIns="0" tIns="0" rIns="0" bIns="0"/>
+          <a:lstStyle/>
+          <a:p>
+            <a:endParaRPr lang="en-GB" sz="3200" b="0" strike="noStrike" spc="-1">
+              <a:solidFill>
+                <a:srgbClr val="000000"/>
+              </a:solidFill>
+              <a:uFill>
+                <a:solidFill>
+                  <a:srgbClr val="FFFFFF"/>
                 </a:solidFill>
               </a:uFill>
               <a:latin typeface="Arial"/>
@@ -2077,11 +2329,14 @@
       </p:sp>
     </p:spTree>
   </p:cSld>
+  <p:clrMapOvr>
+    <a:masterClrMapping/>
+  </p:clrMapOvr>
 </p:sldLayout>
 </file>
 
 <file path=ppt/slideLayouts/slideLayout21.xml><?xml version="1.0" encoding="utf-8"?>
-<p:sldLayout xmlns:a="http://schemas.openxmlformats.org/drawingml/2006/main" xmlns:p="http://schemas.openxmlformats.org/presentationml/2006/main" xmlns:r="http://schemas.openxmlformats.org/officeDocument/2006/relationships" xmlns:p14="http://schemas.microsoft.com/office/powerpoint/2010/main" xmlns:p15="http://schemas.microsoft.com/office/powerpoint/2012/main" xmlns:mc="http://schemas.openxmlformats.org/markup-compatibility/2006" type="twoObjOverTx" preserve="1">
+<p:sldLayout xmlns:a="http://schemas.openxmlformats.org/drawingml/2006/main" xmlns:r="http://schemas.openxmlformats.org/officeDocument/2006/relationships" xmlns:p="http://schemas.openxmlformats.org/presentationml/2006/main" type="twoObjOverTx" preserve="1">
   <p:cSld name="Title, 2 Content over Content">
     <p:spTree>
       <p:nvGrpSpPr>
@@ -2117,16 +2372,17 @@
           </a:prstGeom>
         </p:spPr>
         <p:txBody>
-          <a:bodyPr lIns="0" rIns="0" tIns="0" bIns="0" anchor="ctr"/>
+          <a:bodyPr lIns="0" tIns="0" rIns="0" bIns="0" anchor="ctr"/>
+          <a:lstStyle/>
           <a:p>
             <a:pPr algn="ctr"/>
-            <a:endParaRPr b="0" lang="en-GB" sz="4400" spc="-1" strike="noStrike">
-              <a:solidFill>
-                <a:srgbClr val="000000"/>
-              </a:solidFill>
-              <a:uFill>
-                <a:solidFill>
-                  <a:srgbClr val="ffffff"/>
+            <a:endParaRPr lang="en-GB" sz="4400" b="0" strike="noStrike" spc="-1">
+              <a:solidFill>
+                <a:srgbClr val="000000"/>
+              </a:solidFill>
+              <a:uFill>
+                <a:solidFill>
+                  <a:srgbClr val="FFFFFF"/>
                 </a:solidFill>
               </a:uFill>
               <a:latin typeface="Arial"/>
@@ -2154,15 +2410,16 @@
           </a:prstGeom>
         </p:spPr>
         <p:txBody>
-          <a:bodyPr lIns="0" rIns="0" tIns="0" bIns="0"/>
-          <a:p>
-            <a:endParaRPr b="0" lang="en-GB" sz="3200" spc="-1" strike="noStrike">
-              <a:solidFill>
-                <a:srgbClr val="000000"/>
-              </a:solidFill>
-              <a:uFill>
-                <a:solidFill>
-                  <a:srgbClr val="ffffff"/>
+          <a:bodyPr lIns="0" tIns="0" rIns="0" bIns="0"/>
+          <a:lstStyle/>
+          <a:p>
+            <a:endParaRPr lang="en-GB" sz="3200" b="0" strike="noStrike" spc="-1">
+              <a:solidFill>
+                <a:srgbClr val="000000"/>
+              </a:solidFill>
+              <a:uFill>
+                <a:solidFill>
+                  <a:srgbClr val="FFFFFF"/>
                 </a:solidFill>
               </a:uFill>
               <a:latin typeface="Arial"/>
@@ -2190,15 +2447,16 @@
           </a:prstGeom>
         </p:spPr>
         <p:txBody>
-          <a:bodyPr lIns="0" rIns="0" tIns="0" bIns="0"/>
-          <a:p>
-            <a:endParaRPr b="0" lang="en-GB" sz="3200" spc="-1" strike="noStrike">
-              <a:solidFill>
-                <a:srgbClr val="000000"/>
-              </a:solidFill>
-              <a:uFill>
-                <a:solidFill>
-                  <a:srgbClr val="ffffff"/>
+          <a:bodyPr lIns="0" tIns="0" rIns="0" bIns="0"/>
+          <a:lstStyle/>
+          <a:p>
+            <a:endParaRPr lang="en-GB" sz="3200" b="0" strike="noStrike" spc="-1">
+              <a:solidFill>
+                <a:srgbClr val="000000"/>
+              </a:solidFill>
+              <a:uFill>
+                <a:solidFill>
+                  <a:srgbClr val="FFFFFF"/>
                 </a:solidFill>
               </a:uFill>
               <a:latin typeface="Arial"/>
@@ -2226,15 +2484,16 @@
           </a:prstGeom>
         </p:spPr>
         <p:txBody>
-          <a:bodyPr lIns="0" rIns="0" tIns="0" bIns="0"/>
-          <a:p>
-            <a:endParaRPr b="0" lang="en-GB" sz="3200" spc="-1" strike="noStrike">
-              <a:solidFill>
-                <a:srgbClr val="000000"/>
-              </a:solidFill>
-              <a:uFill>
-                <a:solidFill>
-                  <a:srgbClr val="ffffff"/>
+          <a:bodyPr lIns="0" tIns="0" rIns="0" bIns="0"/>
+          <a:lstStyle/>
+          <a:p>
+            <a:endParaRPr lang="en-GB" sz="3200" b="0" strike="noStrike" spc="-1">
+              <a:solidFill>
+                <a:srgbClr val="000000"/>
+              </a:solidFill>
+              <a:uFill>
+                <a:solidFill>
+                  <a:srgbClr val="FFFFFF"/>
                 </a:solidFill>
               </a:uFill>
               <a:latin typeface="Arial"/>
@@ -2244,11 +2503,14 @@
       </p:sp>
     </p:spTree>
   </p:cSld>
+  <p:clrMapOvr>
+    <a:masterClrMapping/>
+  </p:clrMapOvr>
 </p:sldLayout>
 </file>
 
 <file path=ppt/slideLayouts/slideLayout22.xml><?xml version="1.0" encoding="utf-8"?>
-<p:sldLayout xmlns:a="http://schemas.openxmlformats.org/drawingml/2006/main" xmlns:p="http://schemas.openxmlformats.org/presentationml/2006/main" xmlns:r="http://schemas.openxmlformats.org/officeDocument/2006/relationships" xmlns:p14="http://schemas.microsoft.com/office/powerpoint/2010/main" xmlns:p15="http://schemas.microsoft.com/office/powerpoint/2012/main" xmlns:mc="http://schemas.openxmlformats.org/markup-compatibility/2006" type="objOverTx" preserve="1">
+<p:sldLayout xmlns:a="http://schemas.openxmlformats.org/drawingml/2006/main" xmlns:r="http://schemas.openxmlformats.org/officeDocument/2006/relationships" xmlns:p="http://schemas.openxmlformats.org/presentationml/2006/main" type="objOverTx" preserve="1">
   <p:cSld name="Title, Content over Content">
     <p:spTree>
       <p:nvGrpSpPr>
@@ -2284,16 +2546,17 @@
           </a:prstGeom>
         </p:spPr>
         <p:txBody>
-          <a:bodyPr lIns="0" rIns="0" tIns="0" bIns="0" anchor="ctr"/>
+          <a:bodyPr lIns="0" tIns="0" rIns="0" bIns="0" anchor="ctr"/>
+          <a:lstStyle/>
           <a:p>
             <a:pPr algn="ctr"/>
-            <a:endParaRPr b="0" lang="en-GB" sz="4400" spc="-1" strike="noStrike">
-              <a:solidFill>
-                <a:srgbClr val="000000"/>
-              </a:solidFill>
-              <a:uFill>
-                <a:solidFill>
-                  <a:srgbClr val="ffffff"/>
+            <a:endParaRPr lang="en-GB" sz="4400" b="0" strike="noStrike" spc="-1">
+              <a:solidFill>
+                <a:srgbClr val="000000"/>
+              </a:solidFill>
+              <a:uFill>
+                <a:solidFill>
+                  <a:srgbClr val="FFFFFF"/>
                 </a:solidFill>
               </a:uFill>
               <a:latin typeface="Arial"/>
@@ -2321,15 +2584,16 @@
           </a:prstGeom>
         </p:spPr>
         <p:txBody>
-          <a:bodyPr lIns="0" rIns="0" tIns="0" bIns="0"/>
-          <a:p>
-            <a:endParaRPr b="0" lang="en-GB" sz="3200" spc="-1" strike="noStrike">
-              <a:solidFill>
-                <a:srgbClr val="000000"/>
-              </a:solidFill>
-              <a:uFill>
-                <a:solidFill>
-                  <a:srgbClr val="ffffff"/>
+          <a:bodyPr lIns="0" tIns="0" rIns="0" bIns="0"/>
+          <a:lstStyle/>
+          <a:p>
+            <a:endParaRPr lang="en-GB" sz="3200" b="0" strike="noStrike" spc="-1">
+              <a:solidFill>
+                <a:srgbClr val="000000"/>
+              </a:solidFill>
+              <a:uFill>
+                <a:solidFill>
+                  <a:srgbClr val="FFFFFF"/>
                 </a:solidFill>
               </a:uFill>
               <a:latin typeface="Arial"/>
@@ -2357,15 +2621,16 @@
           </a:prstGeom>
         </p:spPr>
         <p:txBody>
-          <a:bodyPr lIns="0" rIns="0" tIns="0" bIns="0"/>
-          <a:p>
-            <a:endParaRPr b="0" lang="en-GB" sz="3200" spc="-1" strike="noStrike">
-              <a:solidFill>
-                <a:srgbClr val="000000"/>
-              </a:solidFill>
-              <a:uFill>
-                <a:solidFill>
-                  <a:srgbClr val="ffffff"/>
+          <a:bodyPr lIns="0" tIns="0" rIns="0" bIns="0"/>
+          <a:lstStyle/>
+          <a:p>
+            <a:endParaRPr lang="en-GB" sz="3200" b="0" strike="noStrike" spc="-1">
+              <a:solidFill>
+                <a:srgbClr val="000000"/>
+              </a:solidFill>
+              <a:uFill>
+                <a:solidFill>
+                  <a:srgbClr val="FFFFFF"/>
                 </a:solidFill>
               </a:uFill>
               <a:latin typeface="Arial"/>
@@ -2375,11 +2640,14 @@
       </p:sp>
     </p:spTree>
   </p:cSld>
+  <p:clrMapOvr>
+    <a:masterClrMapping/>
+  </p:clrMapOvr>
 </p:sldLayout>
 </file>
 
 <file path=ppt/slideLayouts/slideLayout23.xml><?xml version="1.0" encoding="utf-8"?>
-<p:sldLayout xmlns:a="http://schemas.openxmlformats.org/drawingml/2006/main" xmlns:p="http://schemas.openxmlformats.org/presentationml/2006/main" xmlns:r="http://schemas.openxmlformats.org/officeDocument/2006/relationships" xmlns:p14="http://schemas.microsoft.com/office/powerpoint/2010/main" xmlns:p15="http://schemas.microsoft.com/office/powerpoint/2012/main" xmlns:mc="http://schemas.openxmlformats.org/markup-compatibility/2006" type="fourObj" preserve="1">
+<p:sldLayout xmlns:a="http://schemas.openxmlformats.org/drawingml/2006/main" xmlns:r="http://schemas.openxmlformats.org/officeDocument/2006/relationships" xmlns:p="http://schemas.openxmlformats.org/presentationml/2006/main" type="fourObj" preserve="1">
   <p:cSld name="Title, 4 Content">
     <p:spTree>
       <p:nvGrpSpPr>
@@ -2415,16 +2683,17 @@
           </a:prstGeom>
         </p:spPr>
         <p:txBody>
-          <a:bodyPr lIns="0" rIns="0" tIns="0" bIns="0" anchor="ctr"/>
+          <a:bodyPr lIns="0" tIns="0" rIns="0" bIns="0" anchor="ctr"/>
+          <a:lstStyle/>
           <a:p>
             <a:pPr algn="ctr"/>
-            <a:endParaRPr b="0" lang="en-GB" sz="4400" spc="-1" strike="noStrike">
-              <a:solidFill>
-                <a:srgbClr val="000000"/>
-              </a:solidFill>
-              <a:uFill>
-                <a:solidFill>
-                  <a:srgbClr val="ffffff"/>
+            <a:endParaRPr lang="en-GB" sz="4400" b="0" strike="noStrike" spc="-1">
+              <a:solidFill>
+                <a:srgbClr val="000000"/>
+              </a:solidFill>
+              <a:uFill>
+                <a:solidFill>
+                  <a:srgbClr val="FFFFFF"/>
                 </a:solidFill>
               </a:uFill>
               <a:latin typeface="Arial"/>
@@ -2452,15 +2721,16 @@
           </a:prstGeom>
         </p:spPr>
         <p:txBody>
-          <a:bodyPr lIns="0" rIns="0" tIns="0" bIns="0"/>
-          <a:p>
-            <a:endParaRPr b="0" lang="en-GB" sz="3200" spc="-1" strike="noStrike">
-              <a:solidFill>
-                <a:srgbClr val="000000"/>
-              </a:solidFill>
-              <a:uFill>
-                <a:solidFill>
-                  <a:srgbClr val="ffffff"/>
+          <a:bodyPr lIns="0" tIns="0" rIns="0" bIns="0"/>
+          <a:lstStyle/>
+          <a:p>
+            <a:endParaRPr lang="en-GB" sz="3200" b="0" strike="noStrike" spc="-1">
+              <a:solidFill>
+                <a:srgbClr val="000000"/>
+              </a:solidFill>
+              <a:uFill>
+                <a:solidFill>
+                  <a:srgbClr val="FFFFFF"/>
                 </a:solidFill>
               </a:uFill>
               <a:latin typeface="Arial"/>
@@ -2488,15 +2758,16 @@
           </a:prstGeom>
         </p:spPr>
         <p:txBody>
-          <a:bodyPr lIns="0" rIns="0" tIns="0" bIns="0"/>
-          <a:p>
-            <a:endParaRPr b="0" lang="en-GB" sz="3200" spc="-1" strike="noStrike">
-              <a:solidFill>
-                <a:srgbClr val="000000"/>
-              </a:solidFill>
-              <a:uFill>
-                <a:solidFill>
-                  <a:srgbClr val="ffffff"/>
+          <a:bodyPr lIns="0" tIns="0" rIns="0" bIns="0"/>
+          <a:lstStyle/>
+          <a:p>
+            <a:endParaRPr lang="en-GB" sz="3200" b="0" strike="noStrike" spc="-1">
+              <a:solidFill>
+                <a:srgbClr val="000000"/>
+              </a:solidFill>
+              <a:uFill>
+                <a:solidFill>
+                  <a:srgbClr val="FFFFFF"/>
                 </a:solidFill>
               </a:uFill>
               <a:latin typeface="Arial"/>
@@ -2524,15 +2795,16 @@
           </a:prstGeom>
         </p:spPr>
         <p:txBody>
-          <a:bodyPr lIns="0" rIns="0" tIns="0" bIns="0"/>
-          <a:p>
-            <a:endParaRPr b="0" lang="en-GB" sz="3200" spc="-1" strike="noStrike">
-              <a:solidFill>
-                <a:srgbClr val="000000"/>
-              </a:solidFill>
-              <a:uFill>
-                <a:solidFill>
-                  <a:srgbClr val="ffffff"/>
+          <a:bodyPr lIns="0" tIns="0" rIns="0" bIns="0"/>
+          <a:lstStyle/>
+          <a:p>
+            <a:endParaRPr lang="en-GB" sz="3200" b="0" strike="noStrike" spc="-1">
+              <a:solidFill>
+                <a:srgbClr val="000000"/>
+              </a:solidFill>
+              <a:uFill>
+                <a:solidFill>
+                  <a:srgbClr val="FFFFFF"/>
                 </a:solidFill>
               </a:uFill>
               <a:latin typeface="Arial"/>
@@ -2560,15 +2832,16 @@
           </a:prstGeom>
         </p:spPr>
         <p:txBody>
-          <a:bodyPr lIns="0" rIns="0" tIns="0" bIns="0"/>
-          <a:p>
-            <a:endParaRPr b="0" lang="en-GB" sz="3200" spc="-1" strike="noStrike">
-              <a:solidFill>
-                <a:srgbClr val="000000"/>
-              </a:solidFill>
-              <a:uFill>
-                <a:solidFill>
-                  <a:srgbClr val="ffffff"/>
+          <a:bodyPr lIns="0" tIns="0" rIns="0" bIns="0"/>
+          <a:lstStyle/>
+          <a:p>
+            <a:endParaRPr lang="en-GB" sz="3200" b="0" strike="noStrike" spc="-1">
+              <a:solidFill>
+                <a:srgbClr val="000000"/>
+              </a:solidFill>
+              <a:uFill>
+                <a:solidFill>
+                  <a:srgbClr val="FFFFFF"/>
                 </a:solidFill>
               </a:uFill>
               <a:latin typeface="Arial"/>
@@ -2578,11 +2851,14 @@
       </p:sp>
     </p:spTree>
   </p:cSld>
+  <p:clrMapOvr>
+    <a:masterClrMapping/>
+  </p:clrMapOvr>
 </p:sldLayout>
 </file>
 
 <file path=ppt/slideLayouts/slideLayout24.xml><?xml version="1.0" encoding="utf-8"?>
-<p:sldLayout xmlns:a="http://schemas.openxmlformats.org/drawingml/2006/main" xmlns:p="http://schemas.openxmlformats.org/presentationml/2006/main" xmlns:r="http://schemas.openxmlformats.org/officeDocument/2006/relationships" xmlns:p14="http://schemas.microsoft.com/office/powerpoint/2010/main" xmlns:p15="http://schemas.microsoft.com/office/powerpoint/2012/main" xmlns:mc="http://schemas.openxmlformats.org/markup-compatibility/2006" type="blank" preserve="1">
+<p:sldLayout xmlns:a="http://schemas.openxmlformats.org/drawingml/2006/main" xmlns:r="http://schemas.openxmlformats.org/officeDocument/2006/relationships" xmlns:p="http://schemas.openxmlformats.org/presentationml/2006/main" type="blank" preserve="1">
   <p:cSld name="Title, 6 Content">
     <p:spTree>
       <p:nvGrpSpPr>
@@ -2618,16 +2894,17 @@
           </a:prstGeom>
         </p:spPr>
         <p:txBody>
-          <a:bodyPr lIns="0" rIns="0" tIns="0" bIns="0" anchor="ctr"/>
+          <a:bodyPr lIns="0" tIns="0" rIns="0" bIns="0" anchor="ctr"/>
+          <a:lstStyle/>
           <a:p>
             <a:pPr algn="ctr"/>
-            <a:endParaRPr b="0" lang="en-GB" sz="4400" spc="-1" strike="noStrike">
-              <a:solidFill>
-                <a:srgbClr val="000000"/>
-              </a:solidFill>
-              <a:uFill>
-                <a:solidFill>
-                  <a:srgbClr val="ffffff"/>
+            <a:endParaRPr lang="en-GB" sz="4400" b="0" strike="noStrike" spc="-1">
+              <a:solidFill>
+                <a:srgbClr val="000000"/>
+              </a:solidFill>
+              <a:uFill>
+                <a:solidFill>
+                  <a:srgbClr val="FFFFFF"/>
                 </a:solidFill>
               </a:uFill>
               <a:latin typeface="Arial"/>
@@ -2655,15 +2932,16 @@
           </a:prstGeom>
         </p:spPr>
         <p:txBody>
-          <a:bodyPr lIns="0" rIns="0" tIns="0" bIns="0"/>
-          <a:p>
-            <a:endParaRPr b="0" lang="en-GB" sz="3200" spc="-1" strike="noStrike">
-              <a:solidFill>
-                <a:srgbClr val="000000"/>
-              </a:solidFill>
-              <a:uFill>
-                <a:solidFill>
-                  <a:srgbClr val="ffffff"/>
+          <a:bodyPr lIns="0" tIns="0" rIns="0" bIns="0"/>
+          <a:lstStyle/>
+          <a:p>
+            <a:endParaRPr lang="en-GB" sz="3200" b="0" strike="noStrike" spc="-1">
+              <a:solidFill>
+                <a:srgbClr val="000000"/>
+              </a:solidFill>
+              <a:uFill>
+                <a:solidFill>
+                  <a:srgbClr val="FFFFFF"/>
                 </a:solidFill>
               </a:uFill>
               <a:latin typeface="Arial"/>
@@ -2691,15 +2969,16 @@
           </a:prstGeom>
         </p:spPr>
         <p:txBody>
-          <a:bodyPr lIns="0" rIns="0" tIns="0" bIns="0"/>
-          <a:p>
-            <a:endParaRPr b="0" lang="en-GB" sz="3200" spc="-1" strike="noStrike">
-              <a:solidFill>
-                <a:srgbClr val="000000"/>
-              </a:solidFill>
-              <a:uFill>
-                <a:solidFill>
-                  <a:srgbClr val="ffffff"/>
+          <a:bodyPr lIns="0" tIns="0" rIns="0" bIns="0"/>
+          <a:lstStyle/>
+          <a:p>
+            <a:endParaRPr lang="en-GB" sz="3200" b="0" strike="noStrike" spc="-1">
+              <a:solidFill>
+                <a:srgbClr val="000000"/>
+              </a:solidFill>
+              <a:uFill>
+                <a:solidFill>
+                  <a:srgbClr val="FFFFFF"/>
                 </a:solidFill>
               </a:uFill>
               <a:latin typeface="Arial"/>
@@ -2709,7 +2988,7 @@
       </p:sp>
       <p:pic>
         <p:nvPicPr>
-          <p:cNvPr id="70" name="" descr=""/>
+          <p:cNvPr id="70" name="Picture 69"/>
           <p:cNvPicPr/>
           <p:nvPr/>
         </p:nvPicPr>
@@ -2732,12 +3011,12 @@
       </p:pic>
       <p:pic>
         <p:nvPicPr>
-          <p:cNvPr id="71" name="" descr=""/>
+          <p:cNvPr id="71" name="Picture 70"/>
           <p:cNvPicPr/>
           <p:nvPr/>
         </p:nvPicPr>
         <p:blipFill>
-          <a:blip r:embed="rId3"/>
+          <a:blip r:embed="rId2"/>
           <a:stretch/>
         </p:blipFill>
         <p:spPr>
@@ -2755,11 +3034,14 @@
       </p:pic>
     </p:spTree>
   </p:cSld>
+  <p:clrMapOvr>
+    <a:masterClrMapping/>
+  </p:clrMapOvr>
 </p:sldLayout>
 </file>
 
 <file path=ppt/slideLayouts/slideLayout25.xml><?xml version="1.0" encoding="utf-8"?>
-<p:sldLayout xmlns:a="http://schemas.openxmlformats.org/drawingml/2006/main" xmlns:p="http://schemas.openxmlformats.org/presentationml/2006/main" xmlns:r="http://schemas.openxmlformats.org/officeDocument/2006/relationships" xmlns:p14="http://schemas.microsoft.com/office/powerpoint/2010/main" xmlns:p15="http://schemas.microsoft.com/office/powerpoint/2012/main" xmlns:mc="http://schemas.openxmlformats.org/markup-compatibility/2006" type="blank" preserve="1">
+<p:sldLayout xmlns:a="http://schemas.openxmlformats.org/drawingml/2006/main" xmlns:r="http://schemas.openxmlformats.org/officeDocument/2006/relationships" xmlns:p="http://schemas.openxmlformats.org/presentationml/2006/main" type="blank" preserve="1">
   <p:cSld name="Blank Slide">
     <p:spTree>
       <p:nvGrpSpPr>
@@ -2777,11 +3059,14 @@
       </p:grpSpPr>
     </p:spTree>
   </p:cSld>
+  <p:clrMapOvr>
+    <a:masterClrMapping/>
+  </p:clrMapOvr>
 </p:sldLayout>
 </file>
 
 <file path=ppt/slideLayouts/slideLayout26.xml><?xml version="1.0" encoding="utf-8"?>
-<p:sldLayout xmlns:a="http://schemas.openxmlformats.org/drawingml/2006/main" xmlns:p="http://schemas.openxmlformats.org/presentationml/2006/main" xmlns:r="http://schemas.openxmlformats.org/officeDocument/2006/relationships" xmlns:p14="http://schemas.microsoft.com/office/powerpoint/2010/main" xmlns:p15="http://schemas.microsoft.com/office/powerpoint/2012/main" xmlns:mc="http://schemas.openxmlformats.org/markup-compatibility/2006" type="tx" preserve="1">
+<p:sldLayout xmlns:a="http://schemas.openxmlformats.org/drawingml/2006/main" xmlns:r="http://schemas.openxmlformats.org/officeDocument/2006/relationships" xmlns:p="http://schemas.openxmlformats.org/presentationml/2006/main" type="tx" preserve="1">
   <p:cSld name="Title Slide">
     <p:spTree>
       <p:nvGrpSpPr>
@@ -2817,16 +3102,17 @@
           </a:prstGeom>
         </p:spPr>
         <p:txBody>
-          <a:bodyPr lIns="0" rIns="0" tIns="0" bIns="0" anchor="ctr"/>
+          <a:bodyPr lIns="0" tIns="0" rIns="0" bIns="0" anchor="ctr"/>
+          <a:lstStyle/>
           <a:p>
             <a:pPr algn="ctr"/>
-            <a:endParaRPr b="0" lang="en-GB" sz="4400" spc="-1" strike="noStrike">
-              <a:solidFill>
-                <a:srgbClr val="000000"/>
-              </a:solidFill>
-              <a:uFill>
-                <a:solidFill>
-                  <a:srgbClr val="ffffff"/>
+            <a:endParaRPr lang="en-GB" sz="4400" b="0" strike="noStrike" spc="-1">
+              <a:solidFill>
+                <a:srgbClr val="000000"/>
+              </a:solidFill>
+              <a:uFill>
+                <a:solidFill>
+                  <a:srgbClr val="FFFFFF"/>
                 </a:solidFill>
               </a:uFill>
               <a:latin typeface="Arial"/>
@@ -2854,16 +3140,17 @@
           </a:prstGeom>
         </p:spPr>
         <p:txBody>
-          <a:bodyPr lIns="0" rIns="0" tIns="0" bIns="0" anchor="ctr"/>
+          <a:bodyPr lIns="0" tIns="0" rIns="0" bIns="0" anchor="ctr"/>
+          <a:lstStyle/>
           <a:p>
             <a:pPr algn="ctr"/>
-            <a:endParaRPr b="0" lang="en-GB" sz="3200" spc="-1" strike="noStrike">
-              <a:solidFill>
-                <a:srgbClr val="000000"/>
-              </a:solidFill>
-              <a:uFill>
-                <a:solidFill>
-                  <a:srgbClr val="ffffff"/>
+            <a:endParaRPr lang="en-GB" sz="3200" b="0" strike="noStrike" spc="-1">
+              <a:solidFill>
+                <a:srgbClr val="000000"/>
+              </a:solidFill>
+              <a:uFill>
+                <a:solidFill>
+                  <a:srgbClr val="FFFFFF"/>
                 </a:solidFill>
               </a:uFill>
               <a:latin typeface="Arial"/>
@@ -2873,11 +3160,14 @@
       </p:sp>
     </p:spTree>
   </p:cSld>
+  <p:clrMapOvr>
+    <a:masterClrMapping/>
+  </p:clrMapOvr>
 </p:sldLayout>
 </file>
 
 <file path=ppt/slideLayouts/slideLayout27.xml><?xml version="1.0" encoding="utf-8"?>
-<p:sldLayout xmlns:a="http://schemas.openxmlformats.org/drawingml/2006/main" xmlns:p="http://schemas.openxmlformats.org/presentationml/2006/main" xmlns:r="http://schemas.openxmlformats.org/officeDocument/2006/relationships" xmlns:p14="http://schemas.microsoft.com/office/powerpoint/2010/main" xmlns:p15="http://schemas.microsoft.com/office/powerpoint/2012/main" xmlns:mc="http://schemas.openxmlformats.org/markup-compatibility/2006" type="obj" preserve="1">
+<p:sldLayout xmlns:a="http://schemas.openxmlformats.org/drawingml/2006/main" xmlns:r="http://schemas.openxmlformats.org/officeDocument/2006/relationships" xmlns:p="http://schemas.openxmlformats.org/presentationml/2006/main" type="obj" preserve="1">
   <p:cSld name="Title, Content">
     <p:spTree>
       <p:nvGrpSpPr>
@@ -2913,16 +3203,17 @@
           </a:prstGeom>
         </p:spPr>
         <p:txBody>
-          <a:bodyPr lIns="0" rIns="0" tIns="0" bIns="0" anchor="ctr"/>
+          <a:bodyPr lIns="0" tIns="0" rIns="0" bIns="0" anchor="ctr"/>
+          <a:lstStyle/>
           <a:p>
             <a:pPr algn="ctr"/>
-            <a:endParaRPr b="0" lang="en-GB" sz="4400" spc="-1" strike="noStrike">
-              <a:solidFill>
-                <a:srgbClr val="000000"/>
-              </a:solidFill>
-              <a:uFill>
-                <a:solidFill>
-                  <a:srgbClr val="ffffff"/>
+            <a:endParaRPr lang="en-GB" sz="4400" b="0" strike="noStrike" spc="-1">
+              <a:solidFill>
+                <a:srgbClr val="000000"/>
+              </a:solidFill>
+              <a:uFill>
+                <a:solidFill>
+                  <a:srgbClr val="FFFFFF"/>
                 </a:solidFill>
               </a:uFill>
               <a:latin typeface="Arial"/>
@@ -2950,15 +3241,16 @@
           </a:prstGeom>
         </p:spPr>
         <p:txBody>
-          <a:bodyPr lIns="0" rIns="0" tIns="0" bIns="0"/>
-          <a:p>
-            <a:endParaRPr b="0" lang="en-GB" sz="3200" spc="-1" strike="noStrike">
-              <a:solidFill>
-                <a:srgbClr val="000000"/>
-              </a:solidFill>
-              <a:uFill>
-                <a:solidFill>
-                  <a:srgbClr val="ffffff"/>
+          <a:bodyPr lIns="0" tIns="0" rIns="0" bIns="0"/>
+          <a:lstStyle/>
+          <a:p>
+            <a:endParaRPr lang="en-GB" sz="3200" b="0" strike="noStrike" spc="-1">
+              <a:solidFill>
+                <a:srgbClr val="000000"/>
+              </a:solidFill>
+              <a:uFill>
+                <a:solidFill>
+                  <a:srgbClr val="FFFFFF"/>
                 </a:solidFill>
               </a:uFill>
               <a:latin typeface="Arial"/>
@@ -2968,11 +3260,14 @@
       </p:sp>
     </p:spTree>
   </p:cSld>
+  <p:clrMapOvr>
+    <a:masterClrMapping/>
+  </p:clrMapOvr>
 </p:sldLayout>
 </file>
 
 <file path=ppt/slideLayouts/slideLayout28.xml><?xml version="1.0" encoding="utf-8"?>
-<p:sldLayout xmlns:a="http://schemas.openxmlformats.org/drawingml/2006/main" xmlns:p="http://schemas.openxmlformats.org/presentationml/2006/main" xmlns:r="http://schemas.openxmlformats.org/officeDocument/2006/relationships" xmlns:p14="http://schemas.microsoft.com/office/powerpoint/2010/main" xmlns:p15="http://schemas.microsoft.com/office/powerpoint/2012/main" xmlns:mc="http://schemas.openxmlformats.org/markup-compatibility/2006" type="twoObj" preserve="1">
+<p:sldLayout xmlns:a="http://schemas.openxmlformats.org/drawingml/2006/main" xmlns:r="http://schemas.openxmlformats.org/officeDocument/2006/relationships" xmlns:p="http://schemas.openxmlformats.org/presentationml/2006/main" type="twoObj" preserve="1">
   <p:cSld name="Title, 2 Content">
     <p:spTree>
       <p:nvGrpSpPr>
@@ -3008,16 +3303,17 @@
           </a:prstGeom>
         </p:spPr>
         <p:txBody>
-          <a:bodyPr lIns="0" rIns="0" tIns="0" bIns="0" anchor="ctr"/>
+          <a:bodyPr lIns="0" tIns="0" rIns="0" bIns="0" anchor="ctr"/>
+          <a:lstStyle/>
           <a:p>
             <a:pPr algn="ctr"/>
-            <a:endParaRPr b="0" lang="en-GB" sz="4400" spc="-1" strike="noStrike">
-              <a:solidFill>
-                <a:srgbClr val="000000"/>
-              </a:solidFill>
-              <a:uFill>
-                <a:solidFill>
-                  <a:srgbClr val="ffffff"/>
+            <a:endParaRPr lang="en-GB" sz="4400" b="0" strike="noStrike" spc="-1">
+              <a:solidFill>
+                <a:srgbClr val="000000"/>
+              </a:solidFill>
+              <a:uFill>
+                <a:solidFill>
+                  <a:srgbClr val="FFFFFF"/>
                 </a:solidFill>
               </a:uFill>
               <a:latin typeface="Arial"/>
@@ -3045,15 +3341,16 @@
           </a:prstGeom>
         </p:spPr>
         <p:txBody>
-          <a:bodyPr lIns="0" rIns="0" tIns="0" bIns="0"/>
-          <a:p>
-            <a:endParaRPr b="0" lang="en-GB" sz="3200" spc="-1" strike="noStrike">
-              <a:solidFill>
-                <a:srgbClr val="000000"/>
-              </a:solidFill>
-              <a:uFill>
-                <a:solidFill>
-                  <a:srgbClr val="ffffff"/>
+          <a:bodyPr lIns="0" tIns="0" rIns="0" bIns="0"/>
+          <a:lstStyle/>
+          <a:p>
+            <a:endParaRPr lang="en-GB" sz="3200" b="0" strike="noStrike" spc="-1">
+              <a:solidFill>
+                <a:srgbClr val="000000"/>
+              </a:solidFill>
+              <a:uFill>
+                <a:solidFill>
+                  <a:srgbClr val="FFFFFF"/>
                 </a:solidFill>
               </a:uFill>
               <a:latin typeface="Arial"/>
@@ -3081,15 +3378,16 @@
           </a:prstGeom>
         </p:spPr>
         <p:txBody>
-          <a:bodyPr lIns="0" rIns="0" tIns="0" bIns="0"/>
-          <a:p>
-            <a:endParaRPr b="0" lang="en-GB" sz="3200" spc="-1" strike="noStrike">
-              <a:solidFill>
-                <a:srgbClr val="000000"/>
-              </a:solidFill>
-              <a:uFill>
-                <a:solidFill>
-                  <a:srgbClr val="ffffff"/>
+          <a:bodyPr lIns="0" tIns="0" rIns="0" bIns="0"/>
+          <a:lstStyle/>
+          <a:p>
+            <a:endParaRPr lang="en-GB" sz="3200" b="0" strike="noStrike" spc="-1">
+              <a:solidFill>
+                <a:srgbClr val="000000"/>
+              </a:solidFill>
+              <a:uFill>
+                <a:solidFill>
+                  <a:srgbClr val="FFFFFF"/>
                 </a:solidFill>
               </a:uFill>
               <a:latin typeface="Arial"/>
@@ -3099,11 +3397,14 @@
       </p:sp>
     </p:spTree>
   </p:cSld>
+  <p:clrMapOvr>
+    <a:masterClrMapping/>
+  </p:clrMapOvr>
 </p:sldLayout>
 </file>
 
 <file path=ppt/slideLayouts/slideLayout29.xml><?xml version="1.0" encoding="utf-8"?>
-<p:sldLayout xmlns:a="http://schemas.openxmlformats.org/drawingml/2006/main" xmlns:p="http://schemas.openxmlformats.org/presentationml/2006/main" xmlns:r="http://schemas.openxmlformats.org/officeDocument/2006/relationships" xmlns:p14="http://schemas.microsoft.com/office/powerpoint/2010/main" xmlns:p15="http://schemas.microsoft.com/office/powerpoint/2012/main" xmlns:mc="http://schemas.openxmlformats.org/markup-compatibility/2006" type="titleOnly" preserve="1">
+<p:sldLayout xmlns:a="http://schemas.openxmlformats.org/drawingml/2006/main" xmlns:r="http://schemas.openxmlformats.org/officeDocument/2006/relationships" xmlns:p="http://schemas.openxmlformats.org/presentationml/2006/main" type="titleOnly" preserve="1">
   <p:cSld name="Title Only">
     <p:spTree>
       <p:nvGrpSpPr>
@@ -3139,16 +3440,17 @@
           </a:prstGeom>
         </p:spPr>
         <p:txBody>
-          <a:bodyPr lIns="0" rIns="0" tIns="0" bIns="0" anchor="ctr"/>
+          <a:bodyPr lIns="0" tIns="0" rIns="0" bIns="0" anchor="ctr"/>
+          <a:lstStyle/>
           <a:p>
             <a:pPr algn="ctr"/>
-            <a:endParaRPr b="0" lang="en-GB" sz="4400" spc="-1" strike="noStrike">
-              <a:solidFill>
-                <a:srgbClr val="000000"/>
-              </a:solidFill>
-              <a:uFill>
-                <a:solidFill>
-                  <a:srgbClr val="ffffff"/>
+            <a:endParaRPr lang="en-GB" sz="4400" b="0" strike="noStrike" spc="-1">
+              <a:solidFill>
+                <a:srgbClr val="000000"/>
+              </a:solidFill>
+              <a:uFill>
+                <a:solidFill>
+                  <a:srgbClr val="FFFFFF"/>
                 </a:solidFill>
               </a:uFill>
               <a:latin typeface="Arial"/>
@@ -3158,11 +3460,14 @@
       </p:sp>
     </p:spTree>
   </p:cSld>
+  <p:clrMapOvr>
+    <a:masterClrMapping/>
+  </p:clrMapOvr>
 </p:sldLayout>
 </file>
 
 <file path=ppt/slideLayouts/slideLayout3.xml><?xml version="1.0" encoding="utf-8"?>
-<p:sldLayout xmlns:a="http://schemas.openxmlformats.org/drawingml/2006/main" xmlns:p="http://schemas.openxmlformats.org/presentationml/2006/main" xmlns:r="http://schemas.openxmlformats.org/officeDocument/2006/relationships" xmlns:p14="http://schemas.microsoft.com/office/powerpoint/2010/main" xmlns:p15="http://schemas.microsoft.com/office/powerpoint/2012/main" xmlns:mc="http://schemas.openxmlformats.org/markup-compatibility/2006" type="obj" preserve="1">
+<p:sldLayout xmlns:a="http://schemas.openxmlformats.org/drawingml/2006/main" xmlns:r="http://schemas.openxmlformats.org/officeDocument/2006/relationships" xmlns:p="http://schemas.openxmlformats.org/presentationml/2006/main" type="obj" preserve="1">
   <p:cSld name="Title, Content">
     <p:spTree>
       <p:nvGrpSpPr>
@@ -3198,16 +3503,17 @@
           </a:prstGeom>
         </p:spPr>
         <p:txBody>
-          <a:bodyPr lIns="0" rIns="0" tIns="0" bIns="0" anchor="ctr"/>
+          <a:bodyPr lIns="0" tIns="0" rIns="0" bIns="0" anchor="ctr"/>
+          <a:lstStyle/>
           <a:p>
             <a:pPr algn="ctr"/>
-            <a:endParaRPr b="0" lang="en-GB" sz="4400" spc="-1" strike="noStrike">
-              <a:solidFill>
-                <a:srgbClr val="000000"/>
-              </a:solidFill>
-              <a:uFill>
-                <a:solidFill>
-                  <a:srgbClr val="ffffff"/>
+            <a:endParaRPr lang="en-GB" sz="4400" b="0" strike="noStrike" spc="-1">
+              <a:solidFill>
+                <a:srgbClr val="000000"/>
+              </a:solidFill>
+              <a:uFill>
+                <a:solidFill>
+                  <a:srgbClr val="FFFFFF"/>
                 </a:solidFill>
               </a:uFill>
               <a:latin typeface="Arial"/>
@@ -3235,15 +3541,16 @@
           </a:prstGeom>
         </p:spPr>
         <p:txBody>
-          <a:bodyPr lIns="0" rIns="0" tIns="0" bIns="0"/>
-          <a:p>
-            <a:endParaRPr b="0" lang="en-GB" sz="3200" spc="-1" strike="noStrike">
-              <a:solidFill>
-                <a:srgbClr val="000000"/>
-              </a:solidFill>
-              <a:uFill>
-                <a:solidFill>
-                  <a:srgbClr val="ffffff"/>
+          <a:bodyPr lIns="0" tIns="0" rIns="0" bIns="0"/>
+          <a:lstStyle/>
+          <a:p>
+            <a:endParaRPr lang="en-GB" sz="3200" b="0" strike="noStrike" spc="-1">
+              <a:solidFill>
+                <a:srgbClr val="000000"/>
+              </a:solidFill>
+              <a:uFill>
+                <a:solidFill>
+                  <a:srgbClr val="FFFFFF"/>
                 </a:solidFill>
               </a:uFill>
               <a:latin typeface="Arial"/>
@@ -3253,11 +3560,14 @@
       </p:sp>
     </p:spTree>
   </p:cSld>
+  <p:clrMapOvr>
+    <a:masterClrMapping/>
+  </p:clrMapOvr>
 </p:sldLayout>
 </file>
 
 <file path=ppt/slideLayouts/slideLayout30.xml><?xml version="1.0" encoding="utf-8"?>
-<p:sldLayout xmlns:a="http://schemas.openxmlformats.org/drawingml/2006/main" xmlns:p="http://schemas.openxmlformats.org/presentationml/2006/main" xmlns:r="http://schemas.openxmlformats.org/officeDocument/2006/relationships" xmlns:p14="http://schemas.microsoft.com/office/powerpoint/2010/main" xmlns:p15="http://schemas.microsoft.com/office/powerpoint/2012/main" xmlns:mc="http://schemas.openxmlformats.org/markup-compatibility/2006" type="objOnly" preserve="1">
+<p:sldLayout xmlns:a="http://schemas.openxmlformats.org/drawingml/2006/main" xmlns:r="http://schemas.openxmlformats.org/officeDocument/2006/relationships" xmlns:p="http://schemas.openxmlformats.org/presentationml/2006/main" type="objOnly" preserve="1">
   <p:cSld name="Centered Text">
     <p:spTree>
       <p:nvGrpSpPr>
@@ -3293,16 +3603,17 @@
           </a:prstGeom>
         </p:spPr>
         <p:txBody>
-          <a:bodyPr lIns="0" rIns="0" tIns="0" bIns="0" anchor="ctr"/>
+          <a:bodyPr lIns="0" tIns="0" rIns="0" bIns="0" anchor="ctr"/>
+          <a:lstStyle/>
           <a:p>
             <a:pPr algn="ctr"/>
-            <a:endParaRPr b="0" lang="en-GB" sz="3200" spc="-1" strike="noStrike">
-              <a:solidFill>
-                <a:srgbClr val="000000"/>
-              </a:solidFill>
-              <a:uFill>
-                <a:solidFill>
-                  <a:srgbClr val="ffffff"/>
+            <a:endParaRPr lang="en-GB" sz="3200" b="0" strike="noStrike" spc="-1">
+              <a:solidFill>
+                <a:srgbClr val="000000"/>
+              </a:solidFill>
+              <a:uFill>
+                <a:solidFill>
+                  <a:srgbClr val="FFFFFF"/>
                 </a:solidFill>
               </a:uFill>
               <a:latin typeface="Arial"/>
@@ -3312,11 +3623,14 @@
       </p:sp>
     </p:spTree>
   </p:cSld>
+  <p:clrMapOvr>
+    <a:masterClrMapping/>
+  </p:clrMapOvr>
 </p:sldLayout>
 </file>
 
 <file path=ppt/slideLayouts/slideLayout31.xml><?xml version="1.0" encoding="utf-8"?>
-<p:sldLayout xmlns:a="http://schemas.openxmlformats.org/drawingml/2006/main" xmlns:p="http://schemas.openxmlformats.org/presentationml/2006/main" xmlns:r="http://schemas.openxmlformats.org/officeDocument/2006/relationships" xmlns:p14="http://schemas.microsoft.com/office/powerpoint/2010/main" xmlns:p15="http://schemas.microsoft.com/office/powerpoint/2012/main" xmlns:mc="http://schemas.openxmlformats.org/markup-compatibility/2006" type="twoObjAndObj" preserve="1">
+<p:sldLayout xmlns:a="http://schemas.openxmlformats.org/drawingml/2006/main" xmlns:r="http://schemas.openxmlformats.org/officeDocument/2006/relationships" xmlns:p="http://schemas.openxmlformats.org/presentationml/2006/main" type="twoObjAndObj" preserve="1">
   <p:cSld name="Title, 2 Content and Content">
     <p:spTree>
       <p:nvGrpSpPr>
@@ -3352,16 +3666,17 @@
           </a:prstGeom>
         </p:spPr>
         <p:txBody>
-          <a:bodyPr lIns="0" rIns="0" tIns="0" bIns="0" anchor="ctr"/>
+          <a:bodyPr lIns="0" tIns="0" rIns="0" bIns="0" anchor="ctr"/>
+          <a:lstStyle/>
           <a:p>
             <a:pPr algn="ctr"/>
-            <a:endParaRPr b="0" lang="en-GB" sz="4400" spc="-1" strike="noStrike">
-              <a:solidFill>
-                <a:srgbClr val="000000"/>
-              </a:solidFill>
-              <a:uFill>
-                <a:solidFill>
-                  <a:srgbClr val="ffffff"/>
+            <a:endParaRPr lang="en-GB" sz="4400" b="0" strike="noStrike" spc="-1">
+              <a:solidFill>
+                <a:srgbClr val="000000"/>
+              </a:solidFill>
+              <a:uFill>
+                <a:solidFill>
+                  <a:srgbClr val="FFFFFF"/>
                 </a:solidFill>
               </a:uFill>
               <a:latin typeface="Arial"/>
@@ -3389,15 +3704,16 @@
           </a:prstGeom>
         </p:spPr>
         <p:txBody>
-          <a:bodyPr lIns="0" rIns="0" tIns="0" bIns="0"/>
-          <a:p>
-            <a:endParaRPr b="0" lang="en-GB" sz="3200" spc="-1" strike="noStrike">
-              <a:solidFill>
-                <a:srgbClr val="000000"/>
-              </a:solidFill>
-              <a:uFill>
-                <a:solidFill>
-                  <a:srgbClr val="ffffff"/>
+          <a:bodyPr lIns="0" tIns="0" rIns="0" bIns="0"/>
+          <a:lstStyle/>
+          <a:p>
+            <a:endParaRPr lang="en-GB" sz="3200" b="0" strike="noStrike" spc="-1">
+              <a:solidFill>
+                <a:srgbClr val="000000"/>
+              </a:solidFill>
+              <a:uFill>
+                <a:solidFill>
+                  <a:srgbClr val="FFFFFF"/>
                 </a:solidFill>
               </a:uFill>
               <a:latin typeface="Arial"/>
@@ -3425,15 +3741,16 @@
           </a:prstGeom>
         </p:spPr>
         <p:txBody>
-          <a:bodyPr lIns="0" rIns="0" tIns="0" bIns="0"/>
-          <a:p>
-            <a:endParaRPr b="0" lang="en-GB" sz="3200" spc="-1" strike="noStrike">
-              <a:solidFill>
-                <a:srgbClr val="000000"/>
-              </a:solidFill>
-              <a:uFill>
-                <a:solidFill>
-                  <a:srgbClr val="ffffff"/>
+          <a:bodyPr lIns="0" tIns="0" rIns="0" bIns="0"/>
+          <a:lstStyle/>
+          <a:p>
+            <a:endParaRPr lang="en-GB" sz="3200" b="0" strike="noStrike" spc="-1">
+              <a:solidFill>
+                <a:srgbClr val="000000"/>
+              </a:solidFill>
+              <a:uFill>
+                <a:solidFill>
+                  <a:srgbClr val="FFFFFF"/>
                 </a:solidFill>
               </a:uFill>
               <a:latin typeface="Arial"/>
@@ -3461,15 +3778,16 @@
           </a:prstGeom>
         </p:spPr>
         <p:txBody>
-          <a:bodyPr lIns="0" rIns="0" tIns="0" bIns="0"/>
-          <a:p>
-            <a:endParaRPr b="0" lang="en-GB" sz="3200" spc="-1" strike="noStrike">
-              <a:solidFill>
-                <a:srgbClr val="000000"/>
-              </a:solidFill>
-              <a:uFill>
-                <a:solidFill>
-                  <a:srgbClr val="ffffff"/>
+          <a:bodyPr lIns="0" tIns="0" rIns="0" bIns="0"/>
+          <a:lstStyle/>
+          <a:p>
+            <a:endParaRPr lang="en-GB" sz="3200" b="0" strike="noStrike" spc="-1">
+              <a:solidFill>
+                <a:srgbClr val="000000"/>
+              </a:solidFill>
+              <a:uFill>
+                <a:solidFill>
+                  <a:srgbClr val="FFFFFF"/>
                 </a:solidFill>
               </a:uFill>
               <a:latin typeface="Arial"/>
@@ -3479,11 +3797,14 @@
       </p:sp>
     </p:spTree>
   </p:cSld>
+  <p:clrMapOvr>
+    <a:masterClrMapping/>
+  </p:clrMapOvr>
 </p:sldLayout>
 </file>
 
 <file path=ppt/slideLayouts/slideLayout32.xml><?xml version="1.0" encoding="utf-8"?>
-<p:sldLayout xmlns:a="http://schemas.openxmlformats.org/drawingml/2006/main" xmlns:p="http://schemas.openxmlformats.org/presentationml/2006/main" xmlns:r="http://schemas.openxmlformats.org/officeDocument/2006/relationships" xmlns:p14="http://schemas.microsoft.com/office/powerpoint/2010/main" xmlns:p15="http://schemas.microsoft.com/office/powerpoint/2012/main" xmlns:mc="http://schemas.openxmlformats.org/markup-compatibility/2006" type="objAndTwoObj" preserve="1">
+<p:sldLayout xmlns:a="http://schemas.openxmlformats.org/drawingml/2006/main" xmlns:r="http://schemas.openxmlformats.org/officeDocument/2006/relationships" xmlns:p="http://schemas.openxmlformats.org/presentationml/2006/main" type="objAndTwoObj" preserve="1">
   <p:cSld name="Title Content and 2 Content">
     <p:spTree>
       <p:nvGrpSpPr>
@@ -3519,16 +3840,17 @@
           </a:prstGeom>
         </p:spPr>
         <p:txBody>
-          <a:bodyPr lIns="0" rIns="0" tIns="0" bIns="0" anchor="ctr"/>
+          <a:bodyPr lIns="0" tIns="0" rIns="0" bIns="0" anchor="ctr"/>
+          <a:lstStyle/>
           <a:p>
             <a:pPr algn="ctr"/>
-            <a:endParaRPr b="0" lang="en-GB" sz="4400" spc="-1" strike="noStrike">
-              <a:solidFill>
-                <a:srgbClr val="000000"/>
-              </a:solidFill>
-              <a:uFill>
-                <a:solidFill>
-                  <a:srgbClr val="ffffff"/>
+            <a:endParaRPr lang="en-GB" sz="4400" b="0" strike="noStrike" spc="-1">
+              <a:solidFill>
+                <a:srgbClr val="000000"/>
+              </a:solidFill>
+              <a:uFill>
+                <a:solidFill>
+                  <a:srgbClr val="FFFFFF"/>
                 </a:solidFill>
               </a:uFill>
               <a:latin typeface="Arial"/>
@@ -3556,15 +3878,16 @@
           </a:prstGeom>
         </p:spPr>
         <p:txBody>
-          <a:bodyPr lIns="0" rIns="0" tIns="0" bIns="0"/>
-          <a:p>
-            <a:endParaRPr b="0" lang="en-GB" sz="3200" spc="-1" strike="noStrike">
-              <a:solidFill>
-                <a:srgbClr val="000000"/>
-              </a:solidFill>
-              <a:uFill>
-                <a:solidFill>
-                  <a:srgbClr val="ffffff"/>
+          <a:bodyPr lIns="0" tIns="0" rIns="0" bIns="0"/>
+          <a:lstStyle/>
+          <a:p>
+            <a:endParaRPr lang="en-GB" sz="3200" b="0" strike="noStrike" spc="-1">
+              <a:solidFill>
+                <a:srgbClr val="000000"/>
+              </a:solidFill>
+              <a:uFill>
+                <a:solidFill>
+                  <a:srgbClr val="FFFFFF"/>
                 </a:solidFill>
               </a:uFill>
               <a:latin typeface="Arial"/>
@@ -3592,15 +3915,16 @@
           </a:prstGeom>
         </p:spPr>
         <p:txBody>
-          <a:bodyPr lIns="0" rIns="0" tIns="0" bIns="0"/>
-          <a:p>
-            <a:endParaRPr b="0" lang="en-GB" sz="3200" spc="-1" strike="noStrike">
-              <a:solidFill>
-                <a:srgbClr val="000000"/>
-              </a:solidFill>
-              <a:uFill>
-                <a:solidFill>
-                  <a:srgbClr val="ffffff"/>
+          <a:bodyPr lIns="0" tIns="0" rIns="0" bIns="0"/>
+          <a:lstStyle/>
+          <a:p>
+            <a:endParaRPr lang="en-GB" sz="3200" b="0" strike="noStrike" spc="-1">
+              <a:solidFill>
+                <a:srgbClr val="000000"/>
+              </a:solidFill>
+              <a:uFill>
+                <a:solidFill>
+                  <a:srgbClr val="FFFFFF"/>
                 </a:solidFill>
               </a:uFill>
               <a:latin typeface="Arial"/>
@@ -3628,15 +3952,16 @@
           </a:prstGeom>
         </p:spPr>
         <p:txBody>
-          <a:bodyPr lIns="0" rIns="0" tIns="0" bIns="0"/>
-          <a:p>
-            <a:endParaRPr b="0" lang="en-GB" sz="3200" spc="-1" strike="noStrike">
-              <a:solidFill>
-                <a:srgbClr val="000000"/>
-              </a:solidFill>
-              <a:uFill>
-                <a:solidFill>
-                  <a:srgbClr val="ffffff"/>
+          <a:bodyPr lIns="0" tIns="0" rIns="0" bIns="0"/>
+          <a:lstStyle/>
+          <a:p>
+            <a:endParaRPr lang="en-GB" sz="3200" b="0" strike="noStrike" spc="-1">
+              <a:solidFill>
+                <a:srgbClr val="000000"/>
+              </a:solidFill>
+              <a:uFill>
+                <a:solidFill>
+                  <a:srgbClr val="FFFFFF"/>
                 </a:solidFill>
               </a:uFill>
               <a:latin typeface="Arial"/>
@@ -3646,11 +3971,14 @@
       </p:sp>
     </p:spTree>
   </p:cSld>
+  <p:clrMapOvr>
+    <a:masterClrMapping/>
+  </p:clrMapOvr>
 </p:sldLayout>
 </file>
 
 <file path=ppt/slideLayouts/slideLayout33.xml><?xml version="1.0" encoding="utf-8"?>
-<p:sldLayout xmlns:a="http://schemas.openxmlformats.org/drawingml/2006/main" xmlns:p="http://schemas.openxmlformats.org/presentationml/2006/main" xmlns:r="http://schemas.openxmlformats.org/officeDocument/2006/relationships" xmlns:p14="http://schemas.microsoft.com/office/powerpoint/2010/main" xmlns:p15="http://schemas.microsoft.com/office/powerpoint/2012/main" xmlns:mc="http://schemas.openxmlformats.org/markup-compatibility/2006" type="twoObjOverTx" preserve="1">
+<p:sldLayout xmlns:a="http://schemas.openxmlformats.org/drawingml/2006/main" xmlns:r="http://schemas.openxmlformats.org/officeDocument/2006/relationships" xmlns:p="http://schemas.openxmlformats.org/presentationml/2006/main" type="twoObjOverTx" preserve="1">
   <p:cSld name="Title, 2 Content over Content">
     <p:spTree>
       <p:nvGrpSpPr>
@@ -3686,16 +4014,17 @@
           </a:prstGeom>
         </p:spPr>
         <p:txBody>
-          <a:bodyPr lIns="0" rIns="0" tIns="0" bIns="0" anchor="ctr"/>
+          <a:bodyPr lIns="0" tIns="0" rIns="0" bIns="0" anchor="ctr"/>
+          <a:lstStyle/>
           <a:p>
             <a:pPr algn="ctr"/>
-            <a:endParaRPr b="0" lang="en-GB" sz="4400" spc="-1" strike="noStrike">
-              <a:solidFill>
-                <a:srgbClr val="000000"/>
-              </a:solidFill>
-              <a:uFill>
-                <a:solidFill>
-                  <a:srgbClr val="ffffff"/>
+            <a:endParaRPr lang="en-GB" sz="4400" b="0" strike="noStrike" spc="-1">
+              <a:solidFill>
+                <a:srgbClr val="000000"/>
+              </a:solidFill>
+              <a:uFill>
+                <a:solidFill>
+                  <a:srgbClr val="FFFFFF"/>
                 </a:solidFill>
               </a:uFill>
               <a:latin typeface="Arial"/>
@@ -3723,15 +4052,16 @@
           </a:prstGeom>
         </p:spPr>
         <p:txBody>
-          <a:bodyPr lIns="0" rIns="0" tIns="0" bIns="0"/>
-          <a:p>
-            <a:endParaRPr b="0" lang="en-GB" sz="3200" spc="-1" strike="noStrike">
-              <a:solidFill>
-                <a:srgbClr val="000000"/>
-              </a:solidFill>
-              <a:uFill>
-                <a:solidFill>
-                  <a:srgbClr val="ffffff"/>
+          <a:bodyPr lIns="0" tIns="0" rIns="0" bIns="0"/>
+          <a:lstStyle/>
+          <a:p>
+            <a:endParaRPr lang="en-GB" sz="3200" b="0" strike="noStrike" spc="-1">
+              <a:solidFill>
+                <a:srgbClr val="000000"/>
+              </a:solidFill>
+              <a:uFill>
+                <a:solidFill>
+                  <a:srgbClr val="FFFFFF"/>
                 </a:solidFill>
               </a:uFill>
               <a:latin typeface="Arial"/>
@@ -3759,15 +4089,16 @@
           </a:prstGeom>
         </p:spPr>
         <p:txBody>
-          <a:bodyPr lIns="0" rIns="0" tIns="0" bIns="0"/>
-          <a:p>
-            <a:endParaRPr b="0" lang="en-GB" sz="3200" spc="-1" strike="noStrike">
-              <a:solidFill>
-                <a:srgbClr val="000000"/>
-              </a:solidFill>
-              <a:uFill>
-                <a:solidFill>
-                  <a:srgbClr val="ffffff"/>
+          <a:bodyPr lIns="0" tIns="0" rIns="0" bIns="0"/>
+          <a:lstStyle/>
+          <a:p>
+            <a:endParaRPr lang="en-GB" sz="3200" b="0" strike="noStrike" spc="-1">
+              <a:solidFill>
+                <a:srgbClr val="000000"/>
+              </a:solidFill>
+              <a:uFill>
+                <a:solidFill>
+                  <a:srgbClr val="FFFFFF"/>
                 </a:solidFill>
               </a:uFill>
               <a:latin typeface="Arial"/>
@@ -3795,15 +4126,16 @@
           </a:prstGeom>
         </p:spPr>
         <p:txBody>
-          <a:bodyPr lIns="0" rIns="0" tIns="0" bIns="0"/>
-          <a:p>
-            <a:endParaRPr b="0" lang="en-GB" sz="3200" spc="-1" strike="noStrike">
-              <a:solidFill>
-                <a:srgbClr val="000000"/>
-              </a:solidFill>
-              <a:uFill>
-                <a:solidFill>
-                  <a:srgbClr val="ffffff"/>
+          <a:bodyPr lIns="0" tIns="0" rIns="0" bIns="0"/>
+          <a:lstStyle/>
+          <a:p>
+            <a:endParaRPr lang="en-GB" sz="3200" b="0" strike="noStrike" spc="-1">
+              <a:solidFill>
+                <a:srgbClr val="000000"/>
+              </a:solidFill>
+              <a:uFill>
+                <a:solidFill>
+                  <a:srgbClr val="FFFFFF"/>
                 </a:solidFill>
               </a:uFill>
               <a:latin typeface="Arial"/>
@@ -3813,11 +4145,14 @@
       </p:sp>
     </p:spTree>
   </p:cSld>
+  <p:clrMapOvr>
+    <a:masterClrMapping/>
+  </p:clrMapOvr>
 </p:sldLayout>
 </file>
 
 <file path=ppt/slideLayouts/slideLayout34.xml><?xml version="1.0" encoding="utf-8"?>
-<p:sldLayout xmlns:a="http://schemas.openxmlformats.org/drawingml/2006/main" xmlns:p="http://schemas.openxmlformats.org/presentationml/2006/main" xmlns:r="http://schemas.openxmlformats.org/officeDocument/2006/relationships" xmlns:p14="http://schemas.microsoft.com/office/powerpoint/2010/main" xmlns:p15="http://schemas.microsoft.com/office/powerpoint/2012/main" xmlns:mc="http://schemas.openxmlformats.org/markup-compatibility/2006" type="objOverTx" preserve="1">
+<p:sldLayout xmlns:a="http://schemas.openxmlformats.org/drawingml/2006/main" xmlns:r="http://schemas.openxmlformats.org/officeDocument/2006/relationships" xmlns:p="http://schemas.openxmlformats.org/presentationml/2006/main" type="objOverTx" preserve="1">
   <p:cSld name="Title, Content over Content">
     <p:spTree>
       <p:nvGrpSpPr>
@@ -3853,16 +4188,17 @@
           </a:prstGeom>
         </p:spPr>
         <p:txBody>
-          <a:bodyPr lIns="0" rIns="0" tIns="0" bIns="0" anchor="ctr"/>
+          <a:bodyPr lIns="0" tIns="0" rIns="0" bIns="0" anchor="ctr"/>
+          <a:lstStyle/>
           <a:p>
             <a:pPr algn="ctr"/>
-            <a:endParaRPr b="0" lang="en-GB" sz="4400" spc="-1" strike="noStrike">
-              <a:solidFill>
-                <a:srgbClr val="000000"/>
-              </a:solidFill>
-              <a:uFill>
-                <a:solidFill>
-                  <a:srgbClr val="ffffff"/>
+            <a:endParaRPr lang="en-GB" sz="4400" b="0" strike="noStrike" spc="-1">
+              <a:solidFill>
+                <a:srgbClr val="000000"/>
+              </a:solidFill>
+              <a:uFill>
+                <a:solidFill>
+                  <a:srgbClr val="FFFFFF"/>
                 </a:solidFill>
               </a:uFill>
               <a:latin typeface="Arial"/>
@@ -3890,15 +4226,16 @@
           </a:prstGeom>
         </p:spPr>
         <p:txBody>
-          <a:bodyPr lIns="0" rIns="0" tIns="0" bIns="0"/>
-          <a:p>
-            <a:endParaRPr b="0" lang="en-GB" sz="3200" spc="-1" strike="noStrike">
-              <a:solidFill>
-                <a:srgbClr val="000000"/>
-              </a:solidFill>
-              <a:uFill>
-                <a:solidFill>
-                  <a:srgbClr val="ffffff"/>
+          <a:bodyPr lIns="0" tIns="0" rIns="0" bIns="0"/>
+          <a:lstStyle/>
+          <a:p>
+            <a:endParaRPr lang="en-GB" sz="3200" b="0" strike="noStrike" spc="-1">
+              <a:solidFill>
+                <a:srgbClr val="000000"/>
+              </a:solidFill>
+              <a:uFill>
+                <a:solidFill>
+                  <a:srgbClr val="FFFFFF"/>
                 </a:solidFill>
               </a:uFill>
               <a:latin typeface="Arial"/>
@@ -3926,15 +4263,16 @@
           </a:prstGeom>
         </p:spPr>
         <p:txBody>
-          <a:bodyPr lIns="0" rIns="0" tIns="0" bIns="0"/>
-          <a:p>
-            <a:endParaRPr b="0" lang="en-GB" sz="3200" spc="-1" strike="noStrike">
-              <a:solidFill>
-                <a:srgbClr val="000000"/>
-              </a:solidFill>
-              <a:uFill>
-                <a:solidFill>
-                  <a:srgbClr val="ffffff"/>
+          <a:bodyPr lIns="0" tIns="0" rIns="0" bIns="0"/>
+          <a:lstStyle/>
+          <a:p>
+            <a:endParaRPr lang="en-GB" sz="3200" b="0" strike="noStrike" spc="-1">
+              <a:solidFill>
+                <a:srgbClr val="000000"/>
+              </a:solidFill>
+              <a:uFill>
+                <a:solidFill>
+                  <a:srgbClr val="FFFFFF"/>
                 </a:solidFill>
               </a:uFill>
               <a:latin typeface="Arial"/>
@@ -3944,11 +4282,14 @@
       </p:sp>
     </p:spTree>
   </p:cSld>
+  <p:clrMapOvr>
+    <a:masterClrMapping/>
+  </p:clrMapOvr>
 </p:sldLayout>
 </file>
 
 <file path=ppt/slideLayouts/slideLayout35.xml><?xml version="1.0" encoding="utf-8"?>
-<p:sldLayout xmlns:a="http://schemas.openxmlformats.org/drawingml/2006/main" xmlns:p="http://schemas.openxmlformats.org/presentationml/2006/main" xmlns:r="http://schemas.openxmlformats.org/officeDocument/2006/relationships" xmlns:p14="http://schemas.microsoft.com/office/powerpoint/2010/main" xmlns:p15="http://schemas.microsoft.com/office/powerpoint/2012/main" xmlns:mc="http://schemas.openxmlformats.org/markup-compatibility/2006" type="fourObj" preserve="1">
+<p:sldLayout xmlns:a="http://schemas.openxmlformats.org/drawingml/2006/main" xmlns:r="http://schemas.openxmlformats.org/officeDocument/2006/relationships" xmlns:p="http://schemas.openxmlformats.org/presentationml/2006/main" type="fourObj" preserve="1">
   <p:cSld name="Title, 4 Content">
     <p:spTree>
       <p:nvGrpSpPr>
@@ -3984,16 +4325,17 @@
           </a:prstGeom>
         </p:spPr>
         <p:txBody>
-          <a:bodyPr lIns="0" rIns="0" tIns="0" bIns="0" anchor="ctr"/>
+          <a:bodyPr lIns="0" tIns="0" rIns="0" bIns="0" anchor="ctr"/>
+          <a:lstStyle/>
           <a:p>
             <a:pPr algn="ctr"/>
-            <a:endParaRPr b="0" lang="en-GB" sz="4400" spc="-1" strike="noStrike">
-              <a:solidFill>
-                <a:srgbClr val="000000"/>
-              </a:solidFill>
-              <a:uFill>
-                <a:solidFill>
-                  <a:srgbClr val="ffffff"/>
+            <a:endParaRPr lang="en-GB" sz="4400" b="0" strike="noStrike" spc="-1">
+              <a:solidFill>
+                <a:srgbClr val="000000"/>
+              </a:solidFill>
+              <a:uFill>
+                <a:solidFill>
+                  <a:srgbClr val="FFFFFF"/>
                 </a:solidFill>
               </a:uFill>
               <a:latin typeface="Arial"/>
@@ -4021,15 +4363,16 @@
           </a:prstGeom>
         </p:spPr>
         <p:txBody>
-          <a:bodyPr lIns="0" rIns="0" tIns="0" bIns="0"/>
-          <a:p>
-            <a:endParaRPr b="0" lang="en-GB" sz="3200" spc="-1" strike="noStrike">
-              <a:solidFill>
-                <a:srgbClr val="000000"/>
-              </a:solidFill>
-              <a:uFill>
-                <a:solidFill>
-                  <a:srgbClr val="ffffff"/>
+          <a:bodyPr lIns="0" tIns="0" rIns="0" bIns="0"/>
+          <a:lstStyle/>
+          <a:p>
+            <a:endParaRPr lang="en-GB" sz="3200" b="0" strike="noStrike" spc="-1">
+              <a:solidFill>
+                <a:srgbClr val="000000"/>
+              </a:solidFill>
+              <a:uFill>
+                <a:solidFill>
+                  <a:srgbClr val="FFFFFF"/>
                 </a:solidFill>
               </a:uFill>
               <a:latin typeface="Arial"/>
@@ -4057,15 +4400,16 @@
           </a:prstGeom>
         </p:spPr>
         <p:txBody>
-          <a:bodyPr lIns="0" rIns="0" tIns="0" bIns="0"/>
-          <a:p>
-            <a:endParaRPr b="0" lang="en-GB" sz="3200" spc="-1" strike="noStrike">
-              <a:solidFill>
-                <a:srgbClr val="000000"/>
-              </a:solidFill>
-              <a:uFill>
-                <a:solidFill>
-                  <a:srgbClr val="ffffff"/>
+          <a:bodyPr lIns="0" tIns="0" rIns="0" bIns="0"/>
+          <a:lstStyle/>
+          <a:p>
+            <a:endParaRPr lang="en-GB" sz="3200" b="0" strike="noStrike" spc="-1">
+              <a:solidFill>
+                <a:srgbClr val="000000"/>
+              </a:solidFill>
+              <a:uFill>
+                <a:solidFill>
+                  <a:srgbClr val="FFFFFF"/>
                 </a:solidFill>
               </a:uFill>
               <a:latin typeface="Arial"/>
@@ -4093,15 +4437,16 @@
           </a:prstGeom>
         </p:spPr>
         <p:txBody>
-          <a:bodyPr lIns="0" rIns="0" tIns="0" bIns="0"/>
-          <a:p>
-            <a:endParaRPr b="0" lang="en-GB" sz="3200" spc="-1" strike="noStrike">
-              <a:solidFill>
-                <a:srgbClr val="000000"/>
-              </a:solidFill>
-              <a:uFill>
-                <a:solidFill>
-                  <a:srgbClr val="ffffff"/>
+          <a:bodyPr lIns="0" tIns="0" rIns="0" bIns="0"/>
+          <a:lstStyle/>
+          <a:p>
+            <a:endParaRPr lang="en-GB" sz="3200" b="0" strike="noStrike" spc="-1">
+              <a:solidFill>
+                <a:srgbClr val="000000"/>
+              </a:solidFill>
+              <a:uFill>
+                <a:solidFill>
+                  <a:srgbClr val="FFFFFF"/>
                 </a:solidFill>
               </a:uFill>
               <a:latin typeface="Arial"/>
@@ -4129,15 +4474,16 @@
           </a:prstGeom>
         </p:spPr>
         <p:txBody>
-          <a:bodyPr lIns="0" rIns="0" tIns="0" bIns="0"/>
-          <a:p>
-            <a:endParaRPr b="0" lang="en-GB" sz="3200" spc="-1" strike="noStrike">
-              <a:solidFill>
-                <a:srgbClr val="000000"/>
-              </a:solidFill>
-              <a:uFill>
-                <a:solidFill>
-                  <a:srgbClr val="ffffff"/>
+          <a:bodyPr lIns="0" tIns="0" rIns="0" bIns="0"/>
+          <a:lstStyle/>
+          <a:p>
+            <a:endParaRPr lang="en-GB" sz="3200" b="0" strike="noStrike" spc="-1">
+              <a:solidFill>
+                <a:srgbClr val="000000"/>
+              </a:solidFill>
+              <a:uFill>
+                <a:solidFill>
+                  <a:srgbClr val="FFFFFF"/>
                 </a:solidFill>
               </a:uFill>
               <a:latin typeface="Arial"/>
@@ -4147,11 +4493,14 @@
       </p:sp>
     </p:spTree>
   </p:cSld>
+  <p:clrMapOvr>
+    <a:masterClrMapping/>
+  </p:clrMapOvr>
 </p:sldLayout>
 </file>
 
 <file path=ppt/slideLayouts/slideLayout36.xml><?xml version="1.0" encoding="utf-8"?>
-<p:sldLayout xmlns:a="http://schemas.openxmlformats.org/drawingml/2006/main" xmlns:p="http://schemas.openxmlformats.org/presentationml/2006/main" xmlns:r="http://schemas.openxmlformats.org/officeDocument/2006/relationships" xmlns:p14="http://schemas.microsoft.com/office/powerpoint/2010/main" xmlns:p15="http://schemas.microsoft.com/office/powerpoint/2012/main" xmlns:mc="http://schemas.openxmlformats.org/markup-compatibility/2006" type="blank" preserve="1">
+<p:sldLayout xmlns:a="http://schemas.openxmlformats.org/drawingml/2006/main" xmlns:r="http://schemas.openxmlformats.org/officeDocument/2006/relationships" xmlns:p="http://schemas.openxmlformats.org/presentationml/2006/main" type="blank" preserve="1">
   <p:cSld name="Title, 6 Content">
     <p:spTree>
       <p:nvGrpSpPr>
@@ -4187,16 +4536,17 @@
           </a:prstGeom>
         </p:spPr>
         <p:txBody>
-          <a:bodyPr lIns="0" rIns="0" tIns="0" bIns="0" anchor="ctr"/>
+          <a:bodyPr lIns="0" tIns="0" rIns="0" bIns="0" anchor="ctr"/>
+          <a:lstStyle/>
           <a:p>
             <a:pPr algn="ctr"/>
-            <a:endParaRPr b="0" lang="en-GB" sz="4400" spc="-1" strike="noStrike">
-              <a:solidFill>
-                <a:srgbClr val="000000"/>
-              </a:solidFill>
-              <a:uFill>
-                <a:solidFill>
-                  <a:srgbClr val="ffffff"/>
+            <a:endParaRPr lang="en-GB" sz="4400" b="0" strike="noStrike" spc="-1">
+              <a:solidFill>
+                <a:srgbClr val="000000"/>
+              </a:solidFill>
+              <a:uFill>
+                <a:solidFill>
+                  <a:srgbClr val="FFFFFF"/>
                 </a:solidFill>
               </a:uFill>
               <a:latin typeface="Arial"/>
@@ -4224,15 +4574,16 @@
           </a:prstGeom>
         </p:spPr>
         <p:txBody>
-          <a:bodyPr lIns="0" rIns="0" tIns="0" bIns="0"/>
-          <a:p>
-            <a:endParaRPr b="0" lang="en-GB" sz="3200" spc="-1" strike="noStrike">
-              <a:solidFill>
-                <a:srgbClr val="000000"/>
-              </a:solidFill>
-              <a:uFill>
-                <a:solidFill>
-                  <a:srgbClr val="ffffff"/>
+          <a:bodyPr lIns="0" tIns="0" rIns="0" bIns="0"/>
+          <a:lstStyle/>
+          <a:p>
+            <a:endParaRPr lang="en-GB" sz="3200" b="0" strike="noStrike" spc="-1">
+              <a:solidFill>
+                <a:srgbClr val="000000"/>
+              </a:solidFill>
+              <a:uFill>
+                <a:solidFill>
+                  <a:srgbClr val="FFFFFF"/>
                 </a:solidFill>
               </a:uFill>
               <a:latin typeface="Arial"/>
@@ -4260,15 +4611,16 @@
           </a:prstGeom>
         </p:spPr>
         <p:txBody>
-          <a:bodyPr lIns="0" rIns="0" tIns="0" bIns="0"/>
-          <a:p>
-            <a:endParaRPr b="0" lang="en-GB" sz="3200" spc="-1" strike="noStrike">
-              <a:solidFill>
-                <a:srgbClr val="000000"/>
-              </a:solidFill>
-              <a:uFill>
-                <a:solidFill>
-                  <a:srgbClr val="ffffff"/>
+          <a:bodyPr lIns="0" tIns="0" rIns="0" bIns="0"/>
+          <a:lstStyle/>
+          <a:p>
+            <a:endParaRPr lang="en-GB" sz="3200" b="0" strike="noStrike" spc="-1">
+              <a:solidFill>
+                <a:srgbClr val="000000"/>
+              </a:solidFill>
+              <a:uFill>
+                <a:solidFill>
+                  <a:srgbClr val="FFFFFF"/>
                 </a:solidFill>
               </a:uFill>
               <a:latin typeface="Arial"/>
@@ -4278,7 +4630,7 @@
       </p:sp>
       <p:pic>
         <p:nvPicPr>
-          <p:cNvPr id="107" name="" descr=""/>
+          <p:cNvPr id="107" name="Picture 106"/>
           <p:cNvPicPr/>
           <p:nvPr/>
         </p:nvPicPr>
@@ -4301,12 +4653,12 @@
       </p:pic>
       <p:pic>
         <p:nvPicPr>
-          <p:cNvPr id="108" name="" descr=""/>
+          <p:cNvPr id="108" name="Picture 107"/>
           <p:cNvPicPr/>
           <p:nvPr/>
         </p:nvPicPr>
         <p:blipFill>
-          <a:blip r:embed="rId3"/>
+          <a:blip r:embed="rId2"/>
           <a:stretch/>
         </p:blipFill>
         <p:spPr>
@@ -4324,11 +4676,14 @@
       </p:pic>
     </p:spTree>
   </p:cSld>
+  <p:clrMapOvr>
+    <a:masterClrMapping/>
+  </p:clrMapOvr>
 </p:sldLayout>
 </file>
 
 <file path=ppt/slideLayouts/slideLayout4.xml><?xml version="1.0" encoding="utf-8"?>
-<p:sldLayout xmlns:a="http://schemas.openxmlformats.org/drawingml/2006/main" xmlns:p="http://schemas.openxmlformats.org/presentationml/2006/main" xmlns:r="http://schemas.openxmlformats.org/officeDocument/2006/relationships" xmlns:p14="http://schemas.microsoft.com/office/powerpoint/2010/main" xmlns:p15="http://schemas.microsoft.com/office/powerpoint/2012/main" xmlns:mc="http://schemas.openxmlformats.org/markup-compatibility/2006" type="twoObj" preserve="1">
+<p:sldLayout xmlns:a="http://schemas.openxmlformats.org/drawingml/2006/main" xmlns:r="http://schemas.openxmlformats.org/officeDocument/2006/relationships" xmlns:p="http://schemas.openxmlformats.org/presentationml/2006/main" type="twoObj" preserve="1">
   <p:cSld name="Title, 2 Content">
     <p:spTree>
       <p:nvGrpSpPr>
@@ -4364,16 +4719,17 @@
           </a:prstGeom>
         </p:spPr>
         <p:txBody>
-          <a:bodyPr lIns="0" rIns="0" tIns="0" bIns="0" anchor="ctr"/>
+          <a:bodyPr lIns="0" tIns="0" rIns="0" bIns="0" anchor="ctr"/>
+          <a:lstStyle/>
           <a:p>
             <a:pPr algn="ctr"/>
-            <a:endParaRPr b="0" lang="en-GB" sz="4400" spc="-1" strike="noStrike">
-              <a:solidFill>
-                <a:srgbClr val="000000"/>
-              </a:solidFill>
-              <a:uFill>
-                <a:solidFill>
-                  <a:srgbClr val="ffffff"/>
+            <a:endParaRPr lang="en-GB" sz="4400" b="0" strike="noStrike" spc="-1">
+              <a:solidFill>
+                <a:srgbClr val="000000"/>
+              </a:solidFill>
+              <a:uFill>
+                <a:solidFill>
+                  <a:srgbClr val="FFFFFF"/>
                 </a:solidFill>
               </a:uFill>
               <a:latin typeface="Arial"/>
@@ -4401,15 +4757,16 @@
           </a:prstGeom>
         </p:spPr>
         <p:txBody>
-          <a:bodyPr lIns="0" rIns="0" tIns="0" bIns="0"/>
-          <a:p>
-            <a:endParaRPr b="0" lang="en-GB" sz="3200" spc="-1" strike="noStrike">
-              <a:solidFill>
-                <a:srgbClr val="000000"/>
-              </a:solidFill>
-              <a:uFill>
-                <a:solidFill>
-                  <a:srgbClr val="ffffff"/>
+          <a:bodyPr lIns="0" tIns="0" rIns="0" bIns="0"/>
+          <a:lstStyle/>
+          <a:p>
+            <a:endParaRPr lang="en-GB" sz="3200" b="0" strike="noStrike" spc="-1">
+              <a:solidFill>
+                <a:srgbClr val="000000"/>
+              </a:solidFill>
+              <a:uFill>
+                <a:solidFill>
+                  <a:srgbClr val="FFFFFF"/>
                 </a:solidFill>
               </a:uFill>
               <a:latin typeface="Arial"/>
@@ -4437,15 +4794,16 @@
           </a:prstGeom>
         </p:spPr>
         <p:txBody>
-          <a:bodyPr lIns="0" rIns="0" tIns="0" bIns="0"/>
-          <a:p>
-            <a:endParaRPr b="0" lang="en-GB" sz="3200" spc="-1" strike="noStrike">
-              <a:solidFill>
-                <a:srgbClr val="000000"/>
-              </a:solidFill>
-              <a:uFill>
-                <a:solidFill>
-                  <a:srgbClr val="ffffff"/>
+          <a:bodyPr lIns="0" tIns="0" rIns="0" bIns="0"/>
+          <a:lstStyle/>
+          <a:p>
+            <a:endParaRPr lang="en-GB" sz="3200" b="0" strike="noStrike" spc="-1">
+              <a:solidFill>
+                <a:srgbClr val="000000"/>
+              </a:solidFill>
+              <a:uFill>
+                <a:solidFill>
+                  <a:srgbClr val="FFFFFF"/>
                 </a:solidFill>
               </a:uFill>
               <a:latin typeface="Arial"/>
@@ -4455,11 +4813,14 @@
       </p:sp>
     </p:spTree>
   </p:cSld>
+  <p:clrMapOvr>
+    <a:masterClrMapping/>
+  </p:clrMapOvr>
 </p:sldLayout>
 </file>
 
 <file path=ppt/slideLayouts/slideLayout5.xml><?xml version="1.0" encoding="utf-8"?>
-<p:sldLayout xmlns:a="http://schemas.openxmlformats.org/drawingml/2006/main" xmlns:p="http://schemas.openxmlformats.org/presentationml/2006/main" xmlns:r="http://schemas.openxmlformats.org/officeDocument/2006/relationships" xmlns:p14="http://schemas.microsoft.com/office/powerpoint/2010/main" xmlns:p15="http://schemas.microsoft.com/office/powerpoint/2012/main" xmlns:mc="http://schemas.openxmlformats.org/markup-compatibility/2006" type="titleOnly" preserve="1">
+<p:sldLayout xmlns:a="http://schemas.openxmlformats.org/drawingml/2006/main" xmlns:r="http://schemas.openxmlformats.org/officeDocument/2006/relationships" xmlns:p="http://schemas.openxmlformats.org/presentationml/2006/main" type="titleOnly" preserve="1">
   <p:cSld name="Title Only">
     <p:spTree>
       <p:nvGrpSpPr>
@@ -4495,16 +4856,17 @@
           </a:prstGeom>
         </p:spPr>
         <p:txBody>
-          <a:bodyPr lIns="0" rIns="0" tIns="0" bIns="0" anchor="ctr"/>
+          <a:bodyPr lIns="0" tIns="0" rIns="0" bIns="0" anchor="ctr"/>
+          <a:lstStyle/>
           <a:p>
             <a:pPr algn="ctr"/>
-            <a:endParaRPr b="0" lang="en-GB" sz="4400" spc="-1" strike="noStrike">
-              <a:solidFill>
-                <a:srgbClr val="000000"/>
-              </a:solidFill>
-              <a:uFill>
-                <a:solidFill>
-                  <a:srgbClr val="ffffff"/>
+            <a:endParaRPr lang="en-GB" sz="4400" b="0" strike="noStrike" spc="-1">
+              <a:solidFill>
+                <a:srgbClr val="000000"/>
+              </a:solidFill>
+              <a:uFill>
+                <a:solidFill>
+                  <a:srgbClr val="FFFFFF"/>
                 </a:solidFill>
               </a:uFill>
               <a:latin typeface="Arial"/>
@@ -4514,11 +4876,14 @@
       </p:sp>
     </p:spTree>
   </p:cSld>
+  <p:clrMapOvr>
+    <a:masterClrMapping/>
+  </p:clrMapOvr>
 </p:sldLayout>
 </file>
 
 <file path=ppt/slideLayouts/slideLayout6.xml><?xml version="1.0" encoding="utf-8"?>
-<p:sldLayout xmlns:a="http://schemas.openxmlformats.org/drawingml/2006/main" xmlns:p="http://schemas.openxmlformats.org/presentationml/2006/main" xmlns:r="http://schemas.openxmlformats.org/officeDocument/2006/relationships" xmlns:p14="http://schemas.microsoft.com/office/powerpoint/2010/main" xmlns:p15="http://schemas.microsoft.com/office/powerpoint/2012/main" xmlns:mc="http://schemas.openxmlformats.org/markup-compatibility/2006" type="objOnly" preserve="1">
+<p:sldLayout xmlns:a="http://schemas.openxmlformats.org/drawingml/2006/main" xmlns:r="http://schemas.openxmlformats.org/officeDocument/2006/relationships" xmlns:p="http://schemas.openxmlformats.org/presentationml/2006/main" type="objOnly" preserve="1">
   <p:cSld name="Centered Text">
     <p:spTree>
       <p:nvGrpSpPr>
@@ -4554,16 +4919,17 @@
           </a:prstGeom>
         </p:spPr>
         <p:txBody>
-          <a:bodyPr lIns="0" rIns="0" tIns="0" bIns="0" anchor="ctr"/>
+          <a:bodyPr lIns="0" tIns="0" rIns="0" bIns="0" anchor="ctr"/>
+          <a:lstStyle/>
           <a:p>
             <a:pPr algn="ctr"/>
-            <a:endParaRPr b="0" lang="en-GB" sz="3200" spc="-1" strike="noStrike">
-              <a:solidFill>
-                <a:srgbClr val="000000"/>
-              </a:solidFill>
-              <a:uFill>
-                <a:solidFill>
-                  <a:srgbClr val="ffffff"/>
+            <a:endParaRPr lang="en-GB" sz="3200" b="0" strike="noStrike" spc="-1">
+              <a:solidFill>
+                <a:srgbClr val="000000"/>
+              </a:solidFill>
+              <a:uFill>
+                <a:solidFill>
+                  <a:srgbClr val="FFFFFF"/>
                 </a:solidFill>
               </a:uFill>
               <a:latin typeface="Arial"/>
@@ -4573,11 +4939,14 @@
       </p:sp>
     </p:spTree>
   </p:cSld>
+  <p:clrMapOvr>
+    <a:masterClrMapping/>
+  </p:clrMapOvr>
 </p:sldLayout>
 </file>
 
 <file path=ppt/slideLayouts/slideLayout7.xml><?xml version="1.0" encoding="utf-8"?>
-<p:sldLayout xmlns:a="http://schemas.openxmlformats.org/drawingml/2006/main" xmlns:p="http://schemas.openxmlformats.org/presentationml/2006/main" xmlns:r="http://schemas.openxmlformats.org/officeDocument/2006/relationships" xmlns:p14="http://schemas.microsoft.com/office/powerpoint/2010/main" xmlns:p15="http://schemas.microsoft.com/office/powerpoint/2012/main" xmlns:mc="http://schemas.openxmlformats.org/markup-compatibility/2006" type="twoObjAndObj" preserve="1">
+<p:sldLayout xmlns:a="http://schemas.openxmlformats.org/drawingml/2006/main" xmlns:r="http://schemas.openxmlformats.org/officeDocument/2006/relationships" xmlns:p="http://schemas.openxmlformats.org/presentationml/2006/main" type="twoObjAndObj" preserve="1">
   <p:cSld name="Title, 2 Content and Content">
     <p:spTree>
       <p:nvGrpSpPr>
@@ -4613,16 +4982,17 @@
           </a:prstGeom>
         </p:spPr>
         <p:txBody>
-          <a:bodyPr lIns="0" rIns="0" tIns="0" bIns="0" anchor="ctr"/>
+          <a:bodyPr lIns="0" tIns="0" rIns="0" bIns="0" anchor="ctr"/>
+          <a:lstStyle/>
           <a:p>
             <a:pPr algn="ctr"/>
-            <a:endParaRPr b="0" lang="en-GB" sz="4400" spc="-1" strike="noStrike">
-              <a:solidFill>
-                <a:srgbClr val="000000"/>
-              </a:solidFill>
-              <a:uFill>
-                <a:solidFill>
-                  <a:srgbClr val="ffffff"/>
+            <a:endParaRPr lang="en-GB" sz="4400" b="0" strike="noStrike" spc="-1">
+              <a:solidFill>
+                <a:srgbClr val="000000"/>
+              </a:solidFill>
+              <a:uFill>
+                <a:solidFill>
+                  <a:srgbClr val="FFFFFF"/>
                 </a:solidFill>
               </a:uFill>
               <a:latin typeface="Arial"/>
@@ -4650,15 +5020,16 @@
           </a:prstGeom>
         </p:spPr>
         <p:txBody>
-          <a:bodyPr lIns="0" rIns="0" tIns="0" bIns="0"/>
-          <a:p>
-            <a:endParaRPr b="0" lang="en-GB" sz="3200" spc="-1" strike="noStrike">
-              <a:solidFill>
-                <a:srgbClr val="000000"/>
-              </a:solidFill>
-              <a:uFill>
-                <a:solidFill>
-                  <a:srgbClr val="ffffff"/>
+          <a:bodyPr lIns="0" tIns="0" rIns="0" bIns="0"/>
+          <a:lstStyle/>
+          <a:p>
+            <a:endParaRPr lang="en-GB" sz="3200" b="0" strike="noStrike" spc="-1">
+              <a:solidFill>
+                <a:srgbClr val="000000"/>
+              </a:solidFill>
+              <a:uFill>
+                <a:solidFill>
+                  <a:srgbClr val="FFFFFF"/>
                 </a:solidFill>
               </a:uFill>
               <a:latin typeface="Arial"/>
@@ -4686,15 +5057,16 @@
           </a:prstGeom>
         </p:spPr>
         <p:txBody>
-          <a:bodyPr lIns="0" rIns="0" tIns="0" bIns="0"/>
-          <a:p>
-            <a:endParaRPr b="0" lang="en-GB" sz="3200" spc="-1" strike="noStrike">
-              <a:solidFill>
-                <a:srgbClr val="000000"/>
-              </a:solidFill>
-              <a:uFill>
-                <a:solidFill>
-                  <a:srgbClr val="ffffff"/>
+          <a:bodyPr lIns="0" tIns="0" rIns="0" bIns="0"/>
+          <a:lstStyle/>
+          <a:p>
+            <a:endParaRPr lang="en-GB" sz="3200" b="0" strike="noStrike" spc="-1">
+              <a:solidFill>
+                <a:srgbClr val="000000"/>
+              </a:solidFill>
+              <a:uFill>
+                <a:solidFill>
+                  <a:srgbClr val="FFFFFF"/>
                 </a:solidFill>
               </a:uFill>
               <a:latin typeface="Arial"/>
@@ -4722,15 +5094,16 @@
           </a:prstGeom>
         </p:spPr>
         <p:txBody>
-          <a:bodyPr lIns="0" rIns="0" tIns="0" bIns="0"/>
-          <a:p>
-            <a:endParaRPr b="0" lang="en-GB" sz="3200" spc="-1" strike="noStrike">
-              <a:solidFill>
-                <a:srgbClr val="000000"/>
-              </a:solidFill>
-              <a:uFill>
-                <a:solidFill>
-                  <a:srgbClr val="ffffff"/>
+          <a:bodyPr lIns="0" tIns="0" rIns="0" bIns="0"/>
+          <a:lstStyle/>
+          <a:p>
+            <a:endParaRPr lang="en-GB" sz="3200" b="0" strike="noStrike" spc="-1">
+              <a:solidFill>
+                <a:srgbClr val="000000"/>
+              </a:solidFill>
+              <a:uFill>
+                <a:solidFill>
+                  <a:srgbClr val="FFFFFF"/>
                 </a:solidFill>
               </a:uFill>
               <a:latin typeface="Arial"/>
@@ -4740,11 +5113,14 @@
       </p:sp>
     </p:spTree>
   </p:cSld>
+  <p:clrMapOvr>
+    <a:masterClrMapping/>
+  </p:clrMapOvr>
 </p:sldLayout>
 </file>
 
 <file path=ppt/slideLayouts/slideLayout8.xml><?xml version="1.0" encoding="utf-8"?>
-<p:sldLayout xmlns:a="http://schemas.openxmlformats.org/drawingml/2006/main" xmlns:p="http://schemas.openxmlformats.org/presentationml/2006/main" xmlns:r="http://schemas.openxmlformats.org/officeDocument/2006/relationships" xmlns:p14="http://schemas.microsoft.com/office/powerpoint/2010/main" xmlns:p15="http://schemas.microsoft.com/office/powerpoint/2012/main" xmlns:mc="http://schemas.openxmlformats.org/markup-compatibility/2006" type="objAndTwoObj" preserve="1">
+<p:sldLayout xmlns:a="http://schemas.openxmlformats.org/drawingml/2006/main" xmlns:r="http://schemas.openxmlformats.org/officeDocument/2006/relationships" xmlns:p="http://schemas.openxmlformats.org/presentationml/2006/main" type="objAndTwoObj" preserve="1">
   <p:cSld name="Title Content and 2 Content">
     <p:spTree>
       <p:nvGrpSpPr>
@@ -4780,16 +5156,17 @@
           </a:prstGeom>
         </p:spPr>
         <p:txBody>
-          <a:bodyPr lIns="0" rIns="0" tIns="0" bIns="0" anchor="ctr"/>
+          <a:bodyPr lIns="0" tIns="0" rIns="0" bIns="0" anchor="ctr"/>
+          <a:lstStyle/>
           <a:p>
             <a:pPr algn="ctr"/>
-            <a:endParaRPr b="0" lang="en-GB" sz="4400" spc="-1" strike="noStrike">
-              <a:solidFill>
-                <a:srgbClr val="000000"/>
-              </a:solidFill>
-              <a:uFill>
-                <a:solidFill>
-                  <a:srgbClr val="ffffff"/>
+            <a:endParaRPr lang="en-GB" sz="4400" b="0" strike="noStrike" spc="-1">
+              <a:solidFill>
+                <a:srgbClr val="000000"/>
+              </a:solidFill>
+              <a:uFill>
+                <a:solidFill>
+                  <a:srgbClr val="FFFFFF"/>
                 </a:solidFill>
               </a:uFill>
               <a:latin typeface="Arial"/>
@@ -4817,15 +5194,16 @@
           </a:prstGeom>
         </p:spPr>
         <p:txBody>
-          <a:bodyPr lIns="0" rIns="0" tIns="0" bIns="0"/>
-          <a:p>
-            <a:endParaRPr b="0" lang="en-GB" sz="3200" spc="-1" strike="noStrike">
-              <a:solidFill>
-                <a:srgbClr val="000000"/>
-              </a:solidFill>
-              <a:uFill>
-                <a:solidFill>
-                  <a:srgbClr val="ffffff"/>
+          <a:bodyPr lIns="0" tIns="0" rIns="0" bIns="0"/>
+          <a:lstStyle/>
+          <a:p>
+            <a:endParaRPr lang="en-GB" sz="3200" b="0" strike="noStrike" spc="-1">
+              <a:solidFill>
+                <a:srgbClr val="000000"/>
+              </a:solidFill>
+              <a:uFill>
+                <a:solidFill>
+                  <a:srgbClr val="FFFFFF"/>
                 </a:solidFill>
               </a:uFill>
               <a:latin typeface="Arial"/>
@@ -4853,15 +5231,16 @@
           </a:prstGeom>
         </p:spPr>
         <p:txBody>
-          <a:bodyPr lIns="0" rIns="0" tIns="0" bIns="0"/>
-          <a:p>
-            <a:endParaRPr b="0" lang="en-GB" sz="3200" spc="-1" strike="noStrike">
-              <a:solidFill>
-                <a:srgbClr val="000000"/>
-              </a:solidFill>
-              <a:uFill>
-                <a:solidFill>
-                  <a:srgbClr val="ffffff"/>
+          <a:bodyPr lIns="0" tIns="0" rIns="0" bIns="0"/>
+          <a:lstStyle/>
+          <a:p>
+            <a:endParaRPr lang="en-GB" sz="3200" b="0" strike="noStrike" spc="-1">
+              <a:solidFill>
+                <a:srgbClr val="000000"/>
+              </a:solidFill>
+              <a:uFill>
+                <a:solidFill>
+                  <a:srgbClr val="FFFFFF"/>
                 </a:solidFill>
               </a:uFill>
               <a:latin typeface="Arial"/>
@@ -4889,15 +5268,16 @@
           </a:prstGeom>
         </p:spPr>
         <p:txBody>
-          <a:bodyPr lIns="0" rIns="0" tIns="0" bIns="0"/>
-          <a:p>
-            <a:endParaRPr b="0" lang="en-GB" sz="3200" spc="-1" strike="noStrike">
-              <a:solidFill>
-                <a:srgbClr val="000000"/>
-              </a:solidFill>
-              <a:uFill>
-                <a:solidFill>
-                  <a:srgbClr val="ffffff"/>
+          <a:bodyPr lIns="0" tIns="0" rIns="0" bIns="0"/>
+          <a:lstStyle/>
+          <a:p>
+            <a:endParaRPr lang="en-GB" sz="3200" b="0" strike="noStrike" spc="-1">
+              <a:solidFill>
+                <a:srgbClr val="000000"/>
+              </a:solidFill>
+              <a:uFill>
+                <a:solidFill>
+                  <a:srgbClr val="FFFFFF"/>
                 </a:solidFill>
               </a:uFill>
               <a:latin typeface="Arial"/>
@@ -4907,11 +5287,14 @@
       </p:sp>
     </p:spTree>
   </p:cSld>
+  <p:clrMapOvr>
+    <a:masterClrMapping/>
+  </p:clrMapOvr>
 </p:sldLayout>
 </file>
 
 <file path=ppt/slideLayouts/slideLayout9.xml><?xml version="1.0" encoding="utf-8"?>
-<p:sldLayout xmlns:a="http://schemas.openxmlformats.org/drawingml/2006/main" xmlns:p="http://schemas.openxmlformats.org/presentationml/2006/main" xmlns:r="http://schemas.openxmlformats.org/officeDocument/2006/relationships" xmlns:p14="http://schemas.microsoft.com/office/powerpoint/2010/main" xmlns:p15="http://schemas.microsoft.com/office/powerpoint/2012/main" xmlns:mc="http://schemas.openxmlformats.org/markup-compatibility/2006" type="twoObjOverTx" preserve="1">
+<p:sldLayout xmlns:a="http://schemas.openxmlformats.org/drawingml/2006/main" xmlns:r="http://schemas.openxmlformats.org/officeDocument/2006/relationships" xmlns:p="http://schemas.openxmlformats.org/presentationml/2006/main" type="twoObjOverTx" preserve="1">
   <p:cSld name="Title, 2 Content over Content">
     <p:spTree>
       <p:nvGrpSpPr>
@@ -4947,16 +5330,17 @@
           </a:prstGeom>
         </p:spPr>
         <p:txBody>
-          <a:bodyPr lIns="0" rIns="0" tIns="0" bIns="0" anchor="ctr"/>
+          <a:bodyPr lIns="0" tIns="0" rIns="0" bIns="0" anchor="ctr"/>
+          <a:lstStyle/>
           <a:p>
             <a:pPr algn="ctr"/>
-            <a:endParaRPr b="0" lang="en-GB" sz="4400" spc="-1" strike="noStrike">
-              <a:solidFill>
-                <a:srgbClr val="000000"/>
-              </a:solidFill>
-              <a:uFill>
-                <a:solidFill>
-                  <a:srgbClr val="ffffff"/>
+            <a:endParaRPr lang="en-GB" sz="4400" b="0" strike="noStrike" spc="-1">
+              <a:solidFill>
+                <a:srgbClr val="000000"/>
+              </a:solidFill>
+              <a:uFill>
+                <a:solidFill>
+                  <a:srgbClr val="FFFFFF"/>
                 </a:solidFill>
               </a:uFill>
               <a:latin typeface="Arial"/>
@@ -4984,15 +5368,16 @@
           </a:prstGeom>
         </p:spPr>
         <p:txBody>
-          <a:bodyPr lIns="0" rIns="0" tIns="0" bIns="0"/>
-          <a:p>
-            <a:endParaRPr b="0" lang="en-GB" sz="3200" spc="-1" strike="noStrike">
-              <a:solidFill>
-                <a:srgbClr val="000000"/>
-              </a:solidFill>
-              <a:uFill>
-                <a:solidFill>
-                  <a:srgbClr val="ffffff"/>
+          <a:bodyPr lIns="0" tIns="0" rIns="0" bIns="0"/>
+          <a:lstStyle/>
+          <a:p>
+            <a:endParaRPr lang="en-GB" sz="3200" b="0" strike="noStrike" spc="-1">
+              <a:solidFill>
+                <a:srgbClr val="000000"/>
+              </a:solidFill>
+              <a:uFill>
+                <a:solidFill>
+                  <a:srgbClr val="FFFFFF"/>
                 </a:solidFill>
               </a:uFill>
               <a:latin typeface="Arial"/>
@@ -5020,15 +5405,16 @@
           </a:prstGeom>
         </p:spPr>
         <p:txBody>
-          <a:bodyPr lIns="0" rIns="0" tIns="0" bIns="0"/>
-          <a:p>
-            <a:endParaRPr b="0" lang="en-GB" sz="3200" spc="-1" strike="noStrike">
-              <a:solidFill>
-                <a:srgbClr val="000000"/>
-              </a:solidFill>
-              <a:uFill>
-                <a:solidFill>
-                  <a:srgbClr val="ffffff"/>
+          <a:bodyPr lIns="0" tIns="0" rIns="0" bIns="0"/>
+          <a:lstStyle/>
+          <a:p>
+            <a:endParaRPr lang="en-GB" sz="3200" b="0" strike="noStrike" spc="-1">
+              <a:solidFill>
+                <a:srgbClr val="000000"/>
+              </a:solidFill>
+              <a:uFill>
+                <a:solidFill>
+                  <a:srgbClr val="FFFFFF"/>
                 </a:solidFill>
               </a:uFill>
               <a:latin typeface="Arial"/>
@@ -5056,15 +5442,16 @@
           </a:prstGeom>
         </p:spPr>
         <p:txBody>
-          <a:bodyPr lIns="0" rIns="0" tIns="0" bIns="0"/>
-          <a:p>
-            <a:endParaRPr b="0" lang="en-GB" sz="3200" spc="-1" strike="noStrike">
-              <a:solidFill>
-                <a:srgbClr val="000000"/>
-              </a:solidFill>
-              <a:uFill>
-                <a:solidFill>
-                  <a:srgbClr val="ffffff"/>
+          <a:bodyPr lIns="0" tIns="0" rIns="0" bIns="0"/>
+          <a:lstStyle/>
+          <a:p>
+            <a:endParaRPr lang="en-GB" sz="3200" b="0" strike="noStrike" spc="-1">
+              <a:solidFill>
+                <a:srgbClr val="000000"/>
+              </a:solidFill>
+              <a:uFill>
+                <a:solidFill>
+                  <a:srgbClr val="FFFFFF"/>
                 </a:solidFill>
               </a:uFill>
               <a:latin typeface="Arial"/>
@@ -5074,17 +5461,21 @@
       </p:sp>
     </p:spTree>
   </p:cSld>
+  <p:clrMapOvr>
+    <a:masterClrMapping/>
+  </p:clrMapOvr>
 </p:sldLayout>
 </file>
 
 <file path=ppt/slideMasters/slideMaster1.xml><?xml version="1.0" encoding="utf-8"?>
-<p:sldMaster xmlns:a="http://schemas.openxmlformats.org/drawingml/2006/main" xmlns:p="http://schemas.openxmlformats.org/presentationml/2006/main" xmlns:r="http://schemas.openxmlformats.org/officeDocument/2006/relationships" xmlns:p14="http://schemas.microsoft.com/office/powerpoint/2010/main" xmlns:p15="http://schemas.microsoft.com/office/powerpoint/2012/main" xmlns:mc="http://schemas.openxmlformats.org/markup-compatibility/2006">
+<p:sldMaster xmlns:a="http://schemas.openxmlformats.org/drawingml/2006/main" xmlns:r="http://schemas.openxmlformats.org/officeDocument/2006/relationships" xmlns:p="http://schemas.openxmlformats.org/presentationml/2006/main">
   <p:cSld>
     <p:bg>
       <p:bgPr>
         <a:solidFill>
-          <a:srgbClr val="ffffff"/>
+          <a:srgbClr val="FFFFFF"/>
         </a:solidFill>
+        <a:effectLst/>
       </p:bgPr>
     </p:bg>
     <p:spTree>
@@ -5103,7 +5494,7 @@
       </p:grpSpPr>
       <p:sp>
         <p:nvSpPr>
-          <p:cNvPr id="0" name="PlaceHolder 1"/>
+          <p:cNvPr id="2" name="PlaceHolder 1"/>
           <p:cNvSpPr>
             <a:spLocks noGrp="1"/>
           </p:cNvSpPr>
@@ -5121,40 +5512,30 @@
           </a:prstGeom>
         </p:spPr>
         <p:txBody>
-          <a:bodyPr lIns="0" rIns="0" tIns="0" bIns="0" anchor="ctr"/>
+          <a:bodyPr lIns="0" tIns="0" rIns="0" bIns="0" anchor="ctr"/>
+          <a:lstStyle/>
           <a:p>
             <a:pPr algn="ctr"/>
             <a:r>
-              <a:rPr b="0" lang="en-GB" sz="4400" spc="-1" strike="noStrike">
+              <a:rPr lang="en-GB" sz="4400" b="0" strike="noStrike" spc="-1">
                 <a:solidFill>
                   <a:srgbClr val="000000"/>
                 </a:solidFill>
                 <a:uFill>
                   <a:solidFill>
-                    <a:srgbClr val="ffffff"/>
+                    <a:srgbClr val="FFFFFF"/>
                   </a:solidFill>
                 </a:uFill>
                 <a:latin typeface="Arial"/>
               </a:rPr>
               <a:t>Click to edit the title text format</a:t>
             </a:r>
-            <a:endParaRPr b="0" lang="en-GB" sz="4400" spc="-1" strike="noStrike">
-              <a:solidFill>
-                <a:srgbClr val="000000"/>
-              </a:solidFill>
-              <a:uFill>
-                <a:solidFill>
-                  <a:srgbClr val="ffffff"/>
-                </a:solidFill>
-              </a:uFill>
-              <a:latin typeface="Arial"/>
-            </a:endParaRPr>
-          </a:p>
-        </p:txBody>
-      </p:sp>
-      <p:sp>
-        <p:nvSpPr>
-          <p:cNvPr id="1" name="PlaceHolder 2"/>
+          </a:p>
+        </p:txBody>
+      </p:sp>
+      <p:sp>
+        <p:nvSpPr>
+          <p:cNvPr id="3" name="PlaceHolder 2"/>
           <p:cNvSpPr>
             <a:spLocks noGrp="1"/>
           </p:cNvSpPr>
@@ -5172,7 +5553,8 @@
           </a:prstGeom>
         </p:spPr>
         <p:txBody>
-          <a:bodyPr lIns="0" rIns="0" tIns="0" bIns="0"/>
+          <a:bodyPr lIns="0" tIns="0" rIns="0" bIns="0"/>
+          <a:lstStyle/>
           <a:p>
             <a:pPr marL="432000" indent="-324000">
               <a:spcBef>
@@ -5186,33 +5568,22 @@
               <a:buChar char=""/>
             </a:pPr>
             <a:r>
-              <a:rPr b="0" lang="en-GB" sz="3200" spc="-1" strike="noStrike">
+              <a:rPr lang="en-GB" sz="3200" b="0" strike="noStrike" spc="-1">
                 <a:solidFill>
                   <a:srgbClr val="000000"/>
                 </a:solidFill>
                 <a:uFill>
                   <a:solidFill>
-                    <a:srgbClr val="ffffff"/>
+                    <a:srgbClr val="FFFFFF"/>
                   </a:solidFill>
                 </a:uFill>
                 <a:latin typeface="Arial"/>
               </a:rPr>
               <a:t>Click to edit the outline text format</a:t>
             </a:r>
-            <a:endParaRPr b="0" lang="en-GB" sz="3200" spc="-1" strike="noStrike">
-              <a:solidFill>
-                <a:srgbClr val="000000"/>
-              </a:solidFill>
-              <a:uFill>
-                <a:solidFill>
-                  <a:srgbClr val="ffffff"/>
-                </a:solidFill>
-              </a:uFill>
-              <a:latin typeface="Arial"/>
-            </a:endParaRPr>
-          </a:p>
-          <a:p>
-            <a:pPr lvl="1" marL="864000" indent="-324000">
+          </a:p>
+          <a:p>
+            <a:pPr marL="864000" lvl="1" indent="-324000">
               <a:spcBef>
                 <a:spcPts val="1134"/>
               </a:spcBef>
@@ -5224,33 +5595,22 @@
               <a:buChar char=""/>
             </a:pPr>
             <a:r>
-              <a:rPr b="0" lang="en-GB" sz="2800" spc="-1" strike="noStrike">
+              <a:rPr lang="en-GB" sz="2800" b="0" strike="noStrike" spc="-1">
                 <a:solidFill>
                   <a:srgbClr val="000000"/>
                 </a:solidFill>
                 <a:uFill>
                   <a:solidFill>
-                    <a:srgbClr val="ffffff"/>
+                    <a:srgbClr val="FFFFFF"/>
                   </a:solidFill>
                 </a:uFill>
                 <a:latin typeface="Arial"/>
               </a:rPr>
               <a:t>Second Outline Level</a:t>
             </a:r>
-            <a:endParaRPr b="0" lang="en-GB" sz="2800" spc="-1" strike="noStrike">
-              <a:solidFill>
-                <a:srgbClr val="000000"/>
-              </a:solidFill>
-              <a:uFill>
-                <a:solidFill>
-                  <a:srgbClr val="ffffff"/>
-                </a:solidFill>
-              </a:uFill>
-              <a:latin typeface="Arial"/>
-            </a:endParaRPr>
-          </a:p>
-          <a:p>
-            <a:pPr lvl="2" marL="1296000" indent="-288000">
+          </a:p>
+          <a:p>
+            <a:pPr marL="1296000" lvl="2" indent="-288000">
               <a:spcBef>
                 <a:spcPts val="850"/>
               </a:spcBef>
@@ -5262,33 +5622,22 @@
               <a:buChar char=""/>
             </a:pPr>
             <a:r>
-              <a:rPr b="0" lang="en-GB" sz="2400" spc="-1" strike="noStrike">
+              <a:rPr lang="en-GB" sz="2400" b="0" strike="noStrike" spc="-1">
                 <a:solidFill>
                   <a:srgbClr val="000000"/>
                 </a:solidFill>
                 <a:uFill>
                   <a:solidFill>
-                    <a:srgbClr val="ffffff"/>
+                    <a:srgbClr val="FFFFFF"/>
                   </a:solidFill>
                 </a:uFill>
                 <a:latin typeface="Arial"/>
               </a:rPr>
               <a:t>Third Outline Level</a:t>
             </a:r>
-            <a:endParaRPr b="0" lang="en-GB" sz="2400" spc="-1" strike="noStrike">
-              <a:solidFill>
-                <a:srgbClr val="000000"/>
-              </a:solidFill>
-              <a:uFill>
-                <a:solidFill>
-                  <a:srgbClr val="ffffff"/>
-                </a:solidFill>
-              </a:uFill>
-              <a:latin typeface="Arial"/>
-            </a:endParaRPr>
-          </a:p>
-          <a:p>
-            <a:pPr lvl="3" marL="1728000" indent="-216000">
+          </a:p>
+          <a:p>
+            <a:pPr marL="1728000" lvl="3" indent="-216000">
               <a:spcBef>
                 <a:spcPts val="567"/>
               </a:spcBef>
@@ -5300,33 +5649,22 @@
               <a:buChar char=""/>
             </a:pPr>
             <a:r>
-              <a:rPr b="0" lang="en-GB" sz="2000" spc="-1" strike="noStrike">
+              <a:rPr lang="en-GB" sz="2000" b="0" strike="noStrike" spc="-1">
                 <a:solidFill>
                   <a:srgbClr val="000000"/>
                 </a:solidFill>
                 <a:uFill>
                   <a:solidFill>
-                    <a:srgbClr val="ffffff"/>
+                    <a:srgbClr val="FFFFFF"/>
                   </a:solidFill>
                 </a:uFill>
                 <a:latin typeface="Arial"/>
               </a:rPr>
               <a:t>Fourth Outline Level</a:t>
             </a:r>
-            <a:endParaRPr b="0" lang="en-GB" sz="2000" spc="-1" strike="noStrike">
-              <a:solidFill>
-                <a:srgbClr val="000000"/>
-              </a:solidFill>
-              <a:uFill>
-                <a:solidFill>
-                  <a:srgbClr val="ffffff"/>
-                </a:solidFill>
-              </a:uFill>
-              <a:latin typeface="Arial"/>
-            </a:endParaRPr>
-          </a:p>
-          <a:p>
-            <a:pPr lvl="4" marL="2160000" indent="-216000">
+          </a:p>
+          <a:p>
+            <a:pPr marL="2160000" lvl="4" indent="-216000">
               <a:spcBef>
                 <a:spcPts val="283"/>
               </a:spcBef>
@@ -5338,33 +5676,22 @@
               <a:buChar char=""/>
             </a:pPr>
             <a:r>
-              <a:rPr b="0" lang="en-GB" sz="2000" spc="-1" strike="noStrike">
+              <a:rPr lang="en-GB" sz="2000" b="0" strike="noStrike" spc="-1">
                 <a:solidFill>
                   <a:srgbClr val="000000"/>
                 </a:solidFill>
                 <a:uFill>
                   <a:solidFill>
-                    <a:srgbClr val="ffffff"/>
+                    <a:srgbClr val="FFFFFF"/>
                   </a:solidFill>
                 </a:uFill>
                 <a:latin typeface="Arial"/>
               </a:rPr>
               <a:t>Fifth Outline Level</a:t>
             </a:r>
-            <a:endParaRPr b="0" lang="en-GB" sz="2000" spc="-1" strike="noStrike">
-              <a:solidFill>
-                <a:srgbClr val="000000"/>
-              </a:solidFill>
-              <a:uFill>
-                <a:solidFill>
-                  <a:srgbClr val="ffffff"/>
-                </a:solidFill>
-              </a:uFill>
-              <a:latin typeface="Arial"/>
-            </a:endParaRPr>
-          </a:p>
-          <a:p>
-            <a:pPr lvl="5" marL="2592000" indent="-216000">
+          </a:p>
+          <a:p>
+            <a:pPr marL="2592000" lvl="5" indent="-216000">
               <a:spcBef>
                 <a:spcPts val="283"/>
               </a:spcBef>
@@ -5376,33 +5703,22 @@
               <a:buChar char=""/>
             </a:pPr>
             <a:r>
-              <a:rPr b="0" lang="en-GB" sz="2000" spc="-1" strike="noStrike">
+              <a:rPr lang="en-GB" sz="2000" b="0" strike="noStrike" spc="-1">
                 <a:solidFill>
                   <a:srgbClr val="000000"/>
                 </a:solidFill>
                 <a:uFill>
                   <a:solidFill>
-                    <a:srgbClr val="ffffff"/>
+                    <a:srgbClr val="FFFFFF"/>
                   </a:solidFill>
                 </a:uFill>
                 <a:latin typeface="Arial"/>
               </a:rPr>
               <a:t>Sixth Outline Level</a:t>
             </a:r>
-            <a:endParaRPr b="0" lang="en-GB" sz="2000" spc="-1" strike="noStrike">
-              <a:solidFill>
-                <a:srgbClr val="000000"/>
-              </a:solidFill>
-              <a:uFill>
-                <a:solidFill>
-                  <a:srgbClr val="ffffff"/>
-                </a:solidFill>
-              </a:uFill>
-              <a:latin typeface="Arial"/>
-            </a:endParaRPr>
-          </a:p>
-          <a:p>
-            <a:pPr lvl="6" marL="3024000" indent="-216000">
+          </a:p>
+          <a:p>
+            <a:pPr marL="3024000" lvl="6" indent="-216000">
               <a:spcBef>
                 <a:spcPts val="283"/>
               </a:spcBef>
@@ -5414,61 +5730,331 @@
               <a:buChar char=""/>
             </a:pPr>
             <a:r>
-              <a:rPr b="0" lang="en-GB" sz="2000" spc="-1" strike="noStrike">
+              <a:rPr lang="en-GB" sz="2000" b="0" strike="noStrike" spc="-1">
                 <a:solidFill>
                   <a:srgbClr val="000000"/>
                 </a:solidFill>
                 <a:uFill>
                   <a:solidFill>
-                    <a:srgbClr val="ffffff"/>
+                    <a:srgbClr val="FFFFFF"/>
                   </a:solidFill>
                 </a:uFill>
                 <a:latin typeface="Arial"/>
               </a:rPr>
               <a:t>Seventh Outline Level</a:t>
             </a:r>
-            <a:endParaRPr b="0" lang="en-GB" sz="2000" spc="-1" strike="noStrike">
-              <a:solidFill>
-                <a:srgbClr val="000000"/>
-              </a:solidFill>
-              <a:uFill>
-                <a:solidFill>
-                  <a:srgbClr val="ffffff"/>
-                </a:solidFill>
-              </a:uFill>
-              <a:latin typeface="Arial"/>
-            </a:endParaRPr>
           </a:p>
         </p:txBody>
       </p:sp>
     </p:spTree>
   </p:cSld>
-  <p:clrMap bg1="lt1" bg2="lt2" tx1="dk1" tx2="dk2" accent1="accent1" accent2="accent2" accent3="accent3" accent4="accent4" accent5="accent5" accent6="accent6" hlink="hlink" folHlink="folHlink"/>
+  <p:clrMap bg1="lt1" tx1="dk1" bg2="lt2" tx2="dk2" accent1="accent1" accent2="accent2" accent3="accent3" accent4="accent4" accent5="accent5" accent6="accent6" hlink="hlink" folHlink="folHlink"/>
   <p:sldLayoutIdLst>
-    <p:sldLayoutId id="2147483649" r:id="rId2"/>
-    <p:sldLayoutId id="2147483650" r:id="rId3"/>
-    <p:sldLayoutId id="2147483651" r:id="rId4"/>
-    <p:sldLayoutId id="2147483652" r:id="rId5"/>
-    <p:sldLayoutId id="2147483653" r:id="rId6"/>
-    <p:sldLayoutId id="2147483654" r:id="rId7"/>
-    <p:sldLayoutId id="2147483655" r:id="rId8"/>
-    <p:sldLayoutId id="2147483656" r:id="rId9"/>
-    <p:sldLayoutId id="2147483657" r:id="rId10"/>
-    <p:sldLayoutId id="2147483658" r:id="rId11"/>
-    <p:sldLayoutId id="2147483659" r:id="rId12"/>
-    <p:sldLayoutId id="2147483660" r:id="rId13"/>
+    <p:sldLayoutId id="2147483649" r:id="rId1"/>
+    <p:sldLayoutId id="2147483650" r:id="rId2"/>
+    <p:sldLayoutId id="2147483651" r:id="rId3"/>
+    <p:sldLayoutId id="2147483652" r:id="rId4"/>
+    <p:sldLayoutId id="2147483653" r:id="rId5"/>
+    <p:sldLayoutId id="2147483654" r:id="rId6"/>
+    <p:sldLayoutId id="2147483655" r:id="rId7"/>
+    <p:sldLayoutId id="2147483656" r:id="rId8"/>
+    <p:sldLayoutId id="2147483657" r:id="rId9"/>
+    <p:sldLayoutId id="2147483658" r:id="rId10"/>
+    <p:sldLayoutId id="2147483659" r:id="rId11"/>
+    <p:sldLayoutId id="2147483660" r:id="rId12"/>
   </p:sldLayoutIdLst>
+  <p:txStyles>
+    <p:titleStyle>
+      <a:lvl1pPr algn="l" defTabSz="914400" rtl="0" eaLnBrk="1" latinLnBrk="0" hangingPunct="1">
+        <a:lnSpc>
+          <a:spcPct val="90000"/>
+        </a:lnSpc>
+        <a:spcBef>
+          <a:spcPct val="0"/>
+        </a:spcBef>
+        <a:buNone/>
+        <a:defRPr sz="4400" kern="1200">
+          <a:solidFill>
+            <a:schemeClr val="tx1"/>
+          </a:solidFill>
+          <a:latin typeface="+mj-lt"/>
+          <a:ea typeface="+mj-ea"/>
+          <a:cs typeface="+mj-cs"/>
+        </a:defRPr>
+      </a:lvl1pPr>
+    </p:titleStyle>
+    <p:bodyStyle>
+      <a:lvl1pPr marL="228600" indent="-228600" algn="l" defTabSz="914400" rtl="0" eaLnBrk="1" latinLnBrk="0" hangingPunct="1">
+        <a:lnSpc>
+          <a:spcPct val="90000"/>
+        </a:lnSpc>
+        <a:spcBef>
+          <a:spcPts val="1000"/>
+        </a:spcBef>
+        <a:buFont typeface="Arial"/>
+        <a:buChar char="•"/>
+        <a:defRPr sz="2800" kern="1200">
+          <a:solidFill>
+            <a:schemeClr val="tx1"/>
+          </a:solidFill>
+          <a:latin typeface="+mn-lt"/>
+          <a:ea typeface="+mn-ea"/>
+          <a:cs typeface="+mn-cs"/>
+        </a:defRPr>
+      </a:lvl1pPr>
+      <a:lvl2pPr marL="685800" indent="-228600" algn="l" defTabSz="914400" rtl="0" eaLnBrk="1" latinLnBrk="0" hangingPunct="1">
+        <a:lnSpc>
+          <a:spcPct val="90000"/>
+        </a:lnSpc>
+        <a:spcBef>
+          <a:spcPts val="500"/>
+        </a:spcBef>
+        <a:buFont typeface="Arial"/>
+        <a:buChar char="•"/>
+        <a:defRPr sz="2400" kern="1200">
+          <a:solidFill>
+            <a:schemeClr val="tx1"/>
+          </a:solidFill>
+          <a:latin typeface="+mn-lt"/>
+          <a:ea typeface="+mn-ea"/>
+          <a:cs typeface="+mn-cs"/>
+        </a:defRPr>
+      </a:lvl2pPr>
+      <a:lvl3pPr marL="1143000" indent="-228600" algn="l" defTabSz="914400" rtl="0" eaLnBrk="1" latinLnBrk="0" hangingPunct="1">
+        <a:lnSpc>
+          <a:spcPct val="90000"/>
+        </a:lnSpc>
+        <a:spcBef>
+          <a:spcPts val="500"/>
+        </a:spcBef>
+        <a:buFont typeface="Arial"/>
+        <a:buChar char="•"/>
+        <a:defRPr sz="2000" kern="1200">
+          <a:solidFill>
+            <a:schemeClr val="tx1"/>
+          </a:solidFill>
+          <a:latin typeface="+mn-lt"/>
+          <a:ea typeface="+mn-ea"/>
+          <a:cs typeface="+mn-cs"/>
+        </a:defRPr>
+      </a:lvl3pPr>
+      <a:lvl4pPr marL="1600200" indent="-228600" algn="l" defTabSz="914400" rtl="0" eaLnBrk="1" latinLnBrk="0" hangingPunct="1">
+        <a:lnSpc>
+          <a:spcPct val="90000"/>
+        </a:lnSpc>
+        <a:spcBef>
+          <a:spcPts val="500"/>
+        </a:spcBef>
+        <a:buFont typeface="Arial"/>
+        <a:buChar char="•"/>
+        <a:defRPr sz="1800" kern="1200">
+          <a:solidFill>
+            <a:schemeClr val="tx1"/>
+          </a:solidFill>
+          <a:latin typeface="+mn-lt"/>
+          <a:ea typeface="+mn-ea"/>
+          <a:cs typeface="+mn-cs"/>
+        </a:defRPr>
+      </a:lvl4pPr>
+      <a:lvl5pPr marL="2057400" indent="-228600" algn="l" defTabSz="914400" rtl="0" eaLnBrk="1" latinLnBrk="0" hangingPunct="1">
+        <a:lnSpc>
+          <a:spcPct val="90000"/>
+        </a:lnSpc>
+        <a:spcBef>
+          <a:spcPts val="500"/>
+        </a:spcBef>
+        <a:buFont typeface="Arial"/>
+        <a:buChar char="•"/>
+        <a:defRPr sz="1800" kern="1200">
+          <a:solidFill>
+            <a:schemeClr val="tx1"/>
+          </a:solidFill>
+          <a:latin typeface="+mn-lt"/>
+          <a:ea typeface="+mn-ea"/>
+          <a:cs typeface="+mn-cs"/>
+        </a:defRPr>
+      </a:lvl5pPr>
+      <a:lvl6pPr marL="2514600" indent="-228600" algn="l" defTabSz="914400" rtl="0" eaLnBrk="1" latinLnBrk="0" hangingPunct="1">
+        <a:lnSpc>
+          <a:spcPct val="90000"/>
+        </a:lnSpc>
+        <a:spcBef>
+          <a:spcPts val="500"/>
+        </a:spcBef>
+        <a:buFont typeface="Arial"/>
+        <a:buChar char="•"/>
+        <a:defRPr sz="1800" kern="1200">
+          <a:solidFill>
+            <a:schemeClr val="tx1"/>
+          </a:solidFill>
+          <a:latin typeface="+mn-lt"/>
+          <a:ea typeface="+mn-ea"/>
+          <a:cs typeface="+mn-cs"/>
+        </a:defRPr>
+      </a:lvl6pPr>
+      <a:lvl7pPr marL="2971800" indent="-228600" algn="l" defTabSz="914400" rtl="0" eaLnBrk="1" latinLnBrk="0" hangingPunct="1">
+        <a:lnSpc>
+          <a:spcPct val="90000"/>
+        </a:lnSpc>
+        <a:spcBef>
+          <a:spcPts val="500"/>
+        </a:spcBef>
+        <a:buFont typeface="Arial"/>
+        <a:buChar char="•"/>
+        <a:defRPr sz="1800" kern="1200">
+          <a:solidFill>
+            <a:schemeClr val="tx1"/>
+          </a:solidFill>
+          <a:latin typeface="+mn-lt"/>
+          <a:ea typeface="+mn-ea"/>
+          <a:cs typeface="+mn-cs"/>
+        </a:defRPr>
+      </a:lvl7pPr>
+      <a:lvl8pPr marL="3429000" indent="-228600" algn="l" defTabSz="914400" rtl="0" eaLnBrk="1" latinLnBrk="0" hangingPunct="1">
+        <a:lnSpc>
+          <a:spcPct val="90000"/>
+        </a:lnSpc>
+        <a:spcBef>
+          <a:spcPts val="500"/>
+        </a:spcBef>
+        <a:buFont typeface="Arial"/>
+        <a:buChar char="•"/>
+        <a:defRPr sz="1800" kern="1200">
+          <a:solidFill>
+            <a:schemeClr val="tx1"/>
+          </a:solidFill>
+          <a:latin typeface="+mn-lt"/>
+          <a:ea typeface="+mn-ea"/>
+          <a:cs typeface="+mn-cs"/>
+        </a:defRPr>
+      </a:lvl8pPr>
+      <a:lvl9pPr marL="3886200" indent="-228600" algn="l" defTabSz="914400" rtl="0" eaLnBrk="1" latinLnBrk="0" hangingPunct="1">
+        <a:lnSpc>
+          <a:spcPct val="90000"/>
+        </a:lnSpc>
+        <a:spcBef>
+          <a:spcPts val="500"/>
+        </a:spcBef>
+        <a:buFont typeface="Arial"/>
+        <a:buChar char="•"/>
+        <a:defRPr sz="1800" kern="1200">
+          <a:solidFill>
+            <a:schemeClr val="tx1"/>
+          </a:solidFill>
+          <a:latin typeface="+mn-lt"/>
+          <a:ea typeface="+mn-ea"/>
+          <a:cs typeface="+mn-cs"/>
+        </a:defRPr>
+      </a:lvl9pPr>
+    </p:bodyStyle>
+    <p:otherStyle>
+      <a:defPPr>
+        <a:defRPr lang="en-US"/>
+      </a:defPPr>
+      <a:lvl1pPr marL="0" algn="l" defTabSz="914400" rtl="0" eaLnBrk="1" latinLnBrk="0" hangingPunct="1">
+        <a:defRPr sz="1800" kern="1200">
+          <a:solidFill>
+            <a:schemeClr val="tx1"/>
+          </a:solidFill>
+          <a:latin typeface="+mn-lt"/>
+          <a:ea typeface="+mn-ea"/>
+          <a:cs typeface="+mn-cs"/>
+        </a:defRPr>
+      </a:lvl1pPr>
+      <a:lvl2pPr marL="457200" algn="l" defTabSz="914400" rtl="0" eaLnBrk="1" latinLnBrk="0" hangingPunct="1">
+        <a:defRPr sz="1800" kern="1200">
+          <a:solidFill>
+            <a:schemeClr val="tx1"/>
+          </a:solidFill>
+          <a:latin typeface="+mn-lt"/>
+          <a:ea typeface="+mn-ea"/>
+          <a:cs typeface="+mn-cs"/>
+        </a:defRPr>
+      </a:lvl2pPr>
+      <a:lvl3pPr marL="914400" algn="l" defTabSz="914400" rtl="0" eaLnBrk="1" latinLnBrk="0" hangingPunct="1">
+        <a:defRPr sz="1800" kern="1200">
+          <a:solidFill>
+            <a:schemeClr val="tx1"/>
+          </a:solidFill>
+          <a:latin typeface="+mn-lt"/>
+          <a:ea typeface="+mn-ea"/>
+          <a:cs typeface="+mn-cs"/>
+        </a:defRPr>
+      </a:lvl3pPr>
+      <a:lvl4pPr marL="1371600" algn="l" defTabSz="914400" rtl="0" eaLnBrk="1" latinLnBrk="0" hangingPunct="1">
+        <a:defRPr sz="1800" kern="1200">
+          <a:solidFill>
+            <a:schemeClr val="tx1"/>
+          </a:solidFill>
+          <a:latin typeface="+mn-lt"/>
+          <a:ea typeface="+mn-ea"/>
+          <a:cs typeface="+mn-cs"/>
+        </a:defRPr>
+      </a:lvl4pPr>
+      <a:lvl5pPr marL="1828800" algn="l" defTabSz="914400" rtl="0" eaLnBrk="1" latinLnBrk="0" hangingPunct="1">
+        <a:defRPr sz="1800" kern="1200">
+          <a:solidFill>
+            <a:schemeClr val="tx1"/>
+          </a:solidFill>
+          <a:latin typeface="+mn-lt"/>
+          <a:ea typeface="+mn-ea"/>
+          <a:cs typeface="+mn-cs"/>
+        </a:defRPr>
+      </a:lvl5pPr>
+      <a:lvl6pPr marL="2286000" algn="l" defTabSz="914400" rtl="0" eaLnBrk="1" latinLnBrk="0" hangingPunct="1">
+        <a:defRPr sz="1800" kern="1200">
+          <a:solidFill>
+            <a:schemeClr val="tx1"/>
+          </a:solidFill>
+          <a:latin typeface="+mn-lt"/>
+          <a:ea typeface="+mn-ea"/>
+          <a:cs typeface="+mn-cs"/>
+        </a:defRPr>
+      </a:lvl6pPr>
+      <a:lvl7pPr marL="2743200" algn="l" defTabSz="914400" rtl="0" eaLnBrk="1" latinLnBrk="0" hangingPunct="1">
+        <a:defRPr sz="1800" kern="1200">
+          <a:solidFill>
+            <a:schemeClr val="tx1"/>
+          </a:solidFill>
+          <a:latin typeface="+mn-lt"/>
+          <a:ea typeface="+mn-ea"/>
+          <a:cs typeface="+mn-cs"/>
+        </a:defRPr>
+      </a:lvl7pPr>
+      <a:lvl8pPr marL="3200400" algn="l" defTabSz="914400" rtl="0" eaLnBrk="1" latinLnBrk="0" hangingPunct="1">
+        <a:defRPr sz="1800" kern="1200">
+          <a:solidFill>
+            <a:schemeClr val="tx1"/>
+          </a:solidFill>
+          <a:latin typeface="+mn-lt"/>
+          <a:ea typeface="+mn-ea"/>
+          <a:cs typeface="+mn-cs"/>
+        </a:defRPr>
+      </a:lvl8pPr>
+      <a:lvl9pPr marL="3657600" algn="l" defTabSz="914400" rtl="0" eaLnBrk="1" latinLnBrk="0" hangingPunct="1">
+        <a:defRPr sz="1800" kern="1200">
+          <a:solidFill>
+            <a:schemeClr val="tx1"/>
+          </a:solidFill>
+          <a:latin typeface="+mn-lt"/>
+          <a:ea typeface="+mn-ea"/>
+          <a:cs typeface="+mn-cs"/>
+        </a:defRPr>
+      </a:lvl9pPr>
+    </p:otherStyle>
+  </p:txStyles>
 </p:sldMaster>
 </file>
 
 <file path=ppt/slideMasters/slideMaster2.xml><?xml version="1.0" encoding="utf-8"?>
-<p:sldMaster xmlns:a="http://schemas.openxmlformats.org/drawingml/2006/main" xmlns:p="http://schemas.openxmlformats.org/presentationml/2006/main" xmlns:r="http://schemas.openxmlformats.org/officeDocument/2006/relationships" xmlns:p14="http://schemas.microsoft.com/office/powerpoint/2010/main" xmlns:p15="http://schemas.microsoft.com/office/powerpoint/2012/main" xmlns:mc="http://schemas.openxmlformats.org/markup-compatibility/2006">
+<p:sldMaster xmlns:a="http://schemas.openxmlformats.org/drawingml/2006/main" xmlns:r="http://schemas.openxmlformats.org/officeDocument/2006/relationships" xmlns:p="http://schemas.openxmlformats.org/presentationml/2006/main">
   <p:cSld>
     <p:bg>
       <p:bgPr>
         <a:solidFill>
-          <a:srgbClr val="ffffff"/>
+          <a:srgbClr val="FFFFFF"/>
         </a:solidFill>
+        <a:effectLst/>
       </p:bgPr>
     </p:bg>
     <p:spTree>
@@ -5505,34 +6091,24 @@
           </a:prstGeom>
         </p:spPr>
         <p:txBody>
-          <a:bodyPr lIns="0" rIns="0" tIns="0" bIns="0" anchor="ctr"/>
+          <a:bodyPr lIns="0" tIns="0" rIns="0" bIns="0" anchor="ctr"/>
+          <a:lstStyle/>
           <a:p>
             <a:pPr algn="ctr"/>
             <a:r>
-              <a:rPr b="0" lang="en-GB" sz="4400" spc="-1" strike="noStrike">
+              <a:rPr lang="en-GB" sz="4400" b="0" strike="noStrike" spc="-1">
                 <a:solidFill>
                   <a:srgbClr val="000000"/>
                 </a:solidFill>
                 <a:uFill>
                   <a:solidFill>
-                    <a:srgbClr val="ffffff"/>
+                    <a:srgbClr val="FFFFFF"/>
                   </a:solidFill>
                 </a:uFill>
                 <a:latin typeface="Arial"/>
               </a:rPr>
               <a:t>Click to edit the title text format</a:t>
             </a:r>
-            <a:endParaRPr b="0" lang="en-GB" sz="4400" spc="-1" strike="noStrike">
-              <a:solidFill>
-                <a:srgbClr val="000000"/>
-              </a:solidFill>
-              <a:uFill>
-                <a:solidFill>
-                  <a:srgbClr val="ffffff"/>
-                </a:solidFill>
-              </a:uFill>
-              <a:latin typeface="Arial"/>
-            </a:endParaRPr>
           </a:p>
         </p:txBody>
       </p:sp>
@@ -5556,7 +6132,8 @@
           </a:prstGeom>
         </p:spPr>
         <p:txBody>
-          <a:bodyPr lIns="0" rIns="0" tIns="0" bIns="0"/>
+          <a:bodyPr lIns="0" tIns="0" rIns="0" bIns="0"/>
+          <a:lstStyle/>
           <a:p>
             <a:pPr marL="432000" indent="-324000">
               <a:spcBef>
@@ -5570,33 +6147,22 @@
               <a:buChar char=""/>
             </a:pPr>
             <a:r>
-              <a:rPr b="0" lang="en-GB" sz="3200" spc="-1" strike="noStrike">
+              <a:rPr lang="en-GB" sz="3200" b="0" strike="noStrike" spc="-1">
                 <a:solidFill>
                   <a:srgbClr val="000000"/>
                 </a:solidFill>
                 <a:uFill>
                   <a:solidFill>
-                    <a:srgbClr val="ffffff"/>
+                    <a:srgbClr val="FFFFFF"/>
                   </a:solidFill>
                 </a:uFill>
                 <a:latin typeface="Arial"/>
               </a:rPr>
               <a:t>Click to edit the outline text format</a:t>
             </a:r>
-            <a:endParaRPr b="0" lang="en-GB" sz="3200" spc="-1" strike="noStrike">
-              <a:solidFill>
-                <a:srgbClr val="000000"/>
-              </a:solidFill>
-              <a:uFill>
-                <a:solidFill>
-                  <a:srgbClr val="ffffff"/>
-                </a:solidFill>
-              </a:uFill>
-              <a:latin typeface="Arial"/>
-            </a:endParaRPr>
-          </a:p>
-          <a:p>
-            <a:pPr lvl="1" marL="864000" indent="-324000">
+          </a:p>
+          <a:p>
+            <a:pPr marL="864000" lvl="1" indent="-324000">
               <a:spcBef>
                 <a:spcPts val="1134"/>
               </a:spcBef>
@@ -5608,33 +6174,22 @@
               <a:buChar char=""/>
             </a:pPr>
             <a:r>
-              <a:rPr b="0" lang="en-GB" sz="2800" spc="-1" strike="noStrike">
+              <a:rPr lang="en-GB" sz="2800" b="0" strike="noStrike" spc="-1">
                 <a:solidFill>
                   <a:srgbClr val="000000"/>
                 </a:solidFill>
                 <a:uFill>
                   <a:solidFill>
-                    <a:srgbClr val="ffffff"/>
+                    <a:srgbClr val="FFFFFF"/>
                   </a:solidFill>
                 </a:uFill>
                 <a:latin typeface="Arial"/>
               </a:rPr>
               <a:t>Second Outline Level</a:t>
             </a:r>
-            <a:endParaRPr b="0" lang="en-GB" sz="2800" spc="-1" strike="noStrike">
-              <a:solidFill>
-                <a:srgbClr val="000000"/>
-              </a:solidFill>
-              <a:uFill>
-                <a:solidFill>
-                  <a:srgbClr val="ffffff"/>
-                </a:solidFill>
-              </a:uFill>
-              <a:latin typeface="Arial"/>
-            </a:endParaRPr>
-          </a:p>
-          <a:p>
-            <a:pPr lvl="2" marL="1296000" indent="-288000">
+          </a:p>
+          <a:p>
+            <a:pPr marL="1296000" lvl="2" indent="-288000">
               <a:spcBef>
                 <a:spcPts val="850"/>
               </a:spcBef>
@@ -5646,33 +6201,22 @@
               <a:buChar char=""/>
             </a:pPr>
             <a:r>
-              <a:rPr b="0" lang="en-GB" sz="2400" spc="-1" strike="noStrike">
+              <a:rPr lang="en-GB" sz="2400" b="0" strike="noStrike" spc="-1">
                 <a:solidFill>
                   <a:srgbClr val="000000"/>
                 </a:solidFill>
                 <a:uFill>
                   <a:solidFill>
-                    <a:srgbClr val="ffffff"/>
+                    <a:srgbClr val="FFFFFF"/>
                   </a:solidFill>
                 </a:uFill>
                 <a:latin typeface="Arial"/>
               </a:rPr>
               <a:t>Third Outline Level</a:t>
             </a:r>
-            <a:endParaRPr b="0" lang="en-GB" sz="2400" spc="-1" strike="noStrike">
-              <a:solidFill>
-                <a:srgbClr val="000000"/>
-              </a:solidFill>
-              <a:uFill>
-                <a:solidFill>
-                  <a:srgbClr val="ffffff"/>
-                </a:solidFill>
-              </a:uFill>
-              <a:latin typeface="Arial"/>
-            </a:endParaRPr>
-          </a:p>
-          <a:p>
-            <a:pPr lvl="3" marL="1728000" indent="-216000">
+          </a:p>
+          <a:p>
+            <a:pPr marL="1728000" lvl="3" indent="-216000">
               <a:spcBef>
                 <a:spcPts val="567"/>
               </a:spcBef>
@@ -5684,33 +6228,22 @@
               <a:buChar char=""/>
             </a:pPr>
             <a:r>
-              <a:rPr b="0" lang="en-GB" sz="2000" spc="-1" strike="noStrike">
+              <a:rPr lang="en-GB" sz="2000" b="0" strike="noStrike" spc="-1">
                 <a:solidFill>
                   <a:srgbClr val="000000"/>
                 </a:solidFill>
                 <a:uFill>
                   <a:solidFill>
-                    <a:srgbClr val="ffffff"/>
+                    <a:srgbClr val="FFFFFF"/>
                   </a:solidFill>
                 </a:uFill>
                 <a:latin typeface="Arial"/>
               </a:rPr>
               <a:t>Fourth Outline Level</a:t>
             </a:r>
-            <a:endParaRPr b="0" lang="en-GB" sz="2000" spc="-1" strike="noStrike">
-              <a:solidFill>
-                <a:srgbClr val="000000"/>
-              </a:solidFill>
-              <a:uFill>
-                <a:solidFill>
-                  <a:srgbClr val="ffffff"/>
-                </a:solidFill>
-              </a:uFill>
-              <a:latin typeface="Arial"/>
-            </a:endParaRPr>
-          </a:p>
-          <a:p>
-            <a:pPr lvl="4" marL="2160000" indent="-216000">
+          </a:p>
+          <a:p>
+            <a:pPr marL="2160000" lvl="4" indent="-216000">
               <a:spcBef>
                 <a:spcPts val="283"/>
               </a:spcBef>
@@ -5722,33 +6255,22 @@
               <a:buChar char=""/>
             </a:pPr>
             <a:r>
-              <a:rPr b="0" lang="en-GB" sz="2000" spc="-1" strike="noStrike">
+              <a:rPr lang="en-GB" sz="2000" b="0" strike="noStrike" spc="-1">
                 <a:solidFill>
                   <a:srgbClr val="000000"/>
                 </a:solidFill>
                 <a:uFill>
                   <a:solidFill>
-                    <a:srgbClr val="ffffff"/>
+                    <a:srgbClr val="FFFFFF"/>
                   </a:solidFill>
                 </a:uFill>
                 <a:latin typeface="Arial"/>
               </a:rPr>
               <a:t>Fifth Outline Level</a:t>
             </a:r>
-            <a:endParaRPr b="0" lang="en-GB" sz="2000" spc="-1" strike="noStrike">
-              <a:solidFill>
-                <a:srgbClr val="000000"/>
-              </a:solidFill>
-              <a:uFill>
-                <a:solidFill>
-                  <a:srgbClr val="ffffff"/>
-                </a:solidFill>
-              </a:uFill>
-              <a:latin typeface="Arial"/>
-            </a:endParaRPr>
-          </a:p>
-          <a:p>
-            <a:pPr lvl="5" marL="2592000" indent="-216000">
+          </a:p>
+          <a:p>
+            <a:pPr marL="2592000" lvl="5" indent="-216000">
               <a:spcBef>
                 <a:spcPts val="283"/>
               </a:spcBef>
@@ -5760,33 +6282,22 @@
               <a:buChar char=""/>
             </a:pPr>
             <a:r>
-              <a:rPr b="0" lang="en-GB" sz="2000" spc="-1" strike="noStrike">
+              <a:rPr lang="en-GB" sz="2000" b="0" strike="noStrike" spc="-1">
                 <a:solidFill>
                   <a:srgbClr val="000000"/>
                 </a:solidFill>
                 <a:uFill>
                   <a:solidFill>
-                    <a:srgbClr val="ffffff"/>
+                    <a:srgbClr val="FFFFFF"/>
                   </a:solidFill>
                 </a:uFill>
                 <a:latin typeface="Arial"/>
               </a:rPr>
               <a:t>Sixth Outline Level</a:t>
             </a:r>
-            <a:endParaRPr b="0" lang="en-GB" sz="2000" spc="-1" strike="noStrike">
-              <a:solidFill>
-                <a:srgbClr val="000000"/>
-              </a:solidFill>
-              <a:uFill>
-                <a:solidFill>
-                  <a:srgbClr val="ffffff"/>
-                </a:solidFill>
-              </a:uFill>
-              <a:latin typeface="Arial"/>
-            </a:endParaRPr>
-          </a:p>
-          <a:p>
-            <a:pPr lvl="6" marL="3024000" indent="-216000">
+          </a:p>
+          <a:p>
+            <a:pPr marL="3024000" lvl="6" indent="-216000">
               <a:spcBef>
                 <a:spcPts val="283"/>
               </a:spcBef>
@@ -5798,61 +6309,331 @@
               <a:buChar char=""/>
             </a:pPr>
             <a:r>
-              <a:rPr b="0" lang="en-GB" sz="2000" spc="-1" strike="noStrike">
+              <a:rPr lang="en-GB" sz="2000" b="0" strike="noStrike" spc="-1">
                 <a:solidFill>
                   <a:srgbClr val="000000"/>
                 </a:solidFill>
                 <a:uFill>
                   <a:solidFill>
-                    <a:srgbClr val="ffffff"/>
+                    <a:srgbClr val="FFFFFF"/>
                   </a:solidFill>
                 </a:uFill>
                 <a:latin typeface="Arial"/>
               </a:rPr>
               <a:t>Seventh Outline Level</a:t>
             </a:r>
-            <a:endParaRPr b="0" lang="en-GB" sz="2000" spc="-1" strike="noStrike">
-              <a:solidFill>
-                <a:srgbClr val="000000"/>
-              </a:solidFill>
-              <a:uFill>
-                <a:solidFill>
-                  <a:srgbClr val="ffffff"/>
-                </a:solidFill>
-              </a:uFill>
-              <a:latin typeface="Arial"/>
-            </a:endParaRPr>
           </a:p>
         </p:txBody>
       </p:sp>
     </p:spTree>
   </p:cSld>
-  <p:clrMap bg1="lt1" bg2="lt2" tx1="dk1" tx2="dk2" accent1="accent1" accent2="accent2" accent3="accent3" accent4="accent4" accent5="accent5" accent6="accent6" hlink="hlink" folHlink="folHlink"/>
+  <p:clrMap bg1="lt1" tx1="dk1" bg2="lt2" tx2="dk2" accent1="accent1" accent2="accent2" accent3="accent3" accent4="accent4" accent5="accent5" accent6="accent6" hlink="hlink" folHlink="folHlink"/>
   <p:sldLayoutIdLst>
-    <p:sldLayoutId id="2147483662" r:id="rId2"/>
-    <p:sldLayoutId id="2147483663" r:id="rId3"/>
-    <p:sldLayoutId id="2147483664" r:id="rId4"/>
-    <p:sldLayoutId id="2147483665" r:id="rId5"/>
-    <p:sldLayoutId id="2147483666" r:id="rId6"/>
-    <p:sldLayoutId id="2147483667" r:id="rId7"/>
-    <p:sldLayoutId id="2147483668" r:id="rId8"/>
-    <p:sldLayoutId id="2147483669" r:id="rId9"/>
-    <p:sldLayoutId id="2147483670" r:id="rId10"/>
-    <p:sldLayoutId id="2147483671" r:id="rId11"/>
-    <p:sldLayoutId id="2147483672" r:id="rId12"/>
-    <p:sldLayoutId id="2147483673" r:id="rId13"/>
+    <p:sldLayoutId id="2147483662" r:id="rId1"/>
+    <p:sldLayoutId id="2147483663" r:id="rId2"/>
+    <p:sldLayoutId id="2147483664" r:id="rId3"/>
+    <p:sldLayoutId id="2147483665" r:id="rId4"/>
+    <p:sldLayoutId id="2147483666" r:id="rId5"/>
+    <p:sldLayoutId id="2147483667" r:id="rId6"/>
+    <p:sldLayoutId id="2147483668" r:id="rId7"/>
+    <p:sldLayoutId id="2147483669" r:id="rId8"/>
+    <p:sldLayoutId id="2147483670" r:id="rId9"/>
+    <p:sldLayoutId id="2147483671" r:id="rId10"/>
+    <p:sldLayoutId id="2147483672" r:id="rId11"/>
+    <p:sldLayoutId id="2147483673" r:id="rId12"/>
   </p:sldLayoutIdLst>
+  <p:txStyles>
+    <p:titleStyle>
+      <a:lvl1pPr algn="l" defTabSz="914400" rtl="0" eaLnBrk="1" latinLnBrk="0" hangingPunct="1">
+        <a:lnSpc>
+          <a:spcPct val="90000"/>
+        </a:lnSpc>
+        <a:spcBef>
+          <a:spcPct val="0"/>
+        </a:spcBef>
+        <a:buNone/>
+        <a:defRPr sz="4400" kern="1200">
+          <a:solidFill>
+            <a:schemeClr val="tx1"/>
+          </a:solidFill>
+          <a:latin typeface="+mj-lt"/>
+          <a:ea typeface="+mj-ea"/>
+          <a:cs typeface="+mj-cs"/>
+        </a:defRPr>
+      </a:lvl1pPr>
+    </p:titleStyle>
+    <p:bodyStyle>
+      <a:lvl1pPr marL="228600" indent="-228600" algn="l" defTabSz="914400" rtl="0" eaLnBrk="1" latinLnBrk="0" hangingPunct="1">
+        <a:lnSpc>
+          <a:spcPct val="90000"/>
+        </a:lnSpc>
+        <a:spcBef>
+          <a:spcPts val="1000"/>
+        </a:spcBef>
+        <a:buFont typeface="Arial"/>
+        <a:buChar char="•"/>
+        <a:defRPr sz="2800" kern="1200">
+          <a:solidFill>
+            <a:schemeClr val="tx1"/>
+          </a:solidFill>
+          <a:latin typeface="+mn-lt"/>
+          <a:ea typeface="+mn-ea"/>
+          <a:cs typeface="+mn-cs"/>
+        </a:defRPr>
+      </a:lvl1pPr>
+      <a:lvl2pPr marL="685800" indent="-228600" algn="l" defTabSz="914400" rtl="0" eaLnBrk="1" latinLnBrk="0" hangingPunct="1">
+        <a:lnSpc>
+          <a:spcPct val="90000"/>
+        </a:lnSpc>
+        <a:spcBef>
+          <a:spcPts val="500"/>
+        </a:spcBef>
+        <a:buFont typeface="Arial"/>
+        <a:buChar char="•"/>
+        <a:defRPr sz="2400" kern="1200">
+          <a:solidFill>
+            <a:schemeClr val="tx1"/>
+          </a:solidFill>
+          <a:latin typeface="+mn-lt"/>
+          <a:ea typeface="+mn-ea"/>
+          <a:cs typeface="+mn-cs"/>
+        </a:defRPr>
+      </a:lvl2pPr>
+      <a:lvl3pPr marL="1143000" indent="-228600" algn="l" defTabSz="914400" rtl="0" eaLnBrk="1" latinLnBrk="0" hangingPunct="1">
+        <a:lnSpc>
+          <a:spcPct val="90000"/>
+        </a:lnSpc>
+        <a:spcBef>
+          <a:spcPts val="500"/>
+        </a:spcBef>
+        <a:buFont typeface="Arial"/>
+        <a:buChar char="•"/>
+        <a:defRPr sz="2000" kern="1200">
+          <a:solidFill>
+            <a:schemeClr val="tx1"/>
+          </a:solidFill>
+          <a:latin typeface="+mn-lt"/>
+          <a:ea typeface="+mn-ea"/>
+          <a:cs typeface="+mn-cs"/>
+        </a:defRPr>
+      </a:lvl3pPr>
+      <a:lvl4pPr marL="1600200" indent="-228600" algn="l" defTabSz="914400" rtl="0" eaLnBrk="1" latinLnBrk="0" hangingPunct="1">
+        <a:lnSpc>
+          <a:spcPct val="90000"/>
+        </a:lnSpc>
+        <a:spcBef>
+          <a:spcPts val="500"/>
+        </a:spcBef>
+        <a:buFont typeface="Arial"/>
+        <a:buChar char="•"/>
+        <a:defRPr sz="1800" kern="1200">
+          <a:solidFill>
+            <a:schemeClr val="tx1"/>
+          </a:solidFill>
+          <a:latin typeface="+mn-lt"/>
+          <a:ea typeface="+mn-ea"/>
+          <a:cs typeface="+mn-cs"/>
+        </a:defRPr>
+      </a:lvl4pPr>
+      <a:lvl5pPr marL="2057400" indent="-228600" algn="l" defTabSz="914400" rtl="0" eaLnBrk="1" latinLnBrk="0" hangingPunct="1">
+        <a:lnSpc>
+          <a:spcPct val="90000"/>
+        </a:lnSpc>
+        <a:spcBef>
+          <a:spcPts val="500"/>
+        </a:spcBef>
+        <a:buFont typeface="Arial"/>
+        <a:buChar char="•"/>
+        <a:defRPr sz="1800" kern="1200">
+          <a:solidFill>
+            <a:schemeClr val="tx1"/>
+          </a:solidFill>
+          <a:latin typeface="+mn-lt"/>
+          <a:ea typeface="+mn-ea"/>
+          <a:cs typeface="+mn-cs"/>
+        </a:defRPr>
+      </a:lvl5pPr>
+      <a:lvl6pPr marL="2514600" indent="-228600" algn="l" defTabSz="914400" rtl="0" eaLnBrk="1" latinLnBrk="0" hangingPunct="1">
+        <a:lnSpc>
+          <a:spcPct val="90000"/>
+        </a:lnSpc>
+        <a:spcBef>
+          <a:spcPts val="500"/>
+        </a:spcBef>
+        <a:buFont typeface="Arial"/>
+        <a:buChar char="•"/>
+        <a:defRPr sz="1800" kern="1200">
+          <a:solidFill>
+            <a:schemeClr val="tx1"/>
+          </a:solidFill>
+          <a:latin typeface="+mn-lt"/>
+          <a:ea typeface="+mn-ea"/>
+          <a:cs typeface="+mn-cs"/>
+        </a:defRPr>
+      </a:lvl6pPr>
+      <a:lvl7pPr marL="2971800" indent="-228600" algn="l" defTabSz="914400" rtl="0" eaLnBrk="1" latinLnBrk="0" hangingPunct="1">
+        <a:lnSpc>
+          <a:spcPct val="90000"/>
+        </a:lnSpc>
+        <a:spcBef>
+          <a:spcPts val="500"/>
+        </a:spcBef>
+        <a:buFont typeface="Arial"/>
+        <a:buChar char="•"/>
+        <a:defRPr sz="1800" kern="1200">
+          <a:solidFill>
+            <a:schemeClr val="tx1"/>
+          </a:solidFill>
+          <a:latin typeface="+mn-lt"/>
+          <a:ea typeface="+mn-ea"/>
+          <a:cs typeface="+mn-cs"/>
+        </a:defRPr>
+      </a:lvl7pPr>
+      <a:lvl8pPr marL="3429000" indent="-228600" algn="l" defTabSz="914400" rtl="0" eaLnBrk="1" latinLnBrk="0" hangingPunct="1">
+        <a:lnSpc>
+          <a:spcPct val="90000"/>
+        </a:lnSpc>
+        <a:spcBef>
+          <a:spcPts val="500"/>
+        </a:spcBef>
+        <a:buFont typeface="Arial"/>
+        <a:buChar char="•"/>
+        <a:defRPr sz="1800" kern="1200">
+          <a:solidFill>
+            <a:schemeClr val="tx1"/>
+          </a:solidFill>
+          <a:latin typeface="+mn-lt"/>
+          <a:ea typeface="+mn-ea"/>
+          <a:cs typeface="+mn-cs"/>
+        </a:defRPr>
+      </a:lvl8pPr>
+      <a:lvl9pPr marL="3886200" indent="-228600" algn="l" defTabSz="914400" rtl="0" eaLnBrk="1" latinLnBrk="0" hangingPunct="1">
+        <a:lnSpc>
+          <a:spcPct val="90000"/>
+        </a:lnSpc>
+        <a:spcBef>
+          <a:spcPts val="500"/>
+        </a:spcBef>
+        <a:buFont typeface="Arial"/>
+        <a:buChar char="•"/>
+        <a:defRPr sz="1800" kern="1200">
+          <a:solidFill>
+            <a:schemeClr val="tx1"/>
+          </a:solidFill>
+          <a:latin typeface="+mn-lt"/>
+          <a:ea typeface="+mn-ea"/>
+          <a:cs typeface="+mn-cs"/>
+        </a:defRPr>
+      </a:lvl9pPr>
+    </p:bodyStyle>
+    <p:otherStyle>
+      <a:defPPr>
+        <a:defRPr lang="en-US"/>
+      </a:defPPr>
+      <a:lvl1pPr marL="0" algn="l" defTabSz="914400" rtl="0" eaLnBrk="1" latinLnBrk="0" hangingPunct="1">
+        <a:defRPr sz="1800" kern="1200">
+          <a:solidFill>
+            <a:schemeClr val="tx1"/>
+          </a:solidFill>
+          <a:latin typeface="+mn-lt"/>
+          <a:ea typeface="+mn-ea"/>
+          <a:cs typeface="+mn-cs"/>
+        </a:defRPr>
+      </a:lvl1pPr>
+      <a:lvl2pPr marL="457200" algn="l" defTabSz="914400" rtl="0" eaLnBrk="1" latinLnBrk="0" hangingPunct="1">
+        <a:defRPr sz="1800" kern="1200">
+          <a:solidFill>
+            <a:schemeClr val="tx1"/>
+          </a:solidFill>
+          <a:latin typeface="+mn-lt"/>
+          <a:ea typeface="+mn-ea"/>
+          <a:cs typeface="+mn-cs"/>
+        </a:defRPr>
+      </a:lvl2pPr>
+      <a:lvl3pPr marL="914400" algn="l" defTabSz="914400" rtl="0" eaLnBrk="1" latinLnBrk="0" hangingPunct="1">
+        <a:defRPr sz="1800" kern="1200">
+          <a:solidFill>
+            <a:schemeClr val="tx1"/>
+          </a:solidFill>
+          <a:latin typeface="+mn-lt"/>
+          <a:ea typeface="+mn-ea"/>
+          <a:cs typeface="+mn-cs"/>
+        </a:defRPr>
+      </a:lvl3pPr>
+      <a:lvl4pPr marL="1371600" algn="l" defTabSz="914400" rtl="0" eaLnBrk="1" latinLnBrk="0" hangingPunct="1">
+        <a:defRPr sz="1800" kern="1200">
+          <a:solidFill>
+            <a:schemeClr val="tx1"/>
+          </a:solidFill>
+          <a:latin typeface="+mn-lt"/>
+          <a:ea typeface="+mn-ea"/>
+          <a:cs typeface="+mn-cs"/>
+        </a:defRPr>
+      </a:lvl4pPr>
+      <a:lvl5pPr marL="1828800" algn="l" defTabSz="914400" rtl="0" eaLnBrk="1" latinLnBrk="0" hangingPunct="1">
+        <a:defRPr sz="1800" kern="1200">
+          <a:solidFill>
+            <a:schemeClr val="tx1"/>
+          </a:solidFill>
+          <a:latin typeface="+mn-lt"/>
+          <a:ea typeface="+mn-ea"/>
+          <a:cs typeface="+mn-cs"/>
+        </a:defRPr>
+      </a:lvl5pPr>
+      <a:lvl6pPr marL="2286000" algn="l" defTabSz="914400" rtl="0" eaLnBrk="1" latinLnBrk="0" hangingPunct="1">
+        <a:defRPr sz="1800" kern="1200">
+          <a:solidFill>
+            <a:schemeClr val="tx1"/>
+          </a:solidFill>
+          <a:latin typeface="+mn-lt"/>
+          <a:ea typeface="+mn-ea"/>
+          <a:cs typeface="+mn-cs"/>
+        </a:defRPr>
+      </a:lvl6pPr>
+      <a:lvl7pPr marL="2743200" algn="l" defTabSz="914400" rtl="0" eaLnBrk="1" latinLnBrk="0" hangingPunct="1">
+        <a:defRPr sz="1800" kern="1200">
+          <a:solidFill>
+            <a:schemeClr val="tx1"/>
+          </a:solidFill>
+          <a:latin typeface="+mn-lt"/>
+          <a:ea typeface="+mn-ea"/>
+          <a:cs typeface="+mn-cs"/>
+        </a:defRPr>
+      </a:lvl7pPr>
+      <a:lvl8pPr marL="3200400" algn="l" defTabSz="914400" rtl="0" eaLnBrk="1" latinLnBrk="0" hangingPunct="1">
+        <a:defRPr sz="1800" kern="1200">
+          <a:solidFill>
+            <a:schemeClr val="tx1"/>
+          </a:solidFill>
+          <a:latin typeface="+mn-lt"/>
+          <a:ea typeface="+mn-ea"/>
+          <a:cs typeface="+mn-cs"/>
+        </a:defRPr>
+      </a:lvl8pPr>
+      <a:lvl9pPr marL="3657600" algn="l" defTabSz="914400" rtl="0" eaLnBrk="1" latinLnBrk="0" hangingPunct="1">
+        <a:defRPr sz="1800" kern="1200">
+          <a:solidFill>
+            <a:schemeClr val="tx1"/>
+          </a:solidFill>
+          <a:latin typeface="+mn-lt"/>
+          <a:ea typeface="+mn-ea"/>
+          <a:cs typeface="+mn-cs"/>
+        </a:defRPr>
+      </a:lvl9pPr>
+    </p:otherStyle>
+  </p:txStyles>
 </p:sldMaster>
 </file>
 
 <file path=ppt/slideMasters/slideMaster3.xml><?xml version="1.0" encoding="utf-8"?>
-<p:sldMaster xmlns:a="http://schemas.openxmlformats.org/drawingml/2006/main" xmlns:p="http://schemas.openxmlformats.org/presentationml/2006/main" xmlns:r="http://schemas.openxmlformats.org/officeDocument/2006/relationships" xmlns:p14="http://schemas.microsoft.com/office/powerpoint/2010/main" xmlns:p15="http://schemas.microsoft.com/office/powerpoint/2012/main" xmlns:mc="http://schemas.openxmlformats.org/markup-compatibility/2006">
+<p:sldMaster xmlns:a="http://schemas.openxmlformats.org/drawingml/2006/main" xmlns:r="http://schemas.openxmlformats.org/officeDocument/2006/relationships" xmlns:p="http://schemas.openxmlformats.org/presentationml/2006/main">
   <p:cSld>
     <p:bg>
       <p:bgPr>
         <a:solidFill>
-          <a:srgbClr val="ffffff"/>
+          <a:srgbClr val="FFFFFF"/>
         </a:solidFill>
+        <a:effectLst/>
       </p:bgPr>
     </p:bg>
     <p:spTree>
@@ -5889,33 +6670,23 @@
           </a:prstGeom>
         </p:spPr>
         <p:txBody>
-          <a:bodyPr lIns="0" rIns="0" tIns="0" bIns="0" anchor="ctr"/>
+          <a:bodyPr lIns="0" tIns="0" rIns="0" bIns="0" anchor="ctr"/>
+          <a:lstStyle/>
           <a:p>
             <a:r>
-              <a:rPr b="0" lang="en-GB" sz="1800" spc="-1" strike="noStrike">
+              <a:rPr lang="en-GB" sz="1800" b="0" strike="noStrike" spc="-1">
                 <a:solidFill>
                   <a:srgbClr val="000000"/>
                 </a:solidFill>
                 <a:uFill>
                   <a:solidFill>
-                    <a:srgbClr val="ffffff"/>
+                    <a:srgbClr val="FFFFFF"/>
                   </a:solidFill>
                 </a:uFill>
                 <a:latin typeface="Arial"/>
               </a:rPr>
               <a:t>Click to edit the title text format</a:t>
             </a:r>
-            <a:endParaRPr b="0" lang="en-GB" sz="1800" spc="-1" strike="noStrike">
-              <a:solidFill>
-                <a:srgbClr val="000000"/>
-              </a:solidFill>
-              <a:uFill>
-                <a:solidFill>
-                  <a:srgbClr val="ffffff"/>
-                </a:solidFill>
-              </a:uFill>
-              <a:latin typeface="Arial"/>
-            </a:endParaRPr>
           </a:p>
         </p:txBody>
       </p:sp>
@@ -5939,7 +6710,8 @@
           </a:prstGeom>
         </p:spPr>
         <p:txBody>
-          <a:bodyPr lIns="0" rIns="0" tIns="0" bIns="0"/>
+          <a:bodyPr lIns="0" tIns="0" rIns="0" bIns="0"/>
+          <a:lstStyle/>
           <a:p>
             <a:pPr marL="432000" indent="-324000">
               <a:spcBef>
@@ -5953,33 +6725,22 @@
               <a:buChar char=""/>
             </a:pPr>
             <a:r>
-              <a:rPr b="0" lang="en-GB" sz="1800" spc="-1" strike="noStrike">
+              <a:rPr lang="en-GB" sz="1800" b="0" strike="noStrike" spc="-1">
                 <a:solidFill>
                   <a:srgbClr val="000000"/>
                 </a:solidFill>
                 <a:uFill>
                   <a:solidFill>
-                    <a:srgbClr val="ffffff"/>
+                    <a:srgbClr val="FFFFFF"/>
                   </a:solidFill>
                 </a:uFill>
                 <a:latin typeface="Arial"/>
               </a:rPr>
               <a:t>Click to edit the outline text format</a:t>
             </a:r>
-            <a:endParaRPr b="0" lang="en-GB" sz="1800" spc="-1" strike="noStrike">
-              <a:solidFill>
-                <a:srgbClr val="000000"/>
-              </a:solidFill>
-              <a:uFill>
-                <a:solidFill>
-                  <a:srgbClr val="ffffff"/>
-                </a:solidFill>
-              </a:uFill>
-              <a:latin typeface="Arial"/>
-            </a:endParaRPr>
-          </a:p>
-          <a:p>
-            <a:pPr lvl="1" marL="864000" indent="-324000">
+          </a:p>
+          <a:p>
+            <a:pPr marL="864000" lvl="1" indent="-324000">
               <a:spcBef>
                 <a:spcPts val="1134"/>
               </a:spcBef>
@@ -5991,33 +6752,22 @@
               <a:buChar char=""/>
             </a:pPr>
             <a:r>
-              <a:rPr b="0" lang="en-GB" sz="1800" spc="-1" strike="noStrike">
+              <a:rPr lang="en-GB" sz="1800" b="0" strike="noStrike" spc="-1">
                 <a:solidFill>
                   <a:srgbClr val="000000"/>
                 </a:solidFill>
                 <a:uFill>
                   <a:solidFill>
-                    <a:srgbClr val="ffffff"/>
+                    <a:srgbClr val="FFFFFF"/>
                   </a:solidFill>
                 </a:uFill>
                 <a:latin typeface="Arial"/>
               </a:rPr>
               <a:t>Second Outline Level</a:t>
             </a:r>
-            <a:endParaRPr b="0" lang="en-GB" sz="1800" spc="-1" strike="noStrike">
-              <a:solidFill>
-                <a:srgbClr val="000000"/>
-              </a:solidFill>
-              <a:uFill>
-                <a:solidFill>
-                  <a:srgbClr val="ffffff"/>
-                </a:solidFill>
-              </a:uFill>
-              <a:latin typeface="Arial"/>
-            </a:endParaRPr>
-          </a:p>
-          <a:p>
-            <a:pPr lvl="2" marL="1296000" indent="-288000">
+          </a:p>
+          <a:p>
+            <a:pPr marL="1296000" lvl="2" indent="-288000">
               <a:spcBef>
                 <a:spcPts val="850"/>
               </a:spcBef>
@@ -6029,33 +6779,22 @@
               <a:buChar char=""/>
             </a:pPr>
             <a:r>
-              <a:rPr b="0" lang="en-GB" sz="1800" spc="-1" strike="noStrike">
+              <a:rPr lang="en-GB" sz="1800" b="0" strike="noStrike" spc="-1">
                 <a:solidFill>
                   <a:srgbClr val="000000"/>
                 </a:solidFill>
                 <a:uFill>
                   <a:solidFill>
-                    <a:srgbClr val="ffffff"/>
+                    <a:srgbClr val="FFFFFF"/>
                   </a:solidFill>
                 </a:uFill>
                 <a:latin typeface="Arial"/>
               </a:rPr>
               <a:t>Third Outline Level</a:t>
             </a:r>
-            <a:endParaRPr b="0" lang="en-GB" sz="1800" spc="-1" strike="noStrike">
-              <a:solidFill>
-                <a:srgbClr val="000000"/>
-              </a:solidFill>
-              <a:uFill>
-                <a:solidFill>
-                  <a:srgbClr val="ffffff"/>
-                </a:solidFill>
-              </a:uFill>
-              <a:latin typeface="Arial"/>
-            </a:endParaRPr>
-          </a:p>
-          <a:p>
-            <a:pPr lvl="3" marL="1728000" indent="-216000">
+          </a:p>
+          <a:p>
+            <a:pPr marL="1728000" lvl="3" indent="-216000">
               <a:spcBef>
                 <a:spcPts val="567"/>
               </a:spcBef>
@@ -6067,33 +6806,22 @@
               <a:buChar char=""/>
             </a:pPr>
             <a:r>
-              <a:rPr b="0" lang="en-GB" sz="1800" spc="-1" strike="noStrike">
+              <a:rPr lang="en-GB" sz="1800" b="0" strike="noStrike" spc="-1">
                 <a:solidFill>
                   <a:srgbClr val="000000"/>
                 </a:solidFill>
                 <a:uFill>
                   <a:solidFill>
-                    <a:srgbClr val="ffffff"/>
+                    <a:srgbClr val="FFFFFF"/>
                   </a:solidFill>
                 </a:uFill>
                 <a:latin typeface="Arial"/>
               </a:rPr>
               <a:t>Fourth Outline Level</a:t>
             </a:r>
-            <a:endParaRPr b="0" lang="en-GB" sz="1800" spc="-1" strike="noStrike">
-              <a:solidFill>
-                <a:srgbClr val="000000"/>
-              </a:solidFill>
-              <a:uFill>
-                <a:solidFill>
-                  <a:srgbClr val="ffffff"/>
-                </a:solidFill>
-              </a:uFill>
-              <a:latin typeface="Arial"/>
-            </a:endParaRPr>
-          </a:p>
-          <a:p>
-            <a:pPr lvl="4" marL="2160000" indent="-216000">
+          </a:p>
+          <a:p>
+            <a:pPr marL="2160000" lvl="4" indent="-216000">
               <a:spcBef>
                 <a:spcPts val="283"/>
               </a:spcBef>
@@ -6105,33 +6833,22 @@
               <a:buChar char=""/>
             </a:pPr>
             <a:r>
-              <a:rPr b="0" lang="en-GB" sz="1800" spc="-1" strike="noStrike">
+              <a:rPr lang="en-GB" sz="1800" b="0" strike="noStrike" spc="-1">
                 <a:solidFill>
                   <a:srgbClr val="000000"/>
                 </a:solidFill>
                 <a:uFill>
                   <a:solidFill>
-                    <a:srgbClr val="ffffff"/>
+                    <a:srgbClr val="FFFFFF"/>
                   </a:solidFill>
                 </a:uFill>
                 <a:latin typeface="Arial"/>
               </a:rPr>
               <a:t>Fifth Outline Level</a:t>
             </a:r>
-            <a:endParaRPr b="0" lang="en-GB" sz="1800" spc="-1" strike="noStrike">
-              <a:solidFill>
-                <a:srgbClr val="000000"/>
-              </a:solidFill>
-              <a:uFill>
-                <a:solidFill>
-                  <a:srgbClr val="ffffff"/>
-                </a:solidFill>
-              </a:uFill>
-              <a:latin typeface="Arial"/>
-            </a:endParaRPr>
-          </a:p>
-          <a:p>
-            <a:pPr lvl="5" marL="2592000" indent="-216000">
+          </a:p>
+          <a:p>
+            <a:pPr marL="2592000" lvl="5" indent="-216000">
               <a:spcBef>
                 <a:spcPts val="283"/>
               </a:spcBef>
@@ -6143,33 +6860,22 @@
               <a:buChar char=""/>
             </a:pPr>
             <a:r>
-              <a:rPr b="0" lang="en-GB" sz="1800" spc="-1" strike="noStrike">
+              <a:rPr lang="en-GB" sz="1800" b="0" strike="noStrike" spc="-1">
                 <a:solidFill>
                   <a:srgbClr val="000000"/>
                 </a:solidFill>
                 <a:uFill>
                   <a:solidFill>
-                    <a:srgbClr val="ffffff"/>
+                    <a:srgbClr val="FFFFFF"/>
                   </a:solidFill>
                 </a:uFill>
                 <a:latin typeface="Arial"/>
               </a:rPr>
               <a:t>Sixth Outline Level</a:t>
             </a:r>
-            <a:endParaRPr b="0" lang="en-GB" sz="1800" spc="-1" strike="noStrike">
-              <a:solidFill>
-                <a:srgbClr val="000000"/>
-              </a:solidFill>
-              <a:uFill>
-                <a:solidFill>
-                  <a:srgbClr val="ffffff"/>
-                </a:solidFill>
-              </a:uFill>
-              <a:latin typeface="Arial"/>
-            </a:endParaRPr>
-          </a:p>
-          <a:p>
-            <a:pPr lvl="6" marL="3024000" indent="-216000">
+          </a:p>
+          <a:p>
+            <a:pPr marL="3024000" lvl="6" indent="-216000">
               <a:spcBef>
                 <a:spcPts val="283"/>
               </a:spcBef>
@@ -6181,30 +6887,19 @@
               <a:buChar char=""/>
             </a:pPr>
             <a:r>
-              <a:rPr b="0" lang="en-GB" sz="1800" spc="-1" strike="noStrike">
+              <a:rPr lang="en-GB" sz="1800" b="0" strike="noStrike" spc="-1">
                 <a:solidFill>
                   <a:srgbClr val="000000"/>
                 </a:solidFill>
                 <a:uFill>
                   <a:solidFill>
-                    <a:srgbClr val="ffffff"/>
+                    <a:srgbClr val="FFFFFF"/>
                   </a:solidFill>
                 </a:uFill>
                 <a:latin typeface="Arial"/>
               </a:rPr>
               <a:t>Seventh Outline Level</a:t>
             </a:r>
-            <a:endParaRPr b="0" lang="en-GB" sz="1800" spc="-1" strike="noStrike">
-              <a:solidFill>
-                <a:srgbClr val="000000"/>
-              </a:solidFill>
-              <a:uFill>
-                <a:solidFill>
-                  <a:srgbClr val="ffffff"/>
-                </a:solidFill>
-              </a:uFill>
-              <a:latin typeface="Arial"/>
-            </a:endParaRPr>
           </a:p>
         </p:txBody>
       </p:sp>
@@ -6228,7 +6923,8 @@
           </a:prstGeom>
         </p:spPr>
         <p:txBody>
-          <a:bodyPr lIns="0" rIns="0" tIns="0" bIns="0"/>
+          <a:bodyPr lIns="0" tIns="0" rIns="0" bIns="0"/>
+          <a:lstStyle/>
           <a:p>
             <a:pPr marL="432000" indent="-324000">
               <a:spcBef>
@@ -6242,33 +6938,22 @@
               <a:buChar char=""/>
             </a:pPr>
             <a:r>
-              <a:rPr b="0" lang="en-GB" sz="1800" spc="-1" strike="noStrike">
+              <a:rPr lang="en-GB" sz="1800" b="0" strike="noStrike" spc="-1">
                 <a:solidFill>
                   <a:srgbClr val="000000"/>
                 </a:solidFill>
                 <a:uFill>
                   <a:solidFill>
-                    <a:srgbClr val="ffffff"/>
+                    <a:srgbClr val="FFFFFF"/>
                   </a:solidFill>
                 </a:uFill>
                 <a:latin typeface="Arial"/>
               </a:rPr>
               <a:t>Click to edit the outline text format</a:t>
             </a:r>
-            <a:endParaRPr b="0" lang="en-GB" sz="1800" spc="-1" strike="noStrike">
-              <a:solidFill>
-                <a:srgbClr val="000000"/>
-              </a:solidFill>
-              <a:uFill>
-                <a:solidFill>
-                  <a:srgbClr val="ffffff"/>
-                </a:solidFill>
-              </a:uFill>
-              <a:latin typeface="Arial"/>
-            </a:endParaRPr>
-          </a:p>
-          <a:p>
-            <a:pPr lvl="1" marL="864000" indent="-324000">
+          </a:p>
+          <a:p>
+            <a:pPr marL="864000" lvl="1" indent="-324000">
               <a:spcBef>
                 <a:spcPts val="1134"/>
               </a:spcBef>
@@ -6280,33 +6965,22 @@
               <a:buChar char=""/>
             </a:pPr>
             <a:r>
-              <a:rPr b="0" lang="en-GB" sz="1800" spc="-1" strike="noStrike">
+              <a:rPr lang="en-GB" sz="1800" b="0" strike="noStrike" spc="-1">
                 <a:solidFill>
                   <a:srgbClr val="000000"/>
                 </a:solidFill>
                 <a:uFill>
                   <a:solidFill>
-                    <a:srgbClr val="ffffff"/>
+                    <a:srgbClr val="FFFFFF"/>
                   </a:solidFill>
                 </a:uFill>
                 <a:latin typeface="Arial"/>
               </a:rPr>
               <a:t>Second Outline Level</a:t>
             </a:r>
-            <a:endParaRPr b="0" lang="en-GB" sz="1800" spc="-1" strike="noStrike">
-              <a:solidFill>
-                <a:srgbClr val="000000"/>
-              </a:solidFill>
-              <a:uFill>
-                <a:solidFill>
-                  <a:srgbClr val="ffffff"/>
-                </a:solidFill>
-              </a:uFill>
-              <a:latin typeface="Arial"/>
-            </a:endParaRPr>
-          </a:p>
-          <a:p>
-            <a:pPr lvl="2" marL="1296000" indent="-288000">
+          </a:p>
+          <a:p>
+            <a:pPr marL="1296000" lvl="2" indent="-288000">
               <a:spcBef>
                 <a:spcPts val="850"/>
               </a:spcBef>
@@ -6318,33 +6992,22 @@
               <a:buChar char=""/>
             </a:pPr>
             <a:r>
-              <a:rPr b="0" lang="en-GB" sz="1800" spc="-1" strike="noStrike">
+              <a:rPr lang="en-GB" sz="1800" b="0" strike="noStrike" spc="-1">
                 <a:solidFill>
                   <a:srgbClr val="000000"/>
                 </a:solidFill>
                 <a:uFill>
                   <a:solidFill>
-                    <a:srgbClr val="ffffff"/>
+                    <a:srgbClr val="FFFFFF"/>
                   </a:solidFill>
                 </a:uFill>
                 <a:latin typeface="Arial"/>
               </a:rPr>
               <a:t>Third Outline Level</a:t>
             </a:r>
-            <a:endParaRPr b="0" lang="en-GB" sz="1800" spc="-1" strike="noStrike">
-              <a:solidFill>
-                <a:srgbClr val="000000"/>
-              </a:solidFill>
-              <a:uFill>
-                <a:solidFill>
-                  <a:srgbClr val="ffffff"/>
-                </a:solidFill>
-              </a:uFill>
-              <a:latin typeface="Arial"/>
-            </a:endParaRPr>
-          </a:p>
-          <a:p>
-            <a:pPr lvl="3" marL="1728000" indent="-216000">
+          </a:p>
+          <a:p>
+            <a:pPr marL="1728000" lvl="3" indent="-216000">
               <a:spcBef>
                 <a:spcPts val="567"/>
               </a:spcBef>
@@ -6356,33 +7019,22 @@
               <a:buChar char=""/>
             </a:pPr>
             <a:r>
-              <a:rPr b="0" lang="en-GB" sz="1800" spc="-1" strike="noStrike">
+              <a:rPr lang="en-GB" sz="1800" b="0" strike="noStrike" spc="-1">
                 <a:solidFill>
                   <a:srgbClr val="000000"/>
                 </a:solidFill>
                 <a:uFill>
                   <a:solidFill>
-                    <a:srgbClr val="ffffff"/>
+                    <a:srgbClr val="FFFFFF"/>
                   </a:solidFill>
                 </a:uFill>
                 <a:latin typeface="Arial"/>
               </a:rPr>
               <a:t>Fourth Outline Level</a:t>
             </a:r>
-            <a:endParaRPr b="0" lang="en-GB" sz="1800" spc="-1" strike="noStrike">
-              <a:solidFill>
-                <a:srgbClr val="000000"/>
-              </a:solidFill>
-              <a:uFill>
-                <a:solidFill>
-                  <a:srgbClr val="ffffff"/>
-                </a:solidFill>
-              </a:uFill>
-              <a:latin typeface="Arial"/>
-            </a:endParaRPr>
-          </a:p>
-          <a:p>
-            <a:pPr lvl="4" marL="2160000" indent="-216000">
+          </a:p>
+          <a:p>
+            <a:pPr marL="2160000" lvl="4" indent="-216000">
               <a:spcBef>
                 <a:spcPts val="283"/>
               </a:spcBef>
@@ -6394,33 +7046,22 @@
               <a:buChar char=""/>
             </a:pPr>
             <a:r>
-              <a:rPr b="0" lang="en-GB" sz="1800" spc="-1" strike="noStrike">
+              <a:rPr lang="en-GB" sz="1800" b="0" strike="noStrike" spc="-1">
                 <a:solidFill>
                   <a:srgbClr val="000000"/>
                 </a:solidFill>
                 <a:uFill>
                   <a:solidFill>
-                    <a:srgbClr val="ffffff"/>
+                    <a:srgbClr val="FFFFFF"/>
                   </a:solidFill>
                 </a:uFill>
                 <a:latin typeface="Arial"/>
               </a:rPr>
               <a:t>Fifth Outline Level</a:t>
             </a:r>
-            <a:endParaRPr b="0" lang="en-GB" sz="1800" spc="-1" strike="noStrike">
-              <a:solidFill>
-                <a:srgbClr val="000000"/>
-              </a:solidFill>
-              <a:uFill>
-                <a:solidFill>
-                  <a:srgbClr val="ffffff"/>
-                </a:solidFill>
-              </a:uFill>
-              <a:latin typeface="Arial"/>
-            </a:endParaRPr>
-          </a:p>
-          <a:p>
-            <a:pPr lvl="5" marL="2592000" indent="-216000">
+          </a:p>
+          <a:p>
+            <a:pPr marL="2592000" lvl="5" indent="-216000">
               <a:spcBef>
                 <a:spcPts val="283"/>
               </a:spcBef>
@@ -6432,33 +7073,22 @@
               <a:buChar char=""/>
             </a:pPr>
             <a:r>
-              <a:rPr b="0" lang="en-GB" sz="1800" spc="-1" strike="noStrike">
+              <a:rPr lang="en-GB" sz="1800" b="0" strike="noStrike" spc="-1">
                 <a:solidFill>
                   <a:srgbClr val="000000"/>
                 </a:solidFill>
                 <a:uFill>
                   <a:solidFill>
-                    <a:srgbClr val="ffffff"/>
+                    <a:srgbClr val="FFFFFF"/>
                   </a:solidFill>
                 </a:uFill>
                 <a:latin typeface="Arial"/>
               </a:rPr>
               <a:t>Sixth Outline Level</a:t>
             </a:r>
-            <a:endParaRPr b="0" lang="en-GB" sz="1800" spc="-1" strike="noStrike">
-              <a:solidFill>
-                <a:srgbClr val="000000"/>
-              </a:solidFill>
-              <a:uFill>
-                <a:solidFill>
-                  <a:srgbClr val="ffffff"/>
-                </a:solidFill>
-              </a:uFill>
-              <a:latin typeface="Arial"/>
-            </a:endParaRPr>
-          </a:p>
-          <a:p>
-            <a:pPr lvl="6" marL="3024000" indent="-216000">
+          </a:p>
+          <a:p>
+            <a:pPr marL="3024000" lvl="6" indent="-216000">
               <a:spcBef>
                 <a:spcPts val="283"/>
               </a:spcBef>
@@ -6470,55 +7100,324 @@
               <a:buChar char=""/>
             </a:pPr>
             <a:r>
-              <a:rPr b="0" lang="en-GB" sz="1800" spc="-1" strike="noStrike">
+              <a:rPr lang="en-GB" sz="1800" b="0" strike="noStrike" spc="-1">
                 <a:solidFill>
                   <a:srgbClr val="000000"/>
                 </a:solidFill>
                 <a:uFill>
                   <a:solidFill>
-                    <a:srgbClr val="ffffff"/>
+                    <a:srgbClr val="FFFFFF"/>
                   </a:solidFill>
                 </a:uFill>
                 <a:latin typeface="Arial"/>
               </a:rPr>
               <a:t>Seventh Outline Level</a:t>
             </a:r>
-            <a:endParaRPr b="0" lang="en-GB" sz="1800" spc="-1" strike="noStrike">
-              <a:solidFill>
-                <a:srgbClr val="000000"/>
-              </a:solidFill>
-              <a:uFill>
-                <a:solidFill>
-                  <a:srgbClr val="ffffff"/>
-                </a:solidFill>
-              </a:uFill>
-              <a:latin typeface="Arial"/>
-            </a:endParaRPr>
           </a:p>
         </p:txBody>
       </p:sp>
     </p:spTree>
   </p:cSld>
-  <p:clrMap bg1="lt1" bg2="lt2" tx1="dk1" tx2="dk2" accent1="accent1" accent2="accent2" accent3="accent3" accent4="accent4" accent5="accent5" accent6="accent6" hlink="hlink" folHlink="folHlink"/>
+  <p:clrMap bg1="lt1" tx1="dk1" bg2="lt2" tx2="dk2" accent1="accent1" accent2="accent2" accent3="accent3" accent4="accent4" accent5="accent5" accent6="accent6" hlink="hlink" folHlink="folHlink"/>
   <p:sldLayoutIdLst>
-    <p:sldLayoutId id="2147483675" r:id="rId2"/>
-    <p:sldLayoutId id="2147483676" r:id="rId3"/>
-    <p:sldLayoutId id="2147483677" r:id="rId4"/>
-    <p:sldLayoutId id="2147483678" r:id="rId5"/>
-    <p:sldLayoutId id="2147483679" r:id="rId6"/>
-    <p:sldLayoutId id="2147483680" r:id="rId7"/>
-    <p:sldLayoutId id="2147483681" r:id="rId8"/>
-    <p:sldLayoutId id="2147483682" r:id="rId9"/>
-    <p:sldLayoutId id="2147483683" r:id="rId10"/>
-    <p:sldLayoutId id="2147483684" r:id="rId11"/>
-    <p:sldLayoutId id="2147483685" r:id="rId12"/>
-    <p:sldLayoutId id="2147483686" r:id="rId13"/>
+    <p:sldLayoutId id="2147483675" r:id="rId1"/>
+    <p:sldLayoutId id="2147483676" r:id="rId2"/>
+    <p:sldLayoutId id="2147483677" r:id="rId3"/>
+    <p:sldLayoutId id="2147483678" r:id="rId4"/>
+    <p:sldLayoutId id="2147483679" r:id="rId5"/>
+    <p:sldLayoutId id="2147483680" r:id="rId6"/>
+    <p:sldLayoutId id="2147483681" r:id="rId7"/>
+    <p:sldLayoutId id="2147483682" r:id="rId8"/>
+    <p:sldLayoutId id="2147483683" r:id="rId9"/>
+    <p:sldLayoutId id="2147483684" r:id="rId10"/>
+    <p:sldLayoutId id="2147483685" r:id="rId11"/>
+    <p:sldLayoutId id="2147483686" r:id="rId12"/>
   </p:sldLayoutIdLst>
+  <p:txStyles>
+    <p:titleStyle>
+      <a:lvl1pPr algn="l" defTabSz="914400" rtl="0" eaLnBrk="1" latinLnBrk="0" hangingPunct="1">
+        <a:lnSpc>
+          <a:spcPct val="90000"/>
+        </a:lnSpc>
+        <a:spcBef>
+          <a:spcPct val="0"/>
+        </a:spcBef>
+        <a:buNone/>
+        <a:defRPr sz="4400" kern="1200">
+          <a:solidFill>
+            <a:schemeClr val="tx1"/>
+          </a:solidFill>
+          <a:latin typeface="+mj-lt"/>
+          <a:ea typeface="+mj-ea"/>
+          <a:cs typeface="+mj-cs"/>
+        </a:defRPr>
+      </a:lvl1pPr>
+    </p:titleStyle>
+    <p:bodyStyle>
+      <a:lvl1pPr marL="228600" indent="-228600" algn="l" defTabSz="914400" rtl="0" eaLnBrk="1" latinLnBrk="0" hangingPunct="1">
+        <a:lnSpc>
+          <a:spcPct val="90000"/>
+        </a:lnSpc>
+        <a:spcBef>
+          <a:spcPts val="1000"/>
+        </a:spcBef>
+        <a:buFont typeface="Arial"/>
+        <a:buChar char="•"/>
+        <a:defRPr sz="2800" kern="1200">
+          <a:solidFill>
+            <a:schemeClr val="tx1"/>
+          </a:solidFill>
+          <a:latin typeface="+mn-lt"/>
+          <a:ea typeface="+mn-ea"/>
+          <a:cs typeface="+mn-cs"/>
+        </a:defRPr>
+      </a:lvl1pPr>
+      <a:lvl2pPr marL="685800" indent="-228600" algn="l" defTabSz="914400" rtl="0" eaLnBrk="1" latinLnBrk="0" hangingPunct="1">
+        <a:lnSpc>
+          <a:spcPct val="90000"/>
+        </a:lnSpc>
+        <a:spcBef>
+          <a:spcPts val="500"/>
+        </a:spcBef>
+        <a:buFont typeface="Arial"/>
+        <a:buChar char="•"/>
+        <a:defRPr sz="2400" kern="1200">
+          <a:solidFill>
+            <a:schemeClr val="tx1"/>
+          </a:solidFill>
+          <a:latin typeface="+mn-lt"/>
+          <a:ea typeface="+mn-ea"/>
+          <a:cs typeface="+mn-cs"/>
+        </a:defRPr>
+      </a:lvl2pPr>
+      <a:lvl3pPr marL="1143000" indent="-228600" algn="l" defTabSz="914400" rtl="0" eaLnBrk="1" latinLnBrk="0" hangingPunct="1">
+        <a:lnSpc>
+          <a:spcPct val="90000"/>
+        </a:lnSpc>
+        <a:spcBef>
+          <a:spcPts val="500"/>
+        </a:spcBef>
+        <a:buFont typeface="Arial"/>
+        <a:buChar char="•"/>
+        <a:defRPr sz="2000" kern="1200">
+          <a:solidFill>
+            <a:schemeClr val="tx1"/>
+          </a:solidFill>
+          <a:latin typeface="+mn-lt"/>
+          <a:ea typeface="+mn-ea"/>
+          <a:cs typeface="+mn-cs"/>
+        </a:defRPr>
+      </a:lvl3pPr>
+      <a:lvl4pPr marL="1600200" indent="-228600" algn="l" defTabSz="914400" rtl="0" eaLnBrk="1" latinLnBrk="0" hangingPunct="1">
+        <a:lnSpc>
+          <a:spcPct val="90000"/>
+        </a:lnSpc>
+        <a:spcBef>
+          <a:spcPts val="500"/>
+        </a:spcBef>
+        <a:buFont typeface="Arial"/>
+        <a:buChar char="•"/>
+        <a:defRPr sz="1800" kern="1200">
+          <a:solidFill>
+            <a:schemeClr val="tx1"/>
+          </a:solidFill>
+          <a:latin typeface="+mn-lt"/>
+          <a:ea typeface="+mn-ea"/>
+          <a:cs typeface="+mn-cs"/>
+        </a:defRPr>
+      </a:lvl4pPr>
+      <a:lvl5pPr marL="2057400" indent="-228600" algn="l" defTabSz="914400" rtl="0" eaLnBrk="1" latinLnBrk="0" hangingPunct="1">
+        <a:lnSpc>
+          <a:spcPct val="90000"/>
+        </a:lnSpc>
+        <a:spcBef>
+          <a:spcPts val="500"/>
+        </a:spcBef>
+        <a:buFont typeface="Arial"/>
+        <a:buChar char="•"/>
+        <a:defRPr sz="1800" kern="1200">
+          <a:solidFill>
+            <a:schemeClr val="tx1"/>
+          </a:solidFill>
+          <a:latin typeface="+mn-lt"/>
+          <a:ea typeface="+mn-ea"/>
+          <a:cs typeface="+mn-cs"/>
+        </a:defRPr>
+      </a:lvl5pPr>
+      <a:lvl6pPr marL="2514600" indent="-228600" algn="l" defTabSz="914400" rtl="0" eaLnBrk="1" latinLnBrk="0" hangingPunct="1">
+        <a:lnSpc>
+          <a:spcPct val="90000"/>
+        </a:lnSpc>
+        <a:spcBef>
+          <a:spcPts val="500"/>
+        </a:spcBef>
+        <a:buFont typeface="Arial"/>
+        <a:buChar char="•"/>
+        <a:defRPr sz="1800" kern="1200">
+          <a:solidFill>
+            <a:schemeClr val="tx1"/>
+          </a:solidFill>
+          <a:latin typeface="+mn-lt"/>
+          <a:ea typeface="+mn-ea"/>
+          <a:cs typeface="+mn-cs"/>
+        </a:defRPr>
+      </a:lvl6pPr>
+      <a:lvl7pPr marL="2971800" indent="-228600" algn="l" defTabSz="914400" rtl="0" eaLnBrk="1" latinLnBrk="0" hangingPunct="1">
+        <a:lnSpc>
+          <a:spcPct val="90000"/>
+        </a:lnSpc>
+        <a:spcBef>
+          <a:spcPts val="500"/>
+        </a:spcBef>
+        <a:buFont typeface="Arial"/>
+        <a:buChar char="•"/>
+        <a:defRPr sz="1800" kern="1200">
+          <a:solidFill>
+            <a:schemeClr val="tx1"/>
+          </a:solidFill>
+          <a:latin typeface="+mn-lt"/>
+          <a:ea typeface="+mn-ea"/>
+          <a:cs typeface="+mn-cs"/>
+        </a:defRPr>
+      </a:lvl7pPr>
+      <a:lvl8pPr marL="3429000" indent="-228600" algn="l" defTabSz="914400" rtl="0" eaLnBrk="1" latinLnBrk="0" hangingPunct="1">
+        <a:lnSpc>
+          <a:spcPct val="90000"/>
+        </a:lnSpc>
+        <a:spcBef>
+          <a:spcPts val="500"/>
+        </a:spcBef>
+        <a:buFont typeface="Arial"/>
+        <a:buChar char="•"/>
+        <a:defRPr sz="1800" kern="1200">
+          <a:solidFill>
+            <a:schemeClr val="tx1"/>
+          </a:solidFill>
+          <a:latin typeface="+mn-lt"/>
+          <a:ea typeface="+mn-ea"/>
+          <a:cs typeface="+mn-cs"/>
+        </a:defRPr>
+      </a:lvl8pPr>
+      <a:lvl9pPr marL="3886200" indent="-228600" algn="l" defTabSz="914400" rtl="0" eaLnBrk="1" latinLnBrk="0" hangingPunct="1">
+        <a:lnSpc>
+          <a:spcPct val="90000"/>
+        </a:lnSpc>
+        <a:spcBef>
+          <a:spcPts val="500"/>
+        </a:spcBef>
+        <a:buFont typeface="Arial"/>
+        <a:buChar char="•"/>
+        <a:defRPr sz="1800" kern="1200">
+          <a:solidFill>
+            <a:schemeClr val="tx1"/>
+          </a:solidFill>
+          <a:latin typeface="+mn-lt"/>
+          <a:ea typeface="+mn-ea"/>
+          <a:cs typeface="+mn-cs"/>
+        </a:defRPr>
+      </a:lvl9pPr>
+    </p:bodyStyle>
+    <p:otherStyle>
+      <a:defPPr>
+        <a:defRPr lang="en-US"/>
+      </a:defPPr>
+      <a:lvl1pPr marL="0" algn="l" defTabSz="914400" rtl="0" eaLnBrk="1" latinLnBrk="0" hangingPunct="1">
+        <a:defRPr sz="1800" kern="1200">
+          <a:solidFill>
+            <a:schemeClr val="tx1"/>
+          </a:solidFill>
+          <a:latin typeface="+mn-lt"/>
+          <a:ea typeface="+mn-ea"/>
+          <a:cs typeface="+mn-cs"/>
+        </a:defRPr>
+      </a:lvl1pPr>
+      <a:lvl2pPr marL="457200" algn="l" defTabSz="914400" rtl="0" eaLnBrk="1" latinLnBrk="0" hangingPunct="1">
+        <a:defRPr sz="1800" kern="1200">
+          <a:solidFill>
+            <a:schemeClr val="tx1"/>
+          </a:solidFill>
+          <a:latin typeface="+mn-lt"/>
+          <a:ea typeface="+mn-ea"/>
+          <a:cs typeface="+mn-cs"/>
+        </a:defRPr>
+      </a:lvl2pPr>
+      <a:lvl3pPr marL="914400" algn="l" defTabSz="914400" rtl="0" eaLnBrk="1" latinLnBrk="0" hangingPunct="1">
+        <a:defRPr sz="1800" kern="1200">
+          <a:solidFill>
+            <a:schemeClr val="tx1"/>
+          </a:solidFill>
+          <a:latin typeface="+mn-lt"/>
+          <a:ea typeface="+mn-ea"/>
+          <a:cs typeface="+mn-cs"/>
+        </a:defRPr>
+      </a:lvl3pPr>
+      <a:lvl4pPr marL="1371600" algn="l" defTabSz="914400" rtl="0" eaLnBrk="1" latinLnBrk="0" hangingPunct="1">
+        <a:defRPr sz="1800" kern="1200">
+          <a:solidFill>
+            <a:schemeClr val="tx1"/>
+          </a:solidFill>
+          <a:latin typeface="+mn-lt"/>
+          <a:ea typeface="+mn-ea"/>
+          <a:cs typeface="+mn-cs"/>
+        </a:defRPr>
+      </a:lvl4pPr>
+      <a:lvl5pPr marL="1828800" algn="l" defTabSz="914400" rtl="0" eaLnBrk="1" latinLnBrk="0" hangingPunct="1">
+        <a:defRPr sz="1800" kern="1200">
+          <a:solidFill>
+            <a:schemeClr val="tx1"/>
+          </a:solidFill>
+          <a:latin typeface="+mn-lt"/>
+          <a:ea typeface="+mn-ea"/>
+          <a:cs typeface="+mn-cs"/>
+        </a:defRPr>
+      </a:lvl5pPr>
+      <a:lvl6pPr marL="2286000" algn="l" defTabSz="914400" rtl="0" eaLnBrk="1" latinLnBrk="0" hangingPunct="1">
+        <a:defRPr sz="1800" kern="1200">
+          <a:solidFill>
+            <a:schemeClr val="tx1"/>
+          </a:solidFill>
+          <a:latin typeface="+mn-lt"/>
+          <a:ea typeface="+mn-ea"/>
+          <a:cs typeface="+mn-cs"/>
+        </a:defRPr>
+      </a:lvl6pPr>
+      <a:lvl7pPr marL="2743200" algn="l" defTabSz="914400" rtl="0" eaLnBrk="1" latinLnBrk="0" hangingPunct="1">
+        <a:defRPr sz="1800" kern="1200">
+          <a:solidFill>
+            <a:schemeClr val="tx1"/>
+          </a:solidFill>
+          <a:latin typeface="+mn-lt"/>
+          <a:ea typeface="+mn-ea"/>
+          <a:cs typeface="+mn-cs"/>
+        </a:defRPr>
+      </a:lvl7pPr>
+      <a:lvl8pPr marL="3200400" algn="l" defTabSz="914400" rtl="0" eaLnBrk="1" latinLnBrk="0" hangingPunct="1">
+        <a:defRPr sz="1800" kern="1200">
+          <a:solidFill>
+            <a:schemeClr val="tx1"/>
+          </a:solidFill>
+          <a:latin typeface="+mn-lt"/>
+          <a:ea typeface="+mn-ea"/>
+          <a:cs typeface="+mn-cs"/>
+        </a:defRPr>
+      </a:lvl8pPr>
+      <a:lvl9pPr marL="3657600" algn="l" defTabSz="914400" rtl="0" eaLnBrk="1" latinLnBrk="0" hangingPunct="1">
+        <a:defRPr sz="1800" kern="1200">
+          <a:solidFill>
+            <a:schemeClr val="tx1"/>
+          </a:solidFill>
+          <a:latin typeface="+mn-lt"/>
+          <a:ea typeface="+mn-ea"/>
+          <a:cs typeface="+mn-cs"/>
+        </a:defRPr>
+      </a:lvl9pPr>
+    </p:otherStyle>
+  </p:txStyles>
 </p:sldMaster>
 </file>
 
 <file path=ppt/slides/slide1.xml><?xml version="1.0" encoding="utf-8"?>
-<p:sld xmlns:a="http://schemas.openxmlformats.org/drawingml/2006/main" xmlns:p="http://schemas.openxmlformats.org/presentationml/2006/main" xmlns:r="http://schemas.openxmlformats.org/officeDocument/2006/relationships" xmlns:p14="http://schemas.microsoft.com/office/powerpoint/2010/main" xmlns:p15="http://schemas.microsoft.com/office/powerpoint/2012/main" xmlns:mc="http://schemas.openxmlformats.org/markup-compatibility/2006">
+<p:sld xmlns:a="http://schemas.openxmlformats.org/drawingml/2006/main" xmlns:r="http://schemas.openxmlformats.org/officeDocument/2006/relationships" xmlns:p="http://schemas.openxmlformats.org/presentationml/2006/main">
   <p:cSld>
     <p:spTree>
       <p:nvGrpSpPr>
@@ -6554,13 +7453,20 @@
           </a:ln>
         </p:spPr>
         <p:style>
-          <a:lnRef idx="0"/>
-          <a:fillRef idx="0"/>
-          <a:effectRef idx="0"/>
+          <a:lnRef idx="0">
+            <a:scrgbClr r="0" g="0" b="0"/>
+          </a:lnRef>
+          <a:fillRef idx="0">
+            <a:scrgbClr r="0" g="0" b="0"/>
+          </a:fillRef>
+          <a:effectRef idx="0">
+            <a:scrgbClr r="0" g="0" b="0"/>
+          </a:effectRef>
           <a:fontRef idx="minor"/>
         </p:style>
         <p:txBody>
-          <a:bodyPr lIns="0" rIns="0" tIns="39240" bIns="0" anchor="ctr"/>
+          <a:bodyPr lIns="0" tIns="39240" rIns="0" bIns="0" anchor="ctr"/>
+          <a:lstStyle/>
           <a:p>
             <a:pPr algn="ctr">
               <a:lnSpc>
@@ -6568,13 +7474,13 @@
               </a:lnSpc>
             </a:pPr>
             <a:r>
-              <a:rPr b="0" lang="en-GB" sz="4400" spc="-1" strike="noStrike">
+              <a:rPr lang="en-GB" sz="4400" b="0" strike="noStrike" spc="-1">
                 <a:solidFill>
                   <a:srgbClr val="800000"/>
                 </a:solidFill>
                 <a:uFill>
                   <a:solidFill>
-                    <a:srgbClr val="ffffff"/>
+                    <a:srgbClr val="FFFFFF"/>
                   </a:solidFill>
                 </a:uFill>
                 <a:latin typeface="Arial"/>
@@ -6582,13 +7488,13 @@
               </a:rPr>
               <a:t>IonChannelGenealogy</a:t>
             </a:r>
-            <a:endParaRPr b="0" lang="en-GB" sz="1800" spc="-1" strike="noStrike">
-              <a:solidFill>
-                <a:srgbClr val="000000"/>
-              </a:solidFill>
-              <a:uFill>
-                <a:solidFill>
-                  <a:srgbClr val="ffffff"/>
+            <a:endParaRPr lang="en-GB" sz="1800" b="0" strike="noStrike" spc="-1">
+              <a:solidFill>
+                <a:srgbClr val="000000"/>
+              </a:solidFill>
+              <a:uFill>
+                <a:solidFill>
+                  <a:srgbClr val="FFFFFF"/>
                 </a:solidFill>
               </a:uFill>
               <a:latin typeface="Arial"/>
@@ -6616,13 +7522,20 @@
           </a:ln>
         </p:spPr>
         <p:style>
-          <a:lnRef idx="0"/>
-          <a:fillRef idx="0"/>
-          <a:effectRef idx="0"/>
+          <a:lnRef idx="0">
+            <a:scrgbClr r="0" g="0" b="0"/>
+          </a:lnRef>
+          <a:fillRef idx="0">
+            <a:scrgbClr r="0" g="0" b="0"/>
+          </a:fillRef>
+          <a:effectRef idx="0">
+            <a:scrgbClr r="0" g="0" b="0"/>
+          </a:effectRef>
           <a:fontRef idx="minor"/>
         </p:style>
         <p:txBody>
-          <a:bodyPr lIns="0" rIns="0" tIns="28440" bIns="0" anchor="ctr"/>
+          <a:bodyPr lIns="0" tIns="28440" rIns="0" bIns="0" anchor="ctr"/>
+          <a:lstStyle/>
           <a:p>
             <a:pPr algn="ctr">
               <a:lnSpc>
@@ -6630,28 +7543,28 @@
               </a:lnSpc>
             </a:pPr>
             <a:r>
-              <a:rPr b="0" lang="en-GB" sz="3200" spc="-1" strike="noStrike" u="sng">
-                <a:solidFill>
-                  <a:srgbClr val="0000ff"/>
+              <a:rPr lang="en-GB" sz="3200" b="0" u="sng" strike="noStrike" spc="-1">
+                <a:solidFill>
+                  <a:srgbClr val="0000FF"/>
                 </a:solidFill>
                 <a:uFill>
                   <a:solidFill>
-                    <a:srgbClr val="ffffff"/>
+                    <a:srgbClr val="FFFFFF"/>
                   </a:solidFill>
                 </a:uFill>
                 <a:latin typeface="Arial"/>
                 <a:ea typeface="Noto Sans CJK SC Regular"/>
-                <a:hlinkClick r:id="rId1"/>
+                <a:hlinkClick r:id="rId3"/>
               </a:rPr>
               <a:t>https://icg.neurotheory.ox.ac.uk</a:t>
             </a:r>
-            <a:endParaRPr b="0" lang="en-GB" sz="1800" spc="-1" strike="noStrike">
-              <a:solidFill>
-                <a:srgbClr val="000000"/>
-              </a:solidFill>
-              <a:uFill>
-                <a:solidFill>
-                  <a:srgbClr val="ffffff"/>
+            <a:endParaRPr lang="en-GB" sz="1800" b="0" strike="noStrike" spc="-1">
+              <a:solidFill>
+                <a:srgbClr val="000000"/>
+              </a:solidFill>
+              <a:uFill>
+                <a:solidFill>
+                  <a:srgbClr val="FFFFFF"/>
                 </a:solidFill>
               </a:uFill>
               <a:latin typeface="Arial"/>
@@ -6679,13 +7592,20 @@
           </a:ln>
         </p:spPr>
         <p:style>
-          <a:lnRef idx="0"/>
-          <a:fillRef idx="0"/>
-          <a:effectRef idx="0"/>
+          <a:lnRef idx="0">
+            <a:scrgbClr r="0" g="0" b="0"/>
+          </a:lnRef>
+          <a:fillRef idx="0">
+            <a:scrgbClr r="0" g="0" b="0"/>
+          </a:fillRef>
+          <a:effectRef idx="0">
+            <a:scrgbClr r="0" g="0" b="0"/>
+          </a:effectRef>
           <a:fontRef idx="minor"/>
         </p:style>
         <p:txBody>
-          <a:bodyPr lIns="0" rIns="0" tIns="35640" bIns="0" anchor="ctr"/>
+          <a:bodyPr lIns="0" tIns="35640" rIns="0" bIns="0" anchor="ctr"/>
+          <a:lstStyle/>
           <a:p>
             <a:pPr>
               <a:lnSpc>
@@ -6693,13 +7613,13 @@
               </a:lnSpc>
             </a:pPr>
             <a:r>
-              <a:rPr b="1" lang="en-GB" sz="1800" spc="-1" strike="noStrike">
+              <a:rPr lang="en-GB" sz="1800" b="1" strike="noStrike" spc="-1">
                 <a:solidFill>
                   <a:srgbClr val="808080"/>
                 </a:solidFill>
                 <a:uFill>
                   <a:solidFill>
-                    <a:srgbClr val="ffffff"/>
+                    <a:srgbClr val="FFFFFF"/>
                   </a:solidFill>
                 </a:uFill>
                 <a:latin typeface="Arial"/>
@@ -6707,13 +7627,13 @@
               </a:rPr>
               <a:t>Neuroinformatics tutorial</a:t>
             </a:r>
-            <a:endParaRPr b="0" lang="en-GB" sz="1800" spc="-1" strike="noStrike">
-              <a:solidFill>
-                <a:srgbClr val="000000"/>
-              </a:solidFill>
-              <a:uFill>
-                <a:solidFill>
-                  <a:srgbClr val="ffffff"/>
+            <a:endParaRPr lang="en-GB" sz="1800" b="0" strike="noStrike" spc="-1">
+              <a:solidFill>
+                <a:srgbClr val="000000"/>
+              </a:solidFill>
+              <a:uFill>
+                <a:solidFill>
+                  <a:srgbClr val="FFFFFF"/>
                 </a:solidFill>
               </a:uFill>
               <a:latin typeface="Arial"/>
@@ -6741,13 +7661,20 @@
           </a:ln>
         </p:spPr>
         <p:style>
-          <a:lnRef idx="0"/>
-          <a:fillRef idx="0"/>
-          <a:effectRef idx="0"/>
+          <a:lnRef idx="0">
+            <a:scrgbClr r="0" g="0" b="0"/>
+          </a:lnRef>
+          <a:fillRef idx="0">
+            <a:scrgbClr r="0" g="0" b="0"/>
+          </a:fillRef>
+          <a:effectRef idx="0">
+            <a:scrgbClr r="0" g="0" b="0"/>
+          </a:effectRef>
           <a:fontRef idx="minor"/>
         </p:style>
         <p:txBody>
-          <a:bodyPr lIns="90000" rIns="90000" tIns="60840" bIns="45000"/>
+          <a:bodyPr lIns="90000" tIns="60840" rIns="90000" bIns="45000"/>
+          <a:lstStyle/>
           <a:p>
             <a:pPr algn="just">
               <a:lnSpc>
@@ -6755,13 +7682,13 @@
               </a:lnSpc>
             </a:pPr>
             <a:r>
-              <a:rPr b="0" lang="en-GB" sz="1800" spc="-1" strike="noStrike">
+              <a:rPr lang="en-GB" sz="1800" b="0" strike="noStrike" spc="-1">
                 <a:solidFill>
                   <a:srgbClr val="000000"/>
                 </a:solidFill>
                 <a:uFill>
                   <a:solidFill>
-                    <a:srgbClr val="ffffff"/>
+                    <a:srgbClr val="FFFFFF"/>
                   </a:solidFill>
                 </a:uFill>
                 <a:latin typeface="Arial"/>
@@ -6769,13 +7696,13 @@
               </a:rPr>
               <a:t>The ICG database provides a comprehensive and quantitative assay of ion channel models currently available in the neuroscientific modeling community, all browsable in interactive visualizations.  </a:t>
             </a:r>
-            <a:endParaRPr b="0" lang="en-GB" sz="1800" spc="-1" strike="noStrike">
-              <a:solidFill>
-                <a:srgbClr val="000000"/>
-              </a:solidFill>
-              <a:uFill>
-                <a:solidFill>
-                  <a:srgbClr val="ffffff"/>
+            <a:endParaRPr lang="en-GB" sz="1800" b="0" strike="noStrike" spc="-1">
+              <a:solidFill>
+                <a:srgbClr val="000000"/>
+              </a:solidFill>
+              <a:uFill>
+                <a:solidFill>
+                  <a:srgbClr val="FFFFFF"/>
                 </a:solidFill>
               </a:uFill>
               <a:latin typeface="Arial"/>
@@ -6805,9 +7732,15 @@
           </a:ln>
         </p:spPr>
         <p:style>
-          <a:lnRef idx="0"/>
-          <a:fillRef idx="0"/>
-          <a:effectRef idx="0"/>
+          <a:lnRef idx="0">
+            <a:scrgbClr r="0" g="0" b="0"/>
+          </a:lnRef>
+          <a:fillRef idx="0">
+            <a:scrgbClr r="0" g="0" b="0"/>
+          </a:fillRef>
+          <a:effectRef idx="0">
+            <a:scrgbClr r="0" g="0" b="0"/>
+          </a:effectRef>
           <a:fontRef idx="minor"/>
         </p:style>
       </p:sp>
@@ -6831,13 +7764,20 @@
           </a:ln>
         </p:spPr>
         <p:style>
-          <a:lnRef idx="0"/>
-          <a:fillRef idx="0"/>
-          <a:effectRef idx="0"/>
+          <a:lnRef idx="0">
+            <a:scrgbClr r="0" g="0" b="0"/>
+          </a:lnRef>
+          <a:fillRef idx="0">
+            <a:scrgbClr r="0" g="0" b="0"/>
+          </a:fillRef>
+          <a:effectRef idx="0">
+            <a:scrgbClr r="0" g="0" b="0"/>
+          </a:effectRef>
           <a:fontRef idx="minor"/>
         </p:style>
         <p:txBody>
-          <a:bodyPr lIns="0" rIns="0" tIns="35640" bIns="0" anchor="ctr"/>
+          <a:bodyPr lIns="0" tIns="35640" rIns="0" bIns="0" anchor="ctr"/>
+          <a:lstStyle/>
           <a:p>
             <a:pPr algn="r">
               <a:lnSpc>
@@ -6845,13 +7785,13 @@
               </a:lnSpc>
             </a:pPr>
             <a:r>
-              <a:rPr b="0" lang="en-GB" sz="1800" spc="-1" strike="noStrike">
+              <a:rPr lang="en-GB" sz="1800" b="0" strike="noStrike" spc="-1">
                 <a:solidFill>
                   <a:srgbClr val="808080"/>
                 </a:solidFill>
                 <a:uFill>
                   <a:solidFill>
-                    <a:srgbClr val="ffffff"/>
+                    <a:srgbClr val="FFFFFF"/>
                   </a:solidFill>
                 </a:uFill>
                 <a:latin typeface="Arial"/>
@@ -6859,13 +7799,13 @@
               </a:rPr>
               <a:t>1.2 Structured data from literature</a:t>
             </a:r>
-            <a:endParaRPr b="0" lang="en-GB" sz="1800" spc="-1" strike="noStrike">
-              <a:solidFill>
-                <a:srgbClr val="000000"/>
-              </a:solidFill>
-              <a:uFill>
-                <a:solidFill>
-                  <a:srgbClr val="ffffff"/>
+            <a:endParaRPr lang="en-GB" sz="1800" b="0" strike="noStrike" spc="-1">
+              <a:solidFill>
+                <a:srgbClr val="000000"/>
+              </a:solidFill>
+              <a:uFill>
+                <a:solidFill>
+                  <a:srgbClr val="FFFFFF"/>
                 </a:solidFill>
               </a:uFill>
               <a:latin typeface="Arial"/>
@@ -6875,6 +7815,9 @@
       </p:sp>
     </p:spTree>
   </p:cSld>
+  <p:clrMapOvr>
+    <a:masterClrMapping/>
+  </p:clrMapOvr>
   <p:timing>
     <p:tnLst>
       <p:par>
@@ -6883,14 +7826,14 @@
             <p:seq>
               <p:cTn id="2" nodeType="mainSeq"/>
               <p:prevCondLst>
-                <p:cond delay="0" evt="onPrev">
+                <p:cond evt="onPrev" delay="0">
                   <p:tgtEl>
                     <p:sldTgt/>
                   </p:tgtEl>
                 </p:cond>
               </p:prevCondLst>
               <p:nextCondLst>
-                <p:cond delay="0" evt="onNext">
+                <p:cond evt="onNext" delay="0">
                   <p:tgtEl>
                     <p:sldTgt/>
                   </p:tgtEl>
@@ -6906,7 +7849,7 @@
 </file>
 
 <file path=ppt/slides/slide2.xml><?xml version="1.0" encoding="utf-8"?>
-<p:sld xmlns:a="http://schemas.openxmlformats.org/drawingml/2006/main" xmlns:p="http://schemas.openxmlformats.org/presentationml/2006/main" xmlns:r="http://schemas.openxmlformats.org/officeDocument/2006/relationships" xmlns:p14="http://schemas.microsoft.com/office/powerpoint/2010/main" xmlns:p15="http://schemas.microsoft.com/office/powerpoint/2012/main" xmlns:mc="http://schemas.openxmlformats.org/markup-compatibility/2006">
+<p:sld xmlns:a="http://schemas.openxmlformats.org/drawingml/2006/main" xmlns:r="http://schemas.openxmlformats.org/officeDocument/2006/relationships" xmlns:p="http://schemas.openxmlformats.org/presentationml/2006/main">
   <p:cSld>
     <p:spTree>
       <p:nvGrpSpPr>
@@ -6942,26 +7885,33 @@
           </a:ln>
         </p:spPr>
         <p:style>
-          <a:lnRef idx="0"/>
-          <a:fillRef idx="0"/>
-          <a:effectRef idx="0"/>
+          <a:lnRef idx="0">
+            <a:scrgbClr r="0" g="0" b="0"/>
+          </a:lnRef>
+          <a:fillRef idx="0">
+            <a:scrgbClr r="0" g="0" b="0"/>
+          </a:fillRef>
+          <a:effectRef idx="0">
+            <a:scrgbClr r="0" g="0" b="0"/>
+          </a:effectRef>
           <a:fontRef idx="minor"/>
         </p:style>
         <p:txBody>
-          <a:bodyPr lIns="90000" rIns="90000" tIns="60840" bIns="45000"/>
+          <a:bodyPr lIns="90000" tIns="60840" rIns="90000" bIns="45000"/>
+          <a:lstStyle/>
           <a:p>
             <a:pPr algn="just">
               <a:lnSpc>
                 <a:spcPct val="93000"/>
               </a:lnSpc>
             </a:pPr>
-            <a:endParaRPr b="0" lang="en-GB" sz="1800" spc="-1" strike="noStrike">
-              <a:solidFill>
-                <a:srgbClr val="000000"/>
-              </a:solidFill>
-              <a:uFill>
-                <a:solidFill>
-                  <a:srgbClr val="ffffff"/>
+            <a:endParaRPr lang="en-GB" sz="1800" b="0" strike="noStrike" spc="-1">
+              <a:solidFill>
+                <a:srgbClr val="000000"/>
+              </a:solidFill>
+              <a:uFill>
+                <a:solidFill>
+                  <a:srgbClr val="FFFFFF"/>
                 </a:solidFill>
               </a:uFill>
               <a:latin typeface="Arial"/>
@@ -6973,13 +7923,13 @@
                 <a:spcPct val="93000"/>
               </a:lnSpc>
             </a:pPr>
-            <a:endParaRPr b="0" lang="en-GB" sz="1800" spc="-1" strike="noStrike">
-              <a:solidFill>
-                <a:srgbClr val="000000"/>
-              </a:solidFill>
-              <a:uFill>
-                <a:solidFill>
-                  <a:srgbClr val="ffffff"/>
+            <a:endParaRPr lang="en-GB" sz="1800" b="0" strike="noStrike" spc="-1">
+              <a:solidFill>
+                <a:srgbClr val="000000"/>
+              </a:solidFill>
+              <a:uFill>
+                <a:solidFill>
+                  <a:srgbClr val="FFFFFF"/>
                 </a:solidFill>
               </a:uFill>
               <a:latin typeface="Arial"/>
@@ -6989,12 +7939,12 @@
       </p:sp>
       <p:pic>
         <p:nvPicPr>
-          <p:cNvPr id="121" name="Picture 7" descr=""/>
+          <p:cNvPr id="121" name="Picture 7"/>
           <p:cNvPicPr/>
           <p:nvPr/>
         </p:nvPicPr>
         <p:blipFill>
-          <a:blip r:embed="rId1"/>
+          <a:blip r:embed="rId3"/>
           <a:stretch/>
         </p:blipFill>
         <p:spPr>
@@ -7012,22 +7962,25 @@
       </p:pic>
     </p:spTree>
   </p:cSld>
+  <p:clrMapOvr>
+    <a:masterClrMapping/>
+  </p:clrMapOvr>
   <p:timing>
     <p:tnLst>
       <p:par>
-        <p:cTn id="3" dur="indefinite" restart="never" nodeType="tmRoot">
+        <p:cTn id="1" dur="indefinite" restart="never" nodeType="tmRoot">
           <p:childTnLst>
             <p:seq>
-              <p:cTn id="4" nodeType="mainSeq"/>
+              <p:cTn id="2" nodeType="mainSeq"/>
               <p:prevCondLst>
-                <p:cond delay="0" evt="onPrev">
+                <p:cond evt="onPrev" delay="0">
                   <p:tgtEl>
                     <p:sldTgt/>
                   </p:tgtEl>
                 </p:cond>
               </p:prevCondLst>
               <p:nextCondLst>
-                <p:cond delay="0" evt="onNext">
+                <p:cond evt="onNext" delay="0">
                   <p:tgtEl>
                     <p:sldTgt/>
                   </p:tgtEl>
@@ -7043,7 +7996,7 @@
 </file>
 
 <file path=ppt/slides/slide3.xml><?xml version="1.0" encoding="utf-8"?>
-<p:sld xmlns:a="http://schemas.openxmlformats.org/drawingml/2006/main" xmlns:p="http://schemas.openxmlformats.org/presentationml/2006/main" xmlns:r="http://schemas.openxmlformats.org/officeDocument/2006/relationships" xmlns:p14="http://schemas.microsoft.com/office/powerpoint/2010/main" xmlns:p15="http://schemas.microsoft.com/office/powerpoint/2012/main" xmlns:mc="http://schemas.openxmlformats.org/markup-compatibility/2006">
+<p:sld xmlns:a="http://schemas.openxmlformats.org/drawingml/2006/main" xmlns:r="http://schemas.openxmlformats.org/officeDocument/2006/relationships" xmlns:p="http://schemas.openxmlformats.org/presentationml/2006/main">
   <p:cSld>
     <p:spTree>
       <p:nvGrpSpPr>
@@ -7061,30 +8014,7 @@
       </p:grpSpPr>
       <p:pic>
         <p:nvPicPr>
-          <p:cNvPr id="122" name="Picture 2" descr=""/>
-          <p:cNvPicPr/>
-          <p:nvPr/>
-        </p:nvPicPr>
-        <p:blipFill>
-          <a:blip r:embed="rId1"/>
-          <a:stretch/>
-        </p:blipFill>
-        <p:spPr>
-          <a:xfrm>
-            <a:off x="41760" y="1248480"/>
-            <a:ext cx="6364080" cy="6109560"/>
-          </a:xfrm>
-          <a:prstGeom prst="rect">
-            <a:avLst/>
-          </a:prstGeom>
-          <a:ln>
-            <a:noFill/>
-          </a:ln>
-        </p:spPr>
-      </p:pic>
-      <p:pic>
-        <p:nvPicPr>
-          <p:cNvPr id="123" name="Picture 3" descr=""/>
+          <p:cNvPr id="122" name="Picture 2"/>
           <p:cNvPicPr/>
           <p:nvPr/>
         </p:nvPicPr>
@@ -7094,6 +8024,29 @@
         </p:blipFill>
         <p:spPr>
           <a:xfrm>
+            <a:off x="41760" y="1248480"/>
+            <a:ext cx="6364080" cy="6109560"/>
+          </a:xfrm>
+          <a:prstGeom prst="rect">
+            <a:avLst/>
+          </a:prstGeom>
+          <a:ln>
+            <a:noFill/>
+          </a:ln>
+        </p:spPr>
+      </p:pic>
+      <p:pic>
+        <p:nvPicPr>
+          <p:cNvPr id="123" name="Picture 3"/>
+          <p:cNvPicPr/>
+          <p:nvPr/>
+        </p:nvPicPr>
+        <p:blipFill>
+          <a:blip r:embed="rId3"/>
+          <a:stretch/>
+        </p:blipFill>
+        <p:spPr>
+          <a:xfrm>
             <a:off x="6283440" y="1306440"/>
             <a:ext cx="3747600" cy="4318560"/>
           </a:xfrm>
@@ -7125,13 +8078,20 @@
           </a:ln>
         </p:spPr>
         <p:style>
-          <a:lnRef idx="0"/>
-          <a:fillRef idx="0"/>
-          <a:effectRef idx="0"/>
+          <a:lnRef idx="0">
+            <a:scrgbClr r="0" g="0" b="0"/>
+          </a:lnRef>
+          <a:fillRef idx="0">
+            <a:scrgbClr r="0" g="0" b="0"/>
+          </a:fillRef>
+          <a:effectRef idx="0">
+            <a:scrgbClr r="0" g="0" b="0"/>
+          </a:effectRef>
           <a:fontRef idx="minor"/>
         </p:style>
         <p:txBody>
-          <a:bodyPr wrap="none" lIns="90000" rIns="90000" tIns="45000" bIns="45000"/>
+          <a:bodyPr wrap="none" lIns="90000" tIns="45000" rIns="90000" bIns="45000"/>
+          <a:lstStyle/>
           <a:p>
             <a:pPr>
               <a:lnSpc>
@@ -7139,13 +8099,13 @@
               </a:lnSpc>
             </a:pPr>
             <a:r>
-              <a:rPr b="0" i="1" lang="en-GB" sz="1800" spc="-1" strike="noStrike">
+              <a:rPr lang="en-GB" sz="1800" b="0" i="1" strike="noStrike" spc="-1">
                 <a:solidFill>
                   <a:srgbClr val="000000"/>
                 </a:solidFill>
                 <a:uFill>
                   <a:solidFill>
-                    <a:srgbClr val="ffffff"/>
+                    <a:srgbClr val="FFFFFF"/>
                   </a:solidFill>
                 </a:uFill>
                 <a:latin typeface="Arial"/>
@@ -7153,13 +8113,13 @@
               </a:rPr>
               <a:t>(1) Browse database through four interactive views:</a:t>
             </a:r>
-            <a:endParaRPr b="0" lang="en-GB" sz="1800" spc="-1" strike="noStrike">
-              <a:solidFill>
-                <a:srgbClr val="000000"/>
-              </a:solidFill>
-              <a:uFill>
-                <a:solidFill>
-                  <a:srgbClr val="ffffff"/>
+            <a:endParaRPr lang="en-GB" sz="1800" b="0" strike="noStrike" spc="-1">
+              <a:solidFill>
+                <a:srgbClr val="000000"/>
+              </a:solidFill>
+              <a:uFill>
+                <a:solidFill>
+                  <a:srgbClr val="FFFFFF"/>
                 </a:solidFill>
               </a:uFill>
               <a:latin typeface="Arial"/>
@@ -7187,13 +8147,20 @@
           </a:ln>
         </p:spPr>
         <p:style>
-          <a:lnRef idx="0"/>
-          <a:fillRef idx="0"/>
-          <a:effectRef idx="0"/>
+          <a:lnRef idx="0">
+            <a:scrgbClr r="0" g="0" b="0"/>
+          </a:lnRef>
+          <a:fillRef idx="0">
+            <a:scrgbClr r="0" g="0" b="0"/>
+          </a:fillRef>
+          <a:effectRef idx="0">
+            <a:scrgbClr r="0" g="0" b="0"/>
+          </a:effectRef>
           <a:fontRef idx="minor"/>
         </p:style>
         <p:txBody>
-          <a:bodyPr wrap="none" lIns="90000" rIns="90000" tIns="45000" bIns="45000"/>
+          <a:bodyPr wrap="none" lIns="90000" tIns="45000" rIns="90000" bIns="45000"/>
+          <a:lstStyle/>
           <a:p>
             <a:pPr>
               <a:lnSpc>
@@ -7201,13 +8168,13 @@
               </a:lnSpc>
             </a:pPr>
             <a:r>
-              <a:rPr b="1" lang="en-GB" sz="2800" spc="-1" strike="noStrike">
+              <a:rPr lang="en-GB" sz="2800" b="1" strike="noStrike" spc="-1">
                 <a:solidFill>
                   <a:srgbClr val="000000"/>
                 </a:solidFill>
                 <a:uFill>
                   <a:solidFill>
-                    <a:srgbClr val="ffffff"/>
+                    <a:srgbClr val="FFFFFF"/>
                   </a:solidFill>
                 </a:uFill>
                 <a:latin typeface="Arial"/>
@@ -7215,13 +8182,13 @@
               </a:rPr>
               <a:t>The ICG website</a:t>
             </a:r>
-            <a:endParaRPr b="0" lang="en-GB" sz="1800" spc="-1" strike="noStrike">
-              <a:solidFill>
-                <a:srgbClr val="000000"/>
-              </a:solidFill>
-              <a:uFill>
-                <a:solidFill>
-                  <a:srgbClr val="ffffff"/>
+            <a:endParaRPr lang="en-GB" sz="1800" b="0" strike="noStrike" spc="-1">
+              <a:solidFill>
+                <a:srgbClr val="000000"/>
+              </a:solidFill>
+              <a:uFill>
+                <a:solidFill>
+                  <a:srgbClr val="FFFFFF"/>
                 </a:solidFill>
               </a:uFill>
               <a:latin typeface="Arial"/>
@@ -7249,13 +8216,20 @@
           </a:ln>
         </p:spPr>
         <p:style>
-          <a:lnRef idx="0"/>
-          <a:fillRef idx="0"/>
-          <a:effectRef idx="0"/>
+          <a:lnRef idx="0">
+            <a:scrgbClr r="0" g="0" b="0"/>
+          </a:lnRef>
+          <a:fillRef idx="0">
+            <a:scrgbClr r="0" g="0" b="0"/>
+          </a:fillRef>
+          <a:effectRef idx="0">
+            <a:scrgbClr r="0" g="0" b="0"/>
+          </a:effectRef>
           <a:fontRef idx="minor"/>
         </p:style>
         <p:txBody>
-          <a:bodyPr wrap="none" lIns="90000" rIns="90000" tIns="45000" bIns="45000"/>
+          <a:bodyPr wrap="none" lIns="90000" tIns="45000" rIns="90000" bIns="45000"/>
+          <a:lstStyle/>
           <a:p>
             <a:pPr>
               <a:lnSpc>
@@ -7263,13 +8237,13 @@
               </a:lnSpc>
             </a:pPr>
             <a:r>
-              <a:rPr b="0" i="1" lang="en-GB" sz="1800" spc="-1" strike="noStrike">
+              <a:rPr lang="en-GB" sz="1800" b="0" i="1" strike="noStrike" spc="-1">
                 <a:solidFill>
                   <a:srgbClr val="000000"/>
                 </a:solidFill>
                 <a:uFill>
                   <a:solidFill>
-                    <a:srgbClr val="ffffff"/>
+                    <a:srgbClr val="FFFFFF"/>
                   </a:solidFill>
                 </a:uFill>
                 <a:latin typeface="Arial"/>
@@ -7277,13 +8251,13 @@
               </a:rPr>
               <a:t>(2) Compare ion channel metadata</a:t>
             </a:r>
-            <a:endParaRPr b="0" lang="en-GB" sz="1800" spc="-1" strike="noStrike">
-              <a:solidFill>
-                <a:srgbClr val="000000"/>
-              </a:solidFill>
-              <a:uFill>
-                <a:solidFill>
-                  <a:srgbClr val="ffffff"/>
+            <a:endParaRPr lang="en-GB" sz="1800" b="0" strike="noStrike" spc="-1">
+              <a:solidFill>
+                <a:srgbClr val="000000"/>
+              </a:solidFill>
+              <a:uFill>
+                <a:solidFill>
+                  <a:srgbClr val="FFFFFF"/>
                 </a:solidFill>
               </a:uFill>
               <a:latin typeface="Arial"/>
@@ -7296,13 +8270,13 @@
               </a:lnSpc>
             </a:pPr>
             <a:r>
-              <a:rPr b="0" i="1" lang="en-GB" sz="1800" spc="-1" strike="noStrike">
+              <a:rPr lang="en-GB" sz="1800" b="0" i="1" strike="noStrike" spc="-1">
                 <a:solidFill>
                   <a:srgbClr val="000000"/>
                 </a:solidFill>
                 <a:uFill>
                   <a:solidFill>
-                    <a:srgbClr val="ffffff"/>
+                    <a:srgbClr val="FFFFFF"/>
                   </a:solidFill>
                 </a:uFill>
                 <a:latin typeface="Arial"/>
@@ -7310,13 +8284,13 @@
               </a:rPr>
               <a:t>and kinetics side by side:</a:t>
             </a:r>
-            <a:endParaRPr b="0" lang="en-GB" sz="1800" spc="-1" strike="noStrike">
-              <a:solidFill>
-                <a:srgbClr val="000000"/>
-              </a:solidFill>
-              <a:uFill>
-                <a:solidFill>
-                  <a:srgbClr val="ffffff"/>
+            <a:endParaRPr lang="en-GB" sz="1800" b="0" strike="noStrike" spc="-1">
+              <a:solidFill>
+                <a:srgbClr val="000000"/>
+              </a:solidFill>
+              <a:uFill>
+                <a:solidFill>
+                  <a:srgbClr val="FFFFFF"/>
                 </a:solidFill>
               </a:uFill>
               <a:latin typeface="Arial"/>
@@ -7344,13 +8318,20 @@
           </a:ln>
         </p:spPr>
         <p:style>
-          <a:lnRef idx="0"/>
-          <a:fillRef idx="0"/>
-          <a:effectRef idx="0"/>
+          <a:lnRef idx="0">
+            <a:scrgbClr r="0" g="0" b="0"/>
+          </a:lnRef>
+          <a:fillRef idx="0">
+            <a:scrgbClr r="0" g="0" b="0"/>
+          </a:fillRef>
+          <a:effectRef idx="0">
+            <a:scrgbClr r="0" g="0" b="0"/>
+          </a:effectRef>
           <a:fontRef idx="minor"/>
         </p:style>
         <p:txBody>
-          <a:bodyPr wrap="none" lIns="90000" rIns="90000" tIns="45000" bIns="45000"/>
+          <a:bodyPr wrap="none" lIns="90000" tIns="45000" rIns="90000" bIns="45000"/>
+          <a:lstStyle/>
           <a:p>
             <a:pPr>
               <a:lnSpc>
@@ -7358,13 +8339,13 @@
               </a:lnSpc>
             </a:pPr>
             <a:r>
-              <a:rPr b="0" i="1" lang="en-GB" sz="1800" spc="-1" strike="noStrike">
+              <a:rPr lang="en-GB" sz="1800" b="0" i="1" strike="noStrike" spc="-1">
                 <a:solidFill>
                   <a:srgbClr val="000000"/>
                 </a:solidFill>
                 <a:uFill>
                   <a:solidFill>
-                    <a:srgbClr val="ffffff"/>
+                    <a:srgbClr val="FFFFFF"/>
                   </a:solidFill>
                 </a:uFill>
                 <a:latin typeface="Arial"/>
@@ -7372,13 +8353,13 @@
               </a:rPr>
               <a:t>For more details on methods</a:t>
             </a:r>
-            <a:endParaRPr b="0" lang="en-GB" sz="1800" spc="-1" strike="noStrike">
-              <a:solidFill>
-                <a:srgbClr val="000000"/>
-              </a:solidFill>
-              <a:uFill>
-                <a:solidFill>
-                  <a:srgbClr val="ffffff"/>
+            <a:endParaRPr lang="en-GB" sz="1800" b="0" strike="noStrike" spc="-1">
+              <a:solidFill>
+                <a:srgbClr val="000000"/>
+              </a:solidFill>
+              <a:uFill>
+                <a:solidFill>
+                  <a:srgbClr val="FFFFFF"/>
                 </a:solidFill>
               </a:uFill>
               <a:latin typeface="Arial"/>
@@ -7391,13 +8372,13 @@
               </a:lnSpc>
             </a:pPr>
             <a:r>
-              <a:rPr b="0" i="1" lang="en-GB" sz="1800" spc="-1" strike="noStrike">
+              <a:rPr lang="en-GB" sz="1800" b="0" i="1" strike="noStrike" spc="-1">
                 <a:solidFill>
                   <a:srgbClr val="000000"/>
                 </a:solidFill>
                 <a:uFill>
                   <a:solidFill>
-                    <a:srgbClr val="ffffff"/>
+                    <a:srgbClr val="FFFFFF"/>
                   </a:solidFill>
                 </a:uFill>
                 <a:latin typeface="Arial"/>
@@ -7405,13 +8386,13 @@
               </a:rPr>
               <a:t>and analyses, refer to our</a:t>
             </a:r>
-            <a:endParaRPr b="0" lang="en-GB" sz="1800" spc="-1" strike="noStrike">
-              <a:solidFill>
-                <a:srgbClr val="000000"/>
-              </a:solidFill>
-              <a:uFill>
-                <a:solidFill>
-                  <a:srgbClr val="ffffff"/>
+            <a:endParaRPr lang="en-GB" sz="1800" b="0" strike="noStrike" spc="-1">
+              <a:solidFill>
+                <a:srgbClr val="000000"/>
+              </a:solidFill>
+              <a:uFill>
+                <a:solidFill>
+                  <a:srgbClr val="FFFFFF"/>
                 </a:solidFill>
               </a:uFill>
               <a:latin typeface="Arial"/>
@@ -7424,29 +8405,29 @@
               </a:lnSpc>
             </a:pPr>
             <a:r>
-              <a:rPr b="0" i="1" lang="en-GB" sz="1800" spc="-1" strike="noStrike" u="sng">
-                <a:solidFill>
-                  <a:srgbClr val="0000ff"/>
+              <a:rPr lang="en-GB" sz="1800" b="0" i="1" u="sng" strike="noStrike" spc="-1">
+                <a:solidFill>
+                  <a:srgbClr val="0000FF"/>
                 </a:solidFill>
                 <a:uFill>
                   <a:solidFill>
-                    <a:srgbClr val="ffffff"/>
+                    <a:srgbClr val="FFFFFF"/>
                   </a:solidFill>
                 </a:uFill>
                 <a:latin typeface="Arial"/>
                 <a:ea typeface="DejaVu Sans"/>
-                <a:hlinkClick r:id="rId3"/>
+                <a:hlinkClick r:id="rId4"/>
               </a:rPr>
               <a:t>p</a:t>
             </a:r>
             <a:r>
-              <a:rPr b="0" i="1" lang="en-GB" sz="1800" spc="-1" strike="noStrike" u="sng">
-                <a:solidFill>
-                  <a:srgbClr val="0000ff"/>
+              <a:rPr lang="en-GB" sz="1800" b="0" i="1" u="sng" strike="noStrike" spc="-1">
+                <a:solidFill>
+                  <a:srgbClr val="0000FF"/>
                 </a:solidFill>
                 <a:uFill>
                   <a:solidFill>
-                    <a:srgbClr val="ffffff"/>
+                    <a:srgbClr val="FFFFFF"/>
                   </a:solidFill>
                 </a:uFill>
                 <a:latin typeface="Arial"/>
@@ -7456,29 +8437,29 @@
               <a:t>ublication in </a:t>
             </a:r>
             <a:r>
-              <a:rPr b="0" i="1" lang="en-GB" sz="1800" spc="-1" strike="noStrike" u="sng">
-                <a:solidFill>
-                  <a:srgbClr val="0000ff"/>
+              <a:rPr lang="en-GB" sz="1800" b="0" i="1" u="sng" strike="noStrike" spc="-1">
+                <a:solidFill>
+                  <a:srgbClr val="0000FF"/>
                 </a:solidFill>
                 <a:uFill>
                   <a:solidFill>
-                    <a:srgbClr val="ffffff"/>
+                    <a:srgbClr val="FFFFFF"/>
                   </a:solidFill>
                 </a:uFill>
                 <a:latin typeface="Arial"/>
                 <a:ea typeface="DejaVu Sans"/>
-                <a:hlinkClick r:id="rId5"/>
+                <a:hlinkClick r:id="rId4"/>
               </a:rPr>
               <a:t>eLife</a:t>
             </a:r>
             <a:r>
-              <a:rPr b="0" i="1" lang="en-GB" sz="1800" spc="-1" strike="noStrike">
+              <a:rPr lang="en-GB" sz="1800" b="0" i="1" strike="noStrike" spc="-1">
                 <a:solidFill>
                   <a:srgbClr val="000000"/>
                 </a:solidFill>
                 <a:uFill>
                   <a:solidFill>
-                    <a:srgbClr val="ffffff"/>
+                    <a:srgbClr val="FFFFFF"/>
                   </a:solidFill>
                 </a:uFill>
                 <a:latin typeface="Arial"/>
@@ -7486,38 +8467,71 @@
               </a:rPr>
               <a:t>!</a:t>
             </a:r>
-            <a:endParaRPr b="0" lang="en-GB" sz="1800" spc="-1" strike="noStrike">
-              <a:solidFill>
-                <a:srgbClr val="000000"/>
-              </a:solidFill>
-              <a:uFill>
-                <a:solidFill>
-                  <a:srgbClr val="ffffff"/>
-                </a:solidFill>
-              </a:uFill>
-              <a:latin typeface="Arial"/>
-            </a:endParaRPr>
-          </a:p>
-        </p:txBody>
-      </p:sp>
+            <a:endParaRPr lang="en-GB" sz="1800" b="0" strike="noStrike" spc="-1">
+              <a:solidFill>
+                <a:srgbClr val="000000"/>
+              </a:solidFill>
+              <a:uFill>
+                <a:solidFill>
+                  <a:srgbClr val="FFFFFF"/>
+                </a:solidFill>
+              </a:uFill>
+              <a:latin typeface="Arial"/>
+            </a:endParaRPr>
+          </a:p>
+        </p:txBody>
+      </p:sp>
+      <p:pic>
+        <p:nvPicPr>
+          <p:cNvPr id="2" name="Picture 1"/>
+          <p:cNvPicPr>
+            <a:picLocks noChangeAspect="1"/>
+          </p:cNvPicPr>
+          <p:nvPr/>
+        </p:nvPicPr>
+        <p:blipFill>
+          <a:blip r:embed="rId5">
+            <a:extLst>
+              <a:ext uri="{28A0092B-C50C-407E-A947-70E740481C1C}">
+                <a14:useLocalDpi xmlns:a14="http://schemas.microsoft.com/office/drawing/2010/main" val="0"/>
+              </a:ext>
+            </a:extLst>
+          </a:blip>
+          <a:stretch>
+            <a:fillRect/>
+          </a:stretch>
+        </p:blipFill>
+        <p:spPr>
+          <a:xfrm>
+            <a:off x="0" y="1292860"/>
+            <a:ext cx="10058400" cy="6139264"/>
+          </a:xfrm>
+          <a:prstGeom prst="rect">
+            <a:avLst/>
+          </a:prstGeom>
+        </p:spPr>
+      </p:pic>
     </p:spTree>
   </p:cSld>
+  <p:clrMapOvr>
+    <a:masterClrMapping/>
+  </p:clrMapOvr>
   <p:timing>
     <p:tnLst>
       <p:par>
-        <p:cTn id="5" dur="indefinite" restart="never" nodeType="tmRoot">
+        <p:cTn id="1" dur="indefinite" restart="never" nodeType="tmRoot">
           <p:childTnLst>
             <p:seq>
-              <p:cTn id="6" nodeType="mainSeq"/>
+              <p:cTn id="2" nodeType="mainSeq"/>
               <p:prevCondLst>
-                <p:cond delay="0" evt="onPrev">
+                <p:cond evt="onPrev" delay="0">
                   <p:tgtEl>
                     <p:sldTgt/>
                   </p:tgtEl>
                 </p:cond>
               </p:prevCondLst>
               <p:nextCondLst>
-                <p:cond delay="0" evt="onNext">
+                <p:cond evt="onNext" delay="0">
                   <p:tgtEl>
                     <p:sldTgt/>
                   </p:tgtEl>
@@ -7533,7 +8547,7 @@
 </file>
 
 <file path=ppt/slides/slide4.xml><?xml version="1.0" encoding="utf-8"?>
-<p:sld xmlns:a="http://schemas.openxmlformats.org/drawingml/2006/main" xmlns:p="http://schemas.openxmlformats.org/presentationml/2006/main" xmlns:r="http://schemas.openxmlformats.org/officeDocument/2006/relationships" xmlns:p14="http://schemas.microsoft.com/office/powerpoint/2010/main" xmlns:p15="http://schemas.microsoft.com/office/powerpoint/2012/main" xmlns:mc="http://schemas.openxmlformats.org/markup-compatibility/2006">
+<p:sld xmlns:a="http://schemas.openxmlformats.org/drawingml/2006/main" xmlns:r="http://schemas.openxmlformats.org/officeDocument/2006/relationships" xmlns:p="http://schemas.openxmlformats.org/presentationml/2006/main">
   <p:cSld>
     <p:spTree>
       <p:nvGrpSpPr>
@@ -7551,12 +8565,12 @@
       </p:grpSpPr>
       <p:pic>
         <p:nvPicPr>
-          <p:cNvPr id="128" name="Picture 84" descr=""/>
+          <p:cNvPr id="128" name="Picture 84"/>
           <p:cNvPicPr/>
           <p:nvPr/>
         </p:nvPicPr>
         <p:blipFill>
-          <a:blip r:embed="rId1"/>
+          <a:blip r:embed="rId3"/>
           <a:stretch/>
         </p:blipFill>
         <p:spPr>
@@ -7592,13 +8606,20 @@
           </a:ln>
         </p:spPr>
         <p:style>
-          <a:lnRef idx="0"/>
-          <a:fillRef idx="0"/>
-          <a:effectRef idx="0"/>
+          <a:lnRef idx="0">
+            <a:scrgbClr r="0" g="0" b="0"/>
+          </a:lnRef>
+          <a:fillRef idx="0">
+            <a:scrgbClr r="0" g="0" b="0"/>
+          </a:fillRef>
+          <a:effectRef idx="0">
+            <a:scrgbClr r="0" g="0" b="0"/>
+          </a:effectRef>
           <a:fontRef idx="minor"/>
         </p:style>
         <p:txBody>
-          <a:bodyPr wrap="none" lIns="90000" rIns="90000" tIns="45000" bIns="45000"/>
+          <a:bodyPr wrap="none" lIns="90000" tIns="45000" rIns="90000" bIns="45000"/>
+          <a:lstStyle/>
           <a:p>
             <a:pPr marL="285840" indent="-285120">
               <a:lnSpc>
@@ -7611,13 +8632,13 @@
               <a:buChar char="•"/>
             </a:pPr>
             <a:r>
-              <a:rPr b="0" i="1" lang="en-GB" sz="1800" spc="-1" strike="noStrike">
+              <a:rPr lang="en-GB" sz="1800" b="0" i="1" strike="noStrike" spc="-1">
                 <a:solidFill>
                   <a:srgbClr val="000000"/>
                 </a:solidFill>
                 <a:uFill>
                   <a:solidFill>
-                    <a:srgbClr val="ffffff"/>
+                    <a:srgbClr val="FFFFFF"/>
                   </a:solidFill>
                 </a:uFill>
                 <a:latin typeface="Arial"/>
@@ -7625,13 +8646,13 @@
               </a:rPr>
               <a:t>Generalisation of the database and</a:t>
             </a:r>
-            <a:endParaRPr b="0" lang="en-GB" sz="1800" spc="-1" strike="noStrike">
-              <a:solidFill>
-                <a:srgbClr val="000000"/>
-              </a:solidFill>
-              <a:uFill>
-                <a:solidFill>
-                  <a:srgbClr val="ffffff"/>
+            <a:endParaRPr lang="en-GB" sz="1800" b="0" strike="noStrike" spc="-1">
+              <a:solidFill>
+                <a:srgbClr val="000000"/>
+              </a:solidFill>
+              <a:uFill>
+                <a:solidFill>
+                  <a:srgbClr val="FFFFFF"/>
                 </a:solidFill>
               </a:uFill>
               <a:latin typeface="Arial"/>
@@ -7644,42 +8665,27 @@
               </a:lnSpc>
             </a:pPr>
             <a:r>
-              <a:rPr b="0" i="1" lang="en-GB" sz="1800" spc="-1" strike="noStrike">
+              <a:rPr lang="en-GB" sz="1800" b="0" i="1" strike="noStrike" spc="-1">
                 <a:solidFill>
                   <a:srgbClr val="000000"/>
                 </a:solidFill>
                 <a:uFill>
                   <a:solidFill>
-                    <a:srgbClr val="ffffff"/>
+                    <a:srgbClr val="FFFFFF"/>
                   </a:solidFill>
                 </a:uFill>
                 <a:latin typeface="Arial"/>
                 <a:ea typeface="DejaVu Sans"/>
               </a:rPr>
-              <a:t>     </a:t>
+              <a:t>     visualisation software</a:t>
             </a:r>
-            <a:r>
-              <a:rPr b="0" i="1" lang="en-GB" sz="1800" spc="-1" strike="noStrike">
-                <a:solidFill>
-                  <a:srgbClr val="000000"/>
-                </a:solidFill>
-                <a:uFill>
-                  <a:solidFill>
-                    <a:srgbClr val="ffffff"/>
-                  </a:solidFill>
-                </a:uFill>
-                <a:latin typeface="Arial"/>
-                <a:ea typeface="DejaVu Sans"/>
-              </a:rPr>
-              <a:t>visualisation software</a:t>
-            </a:r>
-            <a:endParaRPr b="0" lang="en-GB" sz="1800" spc="-1" strike="noStrike">
-              <a:solidFill>
-                <a:srgbClr val="000000"/>
-              </a:solidFill>
-              <a:uFill>
-                <a:solidFill>
-                  <a:srgbClr val="ffffff"/>
+            <a:endParaRPr lang="en-GB" sz="1800" b="0" strike="noStrike" spc="-1">
+              <a:solidFill>
+                <a:srgbClr val="000000"/>
+              </a:solidFill>
+              <a:uFill>
+                <a:solidFill>
+                  <a:srgbClr val="FFFFFF"/>
                 </a:solidFill>
               </a:uFill>
               <a:latin typeface="Arial"/>
@@ -7707,13 +8713,20 @@
           </a:ln>
         </p:spPr>
         <p:style>
-          <a:lnRef idx="0"/>
-          <a:fillRef idx="0"/>
-          <a:effectRef idx="0"/>
+          <a:lnRef idx="0">
+            <a:scrgbClr r="0" g="0" b="0"/>
+          </a:lnRef>
+          <a:fillRef idx="0">
+            <a:scrgbClr r="0" g="0" b="0"/>
+          </a:fillRef>
+          <a:effectRef idx="0">
+            <a:scrgbClr r="0" g="0" b="0"/>
+          </a:effectRef>
           <a:fontRef idx="minor"/>
         </p:style>
         <p:txBody>
-          <a:bodyPr wrap="none" lIns="90000" rIns="90000" tIns="45000" bIns="45000"/>
+          <a:bodyPr wrap="none" lIns="90000" tIns="45000" rIns="90000" bIns="45000"/>
+          <a:lstStyle/>
           <a:p>
             <a:pPr>
               <a:lnSpc>
@@ -7721,13 +8734,13 @@
               </a:lnSpc>
             </a:pPr>
             <a:r>
-              <a:rPr b="1" lang="en-GB" sz="2800" spc="-1" strike="noStrike">
+              <a:rPr lang="en-GB" sz="2800" b="1" strike="noStrike" spc="-1">
                 <a:solidFill>
                   <a:srgbClr val="000000"/>
                 </a:solidFill>
                 <a:uFill>
                   <a:solidFill>
-                    <a:srgbClr val="ffffff"/>
+                    <a:srgbClr val="FFFFFF"/>
                   </a:solidFill>
                 </a:uFill>
                 <a:latin typeface="Arial"/>
@@ -7735,13 +8748,13 @@
               </a:rPr>
               <a:t>Current and future work</a:t>
             </a:r>
-            <a:endParaRPr b="0" lang="en-GB" sz="1800" spc="-1" strike="noStrike">
-              <a:solidFill>
-                <a:srgbClr val="000000"/>
-              </a:solidFill>
-              <a:uFill>
-                <a:solidFill>
-                  <a:srgbClr val="ffffff"/>
+            <a:endParaRPr lang="en-GB" sz="1800" b="0" strike="noStrike" spc="-1">
+              <a:solidFill>
+                <a:srgbClr val="000000"/>
+              </a:solidFill>
+              <a:uFill>
+                <a:solidFill>
+                  <a:srgbClr val="FFFFFF"/>
                 </a:solidFill>
               </a:uFill>
               <a:latin typeface="Arial"/>
@@ -7769,13 +8782,20 @@
           </a:ln>
         </p:spPr>
         <p:style>
-          <a:lnRef idx="0"/>
-          <a:fillRef idx="0"/>
-          <a:effectRef idx="0"/>
+          <a:lnRef idx="0">
+            <a:scrgbClr r="0" g="0" b="0"/>
+          </a:lnRef>
+          <a:fillRef idx="0">
+            <a:scrgbClr r="0" g="0" b="0"/>
+          </a:fillRef>
+          <a:effectRef idx="0">
+            <a:scrgbClr r="0" g="0" b="0"/>
+          </a:effectRef>
           <a:fontRef idx="minor"/>
         </p:style>
         <p:txBody>
-          <a:bodyPr wrap="none" lIns="90000" rIns="90000" tIns="45000" bIns="45000"/>
+          <a:bodyPr wrap="none" lIns="90000" tIns="45000" rIns="90000" bIns="45000"/>
+          <a:lstStyle/>
           <a:p>
             <a:pPr marL="285840" indent="-285120">
               <a:lnSpc>
@@ -7788,13 +8808,13 @@
               <a:buChar char="•"/>
             </a:pPr>
             <a:r>
-              <a:rPr b="0" i="1" lang="en-GB" sz="1800" spc="-1" strike="noStrike">
+              <a:rPr lang="en-GB" sz="1800" b="0" i="1" strike="noStrike" spc="-1">
                 <a:solidFill>
                   <a:srgbClr val="000000"/>
                 </a:solidFill>
                 <a:uFill>
                   <a:solidFill>
-                    <a:srgbClr val="ffffff"/>
+                    <a:srgbClr val="FFFFFF"/>
                   </a:solidFill>
                 </a:uFill>
                 <a:latin typeface="Arial"/>
@@ -7802,13 +8822,13 @@
               </a:rPr>
               <a:t>Integration with existing resources</a:t>
             </a:r>
-            <a:endParaRPr b="0" lang="en-GB" sz="1800" spc="-1" strike="noStrike">
-              <a:solidFill>
-                <a:srgbClr val="000000"/>
-              </a:solidFill>
-              <a:uFill>
-                <a:solidFill>
-                  <a:srgbClr val="ffffff"/>
+            <a:endParaRPr lang="en-GB" sz="1800" b="0" strike="noStrike" spc="-1">
+              <a:solidFill>
+                <a:srgbClr val="000000"/>
+              </a:solidFill>
+              <a:uFill>
+                <a:solidFill>
+                  <a:srgbClr val="FFFFFF"/>
                 </a:solidFill>
               </a:uFill>
               <a:latin typeface="Arial"/>
@@ -7821,42 +8841,27 @@
               </a:lnSpc>
             </a:pPr>
             <a:r>
-              <a:rPr b="0" i="1" lang="en-GB" sz="1800" spc="-1" strike="noStrike">
+              <a:rPr lang="en-GB" sz="1800" b="0" i="1" strike="noStrike" spc="-1">
                 <a:solidFill>
                   <a:srgbClr val="000000"/>
                 </a:solidFill>
                 <a:uFill>
                   <a:solidFill>
-                    <a:srgbClr val="ffffff"/>
+                    <a:srgbClr val="FFFFFF"/>
                   </a:solidFill>
                 </a:uFill>
                 <a:latin typeface="Arial"/>
                 <a:ea typeface="DejaVu Sans"/>
               </a:rPr>
-              <a:t>    </a:t>
+              <a:t>    (ModelDB, NeuroML, etc.)</a:t>
             </a:r>
-            <a:r>
-              <a:rPr b="0" i="1" lang="en-GB" sz="1800" spc="-1" strike="noStrike">
-                <a:solidFill>
-                  <a:srgbClr val="000000"/>
-                </a:solidFill>
-                <a:uFill>
-                  <a:solidFill>
-                    <a:srgbClr val="ffffff"/>
-                  </a:solidFill>
-                </a:uFill>
-                <a:latin typeface="Arial"/>
-                <a:ea typeface="DejaVu Sans"/>
-              </a:rPr>
-              <a:t>(ModelDB, NeuroML, etc.)</a:t>
-            </a:r>
-            <a:endParaRPr b="0" lang="en-GB" sz="1800" spc="-1" strike="noStrike">
-              <a:solidFill>
-                <a:srgbClr val="000000"/>
-              </a:solidFill>
-              <a:uFill>
-                <a:solidFill>
-                  <a:srgbClr val="ffffff"/>
+            <a:endParaRPr lang="en-GB" sz="1800" b="0" strike="noStrike" spc="-1">
+              <a:solidFill>
+                <a:srgbClr val="000000"/>
+              </a:solidFill>
+              <a:uFill>
+                <a:solidFill>
+                  <a:srgbClr val="FFFFFF"/>
                 </a:solidFill>
               </a:uFill>
               <a:latin typeface="Arial"/>
@@ -7884,13 +8889,20 @@
           </a:ln>
         </p:spPr>
         <p:style>
-          <a:lnRef idx="0"/>
-          <a:fillRef idx="0"/>
-          <a:effectRef idx="0"/>
+          <a:lnRef idx="0">
+            <a:scrgbClr r="0" g="0" b="0"/>
+          </a:lnRef>
+          <a:fillRef idx="0">
+            <a:scrgbClr r="0" g="0" b="0"/>
+          </a:fillRef>
+          <a:effectRef idx="0">
+            <a:scrgbClr r="0" g="0" b="0"/>
+          </a:effectRef>
           <a:fontRef idx="minor"/>
         </p:style>
         <p:txBody>
-          <a:bodyPr lIns="90000" rIns="90000" tIns="45000" bIns="45000"/>
+          <a:bodyPr lIns="90000" tIns="45000" rIns="90000" bIns="45000"/>
+          <a:lstStyle/>
           <a:p>
             <a:pPr marL="285840" indent="-285120">
               <a:lnSpc>
@@ -7903,13 +8915,13 @@
               <a:buChar char="•"/>
             </a:pPr>
             <a:r>
-              <a:rPr b="0" i="1" lang="en-GB" sz="1800" spc="-1" strike="noStrike">
+              <a:rPr lang="en-GB" sz="1800" b="0" i="1" strike="noStrike" spc="-1">
                 <a:solidFill>
                   <a:srgbClr val="000000"/>
                 </a:solidFill>
                 <a:uFill>
                   <a:solidFill>
-                    <a:srgbClr val="ffffff"/>
+                    <a:srgbClr val="FFFFFF"/>
                   </a:solidFill>
                 </a:uFill>
                 <a:latin typeface="Arial"/>
@@ -7917,13 +8929,13 @@
               </a:rPr>
               <a:t>Addition of models in other programming languages &amp; channel types</a:t>
             </a:r>
-            <a:endParaRPr b="0" lang="en-GB" sz="1800" spc="-1" strike="noStrike">
-              <a:solidFill>
-                <a:srgbClr val="000000"/>
-              </a:solidFill>
-              <a:uFill>
-                <a:solidFill>
-                  <a:srgbClr val="ffffff"/>
+            <a:endParaRPr lang="en-GB" sz="1800" b="0" strike="noStrike" spc="-1">
+              <a:solidFill>
+                <a:srgbClr val="000000"/>
+              </a:solidFill>
+              <a:uFill>
+                <a:solidFill>
+                  <a:srgbClr val="FFFFFF"/>
                 </a:solidFill>
               </a:uFill>
               <a:latin typeface="Arial"/>
@@ -7951,13 +8963,20 @@
           </a:ln>
         </p:spPr>
         <p:style>
-          <a:lnRef idx="0"/>
-          <a:fillRef idx="0"/>
-          <a:effectRef idx="0"/>
+          <a:lnRef idx="0">
+            <a:scrgbClr r="0" g="0" b="0"/>
+          </a:lnRef>
+          <a:fillRef idx="0">
+            <a:scrgbClr r="0" g="0" b="0"/>
+          </a:fillRef>
+          <a:effectRef idx="0">
+            <a:scrgbClr r="0" g="0" b="0"/>
+          </a:effectRef>
           <a:fontRef idx="minor"/>
         </p:style>
         <p:txBody>
-          <a:bodyPr wrap="none" lIns="90000" rIns="90000" tIns="45000" bIns="45000"/>
+          <a:bodyPr wrap="none" lIns="90000" tIns="45000" rIns="90000" bIns="45000"/>
+          <a:lstStyle/>
           <a:p>
             <a:pPr marL="285840" indent="-285120">
               <a:lnSpc>
@@ -7970,13 +8989,13 @@
               <a:buChar char="•"/>
             </a:pPr>
             <a:r>
-              <a:rPr b="0" i="1" lang="en-GB" sz="1800" spc="-1" strike="noStrike">
+              <a:rPr lang="en-GB" sz="1800" b="0" i="1" strike="noStrike" spc="-1">
                 <a:solidFill>
                   <a:srgbClr val="000000"/>
                 </a:solidFill>
                 <a:uFill>
                   <a:solidFill>
-                    <a:srgbClr val="ffffff"/>
+                    <a:srgbClr val="FFFFFF"/>
                   </a:solidFill>
                 </a:uFill>
                 <a:latin typeface="Arial"/>
@@ -7984,13 +9003,13 @@
               </a:rPr>
               <a:t>Extension to combinations of</a:t>
             </a:r>
-            <a:endParaRPr b="0" lang="en-GB" sz="1800" spc="-1" strike="noStrike">
-              <a:solidFill>
-                <a:srgbClr val="000000"/>
-              </a:solidFill>
-              <a:uFill>
-                <a:solidFill>
-                  <a:srgbClr val="ffffff"/>
+            <a:endParaRPr lang="en-GB" sz="1800" b="0" strike="noStrike" spc="-1">
+              <a:solidFill>
+                <a:srgbClr val="000000"/>
+              </a:solidFill>
+              <a:uFill>
+                <a:solidFill>
+                  <a:srgbClr val="FFFFFF"/>
                 </a:solidFill>
               </a:uFill>
               <a:latin typeface="Arial"/>
@@ -8003,42 +9022,27 @@
               </a:lnSpc>
             </a:pPr>
             <a:r>
-              <a:rPr b="0" i="1" lang="en-GB" sz="1800" spc="-1" strike="noStrike">
+              <a:rPr lang="en-GB" sz="1800" b="0" i="1" strike="noStrike" spc="-1">
                 <a:solidFill>
                   <a:srgbClr val="000000"/>
                 </a:solidFill>
                 <a:uFill>
                   <a:solidFill>
-                    <a:srgbClr val="ffffff"/>
+                    <a:srgbClr val="FFFFFF"/>
                   </a:solidFill>
                 </a:uFill>
                 <a:latin typeface="Arial"/>
                 <a:ea typeface="DejaVu Sans"/>
               </a:rPr>
-              <a:t>    </a:t>
+              <a:t>    ion channel models, morphology,</a:t>
             </a:r>
-            <a:r>
-              <a:rPr b="0" i="1" lang="en-GB" sz="1800" spc="-1" strike="noStrike">
-                <a:solidFill>
-                  <a:srgbClr val="000000"/>
-                </a:solidFill>
-                <a:uFill>
-                  <a:solidFill>
-                    <a:srgbClr val="ffffff"/>
-                  </a:solidFill>
-                </a:uFill>
-                <a:latin typeface="Arial"/>
-                <a:ea typeface="DejaVu Sans"/>
-              </a:rPr>
-              <a:t>ion channel models, morphology,</a:t>
-            </a:r>
-            <a:endParaRPr b="0" lang="en-GB" sz="1800" spc="-1" strike="noStrike">
-              <a:solidFill>
-                <a:srgbClr val="000000"/>
-              </a:solidFill>
-              <a:uFill>
-                <a:solidFill>
-                  <a:srgbClr val="ffffff"/>
+            <a:endParaRPr lang="en-GB" sz="1800" b="0" strike="noStrike" spc="-1">
+              <a:solidFill>
+                <a:srgbClr val="000000"/>
+              </a:solidFill>
+              <a:uFill>
+                <a:solidFill>
+                  <a:srgbClr val="FFFFFF"/>
                 </a:solidFill>
               </a:uFill>
               <a:latin typeface="Arial"/>
@@ -8051,42 +9055,27 @@
               </a:lnSpc>
             </a:pPr>
             <a:r>
-              <a:rPr b="0" i="1" lang="en-GB" sz="1800" spc="-1" strike="noStrike">
+              <a:rPr lang="en-GB" sz="1800" b="0" i="1" strike="noStrike" spc="-1">
                 <a:solidFill>
                   <a:srgbClr val="000000"/>
                 </a:solidFill>
                 <a:uFill>
                   <a:solidFill>
-                    <a:srgbClr val="ffffff"/>
+                    <a:srgbClr val="FFFFFF"/>
                   </a:solidFill>
                 </a:uFill>
                 <a:latin typeface="Arial"/>
                 <a:ea typeface="DejaVu Sans"/>
               </a:rPr>
-              <a:t>    </a:t>
+              <a:t>    and other neuroscience datasets</a:t>
             </a:r>
-            <a:r>
-              <a:rPr b="0" i="1" lang="en-GB" sz="1800" spc="-1" strike="noStrike">
-                <a:solidFill>
-                  <a:srgbClr val="000000"/>
-                </a:solidFill>
-                <a:uFill>
-                  <a:solidFill>
-                    <a:srgbClr val="ffffff"/>
-                  </a:solidFill>
-                </a:uFill>
-                <a:latin typeface="Arial"/>
-                <a:ea typeface="DejaVu Sans"/>
-              </a:rPr>
-              <a:t>and other neuroscience datasets</a:t>
-            </a:r>
-            <a:endParaRPr b="0" lang="en-GB" sz="1800" spc="-1" strike="noStrike">
-              <a:solidFill>
-                <a:srgbClr val="000000"/>
-              </a:solidFill>
-              <a:uFill>
-                <a:solidFill>
-                  <a:srgbClr val="ffffff"/>
+            <a:endParaRPr lang="en-GB" sz="1800" b="0" strike="noStrike" spc="-1">
+              <a:solidFill>
+                <a:srgbClr val="000000"/>
+              </a:solidFill>
+              <a:uFill>
+                <a:solidFill>
+                  <a:srgbClr val="FFFFFF"/>
                 </a:solidFill>
               </a:uFill>
               <a:latin typeface="Arial"/>
@@ -8096,12 +9085,12 @@
       </p:sp>
       <p:pic>
         <p:nvPicPr>
-          <p:cNvPr id="134" name="Picture 6" descr=""/>
+          <p:cNvPr id="134" name="Picture 6"/>
           <p:cNvPicPr/>
           <p:nvPr/>
         </p:nvPicPr>
         <p:blipFill>
-          <a:blip r:embed="rId2"/>
+          <a:blip r:embed="rId4"/>
           <a:stretch/>
         </p:blipFill>
         <p:spPr>
@@ -8119,12 +9108,12 @@
       </p:pic>
       <p:pic>
         <p:nvPicPr>
-          <p:cNvPr id="135" name="Picture 10" descr=""/>
+          <p:cNvPr id="135" name="Picture 10"/>
           <p:cNvPicPr/>
           <p:nvPr/>
         </p:nvPicPr>
         <p:blipFill>
-          <a:blip r:embed="rId3"/>
+          <a:blip r:embed="rId5"/>
           <a:stretch/>
         </p:blipFill>
         <p:spPr>
@@ -8160,13 +9149,20 @@
           </a:ln>
         </p:spPr>
         <p:style>
-          <a:lnRef idx="0"/>
-          <a:fillRef idx="0"/>
-          <a:effectRef idx="0"/>
+          <a:lnRef idx="0">
+            <a:scrgbClr r="0" g="0" b="0"/>
+          </a:lnRef>
+          <a:fillRef idx="0">
+            <a:scrgbClr r="0" g="0" b="0"/>
+          </a:fillRef>
+          <a:effectRef idx="0">
+            <a:scrgbClr r="0" g="0" b="0"/>
+          </a:effectRef>
           <a:fontRef idx="minor"/>
         </p:style>
         <p:txBody>
-          <a:bodyPr wrap="none" lIns="90000" rIns="90000" tIns="45000" bIns="45000"/>
+          <a:bodyPr wrap="none" lIns="90000" tIns="45000" rIns="90000" bIns="45000"/>
+          <a:lstStyle/>
           <a:p>
             <a:pPr marL="285840" indent="-285120">
               <a:lnSpc>
@@ -8179,13 +9175,13 @@
               <a:buChar char="•"/>
             </a:pPr>
             <a:r>
-              <a:rPr b="0" i="1" lang="en-GB" sz="1800" spc="-1" strike="noStrike">
+              <a:rPr lang="en-GB" sz="1800" b="0" i="1" strike="noStrike" spc="-1">
                 <a:solidFill>
                   <a:srgbClr val="000000"/>
                 </a:solidFill>
                 <a:uFill>
                   <a:solidFill>
-                    <a:srgbClr val="ffffff"/>
+                    <a:srgbClr val="FFFFFF"/>
                   </a:solidFill>
                 </a:uFill>
                 <a:latin typeface="Arial"/>
@@ -8193,13 +9189,13 @@
               </a:rPr>
               <a:t>Continued support thanks to</a:t>
             </a:r>
-            <a:endParaRPr b="0" lang="en-GB" sz="1800" spc="-1" strike="noStrike">
-              <a:solidFill>
-                <a:srgbClr val="000000"/>
-              </a:solidFill>
-              <a:uFill>
-                <a:solidFill>
-                  <a:srgbClr val="ffffff"/>
+            <a:endParaRPr lang="en-GB" sz="1800" b="0" strike="noStrike" spc="-1">
+              <a:solidFill>
+                <a:srgbClr val="000000"/>
+              </a:solidFill>
+              <a:uFill>
+                <a:solidFill>
+                  <a:srgbClr val="FFFFFF"/>
                 </a:solidFill>
               </a:uFill>
               <a:latin typeface="Arial"/>
@@ -8212,42 +9208,27 @@
               </a:lnSpc>
             </a:pPr>
             <a:r>
-              <a:rPr b="0" i="1" lang="en-GB" sz="1800" spc="-1" strike="noStrike">
+              <a:rPr lang="en-GB" sz="1800" b="0" i="1" strike="noStrike" spc="-1">
                 <a:solidFill>
                   <a:srgbClr val="000000"/>
                 </a:solidFill>
                 <a:uFill>
                   <a:solidFill>
-                    <a:srgbClr val="ffffff"/>
+                    <a:srgbClr val="FFFFFF"/>
                   </a:solidFill>
                 </a:uFill>
                 <a:latin typeface="Arial"/>
                 <a:ea typeface="DejaVu Sans"/>
               </a:rPr>
-              <a:t>     </a:t>
+              <a:t>     funding from the BBSRC</a:t>
             </a:r>
-            <a:r>
-              <a:rPr b="0" i="1" lang="en-GB" sz="1800" spc="-1" strike="noStrike">
-                <a:solidFill>
-                  <a:srgbClr val="000000"/>
-                </a:solidFill>
-                <a:uFill>
-                  <a:solidFill>
-                    <a:srgbClr val="ffffff"/>
-                  </a:solidFill>
-                </a:uFill>
-                <a:latin typeface="Arial"/>
-                <a:ea typeface="DejaVu Sans"/>
-              </a:rPr>
-              <a:t>funding from the BBSRC</a:t>
-            </a:r>
-            <a:endParaRPr b="0" lang="en-GB" sz="1800" spc="-1" strike="noStrike">
-              <a:solidFill>
-                <a:srgbClr val="000000"/>
-              </a:solidFill>
-              <a:uFill>
-                <a:solidFill>
-                  <a:srgbClr val="ffffff"/>
+            <a:endParaRPr lang="en-GB" sz="1800" b="0" strike="noStrike" spc="-1">
+              <a:solidFill>
+                <a:srgbClr val="000000"/>
+              </a:solidFill>
+              <a:uFill>
+                <a:solidFill>
+                  <a:srgbClr val="FFFFFF"/>
                 </a:solidFill>
               </a:uFill>
               <a:latin typeface="Arial"/>
@@ -8275,13 +9256,20 @@
           </a:ln>
         </p:spPr>
         <p:style>
-          <a:lnRef idx="0"/>
-          <a:fillRef idx="0"/>
-          <a:effectRef idx="0"/>
+          <a:lnRef idx="0">
+            <a:scrgbClr r="0" g="0" b="0"/>
+          </a:lnRef>
+          <a:fillRef idx="0">
+            <a:scrgbClr r="0" g="0" b="0"/>
+          </a:fillRef>
+          <a:effectRef idx="0">
+            <a:scrgbClr r="0" g="0" b="0"/>
+          </a:effectRef>
           <a:fontRef idx="minor"/>
         </p:style>
         <p:txBody>
-          <a:bodyPr wrap="none" lIns="90000" rIns="90000" tIns="45000" bIns="45000"/>
+          <a:bodyPr wrap="none" lIns="90000" tIns="45000" rIns="90000" bIns="45000"/>
+          <a:lstStyle/>
           <a:p>
             <a:pPr marL="285840" indent="-285120">
               <a:lnSpc>
@@ -8294,13 +9282,13 @@
               <a:buChar char="•"/>
             </a:pPr>
             <a:r>
-              <a:rPr b="0" i="1" lang="en-GB" sz="1800" spc="-1" strike="noStrike">
+              <a:rPr lang="en-GB" sz="1800" b="0" i="1" strike="noStrike" spc="-1">
                 <a:solidFill>
                   <a:srgbClr val="000000"/>
                 </a:solidFill>
                 <a:uFill>
                   <a:solidFill>
-                    <a:srgbClr val="ffffff"/>
+                    <a:srgbClr val="FFFFFF"/>
                   </a:solidFill>
                 </a:uFill>
                 <a:latin typeface="Arial"/>
@@ -8308,13 +9296,13 @@
               </a:rPr>
               <a:t>Maintenance of database with new models</a:t>
             </a:r>
-            <a:endParaRPr b="0" lang="en-GB" sz="1800" spc="-1" strike="noStrike">
-              <a:solidFill>
-                <a:srgbClr val="000000"/>
-              </a:solidFill>
-              <a:uFill>
-                <a:solidFill>
-                  <a:srgbClr val="ffffff"/>
+            <a:endParaRPr lang="en-GB" sz="1800" b="0" strike="noStrike" spc="-1">
+              <a:solidFill>
+                <a:srgbClr val="000000"/>
+              </a:solidFill>
+              <a:uFill>
+                <a:solidFill>
+                  <a:srgbClr val="FFFFFF"/>
                 </a:solidFill>
               </a:uFill>
               <a:latin typeface="Arial"/>
@@ -8327,42 +9315,27 @@
               </a:lnSpc>
             </a:pPr>
             <a:r>
-              <a:rPr b="0" i="1" lang="en-GB" sz="1800" spc="-1" strike="noStrike">
+              <a:rPr lang="en-GB" sz="1800" b="0" i="1" strike="noStrike" spc="-1">
                 <a:solidFill>
                   <a:srgbClr val="000000"/>
                 </a:solidFill>
                 <a:uFill>
                   <a:solidFill>
-                    <a:srgbClr val="ffffff"/>
+                    <a:srgbClr val="FFFFFF"/>
                   </a:solidFill>
                 </a:uFill>
                 <a:latin typeface="Arial"/>
                 <a:ea typeface="DejaVu Sans"/>
               </a:rPr>
-              <a:t>    </a:t>
+              <a:t>    &amp; collection of experimental traces</a:t>
             </a:r>
-            <a:r>
-              <a:rPr b="0" i="1" lang="en-GB" sz="1800" spc="-1" strike="noStrike">
-                <a:solidFill>
-                  <a:srgbClr val="000000"/>
-                </a:solidFill>
-                <a:uFill>
-                  <a:solidFill>
-                    <a:srgbClr val="ffffff"/>
-                  </a:solidFill>
-                </a:uFill>
-                <a:latin typeface="Arial"/>
-                <a:ea typeface="DejaVu Sans"/>
-              </a:rPr>
-              <a:t>&amp; collection of experimental traces</a:t>
-            </a:r>
-            <a:endParaRPr b="0" lang="en-GB" sz="1800" spc="-1" strike="noStrike">
-              <a:solidFill>
-                <a:srgbClr val="000000"/>
-              </a:solidFill>
-              <a:uFill>
-                <a:solidFill>
-                  <a:srgbClr val="ffffff"/>
+            <a:endParaRPr lang="en-GB" sz="1800" b="0" strike="noStrike" spc="-1">
+              <a:solidFill>
+                <a:srgbClr val="000000"/>
+              </a:solidFill>
+              <a:uFill>
+                <a:solidFill>
+                  <a:srgbClr val="FFFFFF"/>
                 </a:solidFill>
               </a:uFill>
               <a:latin typeface="Arial"/>
@@ -8372,12 +9345,12 @@
       </p:sp>
       <p:pic>
         <p:nvPicPr>
-          <p:cNvPr id="138" name="Picture 8" descr=""/>
+          <p:cNvPr id="138" name="Picture 8"/>
           <p:cNvPicPr/>
           <p:nvPr/>
         </p:nvPicPr>
         <p:blipFill>
-          <a:blip r:embed="rId4"/>
+          <a:blip r:embed="rId6"/>
           <a:stretch/>
         </p:blipFill>
         <p:spPr>
@@ -8395,22 +9368,25 @@
       </p:pic>
     </p:spTree>
   </p:cSld>
+  <p:clrMapOvr>
+    <a:masterClrMapping/>
+  </p:clrMapOvr>
   <p:timing>
     <p:tnLst>
       <p:par>
-        <p:cTn id="7" dur="indefinite" restart="never" nodeType="tmRoot">
+        <p:cTn id="1" dur="indefinite" restart="never" nodeType="tmRoot">
           <p:childTnLst>
             <p:seq>
-              <p:cTn id="8" nodeType="mainSeq"/>
+              <p:cTn id="2" nodeType="mainSeq"/>
               <p:prevCondLst>
-                <p:cond delay="0" evt="onPrev">
+                <p:cond evt="onPrev" delay="0">
                   <p:tgtEl>
                     <p:sldTgt/>
                   </p:tgtEl>
                 </p:cond>
               </p:prevCondLst>
               <p:nextCondLst>
-                <p:cond delay="0" evt="onNext">
+                <p:cond evt="onNext" delay="0">
                   <p:tgtEl>
                     <p:sldTgt/>
                   </p:tgtEl>
@@ -8645,6 +9621,8 @@
       </a:bgFillStyleLst>
     </a:fmtScheme>
   </a:themeElements>
+  <a:objectDefaults/>
+  <a:extraClrSchemeLst/>
 </a:theme>
 </file>
 
@@ -8868,6 +9846,8 @@
       </a:bgFillStyleLst>
     </a:fmtScheme>
   </a:themeElements>
+  <a:objectDefaults/>
+  <a:extraClrSchemeLst/>
 </a:theme>
 </file>
 
@@ -9091,6 +10071,8 @@
       </a:bgFillStyleLst>
     </a:fmtScheme>
   </a:themeElements>
+  <a:objectDefaults/>
+  <a:extraClrSchemeLst/>
 </a:theme>
 </file>
 
@@ -9314,5 +10296,7 @@
       </a:bgFillStyleLst>
     </a:fmtScheme>
   </a:themeElements>
+  <a:objectDefaults/>
+  <a:extraClrSchemeLst/>
 </a:theme>
 </file>